--- a/presentation/2015-07-09_Mobile-Web_Gruppe-Modulhandbuch.pptx
+++ b/presentation/2015-07-09_Mobile-Web_Gruppe-Modulhandbuch.pptx
@@ -5,10 +5,10 @@
     <p:sldMasterId id="2147483648" r:id="rId1"/>
   </p:sldMasterIdLst>
   <p:notesMasterIdLst>
-    <p:notesMasterId r:id="rId18"/>
+    <p:notesMasterId r:id="rId19"/>
   </p:notesMasterIdLst>
   <p:handoutMasterIdLst>
-    <p:handoutMasterId r:id="rId19"/>
+    <p:handoutMasterId r:id="rId20"/>
   </p:handoutMasterIdLst>
   <p:sldIdLst>
     <p:sldId id="256" r:id="rId2"/>
@@ -25,8 +25,9 @@
     <p:sldId id="264" r:id="rId13"/>
     <p:sldId id="274" r:id="rId14"/>
     <p:sldId id="276" r:id="rId15"/>
-    <p:sldId id="272" r:id="rId16"/>
-    <p:sldId id="269" r:id="rId17"/>
+    <p:sldId id="277" r:id="rId16"/>
+    <p:sldId id="272" r:id="rId17"/>
+    <p:sldId id="269" r:id="rId18"/>
   </p:sldIdLst>
   <p:sldSz cx="9144000" cy="6858000" type="screen4x3"/>
   <p:notesSz cx="6662738" cy="9774238"/>
@@ -157,7 +158,7 @@
   </p:defaultTextStyle>
   <p:extLst>
     <p:ext uri="{EFAFB233-063F-42B5-8137-9DF3F51BA10A}">
-      <p15:sldGuideLst xmlns="" xmlns:p15="http://schemas.microsoft.com/office/powerpoint/2012/main">
+      <p15:sldGuideLst xmlns:p15="http://schemas.microsoft.com/office/powerpoint/2012/main" xmlns="">
         <p15:guide id="1" orient="horz" pos="2160">
           <p15:clr>
             <a:srgbClr val="A4A3A4"/>
@@ -216,7 +217,7 @@
       </p15:sldGuideLst>
     </p:ext>
     <p:ext uri="{2D200454-40CA-4A62-9FC3-DE9A4176ACB9}">
-      <p15:notesGuideLst xmlns="" xmlns:p15="http://schemas.microsoft.com/office/powerpoint/2012/main"/>
+      <p15:notesGuideLst xmlns:p15="http://schemas.microsoft.com/office/powerpoint/2012/main" xmlns=""/>
     </p:ext>
   </p:extLst>
 </p:presentation>
@@ -304,7 +305,7 @@
           <a:p>
             <a:fld id="{9937624A-19D6-4B53-87FF-7EC9970FE6DF}" type="datetimeFigureOut">
               <a:rPr lang="de-DE" smtClean="0"/>
-              <a:t>05.07.2015</a:t>
+              <a:t>06.07.2015</a:t>
             </a:fld>
             <a:endParaRPr lang="de-DE"/>
           </a:p>
@@ -469,7 +470,7 @@
           <a:p>
             <a:fld id="{880E0E77-1EBE-4DCA-941B-CCC4F080B8D0}" type="datetimeFigureOut">
               <a:rPr lang="de-DE" smtClean="0"/>
-              <a:t>05.07.2015</a:t>
+              <a:t>06.07.2015</a:t>
             </a:fld>
             <a:endParaRPr lang="de-DE"/>
           </a:p>
@@ -1085,7 +1086,7 @@
           <a:p>
             <a:fld id="{025A0B81-BA31-43A1-964F-AB238F99C503}" type="slidenum">
               <a:rPr lang="de-DE" smtClean="0"/>
-              <a:t>16</a:t>
+              <a:t>17</a:t>
             </a:fld>
             <a:endParaRPr lang="de-DE"/>
           </a:p>
@@ -1246,7 +1247,7 @@
           <a:p>
             <a:fld id="{BE52FED1-3B53-4AFD-A771-C7BE27550915}" type="datetime1">
               <a:rPr lang="de-DE" smtClean="0"/>
-              <a:t>05.07.2015</a:t>
+              <a:t>06.07.2015</a:t>
             </a:fld>
             <a:endParaRPr lang="de-DE" dirty="0"/>
           </a:p>
@@ -1557,7 +1558,7 @@
           <a:p>
             <a:fld id="{36514D55-B040-4CBD-B6B9-F1964C8C5D0D}" type="datetime1">
               <a:rPr lang="de-DE" smtClean="0"/>
-              <a:t>05.07.2015</a:t>
+              <a:t>06.07.2015</a:t>
             </a:fld>
             <a:endParaRPr lang="de-DE"/>
           </a:p>
@@ -1816,7 +1817,7 @@
           <a:p>
             <a:fld id="{193105AA-858E-4C99-9190-244091FB0E4C}" type="datetime1">
               <a:rPr lang="de-DE" smtClean="0"/>
-              <a:t>05.07.2015</a:t>
+              <a:t>06.07.2015</a:t>
             </a:fld>
             <a:endParaRPr lang="de-DE"/>
           </a:p>
@@ -2175,7 +2176,7 @@
           <a:p>
             <a:fld id="{95DCA378-4D19-49BB-8AAE-45C7E41C1D83}" type="datetime1">
               <a:rPr lang="de-DE" smtClean="0"/>
-              <a:t>05.07.2015</a:t>
+              <a:t>06.07.2015</a:t>
             </a:fld>
             <a:endParaRPr lang="de-DE"/>
           </a:p>
@@ -2637,7 +2638,7 @@
           <a:p>
             <a:fld id="{D32B10BE-596A-4E88-9BC8-49B1B53D3333}" type="datetime1">
               <a:rPr lang="de-DE" smtClean="0"/>
-              <a:t>05.07.2015</a:t>
+              <a:t>06.07.2015</a:t>
             </a:fld>
             <a:endParaRPr lang="de-DE"/>
           </a:p>
@@ -2854,7 +2855,7 @@
           <a:p>
             <a:fld id="{33003E35-6098-4B69-A0CA-FD39498AB0F4}" type="datetime1">
               <a:rPr lang="de-DE" smtClean="0"/>
-              <a:t>05.07.2015</a:t>
+              <a:t>06.07.2015</a:t>
             </a:fld>
             <a:endParaRPr lang="de-DE"/>
           </a:p>
@@ -3016,7 +3017,7 @@
           <a:p>
             <a:fld id="{FFE014C6-8B34-4748-BFFD-43343B8201C8}" type="datetime1">
               <a:rPr lang="de-DE" smtClean="0"/>
-              <a:t>05.07.2015</a:t>
+              <a:t>06.07.2015</a:t>
             </a:fld>
             <a:endParaRPr lang="de-DE"/>
           </a:p>
@@ -3360,7 +3361,7 @@
           <a:p>
             <a:fld id="{3721457A-8B30-4567-9F44-DF3C2DA4804D}" type="datetime1">
               <a:rPr lang="de-DE" smtClean="0"/>
-              <a:t>05.07.2015</a:t>
+              <a:t>06.07.2015</a:t>
             </a:fld>
             <a:endParaRPr lang="de-DE"/>
           </a:p>
@@ -3684,7 +3685,7 @@
           <a:p>
             <a:fld id="{47982ECF-30EC-40E0-B102-478A97B403CD}" type="datetime1">
               <a:rPr lang="de-DE" smtClean="0"/>
-              <a:t>05.07.2015</a:t>
+              <a:t>06.07.2015</a:t>
             </a:fld>
             <a:endParaRPr lang="de-DE"/>
           </a:p>
@@ -4118,7 +4119,7 @@
           <a:p>
             <a:fld id="{598F92F8-949A-4A70-9DDB-CBDAE3E0A114}" type="datetime1">
               <a:rPr lang="de-DE" smtClean="0"/>
-              <a:t>05.07.2015</a:t>
+              <a:t>06.07.2015</a:t>
             </a:fld>
             <a:endParaRPr lang="de-DE" dirty="0"/>
           </a:p>
@@ -6068,15 +6069,7 @@
           <a:p>
             <a:r>
               <a:rPr lang="de-DE" dirty="0" smtClean="0"/>
-              <a:t>Prototyp „</a:t>
-            </a:r>
-            <a:r>
-              <a:rPr lang="de-DE" dirty="0" smtClean="0"/>
-              <a:t>d3plus (2)“ </a:t>
-            </a:r>
-            <a:r>
-              <a:rPr lang="de-DE" dirty="0" smtClean="0"/>
-              <a:t>– Code-Auszug</a:t>
+              <a:t>Prototyp „d3plus (2)“ – Code-Auszug</a:t>
             </a:r>
             <a:endParaRPr lang="de-DE" dirty="0"/>
           </a:p>
@@ -6599,15 +6592,7 @@
           <a:p>
             <a:r>
               <a:rPr lang="de-DE" dirty="0" smtClean="0"/>
-              <a:t>Prototyp „</a:t>
-            </a:r>
-            <a:r>
-              <a:rPr lang="de-DE" dirty="0" smtClean="0"/>
-              <a:t>d3plus (2)“ </a:t>
-            </a:r>
-            <a:r>
-              <a:rPr lang="de-DE" dirty="0" smtClean="0"/>
-              <a:t>– Code-Auszug</a:t>
+              <a:t>Prototyp „d3plus (2)“ – Code-Auszug</a:t>
             </a:r>
             <a:endParaRPr lang="de-DE" dirty="0"/>
           </a:p>
@@ -7120,29 +7105,18 @@
               <a:rPr lang="de-DE" dirty="0" smtClean="0"/>
               <a:t> Design“ vorhanden</a:t>
             </a:r>
-            <a:endParaRPr lang="de-DE" dirty="0" smtClean="0"/>
           </a:p>
           <a:p>
             <a:r>
               <a:rPr lang="de-DE" dirty="0" smtClean="0"/>
               <a:t>Navigation verbessert (Zurück-Button verfügbar)</a:t>
             </a:r>
-            <a:endParaRPr lang="de-DE" dirty="0" smtClean="0"/>
           </a:p>
           <a:p>
             <a:r>
               <a:rPr lang="de-DE" dirty="0" smtClean="0"/>
-              <a:t>Farbliche </a:t>
-            </a:r>
-            <a:r>
-              <a:rPr lang="de-DE" dirty="0" smtClean="0"/>
-              <a:t>Gruppierung </a:t>
-            </a:r>
-            <a:r>
-              <a:rPr lang="de-DE" dirty="0" smtClean="0"/>
-              <a:t>von Modulen</a:t>
-            </a:r>
-            <a:endParaRPr lang="de-DE" dirty="0" smtClean="0"/>
+              <a:t>Farbliche Gruppierung von Modulen</a:t>
+            </a:r>
           </a:p>
           <a:p>
             <a:pPr marL="0" indent="0">
@@ -7231,6 +7205,70 @@
           </a:p>
         </p:txBody>
       </p:sp>
+      <p:pic>
+        <p:nvPicPr>
+          <p:cNvPr id="8" name="Picture 3"/>
+          <p:cNvPicPr>
+            <a:picLocks noChangeAspect="1" noChangeArrowheads="1"/>
+          </p:cNvPicPr>
+          <p:nvPr/>
+        </p:nvPicPr>
+        <p:blipFill>
+          <a:blip r:embed="rId2">
+            <a:extLst>
+              <a:ext uri="{28A0092B-C50C-407E-A947-70E740481C1C}">
+                <a14:useLocalDpi xmlns:a14="http://schemas.microsoft.com/office/drawing/2010/main" val="0"/>
+              </a:ext>
+            </a:extLst>
+          </a:blip>
+          <a:srcRect/>
+          <a:stretch>
+            <a:fillRect/>
+          </a:stretch>
+        </p:blipFill>
+        <p:spPr bwMode="auto">
+          <a:xfrm>
+            <a:off x="6804248" y="3579924"/>
+            <a:ext cx="1874837" cy="2347913"/>
+          </a:xfrm>
+          <a:prstGeom prst="rect">
+            <a:avLst/>
+          </a:prstGeom>
+          <a:noFill/>
+          <a:ln>
+            <a:noFill/>
+          </a:ln>
+          <a:effectLst/>
+          <a:extLst>
+            <a:ext uri="{909E8E84-426E-40DD-AFC4-6F175D3DCCD1}">
+              <a14:hiddenFill xmlns:a14="http://schemas.microsoft.com/office/drawing/2010/main">
+                <a:solidFill>
+                  <a:schemeClr val="accent1"/>
+                </a:solidFill>
+              </a14:hiddenFill>
+            </a:ext>
+            <a:ext uri="{91240B29-F687-4F45-9708-019B960494DF}">
+              <a14:hiddenLine xmlns:a14="http://schemas.microsoft.com/office/drawing/2010/main" w="9525">
+                <a:solidFill>
+                  <a:schemeClr val="tx1"/>
+                </a:solidFill>
+                <a:miter lim="800000"/>
+                <a:headEnd/>
+                <a:tailEnd/>
+              </a14:hiddenLine>
+            </a:ext>
+            <a:ext uri="{AF507438-7753-43E0-B8FC-AC1667EBCBE1}">
+              <a14:hiddenEffects xmlns:a14="http://schemas.microsoft.com/office/drawing/2010/main">
+                <a:effectLst>
+                  <a:outerShdw dist="35921" dir="2700000" algn="ctr" rotWithShape="0">
+                    <a:schemeClr val="bg2"/>
+                  </a:outerShdw>
+                </a:effectLst>
+              </a14:hiddenEffects>
+            </a:ext>
+          </a:extLst>
+        </p:spPr>
+      </p:pic>
     </p:spTree>
     <p:extLst>
       <p:ext uri="{BB962C8B-B14F-4D97-AF65-F5344CB8AC3E}">
@@ -7594,7 +7632,7 @@
         </p:blipFill>
         <p:spPr bwMode="auto">
           <a:xfrm>
-            <a:off x="437771" y="1512000"/>
+            <a:off x="447198" y="1512000"/>
             <a:ext cx="8280000" cy="4430001"/>
           </a:xfrm>
           <a:prstGeom prst="rect">
@@ -7658,7 +7696,7 @@
         </p:blipFill>
         <p:spPr bwMode="auto">
           <a:xfrm>
-            <a:off x="422589" y="1474151"/>
+            <a:off x="446278" y="1474151"/>
             <a:ext cx="8352000" cy="4447668"/>
           </a:xfrm>
           <a:prstGeom prst="rect">
@@ -7688,6 +7726,47 @@
                   </a:outerShdw>
                 </a:effectLst>
               </a14:hiddenEffects>
+            </a:ext>
+          </a:extLst>
+        </p:spPr>
+      </p:pic>
+      <p:pic>
+        <p:nvPicPr>
+          <p:cNvPr id="8" name="Picture 2" descr="http://static.flickr.com/134/326234991_429619a02b_o.jpg"/>
+          <p:cNvPicPr>
+            <a:picLocks noChangeAspect="1" noChangeArrowheads="1"/>
+          </p:cNvPicPr>
+          <p:nvPr/>
+        </p:nvPicPr>
+        <p:blipFill>
+          <a:blip r:embed="rId5">
+            <a:extLst>
+              <a:ext uri="{28A0092B-C50C-407E-A947-70E740481C1C}">
+                <a14:useLocalDpi xmlns:a14="http://schemas.microsoft.com/office/drawing/2010/main" val="0"/>
+              </a:ext>
+            </a:extLst>
+          </a:blip>
+          <a:srcRect/>
+          <a:stretch>
+            <a:fillRect/>
+          </a:stretch>
+        </p:blipFill>
+        <p:spPr bwMode="auto">
+          <a:xfrm>
+            <a:off x="2627784" y="1474151"/>
+            <a:ext cx="4184387" cy="4289436"/>
+          </a:xfrm>
+          <a:prstGeom prst="rect">
+            <a:avLst/>
+          </a:prstGeom>
+          <a:noFill/>
+          <a:extLst>
+            <a:ext uri="{909E8E84-426E-40DD-AFC4-6F175D3DCCD1}">
+              <a14:hiddenFill xmlns:a14="http://schemas.microsoft.com/office/drawing/2010/main">
+                <a:solidFill>
+                  <a:srgbClr val="FFFFFF"/>
+                </a:solidFill>
+              </a14:hiddenFill>
             </a:ext>
           </a:extLst>
         </p:spPr>
@@ -7723,7 +7802,7 @@
                             </p:stCondLst>
                             <p:childTnLst>
                               <p:par>
-                                <p:cTn id="5" presetID="1" presetClass="entr" presetSubtype="0" fill="hold" nodeType="clickEffect">
+                                <p:cTn id="5" presetID="1" presetClass="exit" presetSubtype="0" fill="hold" nodeType="clickEffect">
                                   <p:stCondLst>
                                     <p:cond delay="0"/>
                                   </p:stCondLst>
@@ -7731,6 +7810,78 @@
                                     <p:set>
                                       <p:cBhvr>
                                         <p:cTn id="6" dur="1" fill="hold">
+                                          <p:stCondLst>
+                                            <p:cond delay="0"/>
+                                          </p:stCondLst>
+                                        </p:cTn>
+                                        <p:tgtEl>
+                                          <p:spTgt spid="8"/>
+                                        </p:tgtEl>
+                                        <p:attrNameLst>
+                                          <p:attrName>style.visibility</p:attrName>
+                                        </p:attrNameLst>
+                                      </p:cBhvr>
+                                      <p:to>
+                                        <p:strVal val="hidden"/>
+                                      </p:to>
+                                    </p:set>
+                                  </p:childTnLst>
+                                </p:cTn>
+                              </p:par>
+                              <p:par>
+                                <p:cTn id="7" presetID="1" presetClass="entr" presetSubtype="0" fill="hold" nodeType="withEffect">
+                                  <p:stCondLst>
+                                    <p:cond delay="0"/>
+                                  </p:stCondLst>
+                                  <p:childTnLst>
+                                    <p:set>
+                                      <p:cBhvr>
+                                        <p:cTn id="8" dur="1" fill="hold">
+                                          <p:stCondLst>
+                                            <p:cond delay="0"/>
+                                          </p:stCondLst>
+                                        </p:cTn>
+                                        <p:tgtEl>
+                                          <p:spTgt spid="2053"/>
+                                        </p:tgtEl>
+                                        <p:attrNameLst>
+                                          <p:attrName>style.visibility</p:attrName>
+                                        </p:attrNameLst>
+                                      </p:cBhvr>
+                                      <p:to>
+                                        <p:strVal val="visible"/>
+                                      </p:to>
+                                    </p:set>
+                                  </p:childTnLst>
+                                </p:cTn>
+                              </p:par>
+                            </p:childTnLst>
+                          </p:cTn>
+                        </p:par>
+                      </p:childTnLst>
+                    </p:cTn>
+                  </p:par>
+                  <p:par>
+                    <p:cTn id="9" fill="hold">
+                      <p:stCondLst>
+                        <p:cond delay="indefinite"/>
+                      </p:stCondLst>
+                      <p:childTnLst>
+                        <p:par>
+                          <p:cTn id="10" fill="hold">
+                            <p:stCondLst>
+                              <p:cond delay="0"/>
+                            </p:stCondLst>
+                            <p:childTnLst>
+                              <p:par>
+                                <p:cTn id="11" presetID="1" presetClass="entr" presetSubtype="0" fill="hold" nodeType="clickEffect">
+                                  <p:stCondLst>
+                                    <p:cond delay="0"/>
+                                  </p:stCondLst>
+                                  <p:childTnLst>
+                                    <p:set>
+                                      <p:cBhvr>
+                                        <p:cTn id="12" dur="1" fill="hold">
                                           <p:stCondLst>
                                             <p:cond delay="0"/>
                                           </p:stCondLst>
@@ -7756,26 +7907,26 @@
                     </p:cTn>
                   </p:par>
                   <p:par>
-                    <p:cTn id="7" fill="hold">
+                    <p:cTn id="13" fill="hold">
                       <p:stCondLst>
                         <p:cond delay="indefinite"/>
                       </p:stCondLst>
                       <p:childTnLst>
                         <p:par>
-                          <p:cTn id="8" fill="hold">
+                          <p:cTn id="14" fill="hold">
                             <p:stCondLst>
                               <p:cond delay="0"/>
                             </p:stCondLst>
                             <p:childTnLst>
                               <p:par>
-                                <p:cTn id="9" presetID="1" presetClass="entr" presetSubtype="0" fill="hold" nodeType="clickEffect">
+                                <p:cTn id="15" presetID="1" presetClass="entr" presetSubtype="0" fill="hold" nodeType="clickEffect">
                                   <p:stCondLst>
                                     <p:cond delay="0"/>
                                   </p:stCondLst>
                                   <p:childTnLst>
                                     <p:set>
                                       <p:cBhvr>
-                                        <p:cTn id="10" dur="1" fill="hold">
+                                        <p:cTn id="16" dur="1" fill="hold">
                                           <p:stCondLst>
                                             <p:cond delay="0"/>
                                           </p:stCondLst>
@@ -7842,6 +7993,70 @@
           <a:chExt cx="0" cy="0"/>
         </a:xfrm>
       </p:grpSpPr>
+      <p:pic>
+        <p:nvPicPr>
+          <p:cNvPr id="16" name="Picture 6"/>
+          <p:cNvPicPr>
+            <a:picLocks noChangeAspect="1" noChangeArrowheads="1"/>
+          </p:cNvPicPr>
+          <p:nvPr/>
+        </p:nvPicPr>
+        <p:blipFill>
+          <a:blip r:embed="rId2">
+            <a:extLst>
+              <a:ext uri="{28A0092B-C50C-407E-A947-70E740481C1C}">
+                <a14:useLocalDpi xmlns:a14="http://schemas.microsoft.com/office/drawing/2010/main" val="0"/>
+              </a:ext>
+            </a:extLst>
+          </a:blip>
+          <a:srcRect/>
+          <a:stretch>
+            <a:fillRect/>
+          </a:stretch>
+        </p:blipFill>
+        <p:spPr bwMode="auto">
+          <a:xfrm>
+            <a:off x="5940152" y="3481498"/>
+            <a:ext cx="3009900" cy="2544763"/>
+          </a:xfrm>
+          <a:prstGeom prst="rect">
+            <a:avLst/>
+          </a:prstGeom>
+          <a:noFill/>
+          <a:ln>
+            <a:noFill/>
+          </a:ln>
+          <a:effectLst/>
+          <a:extLst>
+            <a:ext uri="{909E8E84-426E-40DD-AFC4-6F175D3DCCD1}">
+              <a14:hiddenFill xmlns:a14="http://schemas.microsoft.com/office/drawing/2010/main">
+                <a:solidFill>
+                  <a:schemeClr val="accent1"/>
+                </a:solidFill>
+              </a14:hiddenFill>
+            </a:ext>
+            <a:ext uri="{91240B29-F687-4F45-9708-019B960494DF}">
+              <a14:hiddenLine xmlns:a14="http://schemas.microsoft.com/office/drawing/2010/main" w="9525">
+                <a:solidFill>
+                  <a:schemeClr val="tx1"/>
+                </a:solidFill>
+                <a:miter lim="800000"/>
+                <a:headEnd/>
+                <a:tailEnd/>
+              </a14:hiddenLine>
+            </a:ext>
+            <a:ext uri="{AF507438-7753-43E0-B8FC-AC1667EBCBE1}">
+              <a14:hiddenEffects xmlns:a14="http://schemas.microsoft.com/office/drawing/2010/main">
+                <a:effectLst>
+                  <a:outerShdw dist="35921" dir="2700000" algn="ctr" rotWithShape="0">
+                    <a:schemeClr val="bg2"/>
+                  </a:outerShdw>
+                </a:effectLst>
+              </a14:hiddenEffects>
+            </a:ext>
+          </a:extLst>
+        </p:spPr>
+      </p:pic>
       <p:sp>
         <p:nvSpPr>
           <p:cNvPr id="2" name="Titel 1"/>
@@ -7871,7 +8086,7 @@
             </a:r>
             <a:r>
               <a:rPr lang="de-DE" dirty="0" smtClean="0"/>
-              <a:t>Fazit</a:t>
+              <a:t>Fazit inkl. Timeline</a:t>
             </a:r>
             <a:endParaRPr lang="de-DE" dirty="0"/>
           </a:p>
@@ -7936,29 +8151,18 @@
               <a:rPr lang="de-DE" dirty="0" smtClean="0"/>
               <a:t> Design“ vorhanden</a:t>
             </a:r>
-            <a:endParaRPr lang="de-DE" dirty="0" smtClean="0"/>
           </a:p>
           <a:p>
             <a:r>
               <a:rPr lang="de-DE" dirty="0" smtClean="0"/>
               <a:t>Navigation verbessert (Zurück-Button verfügbar)</a:t>
             </a:r>
-            <a:endParaRPr lang="de-DE" dirty="0" smtClean="0"/>
           </a:p>
           <a:p>
             <a:r>
               <a:rPr lang="de-DE" dirty="0" smtClean="0"/>
-              <a:t>Farbliche </a:t>
-            </a:r>
-            <a:r>
-              <a:rPr lang="de-DE" dirty="0" smtClean="0"/>
-              <a:t>Gruppierung </a:t>
-            </a:r>
-            <a:r>
-              <a:rPr lang="de-DE" dirty="0" smtClean="0"/>
-              <a:t>von Modulen</a:t>
-            </a:r>
-            <a:endParaRPr lang="de-DE" dirty="0" smtClean="0"/>
+              <a:t>Farbliche Gruppierung von Modulen</a:t>
+            </a:r>
           </a:p>
           <a:p>
             <a:pPr marL="0" indent="0">
@@ -8220,93 +8424,9 @@
           <a:p>
             <a:r>
               <a:rPr lang="de-DE" dirty="0" smtClean="0"/>
-              <a:t>Fazit</a:t>
+              <a:t>Ergebnis</a:t>
             </a:r>
             <a:endParaRPr lang="de-DE" dirty="0"/>
-          </a:p>
-        </p:txBody>
-      </p:sp>
-      <p:sp>
-        <p:nvSpPr>
-          <p:cNvPr id="3" name="Inhaltsplatzhalter 2"/>
-          <p:cNvSpPr>
-            <a:spLocks noGrp="1"/>
-          </p:cNvSpPr>
-          <p:nvPr>
-            <p:ph idx="1"/>
-          </p:nvPr>
-        </p:nvSpPr>
-        <p:spPr/>
-        <p:txBody>
-          <a:bodyPr/>
-          <a:lstStyle/>
-          <a:p>
-            <a:pPr marL="0" indent="0" algn="ctr">
-              <a:buNone/>
-            </a:pPr>
-            <a:r>
-              <a:rPr lang="de-DE" sz="3200" b="1" dirty="0" smtClean="0"/>
-              <a:t>Kombination zweier Ansichten gewährt </a:t>
-            </a:r>
-          </a:p>
-          <a:p>
-            <a:pPr marL="0" indent="0" algn="ctr">
-              <a:buNone/>
-            </a:pPr>
-            <a:r>
-              <a:rPr lang="de-DE" sz="3200" b="1" dirty="0" smtClean="0"/>
-              <a:t>vollständigen Überblick</a:t>
-            </a:r>
-          </a:p>
-          <a:p>
-            <a:pPr marL="0" indent="0" algn="ctr">
-              <a:buNone/>
-            </a:pPr>
-            <a:endParaRPr lang="de-DE" sz="3200" b="1" dirty="0"/>
-          </a:p>
-          <a:p>
-            <a:pPr marL="0" indent="0">
-              <a:buNone/>
-            </a:pPr>
-            <a:endParaRPr lang="de-DE" sz="3200" dirty="0" smtClean="0"/>
-          </a:p>
-          <a:p>
-            <a:pPr marL="0" indent="0">
-              <a:buNone/>
-            </a:pPr>
-            <a:endParaRPr lang="de-DE" sz="3200" dirty="0"/>
-          </a:p>
-          <a:p>
-            <a:pPr marL="0" indent="0" algn="ctr">
-              <a:buNone/>
-            </a:pPr>
-            <a:r>
-              <a:rPr lang="de-DE" sz="3200" b="1" dirty="0" smtClean="0">
-                <a:sym typeface="Wingdings" panose="05000000000000000000" pitchFamily="2" charset="2"/>
-              </a:rPr>
-              <a:t>Vielen </a:t>
-            </a:r>
-            <a:r>
-              <a:rPr lang="de-DE" sz="3200" b="1" dirty="0">
-                <a:sym typeface="Wingdings" panose="05000000000000000000" pitchFamily="2" charset="2"/>
-              </a:rPr>
-              <a:t>Dank für Ihre </a:t>
-            </a:r>
-          </a:p>
-          <a:p>
-            <a:pPr marL="0" indent="0" algn="ctr">
-              <a:buNone/>
-            </a:pPr>
-            <a:r>
-              <a:rPr lang="de-DE" sz="3200" b="1" dirty="0">
-                <a:sym typeface="Wingdings" panose="05000000000000000000" pitchFamily="2" charset="2"/>
-              </a:rPr>
-              <a:t>Aufmerksamkeit</a:t>
-            </a:r>
-            <a:endParaRPr lang="de-DE" sz="3200" b="1" dirty="0"/>
-          </a:p>
-          <a:p>
-            <a:endParaRPr lang="de-DE" sz="3200" dirty="0"/>
           </a:p>
         </p:txBody>
       </p:sp>
@@ -8357,21 +8477,77 @@
           </a:p>
         </p:txBody>
       </p:sp>
-      <p:cxnSp>
-        <p:nvCxnSpPr>
-          <p:cNvPr id="6" name="Gerade Verbindung 5"/>
-          <p:cNvCxnSpPr/>
+      <p:pic>
+        <p:nvPicPr>
+          <p:cNvPr id="1026" name="Picture 2"/>
+          <p:cNvPicPr>
+            <a:picLocks noChangeAspect="1" noChangeArrowheads="1"/>
+          </p:cNvPicPr>
           <p:nvPr/>
-        </p:nvCxnSpPr>
+        </p:nvPicPr>
+        <p:blipFill>
+          <a:blip r:embed="rId2">
+            <a:extLst>
+              <a:ext uri="{28A0092B-C50C-407E-A947-70E740481C1C}">
+                <a14:useLocalDpi xmlns:a14="http://schemas.microsoft.com/office/drawing/2010/main" val="0"/>
+              </a:ext>
+            </a:extLst>
+          </a:blip>
+          <a:srcRect/>
+          <a:stretch>
+            <a:fillRect/>
+          </a:stretch>
+        </p:blipFill>
+        <p:spPr bwMode="auto">
+          <a:xfrm>
+            <a:off x="323528" y="1380915"/>
+            <a:ext cx="8403198" cy="4686399"/>
+          </a:xfrm>
+          <a:prstGeom prst="rect">
+            <a:avLst/>
+          </a:prstGeom>
+          <a:noFill/>
+          <a:ln w="9525">
+            <a:solidFill>
+              <a:schemeClr val="bg1">
+                <a:lumMod val="50000"/>
+              </a:schemeClr>
+            </a:solidFill>
+            <a:miter lim="800000"/>
+            <a:headEnd/>
+            <a:tailEnd/>
+          </a:ln>
+          <a:extLst>
+            <a:ext uri="{909E8E84-426E-40DD-AFC4-6F175D3DCCD1}">
+              <a14:hiddenFill xmlns:a14="http://schemas.microsoft.com/office/drawing/2010/main">
+                <a:solidFill>
+                  <a:schemeClr val="accent1"/>
+                </a:solidFill>
+              </a14:hiddenFill>
+            </a:ext>
+          </a:extLst>
+        </p:spPr>
+      </p:pic>
+      <p:sp>
+        <p:nvSpPr>
+          <p:cNvPr id="6" name="Rechteck 5"/>
+          <p:cNvSpPr/>
+          <p:nvPr/>
+        </p:nvSpPr>
         <p:spPr>
           <a:xfrm>
-            <a:off x="323528" y="3501008"/>
-            <a:ext cx="8424936" cy="0"/>
+            <a:off x="899592" y="3933056"/>
+            <a:ext cx="7200800" cy="1077218"/>
           </a:xfrm>
-          <a:prstGeom prst="line">
+          <a:prstGeom prst="rect">
             <a:avLst/>
           </a:prstGeom>
-          <a:ln w="28575">
+          <a:solidFill>
+            <a:schemeClr val="bg1">
+              <a:lumMod val="85000"/>
+            </a:schemeClr>
+          </a:solidFill>
+          <a:ln>
             <a:solidFill>
               <a:schemeClr val="bg1">
                 <a:lumMod val="50000"/>
@@ -8379,25 +8555,31 @@
             </a:solidFill>
           </a:ln>
         </p:spPr>
-        <p:style>
-          <a:lnRef idx="1">
-            <a:schemeClr val="dk1"/>
-          </a:lnRef>
-          <a:fillRef idx="0">
-            <a:schemeClr val="dk1"/>
-          </a:fillRef>
-          <a:effectRef idx="0">
-            <a:schemeClr val="dk1"/>
-          </a:effectRef>
-          <a:fontRef idx="minor">
-            <a:schemeClr val="tx1"/>
-          </a:fontRef>
-        </p:style>
-      </p:cxnSp>
+        <p:txBody>
+          <a:bodyPr wrap="square">
+            <a:spAutoFit/>
+          </a:bodyPr>
+          <a:lstStyle/>
+          <a:p>
+            <a:pPr marL="0" indent="0" algn="ctr">
+              <a:buNone/>
+            </a:pPr>
+            <a:r>
+              <a:rPr lang="de-DE" sz="3200" b="1" dirty="0"/>
+              <a:t>Kombination zweier Ansichten gewährt </a:t>
+            </a:r>
+            <a:r>
+              <a:rPr lang="de-DE" sz="3200" b="1" dirty="0" smtClean="0"/>
+              <a:t>umfangreichen Überblick</a:t>
+            </a:r>
+            <a:endParaRPr lang="de-DE" sz="3200" b="1" dirty="0"/>
+          </a:p>
+        </p:txBody>
+      </p:sp>
     </p:spTree>
     <p:extLst>
       <p:ext uri="{BB962C8B-B14F-4D97-AF65-F5344CB8AC3E}">
-        <p14:creationId xmlns:p14="http://schemas.microsoft.com/office/powerpoint/2010/main" val="2824649889"/>
+        <p14:creationId xmlns:p14="http://schemas.microsoft.com/office/powerpoint/2010/main" val="2471980146"/>
       </p:ext>
     </p:extLst>
   </p:cSld>
@@ -8425,7 +8607,7 @@
                             </p:stCondLst>
                             <p:childTnLst>
                               <p:par>
-                                <p:cTn id="5" presetID="1" presetClass="entr" presetSubtype="0" fill="hold" nodeType="clickEffect">
+                                <p:cTn id="5" presetID="1" presetClass="entr" presetSubtype="0" fill="hold" grpId="0" nodeType="clickEffect">
                                   <p:stCondLst>
                                     <p:cond delay="0"/>
                                   </p:stCondLst>
@@ -8439,68 +8621,6 @@
                                         </p:cTn>
                                         <p:tgtEl>
                                           <p:spTgt spid="6"/>
-                                        </p:tgtEl>
-                                        <p:attrNameLst>
-                                          <p:attrName>style.visibility</p:attrName>
-                                        </p:attrNameLst>
-                                      </p:cBhvr>
-                                      <p:to>
-                                        <p:strVal val="visible"/>
-                                      </p:to>
-                                    </p:set>
-                                  </p:childTnLst>
-                                </p:cTn>
-                              </p:par>
-                              <p:par>
-                                <p:cTn id="7" presetID="1" presetClass="entr" presetSubtype="0" fill="hold" nodeType="withEffect">
-                                  <p:stCondLst>
-                                    <p:cond delay="0"/>
-                                  </p:stCondLst>
-                                  <p:childTnLst>
-                                    <p:set>
-                                      <p:cBhvr>
-                                        <p:cTn id="8" dur="1" fill="hold">
-                                          <p:stCondLst>
-                                            <p:cond delay="0"/>
-                                          </p:stCondLst>
-                                        </p:cTn>
-                                        <p:tgtEl>
-                                          <p:spTgt spid="3">
-                                            <p:txEl>
-                                              <p:pRg st="5" end="5"/>
-                                            </p:txEl>
-                                          </p:spTgt>
-                                        </p:tgtEl>
-                                        <p:attrNameLst>
-                                          <p:attrName>style.visibility</p:attrName>
-                                        </p:attrNameLst>
-                                      </p:cBhvr>
-                                      <p:to>
-                                        <p:strVal val="visible"/>
-                                      </p:to>
-                                    </p:set>
-                                  </p:childTnLst>
-                                </p:cTn>
-                              </p:par>
-                              <p:par>
-                                <p:cTn id="9" presetID="1" presetClass="entr" presetSubtype="0" fill="hold" nodeType="withEffect">
-                                  <p:stCondLst>
-                                    <p:cond delay="0"/>
-                                  </p:stCondLst>
-                                  <p:childTnLst>
-                                    <p:set>
-                                      <p:cBhvr>
-                                        <p:cTn id="10" dur="1" fill="hold">
-                                          <p:stCondLst>
-                                            <p:cond delay="0"/>
-                                          </p:stCondLst>
-                                        </p:cTn>
-                                        <p:tgtEl>
-                                          <p:spTgt spid="3">
-                                            <p:txEl>
-                                              <p:pRg st="6" end="6"/>
-                                            </p:txEl>
-                                          </p:spTgt>
                                         </p:tgtEl>
                                         <p:attrNameLst>
                                           <p:attrName>style.visibility</p:attrName>
@@ -8540,6 +8660,9 @@
         </p:cTn>
       </p:par>
     </p:tnLst>
+    <p:bldLst>
+      <p:bldP spid="6" grpId="0" animBg="1"/>
+    </p:bldLst>
   </p:timing>
 </p:sld>
 </file>
@@ -8578,15 +8701,7 @@
           <a:p>
             <a:r>
               <a:rPr lang="de-DE" dirty="0" smtClean="0"/>
-              <a:t>Prototyp „</a:t>
-            </a:r>
-            <a:r>
-              <a:rPr lang="de-DE" dirty="0" smtClean="0"/>
-              <a:t>d3plus (2)“ </a:t>
-            </a:r>
-            <a:r>
-              <a:rPr lang="de-DE" dirty="0" smtClean="0"/>
-              <a:t>– Ergebnis</a:t>
+              <a:t>Ergebnis</a:t>
             </a:r>
             <a:endParaRPr lang="de-DE" dirty="0"/>
           </a:p>
@@ -8610,23 +8725,51 @@
             <a:pPr marL="0" indent="0" algn="ctr">
               <a:buNone/>
             </a:pPr>
-            <a:endParaRPr lang="de-DE" sz="4800" dirty="0" smtClean="0"/>
+            <a:endParaRPr lang="de-DE" sz="3200" b="1" dirty="0" smtClean="0"/>
           </a:p>
           <a:p>
             <a:pPr marL="0" indent="0" algn="ctr">
               <a:buNone/>
             </a:pPr>
-            <a:endParaRPr lang="de-DE" sz="4800" dirty="0"/>
+            <a:endParaRPr lang="de-DE" sz="3200" b="1" dirty="0"/>
           </a:p>
           <a:p>
             <a:pPr marL="0" indent="0">
               <a:buNone/>
             </a:pPr>
-            <a:r>
-              <a:rPr lang="de-DE" sz="4800" dirty="0" smtClean="0"/>
-              <a:t>Live Demo</a:t>
-            </a:r>
-            <a:endParaRPr lang="de-DE" sz="4800" dirty="0"/>
+            <a:endParaRPr lang="de-DE" sz="3200" dirty="0"/>
+          </a:p>
+          <a:p>
+            <a:pPr marL="0" indent="0" algn="ctr">
+              <a:buNone/>
+            </a:pPr>
+            <a:r>
+              <a:rPr lang="de-DE" sz="3200" b="1" dirty="0" smtClean="0">
+                <a:sym typeface="Wingdings" panose="05000000000000000000" pitchFamily="2" charset="2"/>
+              </a:rPr>
+              <a:t>Vielen </a:t>
+            </a:r>
+            <a:r>
+              <a:rPr lang="de-DE" sz="3200" b="1" dirty="0">
+                <a:sym typeface="Wingdings" panose="05000000000000000000" pitchFamily="2" charset="2"/>
+              </a:rPr>
+              <a:t>Dank für Ihre </a:t>
+            </a:r>
+          </a:p>
+          <a:p>
+            <a:pPr marL="0" indent="0" algn="ctr">
+              <a:buNone/>
+            </a:pPr>
+            <a:r>
+              <a:rPr lang="de-DE" sz="3200" b="1" dirty="0">
+                <a:sym typeface="Wingdings" panose="05000000000000000000" pitchFamily="2" charset="2"/>
+              </a:rPr>
+              <a:t>Aufmerksamkeit</a:t>
+            </a:r>
+            <a:endParaRPr lang="de-DE" sz="3200" b="1" dirty="0"/>
+          </a:p>
+          <a:p>
+            <a:endParaRPr lang="de-DE" sz="3200" dirty="0"/>
           </a:p>
         </p:txBody>
       </p:sp>
@@ -8649,6 +8792,151 @@
               <a:rPr lang="de-DE" smtClean="0"/>
               <a:pPr/>
               <a:t>16</a:t>
+            </a:fld>
+            <a:endParaRPr lang="de-DE"/>
+          </a:p>
+        </p:txBody>
+      </p:sp>
+      <p:sp>
+        <p:nvSpPr>
+          <p:cNvPr id="5" name="Fußzeilenplatzhalter 4"/>
+          <p:cNvSpPr>
+            <a:spLocks noGrp="1"/>
+          </p:cNvSpPr>
+          <p:nvPr>
+            <p:ph type="ftr" sz="quarter" idx="3"/>
+          </p:nvPr>
+        </p:nvSpPr>
+        <p:spPr/>
+        <p:txBody>
+          <a:bodyPr/>
+          <a:lstStyle/>
+          <a:p>
+            <a:r>
+              <a:rPr lang="it-IT" smtClean="0"/>
+              <a:t>Mobile Web | Projekt: Modulhandbuch</a:t>
+            </a:r>
+            <a:endParaRPr lang="de-DE" dirty="0"/>
+          </a:p>
+        </p:txBody>
+      </p:sp>
+    </p:spTree>
+    <p:extLst>
+      <p:ext uri="{BB962C8B-B14F-4D97-AF65-F5344CB8AC3E}">
+        <p14:creationId xmlns:p14="http://schemas.microsoft.com/office/powerpoint/2010/main" val="2824649889"/>
+      </p:ext>
+    </p:extLst>
+  </p:cSld>
+  <p:clrMapOvr>
+    <a:masterClrMapping/>
+  </p:clrMapOvr>
+  <p:timing>
+    <p:tnLst>
+      <p:par>
+        <p:cTn id="1" dur="indefinite" restart="never" nodeType="tmRoot"/>
+      </p:par>
+    </p:tnLst>
+  </p:timing>
+</p:sld>
+</file>
+
+<file path=ppt/slides/slide17.xml><?xml version="1.0" encoding="utf-8"?>
+<p:sld xmlns:a="http://schemas.openxmlformats.org/drawingml/2006/main" xmlns:r="http://schemas.openxmlformats.org/officeDocument/2006/relationships" xmlns:p="http://schemas.openxmlformats.org/presentationml/2006/main">
+  <p:cSld>
+    <p:spTree>
+      <p:nvGrpSpPr>
+        <p:cNvPr id="1" name=""/>
+        <p:cNvGrpSpPr/>
+        <p:nvPr/>
+      </p:nvGrpSpPr>
+      <p:grpSpPr>
+        <a:xfrm>
+          <a:off x="0" y="0"/>
+          <a:ext cx="0" cy="0"/>
+          <a:chOff x="0" y="0"/>
+          <a:chExt cx="0" cy="0"/>
+        </a:xfrm>
+      </p:grpSpPr>
+      <p:sp>
+        <p:nvSpPr>
+          <p:cNvPr id="2" name="Titel 1"/>
+          <p:cNvSpPr>
+            <a:spLocks noGrp="1"/>
+          </p:cNvSpPr>
+          <p:nvPr>
+            <p:ph type="title"/>
+          </p:nvPr>
+        </p:nvSpPr>
+        <p:spPr/>
+        <p:txBody>
+          <a:bodyPr/>
+          <a:lstStyle/>
+          <a:p>
+            <a:r>
+              <a:rPr lang="de-DE" dirty="0" smtClean="0"/>
+              <a:t>Prototyp „d3plus (2)“ – Ergebnis</a:t>
+            </a:r>
+            <a:endParaRPr lang="de-DE" dirty="0"/>
+          </a:p>
+        </p:txBody>
+      </p:sp>
+      <p:sp>
+        <p:nvSpPr>
+          <p:cNvPr id="3" name="Inhaltsplatzhalter 2"/>
+          <p:cNvSpPr>
+            <a:spLocks noGrp="1"/>
+          </p:cNvSpPr>
+          <p:nvPr>
+            <p:ph idx="1"/>
+          </p:nvPr>
+        </p:nvSpPr>
+        <p:spPr/>
+        <p:txBody>
+          <a:bodyPr/>
+          <a:lstStyle/>
+          <a:p>
+            <a:pPr marL="0" indent="0" algn="ctr">
+              <a:buNone/>
+            </a:pPr>
+            <a:endParaRPr lang="de-DE" sz="4800" dirty="0" smtClean="0"/>
+          </a:p>
+          <a:p>
+            <a:pPr marL="0" indent="0" algn="ctr">
+              <a:buNone/>
+            </a:pPr>
+            <a:endParaRPr lang="de-DE" sz="4800" dirty="0"/>
+          </a:p>
+          <a:p>
+            <a:pPr marL="0" indent="0">
+              <a:buNone/>
+            </a:pPr>
+            <a:r>
+              <a:rPr lang="de-DE" sz="4800" dirty="0" smtClean="0"/>
+              <a:t>Live Demo</a:t>
+            </a:r>
+            <a:endParaRPr lang="de-DE" sz="4800" dirty="0"/>
+          </a:p>
+        </p:txBody>
+      </p:sp>
+      <p:sp>
+        <p:nvSpPr>
+          <p:cNvPr id="4" name="Foliennummernplatzhalter 3"/>
+          <p:cNvSpPr>
+            <a:spLocks noGrp="1"/>
+          </p:cNvSpPr>
+          <p:nvPr>
+            <p:ph type="sldNum" sz="quarter" idx="10"/>
+          </p:nvPr>
+        </p:nvSpPr>
+        <p:spPr/>
+        <p:txBody>
+          <a:bodyPr/>
+          <a:lstStyle/>
+          <a:p>
+            <a:fld id="{4A87D5D0-4391-4EB2-AF2F-8F39F08E3898}" type="slidenum">
+              <a:rPr lang="de-DE" smtClean="0"/>
+              <a:pPr/>
+              <a:t>17</a:t>
             </a:fld>
             <a:endParaRPr lang="de-DE"/>
           </a:p>
@@ -9098,6 +9386,95 @@
           </a:extLst>
         </p:spPr>
       </p:pic>
+      <p:pic>
+        <p:nvPicPr>
+          <p:cNvPr id="3080" name="Picture 8" descr="http://got-crossfit.com/wp-content/uploads/2014/01/Question-mark-scratch-head.jpg"/>
+          <p:cNvPicPr>
+            <a:picLocks noChangeAspect="1" noChangeArrowheads="1"/>
+          </p:cNvPicPr>
+          <p:nvPr/>
+        </p:nvPicPr>
+        <p:blipFill>
+          <a:blip r:embed="rId6" cstate="print">
+            <a:extLst>
+              <a:ext uri="{28A0092B-C50C-407E-A947-70E740481C1C}">
+                <a14:useLocalDpi xmlns:a14="http://schemas.microsoft.com/office/drawing/2010/main" val="0"/>
+              </a:ext>
+            </a:extLst>
+          </a:blip>
+          <a:srcRect/>
+          <a:stretch>
+            <a:fillRect/>
+          </a:stretch>
+        </p:blipFill>
+        <p:spPr bwMode="auto">
+          <a:xfrm>
+            <a:off x="3851920" y="1222308"/>
+            <a:ext cx="4032448" cy="5303036"/>
+          </a:xfrm>
+          <a:prstGeom prst="rect">
+            <a:avLst/>
+          </a:prstGeom>
+          <a:noFill/>
+          <a:extLst>
+            <a:ext uri="{909E8E84-426E-40DD-AFC4-6F175D3DCCD1}">
+              <a14:hiddenFill xmlns:a14="http://schemas.microsoft.com/office/drawing/2010/main">
+                <a:solidFill>
+                  <a:srgbClr val="FFFFFF"/>
+                </a:solidFill>
+              </a14:hiddenFill>
+            </a:ext>
+          </a:extLst>
+        </p:spPr>
+      </p:pic>
+      <p:pic>
+        <p:nvPicPr>
+          <p:cNvPr id="13" name="Picture 2" descr="http://www.hs-worms.de/index.php?eID=tx_nawsecuredl&amp;u=0&amp;file=uploads/pics/MobCom_Studienstruktur40.png&amp;t=1434378630&amp;hash=8fc1ad8db1d9fc7191e7e61ffdfb432cbcf70c08"/>
+          <p:cNvPicPr>
+            <a:picLocks noChangeAspect="1" noChangeArrowheads="1"/>
+          </p:cNvPicPr>
+          <p:nvPr/>
+        </p:nvPicPr>
+        <p:blipFill>
+          <a:blip r:embed="rId3">
+            <a:extLst>
+              <a:ext uri="{28A0092B-C50C-407E-A947-70E740481C1C}">
+                <a14:useLocalDpi xmlns:a14="http://schemas.microsoft.com/office/drawing/2010/main" val="0"/>
+              </a:ext>
+            </a:extLst>
+          </a:blip>
+          <a:srcRect/>
+          <a:stretch>
+            <a:fillRect/>
+          </a:stretch>
+        </p:blipFill>
+        <p:spPr bwMode="auto">
+          <a:xfrm rot="20211226">
+            <a:off x="2446268" y="4649727"/>
+            <a:ext cx="2385469" cy="998842"/>
+          </a:xfrm>
+          <a:prstGeom prst="rect">
+            <a:avLst/>
+          </a:prstGeom>
+          <a:noFill/>
+          <a:ln>
+            <a:solidFill>
+              <a:schemeClr val="bg1">
+                <a:lumMod val="50000"/>
+              </a:schemeClr>
+            </a:solidFill>
+          </a:ln>
+          <a:extLst>
+            <a:ext uri="{909E8E84-426E-40DD-AFC4-6F175D3DCCD1}">
+              <a14:hiddenFill xmlns:a14="http://schemas.microsoft.com/office/drawing/2010/main">
+                <a:solidFill>
+                  <a:srgbClr val="FFFFFF"/>
+                </a:solidFill>
+              </a14:hiddenFill>
+            </a:ext>
+          </a:extLst>
+        </p:spPr>
+      </p:pic>
     </p:spTree>
     <p:extLst>
       <p:ext uri="{BB962C8B-B14F-4D97-AF65-F5344CB8AC3E}">
@@ -9111,9 +9488,281 @@
   <p:timing>
     <p:tnLst>
       <p:par>
-        <p:cTn id="1" dur="indefinite" restart="never" nodeType="tmRoot"/>
+        <p:cTn id="1" dur="indefinite" restart="never" nodeType="tmRoot">
+          <p:childTnLst>
+            <p:seq concurrent="1" nextAc="seek">
+              <p:cTn id="2" dur="indefinite" nodeType="mainSeq">
+                <p:childTnLst>
+                  <p:par>
+                    <p:cTn id="3" fill="hold">
+                      <p:stCondLst>
+                        <p:cond delay="indefinite"/>
+                      </p:stCondLst>
+                      <p:childTnLst>
+                        <p:par>
+                          <p:cTn id="4" fill="hold">
+                            <p:stCondLst>
+                              <p:cond delay="0"/>
+                            </p:stCondLst>
+                            <p:childTnLst>
+                              <p:par>
+                                <p:cTn id="5" presetID="1" presetClass="exit" presetSubtype="0" fill="hold" grpId="0" nodeType="clickEffect">
+                                  <p:stCondLst>
+                                    <p:cond delay="0"/>
+                                  </p:stCondLst>
+                                  <p:childTnLst>
+                                    <p:set>
+                                      <p:cBhvr>
+                                        <p:cTn id="6" dur="1" fill="hold">
+                                          <p:stCondLst>
+                                            <p:cond delay="0"/>
+                                          </p:stCondLst>
+                                        </p:cTn>
+                                        <p:tgtEl>
+                                          <p:spTgt spid="3">
+                                            <p:txEl>
+                                              <p:pRg st="0" end="0"/>
+                                            </p:txEl>
+                                          </p:spTgt>
+                                        </p:tgtEl>
+                                        <p:attrNameLst>
+                                          <p:attrName>style.visibility</p:attrName>
+                                        </p:attrNameLst>
+                                      </p:cBhvr>
+                                      <p:to>
+                                        <p:strVal val="hidden"/>
+                                      </p:to>
+                                    </p:set>
+                                  </p:childTnLst>
+                                </p:cTn>
+                              </p:par>
+                              <p:par>
+                                <p:cTn id="7" presetID="1" presetClass="exit" presetSubtype="0" fill="hold" grpId="0" nodeType="withEffect">
+                                  <p:stCondLst>
+                                    <p:cond delay="0"/>
+                                  </p:stCondLst>
+                                  <p:childTnLst>
+                                    <p:set>
+                                      <p:cBhvr>
+                                        <p:cTn id="8" dur="1" fill="hold">
+                                          <p:stCondLst>
+                                            <p:cond delay="0"/>
+                                          </p:stCondLst>
+                                        </p:cTn>
+                                        <p:tgtEl>
+                                          <p:spTgt spid="3">
+                                            <p:txEl>
+                                              <p:pRg st="1" end="1"/>
+                                            </p:txEl>
+                                          </p:spTgt>
+                                        </p:tgtEl>
+                                        <p:attrNameLst>
+                                          <p:attrName>style.visibility</p:attrName>
+                                        </p:attrNameLst>
+                                      </p:cBhvr>
+                                      <p:to>
+                                        <p:strVal val="hidden"/>
+                                      </p:to>
+                                    </p:set>
+                                  </p:childTnLst>
+                                </p:cTn>
+                              </p:par>
+                              <p:par>
+                                <p:cTn id="9" presetID="1" presetClass="exit" presetSubtype="0" fill="hold" grpId="0" nodeType="withEffect">
+                                  <p:stCondLst>
+                                    <p:cond delay="0"/>
+                                  </p:stCondLst>
+                                  <p:childTnLst>
+                                    <p:set>
+                                      <p:cBhvr>
+                                        <p:cTn id="10" dur="1" fill="hold">
+                                          <p:stCondLst>
+                                            <p:cond delay="0"/>
+                                          </p:stCondLst>
+                                        </p:cTn>
+                                        <p:tgtEl>
+                                          <p:spTgt spid="3">
+                                            <p:txEl>
+                                              <p:pRg st="3" end="3"/>
+                                            </p:txEl>
+                                          </p:spTgt>
+                                        </p:tgtEl>
+                                        <p:attrNameLst>
+                                          <p:attrName>style.visibility</p:attrName>
+                                        </p:attrNameLst>
+                                      </p:cBhvr>
+                                      <p:to>
+                                        <p:strVal val="hidden"/>
+                                      </p:to>
+                                    </p:set>
+                                  </p:childTnLst>
+                                </p:cTn>
+                              </p:par>
+                              <p:par>
+                                <p:cTn id="11" presetID="1" presetClass="exit" presetSubtype="0" fill="hold" nodeType="withEffect">
+                                  <p:stCondLst>
+                                    <p:cond delay="0"/>
+                                  </p:stCondLst>
+                                  <p:childTnLst>
+                                    <p:set>
+                                      <p:cBhvr>
+                                        <p:cTn id="12" dur="1" fill="hold">
+                                          <p:stCondLst>
+                                            <p:cond delay="0"/>
+                                          </p:stCondLst>
+                                        </p:cTn>
+                                        <p:tgtEl>
+                                          <p:spTgt spid="7"/>
+                                        </p:tgtEl>
+                                        <p:attrNameLst>
+                                          <p:attrName>style.visibility</p:attrName>
+                                        </p:attrNameLst>
+                                      </p:cBhvr>
+                                      <p:to>
+                                        <p:strVal val="hidden"/>
+                                      </p:to>
+                                    </p:set>
+                                  </p:childTnLst>
+                                </p:cTn>
+                              </p:par>
+                              <p:par>
+                                <p:cTn id="13" presetID="1" presetClass="exit" presetSubtype="0" fill="hold" nodeType="withEffect">
+                                  <p:stCondLst>
+                                    <p:cond delay="0"/>
+                                  </p:stCondLst>
+                                  <p:childTnLst>
+                                    <p:set>
+                                      <p:cBhvr>
+                                        <p:cTn id="14" dur="1" fill="hold">
+                                          <p:stCondLst>
+                                            <p:cond delay="0"/>
+                                          </p:stCondLst>
+                                        </p:cTn>
+                                        <p:tgtEl>
+                                          <p:spTgt spid="8"/>
+                                        </p:tgtEl>
+                                        <p:attrNameLst>
+                                          <p:attrName>style.visibility</p:attrName>
+                                        </p:attrNameLst>
+                                      </p:cBhvr>
+                                      <p:to>
+                                        <p:strVal val="hidden"/>
+                                      </p:to>
+                                    </p:set>
+                                  </p:childTnLst>
+                                </p:cTn>
+                              </p:par>
+                              <p:par>
+                                <p:cTn id="15" presetID="1" presetClass="exit" presetSubtype="0" fill="hold" nodeType="withEffect">
+                                  <p:stCondLst>
+                                    <p:cond delay="0"/>
+                                  </p:stCondLst>
+                                  <p:childTnLst>
+                                    <p:set>
+                                      <p:cBhvr>
+                                        <p:cTn id="16" dur="1" fill="hold">
+                                          <p:stCondLst>
+                                            <p:cond delay="0"/>
+                                          </p:stCondLst>
+                                        </p:cTn>
+                                        <p:tgtEl>
+                                          <p:spTgt spid="6"/>
+                                        </p:tgtEl>
+                                        <p:attrNameLst>
+                                          <p:attrName>style.visibility</p:attrName>
+                                        </p:attrNameLst>
+                                      </p:cBhvr>
+                                      <p:to>
+                                        <p:strVal val="hidden"/>
+                                      </p:to>
+                                    </p:set>
+                                  </p:childTnLst>
+                                </p:cTn>
+                              </p:par>
+                              <p:par>
+                                <p:cTn id="17" presetID="1" presetClass="entr" presetSubtype="0" fill="hold" nodeType="withEffect">
+                                  <p:stCondLst>
+                                    <p:cond delay="0"/>
+                                  </p:stCondLst>
+                                  <p:childTnLst>
+                                    <p:set>
+                                      <p:cBhvr>
+                                        <p:cTn id="18" dur="1" fill="hold">
+                                          <p:stCondLst>
+                                            <p:cond delay="0"/>
+                                          </p:stCondLst>
+                                        </p:cTn>
+                                        <p:tgtEl>
+                                          <p:spTgt spid="3080"/>
+                                        </p:tgtEl>
+                                        <p:attrNameLst>
+                                          <p:attrName>style.visibility</p:attrName>
+                                        </p:attrNameLst>
+                                      </p:cBhvr>
+                                      <p:to>
+                                        <p:strVal val="visible"/>
+                                      </p:to>
+                                    </p:set>
+                                  </p:childTnLst>
+                                </p:cTn>
+                              </p:par>
+                              <p:par>
+                                <p:cTn id="19" presetID="1" presetClass="entr" presetSubtype="0" fill="hold" nodeType="withEffect">
+                                  <p:stCondLst>
+                                    <p:cond delay="0"/>
+                                  </p:stCondLst>
+                                  <p:childTnLst>
+                                    <p:set>
+                                      <p:cBhvr>
+                                        <p:cTn id="20" dur="1" fill="hold">
+                                          <p:stCondLst>
+                                            <p:cond delay="0"/>
+                                          </p:stCondLst>
+                                        </p:cTn>
+                                        <p:tgtEl>
+                                          <p:spTgt spid="13"/>
+                                        </p:tgtEl>
+                                        <p:attrNameLst>
+                                          <p:attrName>style.visibility</p:attrName>
+                                        </p:attrNameLst>
+                                      </p:cBhvr>
+                                      <p:to>
+                                        <p:strVal val="visible"/>
+                                      </p:to>
+                                    </p:set>
+                                  </p:childTnLst>
+                                </p:cTn>
+                              </p:par>
+                            </p:childTnLst>
+                          </p:cTn>
+                        </p:par>
+                      </p:childTnLst>
+                    </p:cTn>
+                  </p:par>
+                </p:childTnLst>
+              </p:cTn>
+              <p:prevCondLst>
+                <p:cond evt="onPrev" delay="0">
+                  <p:tgtEl>
+                    <p:sldTgt/>
+                  </p:tgtEl>
+                </p:cond>
+              </p:prevCondLst>
+              <p:nextCondLst>
+                <p:cond evt="onNext" delay="0">
+                  <p:tgtEl>
+                    <p:sldTgt/>
+                  </p:tgtEl>
+                </p:cond>
+              </p:nextCondLst>
+            </p:seq>
+          </p:childTnLst>
+        </p:cTn>
       </p:par>
     </p:tnLst>
+    <p:bldLst>
+      <p:bldP spid="3" grpId="0" uiExpand="1" build="p"/>
+    </p:bldLst>
   </p:timing>
 </p:sld>
 </file>
@@ -10725,6 +11374,47 @@
           <a:chExt cx="0" cy="0"/>
         </a:xfrm>
       </p:grpSpPr>
+      <p:pic>
+        <p:nvPicPr>
+          <p:cNvPr id="5122" name="Picture 2" descr="https://storageswiss.files.wordpress.com/2014/01/3d-man-puzzle-stack-integrate.jpg"/>
+          <p:cNvPicPr>
+            <a:picLocks noChangeAspect="1" noChangeArrowheads="1"/>
+          </p:cNvPicPr>
+          <p:nvPr/>
+        </p:nvPicPr>
+        <p:blipFill>
+          <a:blip r:embed="rId2">
+            <a:extLst>
+              <a:ext uri="{28A0092B-C50C-407E-A947-70E740481C1C}">
+                <a14:useLocalDpi xmlns:a14="http://schemas.microsoft.com/office/drawing/2010/main" val="0"/>
+              </a:ext>
+            </a:extLst>
+          </a:blip>
+          <a:srcRect/>
+          <a:stretch>
+            <a:fillRect/>
+          </a:stretch>
+        </p:blipFill>
+        <p:spPr bwMode="auto">
+          <a:xfrm>
+            <a:off x="5796136" y="2564904"/>
+            <a:ext cx="3305175" cy="3295651"/>
+          </a:xfrm>
+          <a:prstGeom prst="rect">
+            <a:avLst/>
+          </a:prstGeom>
+          <a:noFill/>
+          <a:extLst>
+            <a:ext uri="{909E8E84-426E-40DD-AFC4-6F175D3DCCD1}">
+              <a14:hiddenFill xmlns:a14="http://schemas.microsoft.com/office/drawing/2010/main">
+                <a:solidFill>
+                  <a:srgbClr val="FFFFFF"/>
+                </a:solidFill>
+              </a14:hiddenFill>
+            </a:ext>
+          </a:extLst>
+        </p:spPr>
+      </p:pic>
       <p:sp>
         <p:nvSpPr>
           <p:cNvPr id="2" name="Titel 1"/>
@@ -10826,7 +11516,6 @@
               <a:rPr lang="de-DE" dirty="0" smtClean="0"/>
               <a:t> Design“ nicht vorhanden</a:t>
             </a:r>
-            <a:endParaRPr lang="de-DE" dirty="0" smtClean="0"/>
           </a:p>
           <a:p>
             <a:r>
@@ -10855,7 +11544,6 @@
               <a:rPr lang="de-DE" dirty="0" smtClean="0"/>
               <a:t>Keine Information zur zeitlichen Abfolge</a:t>
             </a:r>
-            <a:endParaRPr lang="de-DE" dirty="0" smtClean="0"/>
           </a:p>
           <a:p>
             <a:endParaRPr lang="de-DE" dirty="0" smtClean="0"/>
@@ -11190,15 +11878,7 @@
           <a:p>
             <a:r>
               <a:rPr lang="de-DE" dirty="0" smtClean="0"/>
-              <a:t>Prototyp „</a:t>
-            </a:r>
-            <a:r>
-              <a:rPr lang="de-DE" dirty="0" smtClean="0"/>
-              <a:t>d3plus (1)“ </a:t>
-            </a:r>
-            <a:r>
-              <a:rPr lang="de-DE" dirty="0" smtClean="0"/>
-              <a:t>– Ergebnis</a:t>
+              <a:t>Prototyp „d3plus (1)“ – Ergebnis</a:t>
             </a:r>
             <a:endParaRPr lang="de-DE" dirty="0"/>
           </a:p>
@@ -11414,7 +12094,120 @@
   <p:timing>
     <p:tnLst>
       <p:par>
-        <p:cTn id="1" dur="indefinite" restart="never" nodeType="tmRoot"/>
+        <p:cTn id="1" dur="indefinite" restart="never" nodeType="tmRoot">
+          <p:childTnLst>
+            <p:seq concurrent="1" nextAc="seek">
+              <p:cTn id="2" dur="indefinite" nodeType="mainSeq">
+                <p:childTnLst>
+                  <p:par>
+                    <p:cTn id="3" fill="hold">
+                      <p:stCondLst>
+                        <p:cond delay="indefinite"/>
+                      </p:stCondLst>
+                      <p:childTnLst>
+                        <p:par>
+                          <p:cTn id="4" fill="hold">
+                            <p:stCondLst>
+                              <p:cond delay="0"/>
+                            </p:stCondLst>
+                            <p:childTnLst>
+                              <p:par>
+                                <p:cTn id="5" presetID="1" presetClass="entr" presetSubtype="0" fill="hold" nodeType="clickEffect">
+                                  <p:stCondLst>
+                                    <p:cond delay="0"/>
+                                  </p:stCondLst>
+                                  <p:childTnLst>
+                                    <p:set>
+                                      <p:cBhvr>
+                                        <p:cTn id="6" dur="1" fill="hold">
+                                          <p:stCondLst>
+                                            <p:cond delay="0"/>
+                                          </p:stCondLst>
+                                        </p:cTn>
+                                        <p:tgtEl>
+                                          <p:spTgt spid="1026"/>
+                                        </p:tgtEl>
+                                        <p:attrNameLst>
+                                          <p:attrName>style.visibility</p:attrName>
+                                        </p:attrNameLst>
+                                      </p:cBhvr>
+                                      <p:to>
+                                        <p:strVal val="visible"/>
+                                      </p:to>
+                                    </p:set>
+                                  </p:childTnLst>
+                                </p:cTn>
+                              </p:par>
+                            </p:childTnLst>
+                          </p:cTn>
+                        </p:par>
+                      </p:childTnLst>
+                    </p:cTn>
+                  </p:par>
+                  <p:par>
+                    <p:cTn id="7" fill="hold">
+                      <p:stCondLst>
+                        <p:cond delay="indefinite"/>
+                      </p:stCondLst>
+                      <p:childTnLst>
+                        <p:par>
+                          <p:cTn id="8" fill="hold">
+                            <p:stCondLst>
+                              <p:cond delay="0"/>
+                            </p:stCondLst>
+                            <p:childTnLst>
+                              <p:par>
+                                <p:cTn id="9" presetID="1" presetClass="entr" presetSubtype="0" fill="hold" nodeType="clickEffect">
+                                  <p:stCondLst>
+                                    <p:cond delay="0"/>
+                                  </p:stCondLst>
+                                  <p:childTnLst>
+                                    <p:set>
+                                      <p:cBhvr>
+                                        <p:cTn id="10" dur="1" fill="hold">
+                                          <p:stCondLst>
+                                            <p:cond delay="0"/>
+                                          </p:stCondLst>
+                                        </p:cTn>
+                                        <p:tgtEl>
+                                          <p:spTgt spid="3"/>
+                                        </p:tgtEl>
+                                        <p:attrNameLst>
+                                          <p:attrName>style.visibility</p:attrName>
+                                        </p:attrNameLst>
+                                      </p:cBhvr>
+                                      <p:to>
+                                        <p:strVal val="visible"/>
+                                      </p:to>
+                                    </p:set>
+                                  </p:childTnLst>
+                                </p:cTn>
+                              </p:par>
+                            </p:childTnLst>
+                          </p:cTn>
+                        </p:par>
+                      </p:childTnLst>
+                    </p:cTn>
+                  </p:par>
+                </p:childTnLst>
+              </p:cTn>
+              <p:prevCondLst>
+                <p:cond evt="onPrev" delay="0">
+                  <p:tgtEl>
+                    <p:sldTgt/>
+                  </p:tgtEl>
+                </p:cond>
+              </p:prevCondLst>
+              <p:nextCondLst>
+                <p:cond evt="onNext" delay="0">
+                  <p:tgtEl>
+                    <p:sldTgt/>
+                  </p:tgtEl>
+                </p:cond>
+              </p:nextCondLst>
+            </p:seq>
+          </p:childTnLst>
+        </p:cTn>
       </p:par>
     </p:tnLst>
   </p:timing>
@@ -11455,15 +12248,7 @@
           <a:p>
             <a:r>
               <a:rPr lang="de-DE" dirty="0" smtClean="0"/>
-              <a:t>Prototyp „</a:t>
-            </a:r>
-            <a:r>
-              <a:rPr lang="de-DE" dirty="0" smtClean="0"/>
-              <a:t>d3plus (2)“ </a:t>
-            </a:r>
-            <a:r>
-              <a:rPr lang="de-DE" dirty="0" smtClean="0"/>
-              <a:t>– Ergebnis</a:t>
+              <a:t>Prototyp „d3plus (2)“ – Ergebnis</a:t>
             </a:r>
             <a:endParaRPr lang="de-DE" dirty="0"/>
           </a:p>

--- a/presentation/2015-07-09_Mobile-Web_Gruppe-Modulhandbuch.pptx
+++ b/presentation/2015-07-09_Mobile-Web_Gruppe-Modulhandbuch.pptx
@@ -158,7 +158,7 @@
   </p:defaultTextStyle>
   <p:extLst>
     <p:ext uri="{EFAFB233-063F-42B5-8137-9DF3F51BA10A}">
-      <p15:sldGuideLst xmlns:p15="http://schemas.microsoft.com/office/powerpoint/2012/main" xmlns="">
+      <p15:sldGuideLst xmlns="" xmlns:p15="http://schemas.microsoft.com/office/powerpoint/2012/main">
         <p15:guide id="1" orient="horz" pos="2160">
           <p15:clr>
             <a:srgbClr val="A4A3A4"/>
@@ -217,7 +217,7 @@
       </p15:sldGuideLst>
     </p:ext>
     <p:ext uri="{2D200454-40CA-4A62-9FC3-DE9A4176ACB9}">
-      <p15:notesGuideLst xmlns:p15="http://schemas.microsoft.com/office/powerpoint/2012/main" xmlns=""/>
+      <p15:notesGuideLst xmlns="" xmlns:p15="http://schemas.microsoft.com/office/powerpoint/2012/main"/>
     </p:ext>
   </p:extLst>
 </p:presentation>
@@ -9959,7 +9959,7 @@
           </p:cNvPicPr>
           <p:nvPr/>
         </p:nvPicPr>
-        <p:blipFill>
+        <p:blipFill rotWithShape="1">
           <a:blip r:embed="rId3">
             <a:extLst>
               <a:ext uri="{28A0092B-C50C-407E-A947-70E740481C1C}">
@@ -9967,15 +9967,13 @@
               </a:ext>
             </a:extLst>
           </a:blip>
-          <a:srcRect/>
-          <a:stretch>
-            <a:fillRect/>
-          </a:stretch>
+          <a:srcRect t="-1" b="7586"/>
+          <a:stretch/>
         </p:blipFill>
         <p:spPr bwMode="auto">
           <a:xfrm>
             <a:off x="6660232" y="1268760"/>
-            <a:ext cx="2376264" cy="2376264"/>
+            <a:ext cx="2376264" cy="2196000"/>
           </a:xfrm>
           <a:prstGeom prst="rect">
             <a:avLst/>

--- a/presentation/2015-07-09_Mobile-Web_Gruppe-Modulhandbuch.pptx
+++ b/presentation/2015-07-09_Mobile-Web_Gruppe-Modulhandbuch.pptx
@@ -7142,17 +7142,13 @@
           <a:p>
             <a:r>
               <a:rPr lang="de-DE" dirty="0"/>
-              <a:t>Keine Information zur zeitlichen </a:t>
-            </a:r>
+              <a:t>Keine visuelle zeitliche Abfolge</a:t>
+            </a:r>
+          </a:p>
+          <a:p>
             <a:r>
               <a:rPr lang="de-DE" dirty="0" smtClean="0"/>
-              <a:t>Abfolge</a:t>
-            </a:r>
-          </a:p>
-          <a:p>
-            <a:r>
-              <a:rPr lang="de-DE" dirty="0" smtClean="0"/>
-              <a:t>Keine Verlinkung mit Modulhandbuch</a:t>
+              <a:t>Keine Links zum Modulhandbuch</a:t>
             </a:r>
             <a:endParaRPr lang="de-DE" dirty="0"/>
           </a:p>
@@ -7377,7 +7373,7 @@
                                         <p:tgtEl>
                                           <p:spTgt spid="3">
                                             <p:txEl>
-                                              <p:pRg st="10" end="10"/>
+                                              <p:pRg st="11" end="11"/>
                                             </p:txEl>
                                           </p:spTgt>
                                         </p:tgtEl>
@@ -7408,7 +7404,7 @@
                                         <p:tgtEl>
                                           <p:spTgt spid="3">
                                             <p:txEl>
-                                              <p:pRg st="11" end="11"/>
+                                              <p:pRg st="10" end="10"/>
                                             </p:txEl>
                                           </p:spTgt>
                                         </p:tgtEl>
@@ -9839,8 +9835,13 @@
           <a:p>
             <a:r>
               <a:rPr lang="de-DE" dirty="0" smtClean="0"/>
-              <a:t>Eigene Erfahrungen beim Wechsel nach Worms</a:t>
-            </a:r>
+              <a:t>Eigene </a:t>
+            </a:r>
+            <a:r>
+              <a:rPr lang="de-DE" dirty="0" smtClean="0"/>
+              <a:t>Erfahrungen beim Wechsel nach Worms</a:t>
+            </a:r>
+            <a:endParaRPr lang="de-DE" dirty="0" smtClean="0"/>
           </a:p>
           <a:p>
             <a:r>
@@ -9873,22 +9874,24 @@
           <a:p>
             <a:r>
               <a:rPr lang="de-DE" dirty="0" smtClean="0"/>
-              <a:t>Prinzip von Kacheln und Zeitachse bewährt und gut</a:t>
-            </a:r>
-          </a:p>
-          <a:p>
+              <a:t>Kacheln </a:t>
+            </a:r>
             <a:r>
               <a:rPr lang="de-DE" dirty="0" smtClean="0"/>
-              <a:t>Bisher keine detaillierten Informationen (</a:t>
-            </a:r>
-            <a:r>
-              <a:rPr lang="de-DE" dirty="0"/>
-              <a:t>Modulhandbuch </a:t>
+              <a:t>und </a:t>
             </a:r>
             <a:r>
               <a:rPr lang="de-DE" dirty="0" smtClean="0"/>
-              <a:t>notwendig)</a:t>
-            </a:r>
+              <a:t>Zeitachse bewährt und gut</a:t>
+            </a:r>
+            <a:endParaRPr lang="de-DE" dirty="0" smtClean="0"/>
+          </a:p>
+          <a:p>
+            <a:r>
+              <a:rPr lang="de-DE" dirty="0" smtClean="0"/>
+              <a:t>Detaillierten Informationen liefern</a:t>
+            </a:r>
+            <a:endParaRPr lang="de-DE" dirty="0" smtClean="0"/>
           </a:p>
           <a:p>
             <a:endParaRPr lang="de-DE" dirty="0" smtClean="0"/>
@@ -9899,8 +9902,13 @@
             </a:pPr>
             <a:r>
               <a:rPr lang="de-DE" dirty="0" smtClean="0"/>
-              <a:t>Bewährte Struktur + Gute Visualisierung + Informationen / Verlinkungen</a:t>
-            </a:r>
+              <a:t>Bewährte Struktur + Gute Visualisierung + Informationen </a:t>
+            </a:r>
+            <a:r>
+              <a:rPr lang="de-DE" dirty="0" smtClean="0"/>
+              <a:t>/ Verlinkungen</a:t>
+            </a:r>
+            <a:endParaRPr lang="de-DE" dirty="0" smtClean="0"/>
           </a:p>
         </p:txBody>
       </p:sp>
@@ -11503,8 +11511,14 @@
           </a:p>
           <a:p>
             <a:r>
+              <a:rPr lang="de-DE" dirty="0"/>
+              <a:t>Fehlende Navigation</a:t>
+            </a:r>
+          </a:p>
+          <a:p>
+            <a:r>
               <a:rPr lang="de-DE" dirty="0" smtClean="0"/>
-              <a:t>„</a:t>
+              <a:t>Kein „</a:t>
             </a:r>
             <a:r>
               <a:rPr lang="de-DE" dirty="0" err="1" smtClean="0"/>
@@ -11512,24 +11526,32 @@
             </a:r>
             <a:r>
               <a:rPr lang="de-DE" dirty="0" smtClean="0"/>
-              <a:t> Design“ nicht vorhanden</a:t>
-            </a:r>
-          </a:p>
-          <a:p>
+              <a:t> </a:t>
+            </a:r>
             <a:r>
               <a:rPr lang="de-DE" dirty="0" smtClean="0"/>
-              <a:t>Fehlende </a:t>
-            </a:r>
-            <a:r>
-              <a:rPr lang="de-DE" dirty="0"/>
-              <a:t>Navigation (Zurück-Button)</a:t>
-            </a:r>
-          </a:p>
-          <a:p>
+              <a:t>Design</a:t>
+            </a:r>
             <a:r>
               <a:rPr lang="de-DE" dirty="0" smtClean="0"/>
-              <a:t>Farbliche Gestaltung für Semester / Blöcke</a:t>
-            </a:r>
+              <a:t>“</a:t>
+            </a:r>
+            <a:endParaRPr lang="de-DE" dirty="0" smtClean="0"/>
+          </a:p>
+          <a:p>
+            <a:r>
+              <a:rPr lang="de-DE" dirty="0" smtClean="0"/>
+              <a:t>Keine farbliche </a:t>
+            </a:r>
+            <a:r>
+              <a:rPr lang="de-DE" dirty="0" smtClean="0"/>
+              <a:t>Gestaltung für </a:t>
+            </a:r>
+            <a:r>
+              <a:rPr lang="de-DE" dirty="0" smtClean="0"/>
+              <a:t>Semester</a:t>
+            </a:r>
+            <a:endParaRPr lang="de-DE" dirty="0" smtClean="0"/>
           </a:p>
           <a:p>
             <a:r>
@@ -11540,8 +11562,13 @@
           <a:p>
             <a:r>
               <a:rPr lang="de-DE" dirty="0" smtClean="0"/>
-              <a:t>Keine Information zur zeitlichen Abfolge</a:t>
-            </a:r>
+              <a:t>Keine </a:t>
+            </a:r>
+            <a:r>
+              <a:rPr lang="de-DE" dirty="0" smtClean="0"/>
+              <a:t>visuelle zeitliche Abfolge</a:t>
+            </a:r>
+            <a:endParaRPr lang="de-DE" dirty="0" smtClean="0"/>
           </a:p>
           <a:p>
             <a:endParaRPr lang="de-DE" dirty="0" smtClean="0"/>
@@ -11672,7 +11699,7 @@
                                         <p:tgtEl>
                                           <p:spTgt spid="3">
                                             <p:txEl>
-                                              <p:pRg st="6" end="6"/>
+                                              <p:pRg st="7" end="7"/>
                                             </p:txEl>
                                           </p:spTgt>
                                         </p:tgtEl>
@@ -11703,7 +11730,7 @@
                                         <p:tgtEl>
                                           <p:spTgt spid="3">
                                             <p:txEl>
-                                              <p:pRg st="7" end="7"/>
+                                              <p:pRg st="6" end="6"/>
                                             </p:txEl>
                                           </p:spTgt>
                                         </p:tgtEl>

--- a/presentation/2015-07-09_Mobile-Web_Gruppe-Modulhandbuch.pptx
+++ b/presentation/2015-07-09_Mobile-Web_Gruppe-Modulhandbuch.pptx
@@ -305,7 +305,7 @@
           <a:p>
             <a:fld id="{9937624A-19D6-4B53-87FF-7EC9970FE6DF}" type="datetimeFigureOut">
               <a:rPr lang="de-DE" smtClean="0"/>
-              <a:t>06.07.2015</a:t>
+              <a:t>07.07.2015</a:t>
             </a:fld>
             <a:endParaRPr lang="de-DE"/>
           </a:p>
@@ -470,7 +470,7 @@
           <a:p>
             <a:fld id="{880E0E77-1EBE-4DCA-941B-CCC4F080B8D0}" type="datetimeFigureOut">
               <a:rPr lang="de-DE" smtClean="0"/>
-              <a:t>06.07.2015</a:t>
+              <a:t>07.07.2015</a:t>
             </a:fld>
             <a:endParaRPr lang="de-DE"/>
           </a:p>
@@ -1247,7 +1247,7 @@
           <a:p>
             <a:fld id="{BE52FED1-3B53-4AFD-A771-C7BE27550915}" type="datetime1">
               <a:rPr lang="de-DE" smtClean="0"/>
-              <a:t>06.07.2015</a:t>
+              <a:t>07.07.2015</a:t>
             </a:fld>
             <a:endParaRPr lang="de-DE" dirty="0"/>
           </a:p>
@@ -1558,7 +1558,7 @@
           <a:p>
             <a:fld id="{36514D55-B040-4CBD-B6B9-F1964C8C5D0D}" type="datetime1">
               <a:rPr lang="de-DE" smtClean="0"/>
-              <a:t>06.07.2015</a:t>
+              <a:t>07.07.2015</a:t>
             </a:fld>
             <a:endParaRPr lang="de-DE"/>
           </a:p>
@@ -1817,7 +1817,7 @@
           <a:p>
             <a:fld id="{193105AA-858E-4C99-9190-244091FB0E4C}" type="datetime1">
               <a:rPr lang="de-DE" smtClean="0"/>
-              <a:t>06.07.2015</a:t>
+              <a:t>07.07.2015</a:t>
             </a:fld>
             <a:endParaRPr lang="de-DE"/>
           </a:p>
@@ -2176,7 +2176,7 @@
           <a:p>
             <a:fld id="{95DCA378-4D19-49BB-8AAE-45C7E41C1D83}" type="datetime1">
               <a:rPr lang="de-DE" smtClean="0"/>
-              <a:t>06.07.2015</a:t>
+              <a:t>07.07.2015</a:t>
             </a:fld>
             <a:endParaRPr lang="de-DE"/>
           </a:p>
@@ -2638,7 +2638,7 @@
           <a:p>
             <a:fld id="{D32B10BE-596A-4E88-9BC8-49B1B53D3333}" type="datetime1">
               <a:rPr lang="de-DE" smtClean="0"/>
-              <a:t>06.07.2015</a:t>
+              <a:t>07.07.2015</a:t>
             </a:fld>
             <a:endParaRPr lang="de-DE"/>
           </a:p>
@@ -2855,7 +2855,7 @@
           <a:p>
             <a:fld id="{33003E35-6098-4B69-A0CA-FD39498AB0F4}" type="datetime1">
               <a:rPr lang="de-DE" smtClean="0"/>
-              <a:t>06.07.2015</a:t>
+              <a:t>07.07.2015</a:t>
             </a:fld>
             <a:endParaRPr lang="de-DE"/>
           </a:p>
@@ -3017,7 +3017,7 @@
           <a:p>
             <a:fld id="{FFE014C6-8B34-4748-BFFD-43343B8201C8}" type="datetime1">
               <a:rPr lang="de-DE" smtClean="0"/>
-              <a:t>06.07.2015</a:t>
+              <a:t>07.07.2015</a:t>
             </a:fld>
             <a:endParaRPr lang="de-DE"/>
           </a:p>
@@ -3361,7 +3361,7 @@
           <a:p>
             <a:fld id="{3721457A-8B30-4567-9F44-DF3C2DA4804D}" type="datetime1">
               <a:rPr lang="de-DE" smtClean="0"/>
-              <a:t>06.07.2015</a:t>
+              <a:t>07.07.2015</a:t>
             </a:fld>
             <a:endParaRPr lang="de-DE"/>
           </a:p>
@@ -3685,7 +3685,7 @@
           <a:p>
             <a:fld id="{47982ECF-30EC-40E0-B102-478A97B403CD}" type="datetime1">
               <a:rPr lang="de-DE" smtClean="0"/>
-              <a:t>06.07.2015</a:t>
+              <a:t>07.07.2015</a:t>
             </a:fld>
             <a:endParaRPr lang="de-DE"/>
           </a:p>
@@ -4119,7 +4119,7 @@
           <a:p>
             <a:fld id="{598F92F8-949A-4A70-9DDB-CBDAE3E0A114}" type="datetime1">
               <a:rPr lang="de-DE" smtClean="0"/>
-              <a:t>06.07.2015</a:t>
+              <a:t>07.07.2015</a:t>
             </a:fld>
             <a:endParaRPr lang="de-DE" dirty="0"/>
           </a:p>
@@ -7094,6 +7094,12 @@
           </a:p>
           <a:p>
             <a:r>
+              <a:rPr lang="de-DE" dirty="0"/>
+              <a:t>Navigation verbessert</a:t>
+            </a:r>
+          </a:p>
+          <a:p>
+            <a:r>
               <a:rPr lang="de-DE" dirty="0" smtClean="0"/>
               <a:t>„</a:t>
             </a:r>
@@ -7109,13 +7115,11 @@
           <a:p>
             <a:r>
               <a:rPr lang="de-DE" dirty="0" smtClean="0"/>
-              <a:t>Navigation verbessert (Zurück-Button verfügbar)</a:t>
-            </a:r>
-          </a:p>
-          <a:p>
+              <a:t>Farbliche Gruppierung von </a:t>
+            </a:r>
             <a:r>
               <a:rPr lang="de-DE" dirty="0" smtClean="0"/>
-              <a:t>Farbliche Gruppierung von Modulen</a:t>
+              <a:t>Modulen</a:t>
             </a:r>
           </a:p>
           <a:p>
@@ -7142,8 +7146,13 @@
           <a:p>
             <a:r>
               <a:rPr lang="de-DE" dirty="0"/>
-              <a:t>Keine visuelle zeitliche Abfolge</a:t>
-            </a:r>
+              <a:t>Keine </a:t>
+            </a:r>
+            <a:r>
+              <a:rPr lang="de-DE" dirty="0" smtClean="0"/>
+              <a:t>Visualisierung des Ablaufs</a:t>
+            </a:r>
+            <a:endParaRPr lang="de-DE" dirty="0"/>
           </a:p>
           <a:p>
             <a:r>
@@ -8184,17 +8193,14 @@
           <a:p>
             <a:r>
               <a:rPr lang="de-DE" dirty="0"/>
-              <a:t>Keine Information zur zeitlichen </a:t>
-            </a:r>
-            <a:r>
-              <a:rPr lang="de-DE" dirty="0" smtClean="0"/>
-              <a:t>Abfolge</a:t>
-            </a:r>
-          </a:p>
-          <a:p>
-            <a:r>
-              <a:rPr lang="de-DE" dirty="0" smtClean="0"/>
-              <a:t>Keine Verlinkung mit Modulhandbuch</a:t>
+              <a:t>Keine Visualisierung des Ablaufs </a:t>
+            </a:r>
+            <a:endParaRPr lang="de-DE" dirty="0" smtClean="0"/>
+          </a:p>
+          <a:p>
+            <a:r>
+              <a:rPr lang="de-DE" dirty="0"/>
+              <a:t>Keine Links zum Modulhandbuch</a:t>
             </a:r>
             <a:endParaRPr lang="de-DE" dirty="0"/>
           </a:p>
@@ -8524,54 +8530,193 @@
           </a:extLst>
         </p:spPr>
       </p:pic>
-      <p:sp>
-        <p:nvSpPr>
-          <p:cNvPr id="6" name="Rechteck 5"/>
-          <p:cNvSpPr/>
+      <p:pic>
+        <p:nvPicPr>
+          <p:cNvPr id="1027" name="Picture 3"/>
+          <p:cNvPicPr>
+            <a:picLocks noChangeAspect="1" noChangeArrowheads="1"/>
+          </p:cNvPicPr>
           <p:nvPr/>
-        </p:nvSpPr>
-        <p:spPr>
+        </p:nvPicPr>
+        <p:blipFill>
+          <a:blip r:embed="rId3">
+            <a:extLst>
+              <a:ext uri="{28A0092B-C50C-407E-A947-70E740481C1C}">
+                <a14:useLocalDpi xmlns:a14="http://schemas.microsoft.com/office/drawing/2010/main" val="0"/>
+              </a:ext>
+            </a:extLst>
+          </a:blip>
+          <a:srcRect/>
+          <a:stretch>
+            <a:fillRect/>
+          </a:stretch>
+        </p:blipFill>
+        <p:spPr bwMode="auto">
           <a:xfrm>
-            <a:off x="899592" y="3933056"/>
-            <a:ext cx="7200800" cy="1077218"/>
+            <a:off x="3059832" y="4240983"/>
+            <a:ext cx="988363" cy="1289169"/>
           </a:xfrm>
           <a:prstGeom prst="rect">
             <a:avLst/>
           </a:prstGeom>
-          <a:solidFill>
-            <a:schemeClr val="bg1">
-              <a:lumMod val="85000"/>
-            </a:schemeClr>
-          </a:solidFill>
+          <a:noFill/>
           <a:ln>
-            <a:solidFill>
-              <a:schemeClr val="bg1">
-                <a:lumMod val="50000"/>
-              </a:schemeClr>
-            </a:solidFill>
+            <a:noFill/>
           </a:ln>
+          <a:effectLst/>
+          <a:extLst>
+            <a:ext uri="{909E8E84-426E-40DD-AFC4-6F175D3DCCD1}">
+              <a14:hiddenFill xmlns:a14="http://schemas.microsoft.com/office/drawing/2010/main">
+                <a:solidFill>
+                  <a:schemeClr val="accent1"/>
+                </a:solidFill>
+              </a14:hiddenFill>
+            </a:ext>
+            <a:ext uri="{91240B29-F687-4F45-9708-019B960494DF}">
+              <a14:hiddenLine xmlns:a14="http://schemas.microsoft.com/office/drawing/2010/main" w="9525">
+                <a:solidFill>
+                  <a:schemeClr val="tx1"/>
+                </a:solidFill>
+                <a:miter lim="800000"/>
+                <a:headEnd/>
+                <a:tailEnd/>
+              </a14:hiddenLine>
+            </a:ext>
+            <a:ext uri="{AF507438-7753-43E0-B8FC-AC1667EBCBE1}">
+              <a14:hiddenEffects xmlns:a14="http://schemas.microsoft.com/office/drawing/2010/main">
+                <a:effectLst>
+                  <a:outerShdw dist="35921" dir="2700000" algn="ctr" rotWithShape="0">
+                    <a:schemeClr val="bg2"/>
+                  </a:outerShdw>
+                </a:effectLst>
+              </a14:hiddenEffects>
+            </a:ext>
+          </a:extLst>
         </p:spPr>
-        <p:txBody>
-          <a:bodyPr wrap="square">
-            <a:spAutoFit/>
-          </a:bodyPr>
-          <a:lstStyle/>
-          <a:p>
-            <a:pPr marL="0" indent="0" algn="ctr">
-              <a:buNone/>
-            </a:pPr>
-            <a:r>
-              <a:rPr lang="de-DE" sz="3200" b="1" dirty="0"/>
-              <a:t>Kombination zweier Ansichten gewährt </a:t>
-            </a:r>
-            <a:r>
-              <a:rPr lang="de-DE" sz="3200" b="1" dirty="0" smtClean="0"/>
-              <a:t>umfangreichen Überblick</a:t>
-            </a:r>
-            <a:endParaRPr lang="de-DE" sz="3200" b="1" dirty="0"/>
-          </a:p>
-        </p:txBody>
-      </p:sp>
+      </p:pic>
+      <p:pic>
+        <p:nvPicPr>
+          <p:cNvPr id="1029" name="Picture 5" descr="3d man fernglas : Man schaut durch ein Fernglas. 3D gerenderten Bild. Stockfoto"/>
+          <p:cNvPicPr>
+            <a:picLocks noChangeAspect="1" noChangeArrowheads="1"/>
+          </p:cNvPicPr>
+          <p:nvPr/>
+        </p:nvPicPr>
+        <p:blipFill>
+          <a:blip r:embed="rId4">
+            <a:extLst>
+              <a:ext uri="{28A0092B-C50C-407E-A947-70E740481C1C}">
+                <a14:useLocalDpi xmlns:a14="http://schemas.microsoft.com/office/drawing/2010/main" val="0"/>
+              </a:ext>
+            </a:extLst>
+          </a:blip>
+          <a:srcRect/>
+          <a:stretch>
+            <a:fillRect/>
+          </a:stretch>
+        </p:blipFill>
+        <p:spPr bwMode="auto">
+          <a:xfrm>
+            <a:off x="1187624" y="4159861"/>
+            <a:ext cx="1095439" cy="1460585"/>
+          </a:xfrm>
+          <a:prstGeom prst="rect">
+            <a:avLst/>
+          </a:prstGeom>
+          <a:noFill/>
+          <a:extLst>
+            <a:ext uri="{909E8E84-426E-40DD-AFC4-6F175D3DCCD1}">
+              <a14:hiddenFill xmlns:a14="http://schemas.microsoft.com/office/drawing/2010/main">
+                <a:solidFill>
+                  <a:srgbClr val="FFFFFF"/>
+                </a:solidFill>
+              </a14:hiddenFill>
+            </a:ext>
+          </a:extLst>
+        </p:spPr>
+      </p:pic>
+      <p:pic>
+        <p:nvPicPr>
+          <p:cNvPr id="1031" name="Picture 7" descr="3d man plan : Schreiben Bleistift Papier eine Person schriftlich mit Bleistift auf dem Papier"/>
+          <p:cNvPicPr>
+            <a:picLocks noChangeAspect="1" noChangeArrowheads="1"/>
+          </p:cNvPicPr>
+          <p:nvPr/>
+        </p:nvPicPr>
+        <p:blipFill>
+          <a:blip r:embed="rId5">
+            <a:extLst>
+              <a:ext uri="{28A0092B-C50C-407E-A947-70E740481C1C}">
+                <a14:useLocalDpi xmlns:a14="http://schemas.microsoft.com/office/drawing/2010/main" val="0"/>
+              </a:ext>
+            </a:extLst>
+          </a:blip>
+          <a:srcRect/>
+          <a:stretch>
+            <a:fillRect/>
+          </a:stretch>
+        </p:blipFill>
+        <p:spPr bwMode="auto">
+          <a:xfrm>
+            <a:off x="6572200" y="4275996"/>
+            <a:ext cx="1672208" cy="1254156"/>
+          </a:xfrm>
+          <a:prstGeom prst="rect">
+            <a:avLst/>
+          </a:prstGeom>
+          <a:noFill/>
+          <a:extLst>
+            <a:ext uri="{909E8E84-426E-40DD-AFC4-6F175D3DCCD1}">
+              <a14:hiddenFill xmlns:a14="http://schemas.microsoft.com/office/drawing/2010/main">
+                <a:solidFill>
+                  <a:srgbClr val="FFFFFF"/>
+                </a:solidFill>
+              </a14:hiddenFill>
+            </a:ext>
+          </a:extLst>
+        </p:spPr>
+      </p:pic>
+      <p:pic>
+        <p:nvPicPr>
+          <p:cNvPr id="1033" name="Picture 9" descr="http://us.cdn2.123rf.com/168nwm/orla/orla1302/orla130200082/17792496-3d-menschen--ein-mann-person-und-an-einem-ruder-steuermann.jpg"/>
+          <p:cNvPicPr>
+            <a:picLocks noChangeAspect="1" noChangeArrowheads="1"/>
+          </p:cNvPicPr>
+          <p:nvPr/>
+        </p:nvPicPr>
+        <p:blipFill>
+          <a:blip r:embed="rId6">
+            <a:extLst>
+              <a:ext uri="{28A0092B-C50C-407E-A947-70E740481C1C}">
+                <a14:useLocalDpi xmlns:a14="http://schemas.microsoft.com/office/drawing/2010/main" val="0"/>
+              </a:ext>
+            </a:extLst>
+          </a:blip>
+          <a:srcRect/>
+          <a:stretch>
+            <a:fillRect/>
+          </a:stretch>
+        </p:blipFill>
+        <p:spPr bwMode="auto">
+          <a:xfrm>
+            <a:off x="4716016" y="4167580"/>
+            <a:ext cx="1284757" cy="1300236"/>
+          </a:xfrm>
+          <a:prstGeom prst="rect">
+            <a:avLst/>
+          </a:prstGeom>
+          <a:noFill/>
+          <a:extLst>
+            <a:ext uri="{909E8E84-426E-40DD-AFC4-6F175D3DCCD1}">
+              <a14:hiddenFill xmlns:a14="http://schemas.microsoft.com/office/drawing/2010/main">
+                <a:solidFill>
+                  <a:srgbClr val="FFFFFF"/>
+                </a:solidFill>
+              </a14:hiddenFill>
+            </a:ext>
+          </a:extLst>
+        </p:spPr>
+      </p:pic>
     </p:spTree>
     <p:extLst>
       <p:ext uri="{BB962C8B-B14F-4D97-AF65-F5344CB8AC3E}">
@@ -8585,80 +8730,9 @@
   <p:timing>
     <p:tnLst>
       <p:par>
-        <p:cTn id="1" dur="indefinite" restart="never" nodeType="tmRoot">
-          <p:childTnLst>
-            <p:seq concurrent="1" nextAc="seek">
-              <p:cTn id="2" dur="indefinite" nodeType="mainSeq">
-                <p:childTnLst>
-                  <p:par>
-                    <p:cTn id="3" fill="hold">
-                      <p:stCondLst>
-                        <p:cond delay="indefinite"/>
-                      </p:stCondLst>
-                      <p:childTnLst>
-                        <p:par>
-                          <p:cTn id="4" fill="hold">
-                            <p:stCondLst>
-                              <p:cond delay="0"/>
-                            </p:stCondLst>
-                            <p:childTnLst>
-                              <p:par>
-                                <p:cTn id="5" presetID="1" presetClass="entr" presetSubtype="0" fill="hold" grpId="0" nodeType="clickEffect">
-                                  <p:stCondLst>
-                                    <p:cond delay="0"/>
-                                  </p:stCondLst>
-                                  <p:childTnLst>
-                                    <p:set>
-                                      <p:cBhvr>
-                                        <p:cTn id="6" dur="1" fill="hold">
-                                          <p:stCondLst>
-                                            <p:cond delay="0"/>
-                                          </p:stCondLst>
-                                        </p:cTn>
-                                        <p:tgtEl>
-                                          <p:spTgt spid="6"/>
-                                        </p:tgtEl>
-                                        <p:attrNameLst>
-                                          <p:attrName>style.visibility</p:attrName>
-                                        </p:attrNameLst>
-                                      </p:cBhvr>
-                                      <p:to>
-                                        <p:strVal val="visible"/>
-                                      </p:to>
-                                    </p:set>
-                                  </p:childTnLst>
-                                </p:cTn>
-                              </p:par>
-                            </p:childTnLst>
-                          </p:cTn>
-                        </p:par>
-                      </p:childTnLst>
-                    </p:cTn>
-                  </p:par>
-                </p:childTnLst>
-              </p:cTn>
-              <p:prevCondLst>
-                <p:cond evt="onPrev" delay="0">
-                  <p:tgtEl>
-                    <p:sldTgt/>
-                  </p:tgtEl>
-                </p:cond>
-              </p:prevCondLst>
-              <p:nextCondLst>
-                <p:cond evt="onNext" delay="0">
-                  <p:tgtEl>
-                    <p:sldTgt/>
-                  </p:tgtEl>
-                </p:cond>
-              </p:nextCondLst>
-            </p:seq>
-          </p:childTnLst>
-        </p:cTn>
+        <p:cTn id="1" dur="indefinite" restart="never" nodeType="tmRoot"/>
       </p:par>
     </p:tnLst>
-    <p:bldLst>
-      <p:bldP spid="6" grpId="0" animBg="1"/>
-    </p:bldLst>
   </p:timing>
 </p:sld>
 </file>
@@ -8682,6 +8756,135 @@
       </p:grpSpPr>
       <p:sp>
         <p:nvSpPr>
+          <p:cNvPr id="3" name="Inhaltsplatzhalter 2"/>
+          <p:cNvSpPr>
+            <a:spLocks noGrp="1"/>
+          </p:cNvSpPr>
+          <p:nvPr>
+            <p:ph idx="1"/>
+          </p:nvPr>
+        </p:nvSpPr>
+        <p:spPr/>
+        <p:txBody>
+          <a:bodyPr/>
+          <a:lstStyle/>
+          <a:p>
+            <a:pPr marL="0" indent="0" algn="ctr">
+              <a:buNone/>
+            </a:pPr>
+            <a:endParaRPr lang="de-DE" sz="3200" b="1" dirty="0" smtClean="0"/>
+          </a:p>
+          <a:p>
+            <a:pPr marL="0" indent="0" algn="ctr">
+              <a:buNone/>
+            </a:pPr>
+            <a:endParaRPr lang="de-DE" sz="3200" b="1" dirty="0"/>
+          </a:p>
+          <a:p>
+            <a:pPr marL="0" indent="0">
+              <a:buNone/>
+            </a:pPr>
+            <a:endParaRPr lang="de-DE" sz="3200" dirty="0" smtClean="0"/>
+          </a:p>
+          <a:p>
+            <a:pPr marL="0" indent="0">
+              <a:buNone/>
+            </a:pPr>
+            <a:endParaRPr lang="de-DE" sz="3200" dirty="0"/>
+          </a:p>
+          <a:p>
+            <a:pPr marL="0" indent="0">
+              <a:buNone/>
+            </a:pPr>
+            <a:endParaRPr lang="de-DE" sz="3200" dirty="0"/>
+          </a:p>
+          <a:p>
+            <a:pPr marL="0" indent="0" algn="ctr">
+              <a:buNone/>
+            </a:pPr>
+            <a:r>
+              <a:rPr lang="de-DE" sz="3200" b="1" dirty="0" smtClean="0">
+                <a:sym typeface="Wingdings" panose="05000000000000000000" pitchFamily="2" charset="2"/>
+              </a:rPr>
+              <a:t>Vielen </a:t>
+            </a:r>
+            <a:r>
+              <a:rPr lang="de-DE" sz="3200" b="1" dirty="0">
+                <a:sym typeface="Wingdings" panose="05000000000000000000" pitchFamily="2" charset="2"/>
+              </a:rPr>
+              <a:t>Dank für Ihre </a:t>
+            </a:r>
+          </a:p>
+          <a:p>
+            <a:pPr marL="0" indent="0" algn="ctr">
+              <a:buNone/>
+            </a:pPr>
+            <a:r>
+              <a:rPr lang="de-DE" sz="3200" b="1" dirty="0">
+                <a:sym typeface="Wingdings" panose="05000000000000000000" pitchFamily="2" charset="2"/>
+              </a:rPr>
+              <a:t>Aufmerksamkeit</a:t>
+            </a:r>
+            <a:endParaRPr lang="de-DE" sz="3200" b="1" dirty="0"/>
+          </a:p>
+          <a:p>
+            <a:endParaRPr lang="de-DE" sz="3200" dirty="0"/>
+          </a:p>
+        </p:txBody>
+      </p:sp>
+      <p:pic>
+        <p:nvPicPr>
+          <p:cNvPr id="9" name="Picture 2"/>
+          <p:cNvPicPr>
+            <a:picLocks noChangeAspect="1" noChangeArrowheads="1"/>
+          </p:cNvPicPr>
+          <p:nvPr/>
+        </p:nvPicPr>
+        <p:blipFill>
+          <a:blip r:embed="rId2" cstate="print">
+            <a:extLst>
+              <a:ext uri="{28A0092B-C50C-407E-A947-70E740481C1C}">
+                <a14:useLocalDpi xmlns:a14="http://schemas.microsoft.com/office/drawing/2010/main" val="0"/>
+              </a:ext>
+            </a:extLst>
+          </a:blip>
+          <a:srcRect/>
+          <a:stretch>
+            <a:fillRect/>
+          </a:stretch>
+        </p:blipFill>
+        <p:spPr bwMode="auto">
+          <a:xfrm>
+            <a:off x="1435943" y="1597259"/>
+            <a:ext cx="3650670" cy="2035951"/>
+          </a:xfrm>
+          <a:prstGeom prst="rect">
+            <a:avLst/>
+          </a:prstGeom>
+          <a:noFill/>
+          <a:ln w="9525">
+            <a:solidFill>
+              <a:schemeClr val="bg1">
+                <a:lumMod val="50000"/>
+              </a:schemeClr>
+            </a:solidFill>
+            <a:miter lim="800000"/>
+            <a:headEnd/>
+            <a:tailEnd/>
+          </a:ln>
+          <a:extLst>
+            <a:ext uri="{909E8E84-426E-40DD-AFC4-6F175D3DCCD1}">
+              <a14:hiddenFill xmlns:a14="http://schemas.microsoft.com/office/drawing/2010/main">
+                <a:solidFill>
+                  <a:schemeClr val="accent1"/>
+                </a:solidFill>
+              </a14:hiddenFill>
+            </a:ext>
+          </a:extLst>
+        </p:spPr>
+      </p:pic>
+      <p:sp>
+        <p:nvSpPr>
           <p:cNvPr id="2" name="Titel 1"/>
           <p:cNvSpPr>
             <a:spLocks noGrp="1"/>
@@ -8705,72 +8908,6 @@
       </p:sp>
       <p:sp>
         <p:nvSpPr>
-          <p:cNvPr id="3" name="Inhaltsplatzhalter 2"/>
-          <p:cNvSpPr>
-            <a:spLocks noGrp="1"/>
-          </p:cNvSpPr>
-          <p:nvPr>
-            <p:ph idx="1"/>
-          </p:nvPr>
-        </p:nvSpPr>
-        <p:spPr/>
-        <p:txBody>
-          <a:bodyPr/>
-          <a:lstStyle/>
-          <a:p>
-            <a:pPr marL="0" indent="0" algn="ctr">
-              <a:buNone/>
-            </a:pPr>
-            <a:endParaRPr lang="de-DE" sz="3200" b="1" dirty="0" smtClean="0"/>
-          </a:p>
-          <a:p>
-            <a:pPr marL="0" indent="0" algn="ctr">
-              <a:buNone/>
-            </a:pPr>
-            <a:endParaRPr lang="de-DE" sz="3200" b="1" dirty="0"/>
-          </a:p>
-          <a:p>
-            <a:pPr marL="0" indent="0">
-              <a:buNone/>
-            </a:pPr>
-            <a:endParaRPr lang="de-DE" sz="3200" dirty="0"/>
-          </a:p>
-          <a:p>
-            <a:pPr marL="0" indent="0" algn="ctr">
-              <a:buNone/>
-            </a:pPr>
-            <a:r>
-              <a:rPr lang="de-DE" sz="3200" b="1" dirty="0" smtClean="0">
-                <a:sym typeface="Wingdings" panose="05000000000000000000" pitchFamily="2" charset="2"/>
-              </a:rPr>
-              <a:t>Vielen </a:t>
-            </a:r>
-            <a:r>
-              <a:rPr lang="de-DE" sz="3200" b="1" dirty="0">
-                <a:sym typeface="Wingdings" panose="05000000000000000000" pitchFamily="2" charset="2"/>
-              </a:rPr>
-              <a:t>Dank für Ihre </a:t>
-            </a:r>
-          </a:p>
-          <a:p>
-            <a:pPr marL="0" indent="0" algn="ctr">
-              <a:buNone/>
-            </a:pPr>
-            <a:r>
-              <a:rPr lang="de-DE" sz="3200" b="1" dirty="0">
-                <a:sym typeface="Wingdings" panose="05000000000000000000" pitchFamily="2" charset="2"/>
-              </a:rPr>
-              <a:t>Aufmerksamkeit</a:t>
-            </a:r>
-            <a:endParaRPr lang="de-DE" sz="3200" b="1" dirty="0"/>
-          </a:p>
-          <a:p>
-            <a:endParaRPr lang="de-DE" sz="3200" dirty="0"/>
-          </a:p>
-        </p:txBody>
-      </p:sp>
-      <p:sp>
-        <p:nvSpPr>
           <p:cNvPr id="4" name="Foliennummernplatzhalter 3"/>
           <p:cNvSpPr>
             <a:spLocks noGrp="1"/>
@@ -8813,6 +8950,185 @@
               <a:t>Mobile Web | Projekt: Modulhandbuch</a:t>
             </a:r>
             <a:endParaRPr lang="de-DE" dirty="0"/>
+          </a:p>
+        </p:txBody>
+      </p:sp>
+      <p:pic>
+        <p:nvPicPr>
+          <p:cNvPr id="6" name="Picture 2" descr="http://www.socialmediamarketingkelowna.com/wp-content/uploads/2011/11/Bright-Spark-social-media-3d-small-man-jumping-exclamation-mark.jpg"/>
+          <p:cNvPicPr>
+            <a:picLocks noChangeAspect="1" noChangeArrowheads="1"/>
+          </p:cNvPicPr>
+          <p:nvPr/>
+        </p:nvPicPr>
+        <p:blipFill>
+          <a:blip r:embed="rId3" cstate="print">
+            <a:extLst>
+              <a:ext uri="{28A0092B-C50C-407E-A947-70E740481C1C}">
+                <a14:useLocalDpi xmlns:a14="http://schemas.microsoft.com/office/drawing/2010/main" val="0"/>
+              </a:ext>
+            </a:extLst>
+          </a:blip>
+          <a:srcRect/>
+          <a:stretch>
+            <a:fillRect/>
+          </a:stretch>
+        </p:blipFill>
+        <p:spPr bwMode="auto">
+          <a:xfrm>
+            <a:off x="5436096" y="1297414"/>
+            <a:ext cx="1844617" cy="2635642"/>
+          </a:xfrm>
+          <a:prstGeom prst="rect">
+            <a:avLst/>
+          </a:prstGeom>
+          <a:noFill/>
+          <a:extLst>
+            <a:ext uri="{909E8E84-426E-40DD-AFC4-6F175D3DCCD1}">
+              <a14:hiddenFill xmlns:a14="http://schemas.microsoft.com/office/drawing/2010/main">
+                <a:solidFill>
+                  <a:srgbClr val="FFFFFF"/>
+                </a:solidFill>
+              </a14:hiddenFill>
+            </a:ext>
+          </a:extLst>
+        </p:spPr>
+      </p:pic>
+      <p:pic>
+        <p:nvPicPr>
+          <p:cNvPr id="2050" name="Picture 2"/>
+          <p:cNvPicPr>
+            <a:picLocks noChangeAspect="1" noChangeArrowheads="1"/>
+          </p:cNvPicPr>
+          <p:nvPr/>
+        </p:nvPicPr>
+        <p:blipFill>
+          <a:blip r:embed="rId4" cstate="print">
+            <a:extLst>
+              <a:ext uri="{28A0092B-C50C-407E-A947-70E740481C1C}">
+                <a14:useLocalDpi xmlns:a14="http://schemas.microsoft.com/office/drawing/2010/main" val="0"/>
+              </a:ext>
+            </a:extLst>
+          </a:blip>
+          <a:srcRect/>
+          <a:stretch>
+            <a:fillRect/>
+          </a:stretch>
+        </p:blipFill>
+        <p:spPr bwMode="auto">
+          <a:xfrm>
+            <a:off x="1763688" y="2332544"/>
+            <a:ext cx="1296144" cy="666328"/>
+          </a:xfrm>
+          <a:prstGeom prst="rect">
+            <a:avLst/>
+          </a:prstGeom>
+          <a:noFill/>
+          <a:ln>
+            <a:noFill/>
+          </a:ln>
+          <a:extLst>
+            <a:ext uri="{909E8E84-426E-40DD-AFC4-6F175D3DCCD1}">
+              <a14:hiddenFill xmlns:a14="http://schemas.microsoft.com/office/drawing/2010/main">
+                <a:solidFill>
+                  <a:schemeClr val="accent1"/>
+                </a:solidFill>
+              </a14:hiddenFill>
+            </a:ext>
+            <a:ext uri="{91240B29-F687-4F45-9708-019B960494DF}">
+              <a14:hiddenLine xmlns:a14="http://schemas.microsoft.com/office/drawing/2010/main" w="9525">
+                <a:solidFill>
+                  <a:schemeClr val="tx1"/>
+                </a:solidFill>
+                <a:miter lim="800000"/>
+                <a:headEnd/>
+                <a:tailEnd/>
+              </a14:hiddenLine>
+            </a:ext>
+          </a:extLst>
+        </p:spPr>
+      </p:pic>
+      <p:pic>
+        <p:nvPicPr>
+          <p:cNvPr id="2051" name="Picture 3"/>
+          <p:cNvPicPr>
+            <a:picLocks noChangeAspect="1" noChangeArrowheads="1"/>
+          </p:cNvPicPr>
+          <p:nvPr/>
+        </p:nvPicPr>
+        <p:blipFill>
+          <a:blip r:embed="rId5" cstate="print">
+            <a:extLst>
+              <a:ext uri="{28A0092B-C50C-407E-A947-70E740481C1C}">
+                <a14:useLocalDpi xmlns:a14="http://schemas.microsoft.com/office/drawing/2010/main" val="0"/>
+              </a:ext>
+            </a:extLst>
+          </a:blip>
+          <a:srcRect/>
+          <a:stretch>
+            <a:fillRect/>
+          </a:stretch>
+        </p:blipFill>
+        <p:spPr bwMode="auto">
+          <a:xfrm>
+            <a:off x="3588158" y="2852936"/>
+            <a:ext cx="1204185" cy="648813"/>
+          </a:xfrm>
+          <a:prstGeom prst="rect">
+            <a:avLst/>
+          </a:prstGeom>
+          <a:noFill/>
+          <a:ln>
+            <a:noFill/>
+          </a:ln>
+          <a:extLst>
+            <a:ext uri="{909E8E84-426E-40DD-AFC4-6F175D3DCCD1}">
+              <a14:hiddenFill xmlns:a14="http://schemas.microsoft.com/office/drawing/2010/main">
+                <a:solidFill>
+                  <a:schemeClr val="accent1"/>
+                </a:solidFill>
+              </a14:hiddenFill>
+            </a:ext>
+            <a:ext uri="{91240B29-F687-4F45-9708-019B960494DF}">
+              <a14:hiddenLine xmlns:a14="http://schemas.microsoft.com/office/drawing/2010/main" w="9525">
+                <a:solidFill>
+                  <a:schemeClr val="tx1"/>
+                </a:solidFill>
+                <a:miter lim="800000"/>
+                <a:headEnd/>
+                <a:tailEnd/>
+              </a14:hiddenLine>
+            </a:ext>
+          </a:extLst>
+        </p:spPr>
+      </p:pic>
+      <p:sp>
+        <p:nvSpPr>
+          <p:cNvPr id="7" name="Textfeld 6"/>
+          <p:cNvSpPr txBox="1"/>
+          <p:nvPr/>
+        </p:nvSpPr>
+        <p:spPr>
+          <a:xfrm>
+            <a:off x="3079460" y="2564904"/>
+            <a:ext cx="484428" cy="707886"/>
+          </a:xfrm>
+          <a:prstGeom prst="rect">
+            <a:avLst/>
+          </a:prstGeom>
+          <a:noFill/>
+        </p:spPr>
+        <p:txBody>
+          <a:bodyPr wrap="none" rtlCol="0">
+            <a:spAutoFit/>
+          </a:bodyPr>
+          <a:lstStyle/>
+          <a:p>
+            <a:r>
+              <a:rPr lang="de-DE" sz="4000" dirty="0" smtClean="0"/>
+              <a:t>+</a:t>
+            </a:r>
+            <a:endParaRPr lang="de-DE" sz="4000" dirty="0"/>
           </a:p>
         </p:txBody>
       </p:sp>
@@ -9835,13 +10151,8 @@
           <a:p>
             <a:r>
               <a:rPr lang="de-DE" dirty="0" smtClean="0"/>
-              <a:t>Eigene </a:t>
-            </a:r>
-            <a:r>
-              <a:rPr lang="de-DE" dirty="0" smtClean="0"/>
-              <a:t>Erfahrungen beim Wechsel nach Worms</a:t>
-            </a:r>
-            <a:endParaRPr lang="de-DE" dirty="0" smtClean="0"/>
+              <a:t>Eigene Erfahrungen beim Wechsel nach Worms</a:t>
+            </a:r>
           </a:p>
           <a:p>
             <a:r>
@@ -9874,24 +10185,14 @@
           <a:p>
             <a:r>
               <a:rPr lang="de-DE" dirty="0" smtClean="0"/>
-              <a:t>Kacheln </a:t>
-            </a:r>
+              <a:t>Kacheln und Zeitachse bewährt und gut</a:t>
+            </a:r>
+          </a:p>
+          <a:p>
             <a:r>
               <a:rPr lang="de-DE" dirty="0" smtClean="0"/>
-              <a:t>und </a:t>
-            </a:r>
-            <a:r>
-              <a:rPr lang="de-DE" dirty="0" smtClean="0"/>
-              <a:t>Zeitachse bewährt und gut</a:t>
-            </a:r>
-            <a:endParaRPr lang="de-DE" dirty="0" smtClean="0"/>
-          </a:p>
-          <a:p>
-            <a:r>
-              <a:rPr lang="de-DE" dirty="0" smtClean="0"/>
-              <a:t>Detaillierten Informationen liefern</a:t>
-            </a:r>
-            <a:endParaRPr lang="de-DE" dirty="0" smtClean="0"/>
+              <a:t>Detaillierte Informationen liefern</a:t>
+            </a:r>
           </a:p>
           <a:p>
             <a:endParaRPr lang="de-DE" dirty="0" smtClean="0"/>
@@ -9902,13 +10203,8 @@
             </a:pPr>
             <a:r>
               <a:rPr lang="de-DE" dirty="0" smtClean="0"/>
-              <a:t>Bewährte Struktur + Gute Visualisierung + Informationen </a:t>
-            </a:r>
-            <a:r>
-              <a:rPr lang="de-DE" dirty="0" smtClean="0"/>
-              <a:t>/ Verlinkungen</a:t>
-            </a:r>
-            <a:endParaRPr lang="de-DE" dirty="0" smtClean="0"/>
+              <a:t>Bewährte Struktur + Gute Visualisierung + Informationen / Verlinkungen</a:t>
+            </a:r>
           </a:p>
         </p:txBody>
       </p:sp>
@@ -11526,37 +11822,13 @@
             </a:r>
             <a:r>
               <a:rPr lang="de-DE" dirty="0" smtClean="0"/>
-              <a:t> </a:t>
-            </a:r>
+              <a:t> Design“</a:t>
+            </a:r>
+          </a:p>
+          <a:p>
             <a:r>
               <a:rPr lang="de-DE" dirty="0" smtClean="0"/>
-              <a:t>Design</a:t>
-            </a:r>
-            <a:r>
-              <a:rPr lang="de-DE" dirty="0" smtClean="0"/>
-              <a:t>“</a:t>
-            </a:r>
-            <a:endParaRPr lang="de-DE" dirty="0" smtClean="0"/>
-          </a:p>
-          <a:p>
-            <a:r>
-              <a:rPr lang="de-DE" dirty="0" smtClean="0"/>
-              <a:t>Keine farbliche </a:t>
-            </a:r>
-            <a:r>
-              <a:rPr lang="de-DE" dirty="0" smtClean="0"/>
-              <a:t>Gestaltung für </a:t>
-            </a:r>
-            <a:r>
-              <a:rPr lang="de-DE" dirty="0" smtClean="0"/>
-              <a:t>Semester</a:t>
-            </a:r>
-            <a:endParaRPr lang="de-DE" dirty="0" smtClean="0"/>
-          </a:p>
-          <a:p>
-            <a:r>
-              <a:rPr lang="de-DE" dirty="0" smtClean="0"/>
-              <a:t>Keine Schriftgrößen-Anpassung</a:t>
+              <a:t>Keine farbliche Gruppierung von Modulen</a:t>
             </a:r>
           </a:p>
           <a:p>
@@ -11566,11 +11838,18 @@
             </a:r>
             <a:r>
               <a:rPr lang="de-DE" dirty="0" smtClean="0"/>
-              <a:t>visuelle zeitliche Abfolge</a:t>
-            </a:r>
-            <a:endParaRPr lang="de-DE" dirty="0" smtClean="0"/>
-          </a:p>
-          <a:p>
+              <a:t>Schriftgrößen-Anpassung</a:t>
+            </a:r>
+          </a:p>
+          <a:p>
+            <a:r>
+              <a:rPr lang="de-DE" dirty="0" smtClean="0"/>
+              <a:t>Keine zeitliche Abfolge </a:t>
+            </a:r>
+            <a:r>
+              <a:rPr lang="de-DE" dirty="0" smtClean="0"/>
+              <a:t>visualisierbar</a:t>
+            </a:r>
             <a:endParaRPr lang="de-DE" dirty="0" smtClean="0"/>
           </a:p>
         </p:txBody>

--- a/presentation/2015-07-09_Mobile-Web_Gruppe-Modulhandbuch.pptx
+++ b/presentation/2015-07-09_Mobile-Web_Gruppe-Modulhandbuch.pptx
@@ -158,7 +158,7 @@
   </p:defaultTextStyle>
   <p:extLst>
     <p:ext uri="{EFAFB233-063F-42B5-8137-9DF3F51BA10A}">
-      <p15:sldGuideLst xmlns="" xmlns:p15="http://schemas.microsoft.com/office/powerpoint/2012/main">
+      <p15:sldGuideLst xmlns:p15="http://schemas.microsoft.com/office/powerpoint/2012/main" xmlns="">
         <p15:guide id="1" orient="horz" pos="2160">
           <p15:clr>
             <a:srgbClr val="A4A3A4"/>
@@ -217,7 +217,7 @@
       </p15:sldGuideLst>
     </p:ext>
     <p:ext uri="{2D200454-40CA-4A62-9FC3-DE9A4176ACB9}">
-      <p15:notesGuideLst xmlns="" xmlns:p15="http://schemas.microsoft.com/office/powerpoint/2012/main"/>
+      <p15:notesGuideLst xmlns:p15="http://schemas.microsoft.com/office/powerpoint/2012/main" xmlns=""/>
     </p:ext>
   </p:extLst>
 </p:presentation>
@@ -7115,11 +7115,7 @@
           <a:p>
             <a:r>
               <a:rPr lang="de-DE" dirty="0" smtClean="0"/>
-              <a:t>Farbliche Gruppierung von </a:t>
-            </a:r>
-            <a:r>
-              <a:rPr lang="de-DE" dirty="0" smtClean="0"/>
-              <a:t>Modulen</a:t>
+              <a:t>Farbliche Gruppierung von Modulen</a:t>
             </a:r>
           </a:p>
           <a:p>
@@ -8202,7 +8198,6 @@
               <a:rPr lang="de-DE" dirty="0"/>
               <a:t>Keine Links zum Modulhandbuch</a:t>
             </a:r>
-            <a:endParaRPr lang="de-DE" dirty="0"/>
           </a:p>
         </p:txBody>
       </p:sp>
@@ -8409,79 +8404,9 @@
           <a:chExt cx="0" cy="0"/>
         </a:xfrm>
       </p:grpSpPr>
-      <p:sp>
-        <p:nvSpPr>
-          <p:cNvPr id="2" name="Titel 1"/>
-          <p:cNvSpPr>
-            <a:spLocks noGrp="1"/>
-          </p:cNvSpPr>
-          <p:nvPr>
-            <p:ph type="title"/>
-          </p:nvPr>
-        </p:nvSpPr>
-        <p:spPr/>
-        <p:txBody>
-          <a:bodyPr/>
-          <a:lstStyle/>
-          <a:p>
-            <a:r>
-              <a:rPr lang="de-DE" dirty="0" smtClean="0"/>
-              <a:t>Ergebnis</a:t>
-            </a:r>
-            <a:endParaRPr lang="de-DE" dirty="0"/>
-          </a:p>
-        </p:txBody>
-      </p:sp>
-      <p:sp>
-        <p:nvSpPr>
-          <p:cNvPr id="4" name="Foliennummernplatzhalter 3"/>
-          <p:cNvSpPr>
-            <a:spLocks noGrp="1"/>
-          </p:cNvSpPr>
-          <p:nvPr>
-            <p:ph type="sldNum" sz="quarter" idx="10"/>
-          </p:nvPr>
-        </p:nvSpPr>
-        <p:spPr/>
-        <p:txBody>
-          <a:bodyPr/>
-          <a:lstStyle/>
-          <a:p>
-            <a:fld id="{4A87D5D0-4391-4EB2-AF2F-8F39F08E3898}" type="slidenum">
-              <a:rPr lang="de-DE" smtClean="0"/>
-              <a:pPr/>
-              <a:t>15</a:t>
-            </a:fld>
-            <a:endParaRPr lang="de-DE"/>
-          </a:p>
-        </p:txBody>
-      </p:sp>
-      <p:sp>
-        <p:nvSpPr>
-          <p:cNvPr id="5" name="Fußzeilenplatzhalter 4"/>
-          <p:cNvSpPr>
-            <a:spLocks noGrp="1"/>
-          </p:cNvSpPr>
-          <p:nvPr>
-            <p:ph type="ftr" sz="quarter" idx="3"/>
-          </p:nvPr>
-        </p:nvSpPr>
-        <p:spPr/>
-        <p:txBody>
-          <a:bodyPr/>
-          <a:lstStyle/>
-          <a:p>
-            <a:r>
-              <a:rPr lang="it-IT" smtClean="0"/>
-              <a:t>Mobile Web | Projekt: Modulhandbuch</a:t>
-            </a:r>
-            <a:endParaRPr lang="de-DE" dirty="0"/>
-          </a:p>
-        </p:txBody>
-      </p:sp>
       <p:pic>
         <p:nvPicPr>
-          <p:cNvPr id="1026" name="Picture 2"/>
+          <p:cNvPr id="6" name="Picture 3"/>
           <p:cNvPicPr>
             <a:picLocks noChangeAspect="1" noChangeArrowheads="1"/>
           </p:cNvPicPr>
@@ -8502,8 +8427,8 @@
         </p:blipFill>
         <p:spPr bwMode="auto">
           <a:xfrm>
-            <a:off x="323528" y="1380915"/>
-            <a:ext cx="8403198" cy="4686399"/>
+            <a:off x="323528" y="1638296"/>
+            <a:ext cx="8280920" cy="4238976"/>
           </a:xfrm>
           <a:prstGeom prst="rect">
             <a:avLst/>
@@ -8530,6 +8455,76 @@
           </a:extLst>
         </p:spPr>
       </p:pic>
+      <p:sp>
+        <p:nvSpPr>
+          <p:cNvPr id="2" name="Titel 1"/>
+          <p:cNvSpPr>
+            <a:spLocks noGrp="1"/>
+          </p:cNvSpPr>
+          <p:nvPr>
+            <p:ph type="title"/>
+          </p:nvPr>
+        </p:nvSpPr>
+        <p:spPr/>
+        <p:txBody>
+          <a:bodyPr/>
+          <a:lstStyle/>
+          <a:p>
+            <a:r>
+              <a:rPr lang="de-DE" dirty="0" smtClean="0"/>
+              <a:t>Ergebnis</a:t>
+            </a:r>
+            <a:endParaRPr lang="de-DE" dirty="0"/>
+          </a:p>
+        </p:txBody>
+      </p:sp>
+      <p:sp>
+        <p:nvSpPr>
+          <p:cNvPr id="4" name="Foliennummernplatzhalter 3"/>
+          <p:cNvSpPr>
+            <a:spLocks noGrp="1"/>
+          </p:cNvSpPr>
+          <p:nvPr>
+            <p:ph type="sldNum" sz="quarter" idx="10"/>
+          </p:nvPr>
+        </p:nvSpPr>
+        <p:spPr/>
+        <p:txBody>
+          <a:bodyPr/>
+          <a:lstStyle/>
+          <a:p>
+            <a:fld id="{4A87D5D0-4391-4EB2-AF2F-8F39F08E3898}" type="slidenum">
+              <a:rPr lang="de-DE" smtClean="0"/>
+              <a:pPr/>
+              <a:t>15</a:t>
+            </a:fld>
+            <a:endParaRPr lang="de-DE"/>
+          </a:p>
+        </p:txBody>
+      </p:sp>
+      <p:sp>
+        <p:nvSpPr>
+          <p:cNvPr id="5" name="Fußzeilenplatzhalter 4"/>
+          <p:cNvSpPr>
+            <a:spLocks noGrp="1"/>
+          </p:cNvSpPr>
+          <p:nvPr>
+            <p:ph type="ftr" sz="quarter" idx="3"/>
+          </p:nvPr>
+        </p:nvSpPr>
+        <p:spPr/>
+        <p:txBody>
+          <a:bodyPr/>
+          <a:lstStyle/>
+          <a:p>
+            <a:r>
+              <a:rPr lang="it-IT" smtClean="0"/>
+              <a:t>Mobile Web | Projekt: Modulhandbuch</a:t>
+            </a:r>
+            <a:endParaRPr lang="de-DE" dirty="0"/>
+          </a:p>
+        </p:txBody>
+      </p:sp>
       <p:pic>
         <p:nvPicPr>
           <p:cNvPr id="1027" name="Picture 3"/>
@@ -8553,7 +8548,7 @@
         </p:blipFill>
         <p:spPr bwMode="auto">
           <a:xfrm>
-            <a:off x="3059832" y="4240983"/>
+            <a:off x="3059832" y="4446226"/>
             <a:ext cx="988363" cy="1289169"/>
           </a:xfrm>
           <a:prstGeom prst="rect">
@@ -8617,7 +8612,7 @@
         </p:blipFill>
         <p:spPr bwMode="auto">
           <a:xfrm>
-            <a:off x="1187624" y="4159861"/>
+            <a:off x="1187624" y="4365104"/>
             <a:ext cx="1095439" cy="1460585"/>
           </a:xfrm>
           <a:prstGeom prst="rect">
@@ -8658,7 +8653,7 @@
         </p:blipFill>
         <p:spPr bwMode="auto">
           <a:xfrm>
-            <a:off x="6572200" y="4275996"/>
+            <a:off x="6572200" y="4481239"/>
             <a:ext cx="1672208" cy="1254156"/>
           </a:xfrm>
           <a:prstGeom prst="rect">
@@ -8699,7 +8694,7 @@
         </p:blipFill>
         <p:spPr bwMode="auto">
           <a:xfrm>
-            <a:off x="4716016" y="4167580"/>
+            <a:off x="4716016" y="4372823"/>
             <a:ext cx="1284757" cy="1300236"/>
           </a:xfrm>
           <a:prstGeom prst="rect">
@@ -8730,7 +8725,156 @@
   <p:timing>
     <p:tnLst>
       <p:par>
-        <p:cTn id="1" dur="indefinite" restart="never" nodeType="tmRoot"/>
+        <p:cTn id="1" dur="indefinite" restart="never" nodeType="tmRoot">
+          <p:childTnLst>
+            <p:seq concurrent="1" nextAc="seek">
+              <p:cTn id="2" dur="indefinite" nodeType="mainSeq">
+                <p:childTnLst>
+                  <p:par>
+                    <p:cTn id="3" fill="hold">
+                      <p:stCondLst>
+                        <p:cond delay="indefinite"/>
+                      </p:stCondLst>
+                      <p:childTnLst>
+                        <p:par>
+                          <p:cTn id="4" fill="hold">
+                            <p:stCondLst>
+                              <p:cond delay="0"/>
+                            </p:stCondLst>
+                            <p:childTnLst>
+                              <p:par>
+                                <p:cTn id="5" presetID="1" presetClass="entr" presetSubtype="0" fill="hold" nodeType="clickEffect">
+                                  <p:stCondLst>
+                                    <p:cond delay="0"/>
+                                  </p:stCondLst>
+                                  <p:childTnLst>
+                                    <p:set>
+                                      <p:cBhvr>
+                                        <p:cTn id="6" dur="1" fill="hold">
+                                          <p:stCondLst>
+                                            <p:cond delay="0"/>
+                                          </p:stCondLst>
+                                        </p:cTn>
+                                        <p:tgtEl>
+                                          <p:spTgt spid="1027"/>
+                                        </p:tgtEl>
+                                        <p:attrNameLst>
+                                          <p:attrName>style.visibility</p:attrName>
+                                        </p:attrNameLst>
+                                      </p:cBhvr>
+                                      <p:to>
+                                        <p:strVal val="visible"/>
+                                      </p:to>
+                                    </p:set>
+                                  </p:childTnLst>
+                                </p:cTn>
+                              </p:par>
+                              <p:par>
+                                <p:cTn id="7" presetID="1" presetClass="entr" presetSubtype="0" fill="hold" nodeType="withEffect">
+                                  <p:stCondLst>
+                                    <p:cond delay="0"/>
+                                  </p:stCondLst>
+                                  <p:childTnLst>
+                                    <p:set>
+                                      <p:cBhvr>
+                                        <p:cTn id="8" dur="1" fill="hold">
+                                          <p:stCondLst>
+                                            <p:cond delay="0"/>
+                                          </p:stCondLst>
+                                        </p:cTn>
+                                        <p:tgtEl>
+                                          <p:spTgt spid="1029"/>
+                                        </p:tgtEl>
+                                        <p:attrNameLst>
+                                          <p:attrName>style.visibility</p:attrName>
+                                        </p:attrNameLst>
+                                      </p:cBhvr>
+                                      <p:to>
+                                        <p:strVal val="visible"/>
+                                      </p:to>
+                                    </p:set>
+                                  </p:childTnLst>
+                                </p:cTn>
+                              </p:par>
+                              <p:par>
+                                <p:cTn id="9" presetID="1" presetClass="entr" presetSubtype="0" fill="hold" nodeType="withEffect">
+                                  <p:stCondLst>
+                                    <p:cond delay="0"/>
+                                  </p:stCondLst>
+                                  <p:childTnLst>
+                                    <p:set>
+                                      <p:cBhvr>
+                                        <p:cTn id="10" dur="1" fill="hold">
+                                          <p:stCondLst>
+                                            <p:cond delay="0"/>
+                                          </p:stCondLst>
+                                        </p:cTn>
+                                        <p:tgtEl>
+                                          <p:spTgt spid="1031"/>
+                                        </p:tgtEl>
+                                        <p:attrNameLst>
+                                          <p:attrName>style.visibility</p:attrName>
+                                        </p:attrNameLst>
+                                      </p:cBhvr>
+                                      <p:to>
+                                        <p:strVal val="visible"/>
+                                      </p:to>
+                                    </p:set>
+                                  </p:childTnLst>
+                                </p:cTn>
+                              </p:par>
+                              <p:par>
+                                <p:cTn id="11" presetID="1" presetClass="entr" presetSubtype="0" fill="hold" nodeType="withEffect">
+                                  <p:stCondLst>
+                                    <p:cond delay="0"/>
+                                  </p:stCondLst>
+                                  <p:childTnLst>
+                                    <p:set>
+                                      <p:cBhvr>
+                                        <p:cTn id="12" dur="1" fill="hold">
+                                          <p:stCondLst>
+                                            <p:cond delay="0"/>
+                                          </p:stCondLst>
+                                        </p:cTn>
+                                        <p:tgtEl>
+                                          <p:spTgt spid="1033"/>
+                                        </p:tgtEl>
+                                        <p:attrNameLst>
+                                          <p:attrName>style.visibility</p:attrName>
+                                        </p:attrNameLst>
+                                      </p:cBhvr>
+                                      <p:to>
+                                        <p:strVal val="visible"/>
+                                      </p:to>
+                                    </p:set>
+                                  </p:childTnLst>
+                                </p:cTn>
+                              </p:par>
+                            </p:childTnLst>
+                          </p:cTn>
+                        </p:par>
+                      </p:childTnLst>
+                    </p:cTn>
+                  </p:par>
+                </p:childTnLst>
+              </p:cTn>
+              <p:prevCondLst>
+                <p:cond evt="onPrev" delay="0">
+                  <p:tgtEl>
+                    <p:sldTgt/>
+                  </p:tgtEl>
+                </p:cond>
+              </p:prevCondLst>
+              <p:nextCondLst>
+                <p:cond evt="onNext" delay="0">
+                  <p:tgtEl>
+                    <p:sldTgt/>
+                  </p:tgtEl>
+                </p:cond>
+              </p:nextCondLst>
+            </p:seq>
+          </p:childTnLst>
+        </p:cTn>
       </p:par>
     </p:tnLst>
   </p:timing>
@@ -11834,23 +11978,14 @@
           <a:p>
             <a:r>
               <a:rPr lang="de-DE" dirty="0" smtClean="0"/>
-              <a:t>Keine </a:t>
-            </a:r>
+              <a:t>Keine Schriftgrößen-Anpassung</a:t>
+            </a:r>
+          </a:p>
+          <a:p>
             <a:r>
               <a:rPr lang="de-DE" dirty="0" smtClean="0"/>
-              <a:t>Schriftgrößen-Anpassung</a:t>
-            </a:r>
-          </a:p>
-          <a:p>
-            <a:r>
-              <a:rPr lang="de-DE" dirty="0" smtClean="0"/>
-              <a:t>Keine zeitliche Abfolge </a:t>
-            </a:r>
-            <a:r>
-              <a:rPr lang="de-DE" dirty="0" smtClean="0"/>
-              <a:t>visualisierbar</a:t>
-            </a:r>
-            <a:endParaRPr lang="de-DE" dirty="0" smtClean="0"/>
+              <a:t>Keine zeitliche Abfolge visualisierbar</a:t>
+            </a:r>
           </a:p>
         </p:txBody>
       </p:sp>

--- a/presentation/2015-07-09_Mobile-Web_Gruppe-Modulhandbuch.pptx
+++ b/presentation/2015-07-09_Mobile-Web_Gruppe-Modulhandbuch.pptx
@@ -158,7 +158,7 @@
   </p:defaultTextStyle>
   <p:extLst>
     <p:ext uri="{EFAFB233-063F-42B5-8137-9DF3F51BA10A}">
-      <p15:sldGuideLst xmlns:p15="http://schemas.microsoft.com/office/powerpoint/2012/main" xmlns="">
+      <p15:sldGuideLst xmlns="" xmlns:p15="http://schemas.microsoft.com/office/powerpoint/2012/main">
         <p15:guide id="1" orient="horz" pos="2160">
           <p15:clr>
             <a:srgbClr val="A4A3A4"/>
@@ -217,7 +217,7 @@
       </p15:sldGuideLst>
     </p:ext>
     <p:ext uri="{2D200454-40CA-4A62-9FC3-DE9A4176ACB9}">
-      <p15:notesGuideLst xmlns:p15="http://schemas.microsoft.com/office/powerpoint/2012/main" xmlns=""/>
+      <p15:notesGuideLst xmlns="" xmlns:p15="http://schemas.microsoft.com/office/powerpoint/2012/main"/>
     </p:ext>
   </p:extLst>
 </p:presentation>
@@ -305,7 +305,7 @@
           <a:p>
             <a:fld id="{9937624A-19D6-4B53-87FF-7EC9970FE6DF}" type="datetimeFigureOut">
               <a:rPr lang="de-DE" smtClean="0"/>
-              <a:t>07.07.2015</a:t>
+              <a:t>07.07.15</a:t>
             </a:fld>
             <a:endParaRPr lang="de-DE"/>
           </a:p>
@@ -470,7 +470,7 @@
           <a:p>
             <a:fld id="{880E0E77-1EBE-4DCA-941B-CCC4F080B8D0}" type="datetimeFigureOut">
               <a:rPr lang="de-DE" smtClean="0"/>
-              <a:t>07.07.2015</a:t>
+              <a:t>07.07.15</a:t>
             </a:fld>
             <a:endParaRPr lang="de-DE"/>
           </a:p>
@@ -1247,7 +1247,7 @@
           <a:p>
             <a:fld id="{BE52FED1-3B53-4AFD-A771-C7BE27550915}" type="datetime1">
               <a:rPr lang="de-DE" smtClean="0"/>
-              <a:t>07.07.2015</a:t>
+              <a:t>07.07.15</a:t>
             </a:fld>
             <a:endParaRPr lang="de-DE" dirty="0"/>
           </a:p>
@@ -1317,7 +1317,7 @@
           </a:prstGeom>
           <a:noFill/>
           <a:extLst>
-            <a:ext uri="{909E8E84-426E-40DD-AFC4-6F175D3DCCD1}">
+            <a:ext uri="{909E8E84-426E-40dd-AFC4-6F175D3DCCD1}">
               <a14:hiddenFill xmlns:a14="http://schemas.microsoft.com/office/drawing/2010/main">
                 <a:solidFill>
                   <a:srgbClr val="FFFFFF"/>
@@ -1351,14 +1351,14 @@
           </a:ln>
           <a:effectLst/>
           <a:extLst>
-            <a:ext uri="{909E8E84-426E-40DD-AFC4-6F175D3DCCD1}">
+            <a:ext uri="{909E8E84-426E-40dd-AFC4-6F175D3DCCD1}">
               <a14:hiddenFill xmlns:a14="http://schemas.microsoft.com/office/drawing/2010/main">
                 <a:solidFill>
                   <a:schemeClr val="accent1"/>
                 </a:solidFill>
               </a14:hiddenFill>
             </a:ext>
-            <a:ext uri="{91240B29-F687-4F45-9708-019B960494DF}">
+            <a:ext uri="{91240B29-F687-4f45-9708-019B960494DF}">
               <a14:hiddenLine xmlns:a14="http://schemas.microsoft.com/office/drawing/2010/main" w="9525">
                 <a:solidFill>
                   <a:schemeClr val="tx1"/>
@@ -1368,7 +1368,7 @@
                 <a:tailEnd/>
               </a14:hiddenLine>
             </a:ext>
-            <a:ext uri="{AF507438-7753-43E0-B8FC-AC1667EBCBE1}">
+            <a:ext uri="{AF507438-7753-43e0-B8FC-AC1667EBCBE1}">
               <a14:hiddenEffects xmlns:a14="http://schemas.microsoft.com/office/drawing/2010/main">
                 <a:effectLst>
                   <a:outerShdw dist="35921" dir="2700000" algn="ctr" rotWithShape="0">
@@ -1558,7 +1558,7 @@
           <a:p>
             <a:fld id="{36514D55-B040-4CBD-B6B9-F1964C8C5D0D}" type="datetime1">
               <a:rPr lang="de-DE" smtClean="0"/>
-              <a:t>07.07.2015</a:t>
+              <a:t>07.07.15</a:t>
             </a:fld>
             <a:endParaRPr lang="de-DE"/>
           </a:p>
@@ -1588,14 +1588,14 @@
           </a:ln>
           <a:effectLst/>
           <a:extLst>
-            <a:ext uri="{909E8E84-426E-40DD-AFC4-6F175D3DCCD1}">
+            <a:ext uri="{909E8E84-426E-40dd-AFC4-6F175D3DCCD1}">
               <a14:hiddenFill xmlns:a14="http://schemas.microsoft.com/office/drawing/2010/main">
                 <a:solidFill>
                   <a:schemeClr val="accent1"/>
                 </a:solidFill>
               </a14:hiddenFill>
             </a:ext>
-            <a:ext uri="{91240B29-F687-4F45-9708-019B960494DF}">
+            <a:ext uri="{91240B29-F687-4f45-9708-019B960494DF}">
               <a14:hiddenLine xmlns:a14="http://schemas.microsoft.com/office/drawing/2010/main" w="9525">
                 <a:solidFill>
                   <a:schemeClr val="tx1"/>
@@ -1605,7 +1605,7 @@
                 <a:tailEnd/>
               </a14:hiddenLine>
             </a:ext>
-            <a:ext uri="{AF507438-7753-43E0-B8FC-AC1667EBCBE1}">
+            <a:ext uri="{AF507438-7753-43e0-B8FC-AC1667EBCBE1}">
               <a14:hiddenEffects xmlns:a14="http://schemas.microsoft.com/office/drawing/2010/main">
                 <a:effectLst>
                   <a:outerShdw dist="35921" dir="2700000" algn="ctr" rotWithShape="0">
@@ -1817,7 +1817,7 @@
           <a:p>
             <a:fld id="{193105AA-858E-4C99-9190-244091FB0E4C}" type="datetime1">
               <a:rPr lang="de-DE" smtClean="0"/>
-              <a:t>07.07.2015</a:t>
+              <a:t>07.07.15</a:t>
             </a:fld>
             <a:endParaRPr lang="de-DE"/>
           </a:p>
@@ -1847,14 +1847,14 @@
           </a:ln>
           <a:effectLst/>
           <a:extLst>
-            <a:ext uri="{909E8E84-426E-40DD-AFC4-6F175D3DCCD1}">
+            <a:ext uri="{909E8E84-426E-40dd-AFC4-6F175D3DCCD1}">
               <a14:hiddenFill xmlns:a14="http://schemas.microsoft.com/office/drawing/2010/main">
                 <a:solidFill>
                   <a:schemeClr val="accent1"/>
                 </a:solidFill>
               </a14:hiddenFill>
             </a:ext>
-            <a:ext uri="{91240B29-F687-4F45-9708-019B960494DF}">
+            <a:ext uri="{91240B29-F687-4f45-9708-019B960494DF}">
               <a14:hiddenLine xmlns:a14="http://schemas.microsoft.com/office/drawing/2010/main" w="9525">
                 <a:solidFill>
                   <a:schemeClr val="tx1"/>
@@ -1864,7 +1864,7 @@
                 <a:tailEnd/>
               </a14:hiddenLine>
             </a:ext>
-            <a:ext uri="{AF507438-7753-43E0-B8FC-AC1667EBCBE1}">
+            <a:ext uri="{AF507438-7753-43e0-B8FC-AC1667EBCBE1}">
               <a14:hiddenEffects xmlns:a14="http://schemas.microsoft.com/office/drawing/2010/main">
                 <a:effectLst>
                   <a:outerShdw dist="35921" dir="2700000" algn="ctr" rotWithShape="0">
@@ -2176,7 +2176,7 @@
           <a:p>
             <a:fld id="{95DCA378-4D19-49BB-8AAE-45C7E41C1D83}" type="datetime1">
               <a:rPr lang="de-DE" smtClean="0"/>
-              <a:t>07.07.2015</a:t>
+              <a:t>07.07.15</a:t>
             </a:fld>
             <a:endParaRPr lang="de-DE"/>
           </a:p>
@@ -2206,14 +2206,14 @@
           </a:ln>
           <a:effectLst/>
           <a:extLst>
-            <a:ext uri="{909E8E84-426E-40DD-AFC4-6F175D3DCCD1}">
+            <a:ext uri="{909E8E84-426E-40dd-AFC4-6F175D3DCCD1}">
               <a14:hiddenFill xmlns:a14="http://schemas.microsoft.com/office/drawing/2010/main">
                 <a:solidFill>
                   <a:schemeClr val="accent1"/>
                 </a:solidFill>
               </a14:hiddenFill>
             </a:ext>
-            <a:ext uri="{91240B29-F687-4F45-9708-019B960494DF}">
+            <a:ext uri="{91240B29-F687-4f45-9708-019B960494DF}">
               <a14:hiddenLine xmlns:a14="http://schemas.microsoft.com/office/drawing/2010/main" w="9525">
                 <a:solidFill>
                   <a:schemeClr val="tx1"/>
@@ -2223,7 +2223,7 @@
                 <a:tailEnd/>
               </a14:hiddenLine>
             </a:ext>
-            <a:ext uri="{AF507438-7753-43E0-B8FC-AC1667EBCBE1}">
+            <a:ext uri="{AF507438-7753-43e0-B8FC-AC1667EBCBE1}">
               <a14:hiddenEffects xmlns:a14="http://schemas.microsoft.com/office/drawing/2010/main">
                 <a:effectLst>
                   <a:outerShdw dist="35921" dir="2700000" algn="ctr" rotWithShape="0">
@@ -2638,7 +2638,7 @@
           <a:p>
             <a:fld id="{D32B10BE-596A-4E88-9BC8-49B1B53D3333}" type="datetime1">
               <a:rPr lang="de-DE" smtClean="0"/>
-              <a:t>07.07.2015</a:t>
+              <a:t>07.07.15</a:t>
             </a:fld>
             <a:endParaRPr lang="de-DE"/>
           </a:p>
@@ -2700,14 +2700,14 @@
           </a:ln>
           <a:effectLst/>
           <a:extLst>
-            <a:ext uri="{909E8E84-426E-40DD-AFC4-6F175D3DCCD1}">
+            <a:ext uri="{909E8E84-426E-40dd-AFC4-6F175D3DCCD1}">
               <a14:hiddenFill xmlns:a14="http://schemas.microsoft.com/office/drawing/2010/main">
                 <a:solidFill>
                   <a:schemeClr val="accent1"/>
                 </a:solidFill>
               </a14:hiddenFill>
             </a:ext>
-            <a:ext uri="{91240B29-F687-4F45-9708-019B960494DF}">
+            <a:ext uri="{91240B29-F687-4f45-9708-019B960494DF}">
               <a14:hiddenLine xmlns:a14="http://schemas.microsoft.com/office/drawing/2010/main" w="9525">
                 <a:solidFill>
                   <a:schemeClr val="tx1"/>
@@ -2717,7 +2717,7 @@
                 <a:tailEnd/>
               </a14:hiddenLine>
             </a:ext>
-            <a:ext uri="{AF507438-7753-43E0-B8FC-AC1667EBCBE1}">
+            <a:ext uri="{AF507438-7753-43e0-B8FC-AC1667EBCBE1}">
               <a14:hiddenEffects xmlns:a14="http://schemas.microsoft.com/office/drawing/2010/main">
                 <a:effectLst>
                   <a:outerShdw dist="35921" dir="2700000" algn="ctr" rotWithShape="0">
@@ -2855,7 +2855,7 @@
           <a:p>
             <a:fld id="{33003E35-6098-4B69-A0CA-FD39498AB0F4}" type="datetime1">
               <a:rPr lang="de-DE" smtClean="0"/>
-              <a:t>07.07.2015</a:t>
+              <a:t>07.07.15</a:t>
             </a:fld>
             <a:endParaRPr lang="de-DE"/>
           </a:p>
@@ -2885,14 +2885,14 @@
           </a:ln>
           <a:effectLst/>
           <a:extLst>
-            <a:ext uri="{909E8E84-426E-40DD-AFC4-6F175D3DCCD1}">
+            <a:ext uri="{909E8E84-426E-40dd-AFC4-6F175D3DCCD1}">
               <a14:hiddenFill xmlns:a14="http://schemas.microsoft.com/office/drawing/2010/main">
                 <a:solidFill>
                   <a:schemeClr val="accent1"/>
                 </a:solidFill>
               </a14:hiddenFill>
             </a:ext>
-            <a:ext uri="{91240B29-F687-4F45-9708-019B960494DF}">
+            <a:ext uri="{91240B29-F687-4f45-9708-019B960494DF}">
               <a14:hiddenLine xmlns:a14="http://schemas.microsoft.com/office/drawing/2010/main" w="9525">
                 <a:solidFill>
                   <a:schemeClr val="tx1"/>
@@ -2902,7 +2902,7 @@
                 <a:tailEnd/>
               </a14:hiddenLine>
             </a:ext>
-            <a:ext uri="{AF507438-7753-43E0-B8FC-AC1667EBCBE1}">
+            <a:ext uri="{AF507438-7753-43e0-B8FC-AC1667EBCBE1}">
               <a14:hiddenEffects xmlns:a14="http://schemas.microsoft.com/office/drawing/2010/main">
                 <a:effectLst>
                   <a:outerShdw dist="35921" dir="2700000" algn="ctr" rotWithShape="0">
@@ -3017,7 +3017,7 @@
           <a:p>
             <a:fld id="{FFE014C6-8B34-4748-BFFD-43343B8201C8}" type="datetime1">
               <a:rPr lang="de-DE" smtClean="0"/>
-              <a:t>07.07.2015</a:t>
+              <a:t>07.07.15</a:t>
             </a:fld>
             <a:endParaRPr lang="de-DE"/>
           </a:p>
@@ -3047,14 +3047,14 @@
           </a:ln>
           <a:effectLst/>
           <a:extLst>
-            <a:ext uri="{909E8E84-426E-40DD-AFC4-6F175D3DCCD1}">
+            <a:ext uri="{909E8E84-426E-40dd-AFC4-6F175D3DCCD1}">
               <a14:hiddenFill xmlns:a14="http://schemas.microsoft.com/office/drawing/2010/main">
                 <a:solidFill>
                   <a:schemeClr val="accent1"/>
                 </a:solidFill>
               </a14:hiddenFill>
             </a:ext>
-            <a:ext uri="{91240B29-F687-4F45-9708-019B960494DF}">
+            <a:ext uri="{91240B29-F687-4f45-9708-019B960494DF}">
               <a14:hiddenLine xmlns:a14="http://schemas.microsoft.com/office/drawing/2010/main" w="9525">
                 <a:solidFill>
                   <a:schemeClr val="tx1"/>
@@ -3064,7 +3064,7 @@
                 <a:tailEnd/>
               </a14:hiddenLine>
             </a:ext>
-            <a:ext uri="{AF507438-7753-43E0-B8FC-AC1667EBCBE1}">
+            <a:ext uri="{AF507438-7753-43e0-B8FC-AC1667EBCBE1}">
               <a14:hiddenEffects xmlns:a14="http://schemas.microsoft.com/office/drawing/2010/main">
                 <a:effectLst>
                   <a:outerShdw dist="35921" dir="2700000" algn="ctr" rotWithShape="0">
@@ -3361,7 +3361,7 @@
           <a:p>
             <a:fld id="{3721457A-8B30-4567-9F44-DF3C2DA4804D}" type="datetime1">
               <a:rPr lang="de-DE" smtClean="0"/>
-              <a:t>07.07.2015</a:t>
+              <a:t>07.07.15</a:t>
             </a:fld>
             <a:endParaRPr lang="de-DE"/>
           </a:p>
@@ -3391,14 +3391,14 @@
           </a:ln>
           <a:effectLst/>
           <a:extLst>
-            <a:ext uri="{909E8E84-426E-40DD-AFC4-6F175D3DCCD1}">
+            <a:ext uri="{909E8E84-426E-40dd-AFC4-6F175D3DCCD1}">
               <a14:hiddenFill xmlns:a14="http://schemas.microsoft.com/office/drawing/2010/main">
                 <a:solidFill>
                   <a:schemeClr val="accent1"/>
                 </a:solidFill>
               </a14:hiddenFill>
             </a:ext>
-            <a:ext uri="{91240B29-F687-4F45-9708-019B960494DF}">
+            <a:ext uri="{91240B29-F687-4f45-9708-019B960494DF}">
               <a14:hiddenLine xmlns:a14="http://schemas.microsoft.com/office/drawing/2010/main" w="9525">
                 <a:solidFill>
                   <a:schemeClr val="tx1"/>
@@ -3408,7 +3408,7 @@
                 <a:tailEnd/>
               </a14:hiddenLine>
             </a:ext>
-            <a:ext uri="{AF507438-7753-43E0-B8FC-AC1667EBCBE1}">
+            <a:ext uri="{AF507438-7753-43e0-B8FC-AC1667EBCBE1}">
               <a14:hiddenEffects xmlns:a14="http://schemas.microsoft.com/office/drawing/2010/main">
                 <a:effectLst>
                   <a:outerShdw dist="35921" dir="2700000" algn="ctr" rotWithShape="0">
@@ -3685,7 +3685,7 @@
           <a:p>
             <a:fld id="{47982ECF-30EC-40E0-B102-478A97B403CD}" type="datetime1">
               <a:rPr lang="de-DE" smtClean="0"/>
-              <a:t>07.07.2015</a:t>
+              <a:t>07.07.15</a:t>
             </a:fld>
             <a:endParaRPr lang="de-DE"/>
           </a:p>
@@ -3715,14 +3715,14 @@
           </a:ln>
           <a:effectLst/>
           <a:extLst>
-            <a:ext uri="{909E8E84-426E-40DD-AFC4-6F175D3DCCD1}">
+            <a:ext uri="{909E8E84-426E-40dd-AFC4-6F175D3DCCD1}">
               <a14:hiddenFill xmlns:a14="http://schemas.microsoft.com/office/drawing/2010/main">
                 <a:solidFill>
                   <a:schemeClr val="accent1"/>
                 </a:solidFill>
               </a14:hiddenFill>
             </a:ext>
-            <a:ext uri="{91240B29-F687-4F45-9708-019B960494DF}">
+            <a:ext uri="{91240B29-F687-4f45-9708-019B960494DF}">
               <a14:hiddenLine xmlns:a14="http://schemas.microsoft.com/office/drawing/2010/main" w="9525">
                 <a:solidFill>
                   <a:schemeClr val="tx1"/>
@@ -3732,7 +3732,7 @@
                 <a:tailEnd/>
               </a14:hiddenLine>
             </a:ext>
-            <a:ext uri="{AF507438-7753-43E0-B8FC-AC1667EBCBE1}">
+            <a:ext uri="{AF507438-7753-43e0-B8FC-AC1667EBCBE1}">
               <a14:hiddenEffects xmlns:a14="http://schemas.microsoft.com/office/drawing/2010/main">
                 <a:effectLst>
                   <a:outerShdw dist="35921" dir="2700000" algn="ctr" rotWithShape="0">
@@ -3830,14 +3830,14 @@
           </a:ln>
           <a:effectLst/>
           <a:extLst>
-            <a:ext uri="{909E8E84-426E-40DD-AFC4-6F175D3DCCD1}">
+            <a:ext uri="{909E8E84-426E-40dd-AFC4-6F175D3DCCD1}">
               <a14:hiddenFill xmlns:a14="http://schemas.microsoft.com/office/drawing/2010/main">
                 <a:solidFill>
                   <a:schemeClr val="accent1"/>
                 </a:solidFill>
               </a14:hiddenFill>
             </a:ext>
-            <a:ext uri="{91240B29-F687-4F45-9708-019B960494DF}">
+            <a:ext uri="{91240B29-F687-4f45-9708-019B960494DF}">
               <a14:hiddenLine xmlns:a14="http://schemas.microsoft.com/office/drawing/2010/main" w="9525">
                 <a:solidFill>
                   <a:schemeClr val="tx1"/>
@@ -3847,7 +3847,7 @@
                 <a:tailEnd/>
               </a14:hiddenLine>
             </a:ext>
-            <a:ext uri="{AF507438-7753-43E0-B8FC-AC1667EBCBE1}">
+            <a:ext uri="{AF507438-7753-43e0-B8FC-AC1667EBCBE1}">
               <a14:hiddenEffects xmlns:a14="http://schemas.microsoft.com/office/drawing/2010/main">
                 <a:effectLst>
                   <a:outerShdw dist="35921" dir="2700000" algn="ctr" rotWithShape="0">
@@ -3926,14 +3926,14 @@
           </a:ln>
           <a:effectLst/>
           <a:extLst>
-            <a:ext uri="{909E8E84-426E-40DD-AFC4-6F175D3DCCD1}">
+            <a:ext uri="{909E8E84-426E-40dd-AFC4-6F175D3DCCD1}">
               <a14:hiddenFill xmlns:a14="http://schemas.microsoft.com/office/drawing/2010/main">
                 <a:solidFill>
                   <a:schemeClr val="accent1"/>
                 </a:solidFill>
               </a14:hiddenFill>
             </a:ext>
-            <a:ext uri="{91240B29-F687-4F45-9708-019B960494DF}">
+            <a:ext uri="{91240B29-F687-4f45-9708-019B960494DF}">
               <a14:hiddenLine xmlns:a14="http://schemas.microsoft.com/office/drawing/2010/main" w="9525">
                 <a:solidFill>
                   <a:schemeClr val="tx1"/>
@@ -3943,7 +3943,7 @@
                 <a:tailEnd/>
               </a14:hiddenLine>
             </a:ext>
-            <a:ext uri="{AF507438-7753-43E0-B8FC-AC1667EBCBE1}">
+            <a:ext uri="{AF507438-7753-43e0-B8FC-AC1667EBCBE1}">
               <a14:hiddenEffects xmlns:a14="http://schemas.microsoft.com/office/drawing/2010/main">
                 <a:effectLst>
                   <a:outerShdw dist="35921" dir="2700000" algn="ctr" rotWithShape="0">
@@ -3994,14 +3994,14 @@
           </a:ln>
           <a:effectLst/>
           <a:extLst>
-            <a:ext uri="{909E8E84-426E-40DD-AFC4-6F175D3DCCD1}">
+            <a:ext uri="{909E8E84-426E-40dd-AFC4-6F175D3DCCD1}">
               <a14:hiddenFill xmlns:a14="http://schemas.microsoft.com/office/drawing/2010/main">
                 <a:solidFill>
                   <a:schemeClr val="accent1"/>
                 </a:solidFill>
               </a14:hiddenFill>
             </a:ext>
-            <a:ext uri="{91240B29-F687-4F45-9708-019B960494DF}">
+            <a:ext uri="{91240B29-F687-4f45-9708-019B960494DF}">
               <a14:hiddenLine xmlns:a14="http://schemas.microsoft.com/office/drawing/2010/main" w="9525">
                 <a:solidFill>
                   <a:schemeClr val="tx1"/>
@@ -4011,7 +4011,7 @@
                 <a:tailEnd/>
               </a14:hiddenLine>
             </a:ext>
-            <a:ext uri="{AF507438-7753-43E0-B8FC-AC1667EBCBE1}">
+            <a:ext uri="{AF507438-7753-43e0-B8FC-AC1667EBCBE1}">
               <a14:hiddenEffects xmlns:a14="http://schemas.microsoft.com/office/drawing/2010/main">
                 <a:effectLst>
                   <a:outerShdw dist="35921" dir="2700000" algn="ctr" rotWithShape="0">
@@ -4072,14 +4072,14 @@
           </a:ln>
           <a:effectLst/>
           <a:extLst>
-            <a:ext uri="{909E8E84-426E-40DD-AFC4-6F175D3DCCD1}">
+            <a:ext uri="{909E8E84-426E-40dd-AFC4-6F175D3DCCD1}">
               <a14:hiddenFill xmlns:a14="http://schemas.microsoft.com/office/drawing/2010/main">
                 <a:solidFill>
                   <a:schemeClr val="accent1"/>
                 </a:solidFill>
               </a14:hiddenFill>
             </a:ext>
-            <a:ext uri="{91240B29-F687-4F45-9708-019B960494DF}">
+            <a:ext uri="{91240B29-F687-4f45-9708-019B960494DF}">
               <a14:hiddenLine xmlns:a14="http://schemas.microsoft.com/office/drawing/2010/main" w="9525">
                 <a:solidFill>
                   <a:schemeClr val="tx1"/>
@@ -4089,7 +4089,7 @@
                 <a:tailEnd/>
               </a14:hiddenLine>
             </a:ext>
-            <a:ext uri="{AF507438-7753-43E0-B8FC-AC1667EBCBE1}">
+            <a:ext uri="{AF507438-7753-43e0-B8FC-AC1667EBCBE1}">
               <a14:hiddenEffects xmlns:a14="http://schemas.microsoft.com/office/drawing/2010/main">
                 <a:effectLst>
                   <a:outerShdw dist="35921" dir="2700000" algn="ctr" rotWithShape="0">
@@ -4119,7 +4119,7 @@
           <a:p>
             <a:fld id="{598F92F8-949A-4A70-9DDB-CBDAE3E0A114}" type="datetime1">
               <a:rPr lang="de-DE" smtClean="0"/>
-              <a:t>07.07.2015</a:t>
+              <a:t>07.07.15</a:t>
             </a:fld>
             <a:endParaRPr lang="de-DE" dirty="0"/>
           </a:p>
@@ -4149,14 +4149,14 @@
           </a:ln>
           <a:effectLst/>
           <a:extLst>
-            <a:ext uri="{909E8E84-426E-40DD-AFC4-6F175D3DCCD1}">
+            <a:ext uri="{909E8E84-426E-40dd-AFC4-6F175D3DCCD1}">
               <a14:hiddenFill xmlns:a14="http://schemas.microsoft.com/office/drawing/2010/main">
                 <a:solidFill>
                   <a:schemeClr val="accent1"/>
                 </a:solidFill>
               </a14:hiddenFill>
             </a:ext>
-            <a:ext uri="{91240B29-F687-4F45-9708-019B960494DF}">
+            <a:ext uri="{91240B29-F687-4f45-9708-019B960494DF}">
               <a14:hiddenLine xmlns:a14="http://schemas.microsoft.com/office/drawing/2010/main" w="9525">
                 <a:solidFill>
                   <a:schemeClr val="tx1"/>
@@ -4166,7 +4166,7 @@
                 <a:tailEnd/>
               </a14:hiddenLine>
             </a:ext>
-            <a:ext uri="{AF507438-7753-43E0-B8FC-AC1667EBCBE1}">
+            <a:ext uri="{AF507438-7753-43e0-B8FC-AC1667EBCBE1}">
               <a14:hiddenEffects xmlns:a14="http://schemas.microsoft.com/office/drawing/2010/main">
                 <a:effectLst>
                   <a:outerShdw dist="35921" dir="2700000" algn="ctr" rotWithShape="0">
@@ -4266,7 +4266,7 @@
           </a:prstGeom>
           <a:noFill/>
           <a:extLst>
-            <a:ext uri="{909E8E84-426E-40DD-AFC4-6F175D3DCCD1}">
+            <a:ext uri="{909E8E84-426E-40dd-AFC4-6F175D3DCCD1}">
               <a14:hiddenFill xmlns:a14="http://schemas.microsoft.com/office/drawing/2010/main">
                 <a:solidFill>
                   <a:srgbClr val="FFFFFF"/>
@@ -4293,7 +4293,7 @@
   <p:timing>
     <p:tnLst>
       <p:par>
-        <p:cTn id="1" dur="indefinite" restart="never" nodeType="tmRoot"/>
+        <p:cTn xmlns:p14="http://schemas.microsoft.com/office/powerpoint/2010/main" id="1" dur="indefinite" restart="never" nodeType="tmRoot"/>
       </p:par>
     </p:tnLst>
   </p:timing>
@@ -4832,7 +4832,7 @@
             </a:solidFill>
           </a:ln>
           <a:extLst>
-            <a:ext uri="{909E8E84-426E-40DD-AFC4-6F175D3DCCD1}">
+            <a:ext uri="{909E8E84-426E-40dd-AFC4-6F175D3DCCD1}">
               <a14:hiddenFill xmlns:a14="http://schemas.microsoft.com/office/drawing/2010/main">
                 <a:solidFill>
                   <a:srgbClr val="FFFFFF"/>
@@ -4880,7 +4880,7 @@
             </a:solidFill>
           </a:ln>
           <a:extLst>
-            <a:ext uri="{909E8E84-426E-40DD-AFC4-6F175D3DCCD1}">
+            <a:ext uri="{909E8E84-426E-40dd-AFC4-6F175D3DCCD1}">
               <a14:hiddenFill xmlns:a14="http://schemas.microsoft.com/office/drawing/2010/main">
                 <a:solidFill>
                   <a:srgbClr val="FFFFFF"/>
@@ -4931,7 +4931,7 @@
             <a:tailEnd/>
           </a:ln>
           <a:extLst>
-            <a:ext uri="{909E8E84-426E-40DD-AFC4-6F175D3DCCD1}">
+            <a:ext uri="{909E8E84-426E-40dd-AFC4-6F175D3DCCD1}">
               <a14:hiddenFill xmlns:a14="http://schemas.microsoft.com/office/drawing/2010/main">
                 <a:solidFill>
                   <a:schemeClr val="accent1"/>
@@ -5147,7 +5147,7 @@
   <p:timing>
     <p:tnLst>
       <p:par>
-        <p:cTn id="1" dur="indefinite" restart="never" nodeType="tmRoot"/>
+        <p:cTn xmlns:p14="http://schemas.microsoft.com/office/powerpoint/2010/main" id="1" dur="indefinite" restart="never" nodeType="tmRoot"/>
       </p:par>
     </p:tnLst>
   </p:timing>
@@ -6135,7 +6135,7 @@
   <p:timing>
     <p:tnLst>
       <p:par>
-        <p:cTn id="1" dur="indefinite" restart="never" nodeType="tmRoot">
+        <p:cTn xmlns:p14="http://schemas.microsoft.com/office/powerpoint/2010/main" id="1" dur="indefinite" restart="never" nodeType="tmRoot">
           <p:childTnLst>
             <p:seq concurrent="1" nextAc="seek">
               <p:cTn id="2" dur="indefinite" nodeType="mainSeq">
@@ -6919,7 +6919,7 @@
   <p:timing>
     <p:tnLst>
       <p:par>
-        <p:cTn id="1" dur="indefinite" restart="never" nodeType="tmRoot">
+        <p:cTn xmlns:p14="http://schemas.microsoft.com/office/powerpoint/2010/main" id="1" dur="indefinite" restart="never" nodeType="tmRoot">
           <p:childTnLst>
             <p:seq concurrent="1" nextAc="seek">
               <p:cTn id="2" dur="indefinite" nodeType="mainSeq">
@@ -7241,14 +7241,14 @@
           </a:ln>
           <a:effectLst/>
           <a:extLst>
-            <a:ext uri="{909E8E84-426E-40DD-AFC4-6F175D3DCCD1}">
+            <a:ext uri="{909E8E84-426E-40dd-AFC4-6F175D3DCCD1}">
               <a14:hiddenFill xmlns:a14="http://schemas.microsoft.com/office/drawing/2010/main">
                 <a:solidFill>
                   <a:schemeClr val="accent1"/>
                 </a:solidFill>
               </a14:hiddenFill>
             </a:ext>
-            <a:ext uri="{91240B29-F687-4F45-9708-019B960494DF}">
+            <a:ext uri="{91240B29-F687-4f45-9708-019B960494DF}">
               <a14:hiddenLine xmlns:a14="http://schemas.microsoft.com/office/drawing/2010/main" w="9525">
                 <a:solidFill>
                   <a:schemeClr val="tx1"/>
@@ -7258,7 +7258,7 @@
                 <a:tailEnd/>
               </a14:hiddenLine>
             </a:ext>
-            <a:ext uri="{AF507438-7753-43E0-B8FC-AC1667EBCBE1}">
+            <a:ext uri="{AF507438-7753-43e0-B8FC-AC1667EBCBE1}">
               <a14:hiddenEffects xmlns:a14="http://schemas.microsoft.com/office/drawing/2010/main">
                 <a:effectLst>
                   <a:outerShdw dist="35921" dir="2700000" algn="ctr" rotWithShape="0">
@@ -7283,7 +7283,7 @@
   <p:timing>
     <p:tnLst>
       <p:par>
-        <p:cTn id="1" dur="indefinite" restart="never" nodeType="tmRoot">
+        <p:cTn xmlns:p14="http://schemas.microsoft.com/office/powerpoint/2010/main" id="1" dur="indefinite" restart="never" nodeType="tmRoot">
           <p:childTnLst>
             <p:seq concurrent="1" nextAc="seek">
               <p:cTn id="2" dur="indefinite" nodeType="mainSeq">
@@ -7581,14 +7581,14 @@
           </a:ln>
           <a:effectLst/>
           <a:extLst>
-            <a:ext uri="{909E8E84-426E-40DD-AFC4-6F175D3DCCD1}">
+            <a:ext uri="{909E8E84-426E-40dd-AFC4-6F175D3DCCD1}">
               <a14:hiddenFill xmlns:a14="http://schemas.microsoft.com/office/drawing/2010/main">
                 <a:solidFill>
                   <a:schemeClr val="accent1"/>
                 </a:solidFill>
               </a14:hiddenFill>
             </a:ext>
-            <a:ext uri="{91240B29-F687-4F45-9708-019B960494DF}">
+            <a:ext uri="{91240B29-F687-4f45-9708-019B960494DF}">
               <a14:hiddenLine xmlns:a14="http://schemas.microsoft.com/office/drawing/2010/main" w="9525">
                 <a:solidFill>
                   <a:schemeClr val="tx1"/>
@@ -7598,7 +7598,7 @@
                 <a:tailEnd/>
               </a14:hiddenLine>
             </a:ext>
-            <a:ext uri="{AF507438-7753-43E0-B8FC-AC1667EBCBE1}">
+            <a:ext uri="{AF507438-7753-43e0-B8FC-AC1667EBCBE1}">
               <a14:hiddenEffects xmlns:a14="http://schemas.microsoft.com/office/drawing/2010/main">
                 <a:effectLst>
                   <a:outerShdw dist="35921" dir="2700000" algn="ctr" rotWithShape="0">
@@ -7645,14 +7645,14 @@
           </a:ln>
           <a:effectLst/>
           <a:extLst>
-            <a:ext uri="{909E8E84-426E-40DD-AFC4-6F175D3DCCD1}">
+            <a:ext uri="{909E8E84-426E-40dd-AFC4-6F175D3DCCD1}">
               <a14:hiddenFill xmlns:a14="http://schemas.microsoft.com/office/drawing/2010/main">
                 <a:solidFill>
                   <a:schemeClr val="accent1"/>
                 </a:solidFill>
               </a14:hiddenFill>
             </a:ext>
-            <a:ext uri="{91240B29-F687-4F45-9708-019B960494DF}">
+            <a:ext uri="{91240B29-F687-4f45-9708-019B960494DF}">
               <a14:hiddenLine xmlns:a14="http://schemas.microsoft.com/office/drawing/2010/main" w="9525">
                 <a:solidFill>
                   <a:schemeClr val="tx1"/>
@@ -7662,7 +7662,7 @@
                 <a:tailEnd/>
               </a14:hiddenLine>
             </a:ext>
-            <a:ext uri="{AF507438-7753-43E0-B8FC-AC1667EBCBE1}">
+            <a:ext uri="{AF507438-7753-43e0-B8FC-AC1667EBCBE1}">
               <a14:hiddenEffects xmlns:a14="http://schemas.microsoft.com/office/drawing/2010/main">
                 <a:effectLst>
                   <a:outerShdw dist="35921" dir="2700000" algn="ctr" rotWithShape="0">
@@ -7712,14 +7712,14 @@
           </a:ln>
           <a:effectLst/>
           <a:extLst>
-            <a:ext uri="{909E8E84-426E-40DD-AFC4-6F175D3DCCD1}">
+            <a:ext uri="{909E8E84-426E-40dd-AFC4-6F175D3DCCD1}">
               <a14:hiddenFill xmlns:a14="http://schemas.microsoft.com/office/drawing/2010/main">
                 <a:solidFill>
                   <a:schemeClr val="accent1"/>
                 </a:solidFill>
               </a14:hiddenFill>
             </a:ext>
-            <a:ext uri="{AF507438-7753-43E0-B8FC-AC1667EBCBE1}">
+            <a:ext uri="{AF507438-7753-43e0-B8FC-AC1667EBCBE1}">
               <a14:hiddenEffects xmlns:a14="http://schemas.microsoft.com/office/drawing/2010/main">
                 <a:effectLst>
                   <a:outerShdw dist="35921" dir="2700000" algn="ctr" rotWithShape="0">
@@ -7762,7 +7762,7 @@
           </a:prstGeom>
           <a:noFill/>
           <a:extLst>
-            <a:ext uri="{909E8E84-426E-40DD-AFC4-6F175D3DCCD1}">
+            <a:ext uri="{909E8E84-426E-40dd-AFC4-6F175D3DCCD1}">
               <a14:hiddenFill xmlns:a14="http://schemas.microsoft.com/office/drawing/2010/main">
                 <a:solidFill>
                   <a:srgbClr val="FFFFFF"/>
@@ -7785,7 +7785,7 @@
   <p:timing>
     <p:tnLst>
       <p:par>
-        <p:cTn id="1" dur="indefinite" restart="never" nodeType="tmRoot">
+        <p:cTn xmlns:p14="http://schemas.microsoft.com/office/powerpoint/2010/main" id="1" dur="indefinite" restart="never" nodeType="tmRoot">
           <p:childTnLst>
             <p:seq concurrent="1" nextAc="seek">
               <p:cTn id="2" dur="indefinite" nodeType="mainSeq">
@@ -8029,14 +8029,14 @@
           </a:ln>
           <a:effectLst/>
           <a:extLst>
-            <a:ext uri="{909E8E84-426E-40DD-AFC4-6F175D3DCCD1}">
+            <a:ext uri="{909E8E84-426E-40dd-AFC4-6F175D3DCCD1}">
               <a14:hiddenFill xmlns:a14="http://schemas.microsoft.com/office/drawing/2010/main">
                 <a:solidFill>
                   <a:schemeClr val="accent1"/>
                 </a:solidFill>
               </a14:hiddenFill>
             </a:ext>
-            <a:ext uri="{91240B29-F687-4F45-9708-019B960494DF}">
+            <a:ext uri="{91240B29-F687-4f45-9708-019B960494DF}">
               <a14:hiddenLine xmlns:a14="http://schemas.microsoft.com/office/drawing/2010/main" w="9525">
                 <a:solidFill>
                   <a:schemeClr val="tx1"/>
@@ -8046,7 +8046,7 @@
                 <a:tailEnd/>
               </a14:hiddenLine>
             </a:ext>
-            <a:ext uri="{AF507438-7753-43E0-B8FC-AC1667EBCBE1}">
+            <a:ext uri="{AF507438-7753-43e0-B8FC-AC1667EBCBE1}">
               <a14:hiddenEffects xmlns:a14="http://schemas.microsoft.com/office/drawing/2010/main">
                 <a:effectLst>
                   <a:outerShdw dist="35921" dir="2700000" algn="ctr" rotWithShape="0">
@@ -8380,7 +8380,7 @@
   <p:timing>
     <p:tnLst>
       <p:par>
-        <p:cTn id="1" dur="indefinite" restart="never" nodeType="tmRoot"/>
+        <p:cTn xmlns:p14="http://schemas.microsoft.com/office/powerpoint/2010/main" id="1" dur="indefinite" restart="never" nodeType="tmRoot"/>
       </p:par>
     </p:tnLst>
   </p:timing>
@@ -8445,7 +8445,7 @@
             <a:tailEnd/>
           </a:ln>
           <a:extLst>
-            <a:ext uri="{909E8E84-426E-40DD-AFC4-6F175D3DCCD1}">
+            <a:ext uri="{909E8E84-426E-40dd-AFC4-6F175D3DCCD1}">
               <a14:hiddenFill xmlns:a14="http://schemas.microsoft.com/office/drawing/2010/main">
                 <a:solidFill>
                   <a:schemeClr val="accent1"/>
@@ -8560,14 +8560,14 @@
           </a:ln>
           <a:effectLst/>
           <a:extLst>
-            <a:ext uri="{909E8E84-426E-40DD-AFC4-6F175D3DCCD1}">
+            <a:ext uri="{909E8E84-426E-40dd-AFC4-6F175D3DCCD1}">
               <a14:hiddenFill xmlns:a14="http://schemas.microsoft.com/office/drawing/2010/main">
                 <a:solidFill>
                   <a:schemeClr val="accent1"/>
                 </a:solidFill>
               </a14:hiddenFill>
             </a:ext>
-            <a:ext uri="{91240B29-F687-4F45-9708-019B960494DF}">
+            <a:ext uri="{91240B29-F687-4f45-9708-019B960494DF}">
               <a14:hiddenLine xmlns:a14="http://schemas.microsoft.com/office/drawing/2010/main" w="9525">
                 <a:solidFill>
                   <a:schemeClr val="tx1"/>
@@ -8577,7 +8577,7 @@
                 <a:tailEnd/>
               </a14:hiddenLine>
             </a:ext>
-            <a:ext uri="{AF507438-7753-43E0-B8FC-AC1667EBCBE1}">
+            <a:ext uri="{AF507438-7753-43e0-B8FC-AC1667EBCBE1}">
               <a14:hiddenEffects xmlns:a14="http://schemas.microsoft.com/office/drawing/2010/main">
                 <a:effectLst>
                   <a:outerShdw dist="35921" dir="2700000" algn="ctr" rotWithShape="0">
@@ -8620,7 +8620,7 @@
           </a:prstGeom>
           <a:noFill/>
           <a:extLst>
-            <a:ext uri="{909E8E84-426E-40DD-AFC4-6F175D3DCCD1}">
+            <a:ext uri="{909E8E84-426E-40dd-AFC4-6F175D3DCCD1}">
               <a14:hiddenFill xmlns:a14="http://schemas.microsoft.com/office/drawing/2010/main">
                 <a:solidFill>
                   <a:srgbClr val="FFFFFF"/>
@@ -8661,7 +8661,7 @@
           </a:prstGeom>
           <a:noFill/>
           <a:extLst>
-            <a:ext uri="{909E8E84-426E-40DD-AFC4-6F175D3DCCD1}">
+            <a:ext uri="{909E8E84-426E-40dd-AFC4-6F175D3DCCD1}">
               <a14:hiddenFill xmlns:a14="http://schemas.microsoft.com/office/drawing/2010/main">
                 <a:solidFill>
                   <a:srgbClr val="FFFFFF"/>
@@ -8702,7 +8702,7 @@
           </a:prstGeom>
           <a:noFill/>
           <a:extLst>
-            <a:ext uri="{909E8E84-426E-40DD-AFC4-6F175D3DCCD1}">
+            <a:ext uri="{909E8E84-426E-40dd-AFC4-6F175D3DCCD1}">
               <a14:hiddenFill xmlns:a14="http://schemas.microsoft.com/office/drawing/2010/main">
                 <a:solidFill>
                   <a:srgbClr val="FFFFFF"/>
@@ -8725,7 +8725,7 @@
   <p:timing>
     <p:tnLst>
       <p:par>
-        <p:cTn id="1" dur="indefinite" restart="never" nodeType="tmRoot">
+        <p:cTn xmlns:p14="http://schemas.microsoft.com/office/powerpoint/2010/main" id="1" dur="indefinite" restart="never" nodeType="tmRoot">
           <p:childTnLst>
             <p:seq concurrent="1" nextAc="seek">
               <p:cTn id="2" dur="indefinite" nodeType="mainSeq">
@@ -9017,7 +9017,7 @@
             <a:tailEnd/>
           </a:ln>
           <a:extLst>
-            <a:ext uri="{909E8E84-426E-40DD-AFC4-6F175D3DCCD1}">
+            <a:ext uri="{909E8E84-426E-40dd-AFC4-6F175D3DCCD1}">
               <a14:hiddenFill xmlns:a14="http://schemas.microsoft.com/office/drawing/2010/main">
                 <a:solidFill>
                   <a:schemeClr val="accent1"/>
@@ -9128,7 +9128,7 @@
           </a:prstGeom>
           <a:noFill/>
           <a:extLst>
-            <a:ext uri="{909E8E84-426E-40DD-AFC4-6F175D3DCCD1}">
+            <a:ext uri="{909E8E84-426E-40dd-AFC4-6F175D3DCCD1}">
               <a14:hiddenFill xmlns:a14="http://schemas.microsoft.com/office/drawing/2010/main">
                 <a:solidFill>
                   <a:srgbClr val="FFFFFF"/>
@@ -9172,14 +9172,14 @@
             <a:noFill/>
           </a:ln>
           <a:extLst>
-            <a:ext uri="{909E8E84-426E-40DD-AFC4-6F175D3DCCD1}">
+            <a:ext uri="{909E8E84-426E-40dd-AFC4-6F175D3DCCD1}">
               <a14:hiddenFill xmlns:a14="http://schemas.microsoft.com/office/drawing/2010/main">
                 <a:solidFill>
                   <a:schemeClr val="accent1"/>
                 </a:solidFill>
               </a14:hiddenFill>
             </a:ext>
-            <a:ext uri="{91240B29-F687-4F45-9708-019B960494DF}">
+            <a:ext uri="{91240B29-F687-4f45-9708-019B960494DF}">
               <a14:hiddenLine xmlns:a14="http://schemas.microsoft.com/office/drawing/2010/main" w="9525">
                 <a:solidFill>
                   <a:schemeClr val="tx1"/>
@@ -9226,14 +9226,14 @@
             <a:noFill/>
           </a:ln>
           <a:extLst>
-            <a:ext uri="{909E8E84-426E-40DD-AFC4-6F175D3DCCD1}">
+            <a:ext uri="{909E8E84-426E-40dd-AFC4-6F175D3DCCD1}">
               <a14:hiddenFill xmlns:a14="http://schemas.microsoft.com/office/drawing/2010/main">
                 <a:solidFill>
                   <a:schemeClr val="accent1"/>
                 </a:solidFill>
               </a14:hiddenFill>
             </a:ext>
-            <a:ext uri="{91240B29-F687-4F45-9708-019B960494DF}">
+            <a:ext uri="{91240B29-F687-4f45-9708-019B960494DF}">
               <a14:hiddenLine xmlns:a14="http://schemas.microsoft.com/office/drawing/2010/main" w="9525">
                 <a:solidFill>
                   <a:schemeClr val="tx1"/>
@@ -9289,7 +9289,7 @@
   <p:timing>
     <p:tnLst>
       <p:par>
-        <p:cTn id="1" dur="indefinite" restart="never" nodeType="tmRoot"/>
+        <p:cTn xmlns:p14="http://schemas.microsoft.com/office/powerpoint/2010/main" id="1" dur="indefinite" restart="never" nodeType="tmRoot"/>
       </p:par>
     </p:tnLst>
   </p:timing>
@@ -9456,14 +9456,14 @@
           </a:ln>
           <a:effectLst/>
           <a:extLst>
-            <a:ext uri="{909E8E84-426E-40DD-AFC4-6F175D3DCCD1}">
+            <a:ext uri="{909E8E84-426E-40dd-AFC4-6F175D3DCCD1}">
               <a14:hiddenFill xmlns:a14="http://schemas.microsoft.com/office/drawing/2010/main">
                 <a:solidFill>
                   <a:schemeClr val="accent1"/>
                 </a:solidFill>
               </a14:hiddenFill>
             </a:ext>
-            <a:ext uri="{91240B29-F687-4F45-9708-019B960494DF}">
+            <a:ext uri="{91240B29-F687-4f45-9708-019B960494DF}">
               <a14:hiddenLine xmlns:a14="http://schemas.microsoft.com/office/drawing/2010/main" w="9525">
                 <a:solidFill>
                   <a:schemeClr val="tx1"/>
@@ -9473,7 +9473,7 @@
                 <a:tailEnd/>
               </a14:hiddenLine>
             </a:ext>
-            <a:ext uri="{AF507438-7753-43E0-B8FC-AC1667EBCBE1}">
+            <a:ext uri="{AF507438-7753-43e0-B8FC-AC1667EBCBE1}">
               <a14:hiddenEffects xmlns:a14="http://schemas.microsoft.com/office/drawing/2010/main">
                 <a:effectLst>
                   <a:outerShdw dist="35921" dir="2700000" algn="ctr" rotWithShape="0">
@@ -9522,7 +9522,7 @@
             <a:tailEnd/>
           </a:ln>
           <a:extLst>
-            <a:ext uri="{909E8E84-426E-40DD-AFC4-6F175D3DCCD1}">
+            <a:ext uri="{909E8E84-426E-40dd-AFC4-6F175D3DCCD1}">
               <a14:hiddenFill xmlns:a14="http://schemas.microsoft.com/office/drawing/2010/main">
                 <a:solidFill>
                   <a:schemeClr val="accent1"/>
@@ -9545,7 +9545,7 @@
   <p:timing>
     <p:tnLst>
       <p:par>
-        <p:cTn id="1" dur="indefinite" restart="never" nodeType="tmRoot"/>
+        <p:cTn xmlns:p14="http://schemas.microsoft.com/office/powerpoint/2010/main" id="1" dur="indefinite" restart="never" nodeType="tmRoot"/>
       </p:par>
     </p:tnLst>
   </p:timing>
@@ -9730,7 +9730,7 @@
             </a:solidFill>
           </a:ln>
           <a:extLst>
-            <a:ext uri="{909E8E84-426E-40DD-AFC4-6F175D3DCCD1}">
+            <a:ext uri="{909E8E84-426E-40dd-AFC4-6F175D3DCCD1}">
               <a14:hiddenFill xmlns:a14="http://schemas.microsoft.com/office/drawing/2010/main">
                 <a:solidFill>
                   <a:srgbClr val="FFFFFF"/>
@@ -9781,7 +9781,7 @@
             <a:tailEnd/>
           </a:ln>
           <a:extLst>
-            <a:ext uri="{909E8E84-426E-40DD-AFC4-6F175D3DCCD1}">
+            <a:ext uri="{909E8E84-426E-40dd-AFC4-6F175D3DCCD1}">
               <a14:hiddenFill xmlns:a14="http://schemas.microsoft.com/office/drawing/2010/main">
                 <a:solidFill>
                   <a:schemeClr val="accent1"/>
@@ -9832,7 +9832,7 @@
             <a:tailEnd/>
           </a:ln>
           <a:extLst>
-            <a:ext uri="{909E8E84-426E-40DD-AFC4-6F175D3DCCD1}">
+            <a:ext uri="{909E8E84-426E-40dd-AFC4-6F175D3DCCD1}">
               <a14:hiddenFill xmlns:a14="http://schemas.microsoft.com/office/drawing/2010/main">
                 <a:solidFill>
                   <a:schemeClr val="accent1"/>
@@ -9873,7 +9873,7 @@
           </a:prstGeom>
           <a:noFill/>
           <a:extLst>
-            <a:ext uri="{909E8E84-426E-40DD-AFC4-6F175D3DCCD1}">
+            <a:ext uri="{909E8E84-426E-40dd-AFC4-6F175D3DCCD1}">
               <a14:hiddenFill xmlns:a14="http://schemas.microsoft.com/office/drawing/2010/main">
                 <a:solidFill>
                   <a:srgbClr val="FFFFFF"/>
@@ -9921,7 +9921,7 @@
             </a:solidFill>
           </a:ln>
           <a:extLst>
-            <a:ext uri="{909E8E84-426E-40DD-AFC4-6F175D3DCCD1}">
+            <a:ext uri="{909E8E84-426E-40dd-AFC4-6F175D3DCCD1}">
               <a14:hiddenFill xmlns:a14="http://schemas.microsoft.com/office/drawing/2010/main">
                 <a:solidFill>
                   <a:srgbClr val="FFFFFF"/>
@@ -9944,7 +9944,7 @@
   <p:timing>
     <p:tnLst>
       <p:par>
-        <p:cTn id="1" dur="indefinite" restart="never" nodeType="tmRoot">
+        <p:cTn xmlns:p14="http://schemas.microsoft.com/office/powerpoint/2010/main" id="1" dur="indefinite" restart="never" nodeType="tmRoot">
           <p:childTnLst>
             <p:seq concurrent="1" nextAc="seek">
               <p:cTn id="2" dur="indefinite" nodeType="mainSeq">
@@ -10315,16 +10315,25 @@
             <a:pPr marL="0" indent="0">
               <a:buNone/>
             </a:pPr>
+            <a:endParaRPr lang="de-DE" dirty="0" smtClean="0"/>
+          </a:p>
+          <a:p>
+            <a:pPr marL="0" indent="0">
+              <a:buNone/>
+            </a:pPr>
             <a:r>
               <a:rPr lang="de-DE" dirty="0" smtClean="0"/>
-              <a:t>Brainstorming zur Gestaltung</a:t>
-            </a:r>
-          </a:p>
-          <a:p>
-            <a:r>
-              <a:rPr lang="de-DE" dirty="0"/>
-              <a:t>Hierarchie / Abfolge hervorheben</a:t>
-            </a:r>
+              <a:t>Brainstorming </a:t>
+            </a:r>
+            <a:r>
+              <a:rPr lang="de-DE" dirty="0" smtClean="0"/>
+              <a:t>zur </a:t>
+            </a:r>
+            <a:r>
+              <a:rPr lang="de-DE" dirty="0" smtClean="0"/>
+              <a:t>Gestaltung</a:t>
+            </a:r>
+            <a:endParaRPr lang="de-DE" dirty="0"/>
           </a:p>
           <a:p>
             <a:r>
@@ -10347,8 +10356,13 @@
             </a:pPr>
             <a:r>
               <a:rPr lang="de-DE" dirty="0" smtClean="0"/>
-              <a:t>Bewährte Struktur + Gute Visualisierung + Informationen / Verlinkungen</a:t>
-            </a:r>
+              <a:t>Bewährte Struktur + Gute Visualisierung + </a:t>
+            </a:r>
+            <a:r>
+              <a:rPr lang="de-DE" dirty="0" smtClean="0"/>
+              <a:t>Informationen</a:t>
+            </a:r>
+            <a:endParaRPr lang="de-DE" dirty="0" smtClean="0"/>
           </a:p>
         </p:txBody>
       </p:sp>
@@ -10428,7 +10442,7 @@
           </a:prstGeom>
           <a:noFill/>
           <a:extLst>
-            <a:ext uri="{909E8E84-426E-40DD-AFC4-6F175D3DCCD1}">
+            <a:ext uri="{909E8E84-426E-40dd-AFC4-6F175D3DCCD1}">
               <a14:hiddenFill xmlns:a14="http://schemas.microsoft.com/office/drawing/2010/main">
                 <a:solidFill>
                   <a:srgbClr val="FFFFFF"/>
@@ -10562,7 +10576,7 @@
   <p:timing>
     <p:tnLst>
       <p:par>
-        <p:cTn id="1" dur="indefinite" restart="never" nodeType="tmRoot">
+        <p:cTn xmlns:p14="http://schemas.microsoft.com/office/powerpoint/2010/main" id="1" dur="indefinite" restart="never" nodeType="tmRoot">
           <p:childTnLst>
             <p:seq concurrent="1" nextAc="seek">
               <p:cTn id="2" dur="indefinite" nodeType="mainSeq">
@@ -10595,7 +10609,7 @@
                                         <p:tgtEl>
                                           <p:spTgt spid="3">
                                             <p:txEl>
-                                              <p:pRg st="6" end="6"/>
+                                              <p:pRg st="7" end="7"/>
                                             </p:txEl>
                                           </p:spTgt>
                                         </p:tgtEl>
@@ -10626,7 +10640,7 @@
                                         <p:tgtEl>
                                           <p:spTgt spid="3">
                                             <p:txEl>
-                                              <p:pRg st="7" end="7"/>
+                                              <p:pRg st="8" end="8"/>
                                             </p:txEl>
                                           </p:spTgt>
                                         </p:tgtEl>
@@ -10657,7 +10671,7 @@
                                         <p:tgtEl>
                                           <p:spTgt spid="3">
                                             <p:txEl>
-                                              <p:pRg st="8" end="8"/>
+                                              <p:pRg st="9" end="9"/>
                                             </p:txEl>
                                           </p:spTgt>
                                         </p:tgtEl>
@@ -10686,37 +10700,6 @@
                                           </p:stCondLst>
                                         </p:cTn>
                                         <p:tgtEl>
-                                          <p:spTgt spid="3">
-                                            <p:txEl>
-                                              <p:pRg st="9" end="9"/>
-                                            </p:txEl>
-                                          </p:spTgt>
-                                        </p:tgtEl>
-                                        <p:attrNameLst>
-                                          <p:attrName>style.visibility</p:attrName>
-                                        </p:attrNameLst>
-                                      </p:cBhvr>
-                                      <p:to>
-                                        <p:strVal val="visible"/>
-                                      </p:to>
-                                    </p:set>
-                                  </p:childTnLst>
-                                </p:cTn>
-                              </p:par>
-                              <p:par>
-                                <p:cTn id="13" presetID="1" presetClass="entr" presetSubtype="0" fill="hold" nodeType="withEffect">
-                                  <p:stCondLst>
-                                    <p:cond delay="0"/>
-                                  </p:stCondLst>
-                                  <p:childTnLst>
-                                    <p:set>
-                                      <p:cBhvr>
-                                        <p:cTn id="14" dur="1" fill="hold">
-                                          <p:stCondLst>
-                                            <p:cond delay="0"/>
-                                          </p:stCondLst>
-                                        </p:cTn>
-                                        <p:tgtEl>
                                           <p:spTgt spid="7"/>
                                         </p:tgtEl>
                                         <p:attrNameLst>
@@ -10737,26 +10720,26 @@
                     </p:cTn>
                   </p:par>
                   <p:par>
-                    <p:cTn id="15" fill="hold">
+                    <p:cTn id="13" fill="hold">
                       <p:stCondLst>
                         <p:cond delay="indefinite"/>
                       </p:stCondLst>
                       <p:childTnLst>
                         <p:par>
-                          <p:cTn id="16" fill="hold">
+                          <p:cTn id="14" fill="hold">
                             <p:stCondLst>
                               <p:cond delay="0"/>
                             </p:stCondLst>
                             <p:childTnLst>
                               <p:par>
-                                <p:cTn id="17" presetID="1" presetClass="entr" presetSubtype="0" fill="hold" nodeType="clickEffect">
+                                <p:cTn id="15" presetID="1" presetClass="entr" presetSubtype="0" fill="hold" nodeType="clickEffect">
                                   <p:stCondLst>
                                     <p:cond delay="0"/>
                                   </p:stCondLst>
                                   <p:childTnLst>
                                     <p:set>
                                       <p:cBhvr>
-                                        <p:cTn id="18" dur="1" fill="hold">
+                                        <p:cTn id="16" dur="1" fill="hold">
                                           <p:stCondLst>
                                             <p:cond delay="0"/>
                                           </p:stCondLst>
@@ -10780,14 +10763,14 @@
                                 </p:cTn>
                               </p:par>
                               <p:par>
-                                <p:cTn id="19" presetID="1" presetClass="entr" presetSubtype="0" fill="hold" nodeType="withEffect">
+                                <p:cTn id="17" presetID="1" presetClass="entr" presetSubtype="0" fill="hold" nodeType="withEffect">
                                   <p:stCondLst>
                                     <p:cond delay="0"/>
                                   </p:stCondLst>
                                   <p:childTnLst>
                                     <p:set>
                                       <p:cBhvr>
-                                        <p:cTn id="20" dur="1" fill="hold">
+                                        <p:cTn id="18" dur="1" fill="hold">
                                           <p:stCondLst>
                                             <p:cond delay="0"/>
                                           </p:stCondLst>
@@ -10807,14 +10790,14 @@
                                 </p:cTn>
                               </p:par>
                               <p:par>
-                                <p:cTn id="21" presetID="1" presetClass="entr" presetSubtype="0" fill="hold" nodeType="withEffect">
+                                <p:cTn id="19" presetID="1" presetClass="entr" presetSubtype="0" fill="hold" nodeType="withEffect">
                                   <p:stCondLst>
                                     <p:cond delay="0"/>
                                   </p:stCondLst>
                                   <p:childTnLst>
                                     <p:set>
                                       <p:cBhvr>
-                                        <p:cTn id="22" dur="1" fill="hold">
+                                        <p:cTn id="20" dur="1" fill="hold">
                                           <p:stCondLst>
                                             <p:cond delay="0"/>
                                           </p:stCondLst>
@@ -11113,7 +11096,7 @@
             <a:tailEnd/>
           </a:ln>
           <a:extLst>
-            <a:ext uri="{909E8E84-426E-40DD-AFC4-6F175D3DCCD1}">
+            <a:ext uri="{909E8E84-426E-40dd-AFC4-6F175D3DCCD1}">
               <a14:hiddenFill xmlns:a14="http://schemas.microsoft.com/office/drawing/2010/main">
                 <a:solidFill>
                   <a:schemeClr val="accent1"/>
@@ -11172,7 +11155,7 @@
   <p:timing>
     <p:tnLst>
       <p:par>
-        <p:cTn id="1" dur="indefinite" restart="never" nodeType="tmRoot"/>
+        <p:cTn xmlns:p14="http://schemas.microsoft.com/office/powerpoint/2010/main" id="1" dur="indefinite" restart="never" nodeType="tmRoot"/>
       </p:par>
     </p:tnLst>
   </p:timing>
@@ -11343,7 +11326,7 @@
             <a:tailEnd/>
           </a:ln>
           <a:extLst>
-            <a:ext uri="{909E8E84-426E-40DD-AFC4-6F175D3DCCD1}">
+            <a:ext uri="{909E8E84-426E-40dd-AFC4-6F175D3DCCD1}">
               <a14:hiddenFill xmlns:a14="http://schemas.microsoft.com/office/drawing/2010/main">
                 <a:solidFill>
                   <a:schemeClr val="accent1"/>
@@ -11432,7 +11415,7 @@
   <p:timing>
     <p:tnLst>
       <p:par>
-        <p:cTn id="1" dur="indefinite" restart="never" nodeType="tmRoot"/>
+        <p:cTn xmlns:p14="http://schemas.microsoft.com/office/powerpoint/2010/main" id="1" dur="indefinite" restart="never" nodeType="tmRoot"/>
       </p:par>
     </p:tnLst>
   </p:timing>
@@ -11564,7 +11547,7 @@
             </a:solidFill>
           </a:ln>
           <a:extLst>
-            <a:ext uri="{909E8E84-426E-40DD-AFC4-6F175D3DCCD1}">
+            <a:ext uri="{909E8E84-426E-40dd-AFC4-6F175D3DCCD1}">
               <a14:hiddenFill xmlns:a14="http://schemas.microsoft.com/office/drawing/2010/main">
                 <a:solidFill>
                   <a:srgbClr val="FFFFFF"/>
@@ -11612,7 +11595,7 @@
             </a:solidFill>
           </a:ln>
           <a:extLst>
-            <a:ext uri="{909E8E84-426E-40DD-AFC4-6F175D3DCCD1}">
+            <a:ext uri="{909E8E84-426E-40dd-AFC4-6F175D3DCCD1}">
               <a14:hiddenFill xmlns:a14="http://schemas.microsoft.com/office/drawing/2010/main">
                 <a:solidFill>
                   <a:srgbClr val="FFFFFF"/>
@@ -11660,7 +11643,7 @@
             </a:solidFill>
           </a:ln>
           <a:extLst>
-            <a:ext uri="{909E8E84-426E-40DD-AFC4-6F175D3DCCD1}">
+            <a:ext uri="{909E8E84-426E-40dd-AFC4-6F175D3DCCD1}">
               <a14:hiddenFill xmlns:a14="http://schemas.microsoft.com/office/drawing/2010/main">
                 <a:solidFill>
                   <a:srgbClr val="FFFFFF"/>
@@ -11683,7 +11666,7 @@
   <p:timing>
     <p:tnLst>
       <p:par>
-        <p:cTn id="1" dur="indefinite" restart="never" nodeType="tmRoot">
+        <p:cTn xmlns:p14="http://schemas.microsoft.com/office/powerpoint/2010/main" id="1" dur="indefinite" restart="never" nodeType="tmRoot">
           <p:childTnLst>
             <p:seq concurrent="1" nextAc="seek">
               <p:cTn id="2" dur="indefinite" nodeType="mainSeq">
@@ -11851,7 +11834,7 @@
           </a:prstGeom>
           <a:noFill/>
           <a:extLst>
-            <a:ext uri="{909E8E84-426E-40DD-AFC4-6F175D3DCCD1}">
+            <a:ext uri="{909E8E84-426E-40dd-AFC4-6F175D3DCCD1}">
               <a14:hiddenFill xmlns:a14="http://schemas.microsoft.com/office/drawing/2010/main">
                 <a:solidFill>
                   <a:srgbClr val="FFFFFF"/>
@@ -12049,7 +12032,7 @@
   <p:timing>
     <p:tnLst>
       <p:par>
-        <p:cTn id="1" dur="indefinite" restart="never" nodeType="tmRoot">
+        <p:cTn xmlns:p14="http://schemas.microsoft.com/office/powerpoint/2010/main" id="1" dur="indefinite" restart="never" nodeType="tmRoot">
           <p:childTnLst>
             <p:seq concurrent="1" nextAc="seek">
               <p:cTn id="2" dur="indefinite" nodeType="mainSeq">
@@ -12411,7 +12394,7 @@
             <a:tailEnd/>
           </a:ln>
           <a:extLst>
-            <a:ext uri="{909E8E84-426E-40DD-AFC4-6F175D3DCCD1}">
+            <a:ext uri="{909E8E84-426E-40dd-AFC4-6F175D3DCCD1}">
               <a14:hiddenFill xmlns:a14="http://schemas.microsoft.com/office/drawing/2010/main">
                 <a:solidFill>
                   <a:schemeClr val="accent1"/>
@@ -12462,7 +12445,7 @@
             <a:tailEnd/>
           </a:ln>
           <a:extLst>
-            <a:ext uri="{909E8E84-426E-40DD-AFC4-6F175D3DCCD1}">
+            <a:ext uri="{909E8E84-426E-40dd-AFC4-6F175D3DCCD1}">
               <a14:hiddenFill xmlns:a14="http://schemas.microsoft.com/office/drawing/2010/main">
                 <a:solidFill>
                   <a:schemeClr val="accent1"/>
@@ -12510,7 +12493,7 @@
             </a:solidFill>
           </a:ln>
           <a:extLst>
-            <a:ext uri="{909E8E84-426E-40DD-AFC4-6F175D3DCCD1}">
+            <a:ext uri="{909E8E84-426E-40dd-AFC4-6F175D3DCCD1}">
               <a14:hiddenFill xmlns:a14="http://schemas.microsoft.com/office/drawing/2010/main">
                 <a:solidFill>
                   <a:srgbClr val="FFFFFF"/>
@@ -12533,7 +12516,7 @@
   <p:timing>
     <p:tnLst>
       <p:par>
-        <p:cTn id="1" dur="indefinite" restart="never" nodeType="tmRoot">
+        <p:cTn xmlns:p14="http://schemas.microsoft.com/office/powerpoint/2010/main" id="1" dur="indefinite" restart="never" nodeType="tmRoot">
           <p:childTnLst>
             <p:seq concurrent="1" nextAc="seek">
               <p:cTn id="2" dur="indefinite" nodeType="mainSeq">
@@ -12781,7 +12764,7 @@
             <a:tailEnd/>
           </a:ln>
           <a:extLst>
-            <a:ext uri="{909E8E84-426E-40DD-AFC4-6F175D3DCCD1}">
+            <a:ext uri="{909E8E84-426E-40dd-AFC4-6F175D3DCCD1}">
               <a14:hiddenFill xmlns:a14="http://schemas.microsoft.com/office/drawing/2010/main">
                 <a:solidFill>
                   <a:schemeClr val="accent1"/>
@@ -12832,7 +12815,7 @@
             <a:tailEnd/>
           </a:ln>
           <a:extLst>
-            <a:ext uri="{909E8E84-426E-40DD-AFC4-6F175D3DCCD1}">
+            <a:ext uri="{909E8E84-426E-40dd-AFC4-6F175D3DCCD1}">
               <a14:hiddenFill xmlns:a14="http://schemas.microsoft.com/office/drawing/2010/main">
                 <a:solidFill>
                   <a:schemeClr val="accent1"/>
@@ -12880,7 +12863,7 @@
             </a:solidFill>
           </a:ln>
           <a:extLst>
-            <a:ext uri="{909E8E84-426E-40DD-AFC4-6F175D3DCCD1}">
+            <a:ext uri="{909E8E84-426E-40dd-AFC4-6F175D3DCCD1}">
               <a14:hiddenFill xmlns:a14="http://schemas.microsoft.com/office/drawing/2010/main">
                 <a:solidFill>
                   <a:srgbClr val="FFFFFF"/>
@@ -12928,7 +12911,7 @@
             </a:solidFill>
           </a:ln>
           <a:extLst>
-            <a:ext uri="{909E8E84-426E-40DD-AFC4-6F175D3DCCD1}">
+            <a:ext uri="{909E8E84-426E-40dd-AFC4-6F175D3DCCD1}">
               <a14:hiddenFill xmlns:a14="http://schemas.microsoft.com/office/drawing/2010/main">
                 <a:solidFill>
                   <a:srgbClr val="FFFFFF"/>
@@ -12951,7 +12934,7 @@
   <p:timing>
     <p:tnLst>
       <p:par>
-        <p:cTn id="1" dur="indefinite" restart="never" nodeType="tmRoot">
+        <p:cTn xmlns:p14="http://schemas.microsoft.com/office/powerpoint/2010/main" id="1" dur="indefinite" restart="never" nodeType="tmRoot">
           <p:childTnLst>
             <p:seq concurrent="1" nextAc="seek">
               <p:cTn id="2" dur="indefinite" nodeType="mainSeq">

--- a/presentation/2015-07-09_Mobile-Web_Gruppe-Modulhandbuch.pptx
+++ b/presentation/2015-07-09_Mobile-Web_Gruppe-Modulhandbuch.pptx
@@ -5,10 +5,10 @@
     <p:sldMasterId id="2147483648" r:id="rId1"/>
   </p:sldMasterIdLst>
   <p:notesMasterIdLst>
-    <p:notesMasterId r:id="rId19"/>
+    <p:notesMasterId r:id="rId16"/>
   </p:notesMasterIdLst>
   <p:handoutMasterIdLst>
-    <p:handoutMasterId r:id="rId20"/>
+    <p:handoutMasterId r:id="rId17"/>
   </p:handoutMasterIdLst>
   <p:sldIdLst>
     <p:sldId id="256" r:id="rId2"/>
@@ -20,14 +20,11 @@
     <p:sldId id="266" r:id="rId8"/>
     <p:sldId id="262" r:id="rId9"/>
     <p:sldId id="273" r:id="rId10"/>
-    <p:sldId id="271" r:id="rId11"/>
-    <p:sldId id="275" r:id="rId12"/>
-    <p:sldId id="264" r:id="rId13"/>
-    <p:sldId id="274" r:id="rId14"/>
-    <p:sldId id="276" r:id="rId15"/>
-    <p:sldId id="277" r:id="rId16"/>
-    <p:sldId id="272" r:id="rId17"/>
-    <p:sldId id="269" r:id="rId18"/>
+    <p:sldId id="264" r:id="rId11"/>
+    <p:sldId id="274" r:id="rId12"/>
+    <p:sldId id="276" r:id="rId13"/>
+    <p:sldId id="277" r:id="rId14"/>
+    <p:sldId id="272" r:id="rId15"/>
   </p:sldIdLst>
   <p:sldSz cx="9144000" cy="6858000" type="screen4x3"/>
   <p:notesSz cx="6662738" cy="9774238"/>
@@ -158,7 +155,7 @@
   </p:defaultTextStyle>
   <p:extLst>
     <p:ext uri="{EFAFB233-063F-42B5-8137-9DF3F51BA10A}">
-      <p15:sldGuideLst xmlns="" xmlns:p15="http://schemas.microsoft.com/office/powerpoint/2012/main">
+      <p15:sldGuideLst xmlns:p15="http://schemas.microsoft.com/office/powerpoint/2012/main" xmlns="">
         <p15:guide id="1" orient="horz" pos="2160">
           <p15:clr>
             <a:srgbClr val="A4A3A4"/>
@@ -217,7 +214,7 @@
       </p15:sldGuideLst>
     </p:ext>
     <p:ext uri="{2D200454-40CA-4A62-9FC3-DE9A4176ACB9}">
-      <p15:notesGuideLst xmlns="" xmlns:p15="http://schemas.microsoft.com/office/powerpoint/2012/main"/>
+      <p15:notesGuideLst xmlns:p15="http://schemas.microsoft.com/office/powerpoint/2012/main" xmlns=""/>
     </p:ext>
   </p:extLst>
 </p:presentation>
@@ -305,7 +302,7 @@
           <a:p>
             <a:fld id="{9937624A-19D6-4B53-87FF-7EC9970FE6DF}" type="datetimeFigureOut">
               <a:rPr lang="de-DE" smtClean="0"/>
-              <a:t>07.07.15</a:t>
+              <a:t>07.07.2015</a:t>
             </a:fld>
             <a:endParaRPr lang="de-DE"/>
           </a:p>
@@ -470,7 +467,7 @@
           <a:p>
             <a:fld id="{880E0E77-1EBE-4DCA-941B-CCC4F080B8D0}" type="datetimeFigureOut">
               <a:rPr lang="de-DE" smtClean="0"/>
-              <a:t>07.07.15</a:t>
+              <a:t>07.07.2015</a:t>
             </a:fld>
             <a:endParaRPr lang="de-DE"/>
           </a:p>
@@ -1017,94 +1014,6 @@
 </p:notes>
 </file>
 
-<file path=ppt/notesSlides/notesSlide4.xml><?xml version="1.0" encoding="utf-8"?>
-<p:notes xmlns:a="http://schemas.openxmlformats.org/drawingml/2006/main" xmlns:r="http://schemas.openxmlformats.org/officeDocument/2006/relationships" xmlns:p="http://schemas.openxmlformats.org/presentationml/2006/main">
-  <p:cSld>
-    <p:spTree>
-      <p:nvGrpSpPr>
-        <p:cNvPr id="1" name=""/>
-        <p:cNvGrpSpPr/>
-        <p:nvPr/>
-      </p:nvGrpSpPr>
-      <p:grpSpPr>
-        <a:xfrm>
-          <a:off x="0" y="0"/>
-          <a:ext cx="0" cy="0"/>
-          <a:chOff x="0" y="0"/>
-          <a:chExt cx="0" cy="0"/>
-        </a:xfrm>
-      </p:grpSpPr>
-      <p:sp>
-        <p:nvSpPr>
-          <p:cNvPr id="2" name="Folienbildplatzhalter 1"/>
-          <p:cNvSpPr>
-            <a:spLocks noGrp="1" noRot="1" noChangeAspect="1"/>
-          </p:cNvSpPr>
-          <p:nvPr>
-            <p:ph type="sldImg"/>
-          </p:nvPr>
-        </p:nvSpPr>
-        <p:spPr/>
-      </p:sp>
-      <p:sp>
-        <p:nvSpPr>
-          <p:cNvPr id="3" name="Notizenplatzhalter 2"/>
-          <p:cNvSpPr>
-            <a:spLocks noGrp="1"/>
-          </p:cNvSpPr>
-          <p:nvPr>
-            <p:ph type="body" idx="1"/>
-          </p:nvPr>
-        </p:nvSpPr>
-        <p:spPr/>
-        <p:txBody>
-          <a:bodyPr/>
-          <a:lstStyle/>
-          <a:p>
-            <a:r>
-              <a:rPr lang="de-DE" dirty="0" smtClean="0"/>
-              <a:t>https://t1.ftcdn.net/jpg/00/22/27/70/500_F_22277076_5uIsqR6Q3h3TkWyPuRXsggyQ1fcS4Se0.jpg</a:t>
-            </a:r>
-            <a:endParaRPr lang="de-DE" dirty="0"/>
-          </a:p>
-        </p:txBody>
-      </p:sp>
-      <p:sp>
-        <p:nvSpPr>
-          <p:cNvPr id="4" name="Foliennummernplatzhalter 3"/>
-          <p:cNvSpPr>
-            <a:spLocks noGrp="1"/>
-          </p:cNvSpPr>
-          <p:nvPr>
-            <p:ph type="sldNum" sz="quarter" idx="10"/>
-          </p:nvPr>
-        </p:nvSpPr>
-        <p:spPr/>
-        <p:txBody>
-          <a:bodyPr/>
-          <a:lstStyle/>
-          <a:p>
-            <a:fld id="{025A0B81-BA31-43A1-964F-AB238F99C503}" type="slidenum">
-              <a:rPr lang="de-DE" smtClean="0"/>
-              <a:t>17</a:t>
-            </a:fld>
-            <a:endParaRPr lang="de-DE"/>
-          </a:p>
-        </p:txBody>
-      </p:sp>
-    </p:spTree>
-    <p:extLst>
-      <p:ext uri="{BB962C8B-B14F-4D97-AF65-F5344CB8AC3E}">
-        <p14:creationId xmlns:p14="http://schemas.microsoft.com/office/powerpoint/2010/main" val="3075437573"/>
-      </p:ext>
-    </p:extLst>
-  </p:cSld>
-  <p:clrMapOvr>
-    <a:masterClrMapping/>
-  </p:clrMapOvr>
-</p:notes>
-</file>
-
 <file path=ppt/slideLayouts/slideLayout1.xml><?xml version="1.0" encoding="utf-8"?>
 <p:sldLayout xmlns:a="http://schemas.openxmlformats.org/drawingml/2006/main" xmlns:r="http://schemas.openxmlformats.org/officeDocument/2006/relationships" xmlns:p="http://schemas.openxmlformats.org/presentationml/2006/main" showMasterSp="0" type="title" preserve="1">
   <p:cSld name="Titelfolie">
@@ -1247,7 +1156,7 @@
           <a:p>
             <a:fld id="{BE52FED1-3B53-4AFD-A771-C7BE27550915}" type="datetime1">
               <a:rPr lang="de-DE" smtClean="0"/>
-              <a:t>07.07.15</a:t>
+              <a:t>07.07.2015</a:t>
             </a:fld>
             <a:endParaRPr lang="de-DE" dirty="0"/>
           </a:p>
@@ -1317,7 +1226,7 @@
           </a:prstGeom>
           <a:noFill/>
           <a:extLst>
-            <a:ext uri="{909E8E84-426E-40dd-AFC4-6F175D3DCCD1}">
+            <a:ext uri="{909E8E84-426E-40DD-AFC4-6F175D3DCCD1}">
               <a14:hiddenFill xmlns:a14="http://schemas.microsoft.com/office/drawing/2010/main">
                 <a:solidFill>
                   <a:srgbClr val="FFFFFF"/>
@@ -1351,14 +1260,14 @@
           </a:ln>
           <a:effectLst/>
           <a:extLst>
-            <a:ext uri="{909E8E84-426E-40dd-AFC4-6F175D3DCCD1}">
+            <a:ext uri="{909E8E84-426E-40DD-AFC4-6F175D3DCCD1}">
               <a14:hiddenFill xmlns:a14="http://schemas.microsoft.com/office/drawing/2010/main">
                 <a:solidFill>
                   <a:schemeClr val="accent1"/>
                 </a:solidFill>
               </a14:hiddenFill>
             </a:ext>
-            <a:ext uri="{91240B29-F687-4f45-9708-019B960494DF}">
+            <a:ext uri="{91240B29-F687-4F45-9708-019B960494DF}">
               <a14:hiddenLine xmlns:a14="http://schemas.microsoft.com/office/drawing/2010/main" w="9525">
                 <a:solidFill>
                   <a:schemeClr val="tx1"/>
@@ -1368,7 +1277,7 @@
                 <a:tailEnd/>
               </a14:hiddenLine>
             </a:ext>
-            <a:ext uri="{AF507438-7753-43e0-B8FC-AC1667EBCBE1}">
+            <a:ext uri="{AF507438-7753-43E0-B8FC-AC1667EBCBE1}">
               <a14:hiddenEffects xmlns:a14="http://schemas.microsoft.com/office/drawing/2010/main">
                 <a:effectLst>
                   <a:outerShdw dist="35921" dir="2700000" algn="ctr" rotWithShape="0">
@@ -1558,7 +1467,7 @@
           <a:p>
             <a:fld id="{36514D55-B040-4CBD-B6B9-F1964C8C5D0D}" type="datetime1">
               <a:rPr lang="de-DE" smtClean="0"/>
-              <a:t>07.07.15</a:t>
+              <a:t>07.07.2015</a:t>
             </a:fld>
             <a:endParaRPr lang="de-DE"/>
           </a:p>
@@ -1588,14 +1497,14 @@
           </a:ln>
           <a:effectLst/>
           <a:extLst>
-            <a:ext uri="{909E8E84-426E-40dd-AFC4-6F175D3DCCD1}">
+            <a:ext uri="{909E8E84-426E-40DD-AFC4-6F175D3DCCD1}">
               <a14:hiddenFill xmlns:a14="http://schemas.microsoft.com/office/drawing/2010/main">
                 <a:solidFill>
                   <a:schemeClr val="accent1"/>
                 </a:solidFill>
               </a14:hiddenFill>
             </a:ext>
-            <a:ext uri="{91240B29-F687-4f45-9708-019B960494DF}">
+            <a:ext uri="{91240B29-F687-4F45-9708-019B960494DF}">
               <a14:hiddenLine xmlns:a14="http://schemas.microsoft.com/office/drawing/2010/main" w="9525">
                 <a:solidFill>
                   <a:schemeClr val="tx1"/>
@@ -1605,7 +1514,7 @@
                 <a:tailEnd/>
               </a14:hiddenLine>
             </a:ext>
-            <a:ext uri="{AF507438-7753-43e0-B8FC-AC1667EBCBE1}">
+            <a:ext uri="{AF507438-7753-43E0-B8FC-AC1667EBCBE1}">
               <a14:hiddenEffects xmlns:a14="http://schemas.microsoft.com/office/drawing/2010/main">
                 <a:effectLst>
                   <a:outerShdw dist="35921" dir="2700000" algn="ctr" rotWithShape="0">
@@ -1817,7 +1726,7 @@
           <a:p>
             <a:fld id="{193105AA-858E-4C99-9190-244091FB0E4C}" type="datetime1">
               <a:rPr lang="de-DE" smtClean="0"/>
-              <a:t>07.07.15</a:t>
+              <a:t>07.07.2015</a:t>
             </a:fld>
             <a:endParaRPr lang="de-DE"/>
           </a:p>
@@ -1847,14 +1756,14 @@
           </a:ln>
           <a:effectLst/>
           <a:extLst>
-            <a:ext uri="{909E8E84-426E-40dd-AFC4-6F175D3DCCD1}">
+            <a:ext uri="{909E8E84-426E-40DD-AFC4-6F175D3DCCD1}">
               <a14:hiddenFill xmlns:a14="http://schemas.microsoft.com/office/drawing/2010/main">
                 <a:solidFill>
                   <a:schemeClr val="accent1"/>
                 </a:solidFill>
               </a14:hiddenFill>
             </a:ext>
-            <a:ext uri="{91240B29-F687-4f45-9708-019B960494DF}">
+            <a:ext uri="{91240B29-F687-4F45-9708-019B960494DF}">
               <a14:hiddenLine xmlns:a14="http://schemas.microsoft.com/office/drawing/2010/main" w="9525">
                 <a:solidFill>
                   <a:schemeClr val="tx1"/>
@@ -1864,7 +1773,7 @@
                 <a:tailEnd/>
               </a14:hiddenLine>
             </a:ext>
-            <a:ext uri="{AF507438-7753-43e0-B8FC-AC1667EBCBE1}">
+            <a:ext uri="{AF507438-7753-43E0-B8FC-AC1667EBCBE1}">
               <a14:hiddenEffects xmlns:a14="http://schemas.microsoft.com/office/drawing/2010/main">
                 <a:effectLst>
                   <a:outerShdw dist="35921" dir="2700000" algn="ctr" rotWithShape="0">
@@ -2176,7 +2085,7 @@
           <a:p>
             <a:fld id="{95DCA378-4D19-49BB-8AAE-45C7E41C1D83}" type="datetime1">
               <a:rPr lang="de-DE" smtClean="0"/>
-              <a:t>07.07.15</a:t>
+              <a:t>07.07.2015</a:t>
             </a:fld>
             <a:endParaRPr lang="de-DE"/>
           </a:p>
@@ -2206,14 +2115,14 @@
           </a:ln>
           <a:effectLst/>
           <a:extLst>
-            <a:ext uri="{909E8E84-426E-40dd-AFC4-6F175D3DCCD1}">
+            <a:ext uri="{909E8E84-426E-40DD-AFC4-6F175D3DCCD1}">
               <a14:hiddenFill xmlns:a14="http://schemas.microsoft.com/office/drawing/2010/main">
                 <a:solidFill>
                   <a:schemeClr val="accent1"/>
                 </a:solidFill>
               </a14:hiddenFill>
             </a:ext>
-            <a:ext uri="{91240B29-F687-4f45-9708-019B960494DF}">
+            <a:ext uri="{91240B29-F687-4F45-9708-019B960494DF}">
               <a14:hiddenLine xmlns:a14="http://schemas.microsoft.com/office/drawing/2010/main" w="9525">
                 <a:solidFill>
                   <a:schemeClr val="tx1"/>
@@ -2223,7 +2132,7 @@
                 <a:tailEnd/>
               </a14:hiddenLine>
             </a:ext>
-            <a:ext uri="{AF507438-7753-43e0-B8FC-AC1667EBCBE1}">
+            <a:ext uri="{AF507438-7753-43E0-B8FC-AC1667EBCBE1}">
               <a14:hiddenEffects xmlns:a14="http://schemas.microsoft.com/office/drawing/2010/main">
                 <a:effectLst>
                   <a:outerShdw dist="35921" dir="2700000" algn="ctr" rotWithShape="0">
@@ -2638,7 +2547,7 @@
           <a:p>
             <a:fld id="{D32B10BE-596A-4E88-9BC8-49B1B53D3333}" type="datetime1">
               <a:rPr lang="de-DE" smtClean="0"/>
-              <a:t>07.07.15</a:t>
+              <a:t>07.07.2015</a:t>
             </a:fld>
             <a:endParaRPr lang="de-DE"/>
           </a:p>
@@ -2700,14 +2609,14 @@
           </a:ln>
           <a:effectLst/>
           <a:extLst>
-            <a:ext uri="{909E8E84-426E-40dd-AFC4-6F175D3DCCD1}">
+            <a:ext uri="{909E8E84-426E-40DD-AFC4-6F175D3DCCD1}">
               <a14:hiddenFill xmlns:a14="http://schemas.microsoft.com/office/drawing/2010/main">
                 <a:solidFill>
                   <a:schemeClr val="accent1"/>
                 </a:solidFill>
               </a14:hiddenFill>
             </a:ext>
-            <a:ext uri="{91240B29-F687-4f45-9708-019B960494DF}">
+            <a:ext uri="{91240B29-F687-4F45-9708-019B960494DF}">
               <a14:hiddenLine xmlns:a14="http://schemas.microsoft.com/office/drawing/2010/main" w="9525">
                 <a:solidFill>
                   <a:schemeClr val="tx1"/>
@@ -2717,7 +2626,7 @@
                 <a:tailEnd/>
               </a14:hiddenLine>
             </a:ext>
-            <a:ext uri="{AF507438-7753-43e0-B8FC-AC1667EBCBE1}">
+            <a:ext uri="{AF507438-7753-43E0-B8FC-AC1667EBCBE1}">
               <a14:hiddenEffects xmlns:a14="http://schemas.microsoft.com/office/drawing/2010/main">
                 <a:effectLst>
                   <a:outerShdw dist="35921" dir="2700000" algn="ctr" rotWithShape="0">
@@ -2855,7 +2764,7 @@
           <a:p>
             <a:fld id="{33003E35-6098-4B69-A0CA-FD39498AB0F4}" type="datetime1">
               <a:rPr lang="de-DE" smtClean="0"/>
-              <a:t>07.07.15</a:t>
+              <a:t>07.07.2015</a:t>
             </a:fld>
             <a:endParaRPr lang="de-DE"/>
           </a:p>
@@ -2885,14 +2794,14 @@
           </a:ln>
           <a:effectLst/>
           <a:extLst>
-            <a:ext uri="{909E8E84-426E-40dd-AFC4-6F175D3DCCD1}">
+            <a:ext uri="{909E8E84-426E-40DD-AFC4-6F175D3DCCD1}">
               <a14:hiddenFill xmlns:a14="http://schemas.microsoft.com/office/drawing/2010/main">
                 <a:solidFill>
                   <a:schemeClr val="accent1"/>
                 </a:solidFill>
               </a14:hiddenFill>
             </a:ext>
-            <a:ext uri="{91240B29-F687-4f45-9708-019B960494DF}">
+            <a:ext uri="{91240B29-F687-4F45-9708-019B960494DF}">
               <a14:hiddenLine xmlns:a14="http://schemas.microsoft.com/office/drawing/2010/main" w="9525">
                 <a:solidFill>
                   <a:schemeClr val="tx1"/>
@@ -2902,7 +2811,7 @@
                 <a:tailEnd/>
               </a14:hiddenLine>
             </a:ext>
-            <a:ext uri="{AF507438-7753-43e0-B8FC-AC1667EBCBE1}">
+            <a:ext uri="{AF507438-7753-43E0-B8FC-AC1667EBCBE1}">
               <a14:hiddenEffects xmlns:a14="http://schemas.microsoft.com/office/drawing/2010/main">
                 <a:effectLst>
                   <a:outerShdw dist="35921" dir="2700000" algn="ctr" rotWithShape="0">
@@ -3017,7 +2926,7 @@
           <a:p>
             <a:fld id="{FFE014C6-8B34-4748-BFFD-43343B8201C8}" type="datetime1">
               <a:rPr lang="de-DE" smtClean="0"/>
-              <a:t>07.07.15</a:t>
+              <a:t>07.07.2015</a:t>
             </a:fld>
             <a:endParaRPr lang="de-DE"/>
           </a:p>
@@ -3047,14 +2956,14 @@
           </a:ln>
           <a:effectLst/>
           <a:extLst>
-            <a:ext uri="{909E8E84-426E-40dd-AFC4-6F175D3DCCD1}">
+            <a:ext uri="{909E8E84-426E-40DD-AFC4-6F175D3DCCD1}">
               <a14:hiddenFill xmlns:a14="http://schemas.microsoft.com/office/drawing/2010/main">
                 <a:solidFill>
                   <a:schemeClr val="accent1"/>
                 </a:solidFill>
               </a14:hiddenFill>
             </a:ext>
-            <a:ext uri="{91240B29-F687-4f45-9708-019B960494DF}">
+            <a:ext uri="{91240B29-F687-4F45-9708-019B960494DF}">
               <a14:hiddenLine xmlns:a14="http://schemas.microsoft.com/office/drawing/2010/main" w="9525">
                 <a:solidFill>
                   <a:schemeClr val="tx1"/>
@@ -3064,7 +2973,7 @@
                 <a:tailEnd/>
               </a14:hiddenLine>
             </a:ext>
-            <a:ext uri="{AF507438-7753-43e0-B8FC-AC1667EBCBE1}">
+            <a:ext uri="{AF507438-7753-43E0-B8FC-AC1667EBCBE1}">
               <a14:hiddenEffects xmlns:a14="http://schemas.microsoft.com/office/drawing/2010/main">
                 <a:effectLst>
                   <a:outerShdw dist="35921" dir="2700000" algn="ctr" rotWithShape="0">
@@ -3361,7 +3270,7 @@
           <a:p>
             <a:fld id="{3721457A-8B30-4567-9F44-DF3C2DA4804D}" type="datetime1">
               <a:rPr lang="de-DE" smtClean="0"/>
-              <a:t>07.07.15</a:t>
+              <a:t>07.07.2015</a:t>
             </a:fld>
             <a:endParaRPr lang="de-DE"/>
           </a:p>
@@ -3391,14 +3300,14 @@
           </a:ln>
           <a:effectLst/>
           <a:extLst>
-            <a:ext uri="{909E8E84-426E-40dd-AFC4-6F175D3DCCD1}">
+            <a:ext uri="{909E8E84-426E-40DD-AFC4-6F175D3DCCD1}">
               <a14:hiddenFill xmlns:a14="http://schemas.microsoft.com/office/drawing/2010/main">
                 <a:solidFill>
                   <a:schemeClr val="accent1"/>
                 </a:solidFill>
               </a14:hiddenFill>
             </a:ext>
-            <a:ext uri="{91240B29-F687-4f45-9708-019B960494DF}">
+            <a:ext uri="{91240B29-F687-4F45-9708-019B960494DF}">
               <a14:hiddenLine xmlns:a14="http://schemas.microsoft.com/office/drawing/2010/main" w="9525">
                 <a:solidFill>
                   <a:schemeClr val="tx1"/>
@@ -3408,7 +3317,7 @@
                 <a:tailEnd/>
               </a14:hiddenLine>
             </a:ext>
-            <a:ext uri="{AF507438-7753-43e0-B8FC-AC1667EBCBE1}">
+            <a:ext uri="{AF507438-7753-43E0-B8FC-AC1667EBCBE1}">
               <a14:hiddenEffects xmlns:a14="http://schemas.microsoft.com/office/drawing/2010/main">
                 <a:effectLst>
                   <a:outerShdw dist="35921" dir="2700000" algn="ctr" rotWithShape="0">
@@ -3685,7 +3594,7 @@
           <a:p>
             <a:fld id="{47982ECF-30EC-40E0-B102-478A97B403CD}" type="datetime1">
               <a:rPr lang="de-DE" smtClean="0"/>
-              <a:t>07.07.15</a:t>
+              <a:t>07.07.2015</a:t>
             </a:fld>
             <a:endParaRPr lang="de-DE"/>
           </a:p>
@@ -3715,14 +3624,14 @@
           </a:ln>
           <a:effectLst/>
           <a:extLst>
-            <a:ext uri="{909E8E84-426E-40dd-AFC4-6F175D3DCCD1}">
+            <a:ext uri="{909E8E84-426E-40DD-AFC4-6F175D3DCCD1}">
               <a14:hiddenFill xmlns:a14="http://schemas.microsoft.com/office/drawing/2010/main">
                 <a:solidFill>
                   <a:schemeClr val="accent1"/>
                 </a:solidFill>
               </a14:hiddenFill>
             </a:ext>
-            <a:ext uri="{91240B29-F687-4f45-9708-019B960494DF}">
+            <a:ext uri="{91240B29-F687-4F45-9708-019B960494DF}">
               <a14:hiddenLine xmlns:a14="http://schemas.microsoft.com/office/drawing/2010/main" w="9525">
                 <a:solidFill>
                   <a:schemeClr val="tx1"/>
@@ -3732,7 +3641,7 @@
                 <a:tailEnd/>
               </a14:hiddenLine>
             </a:ext>
-            <a:ext uri="{AF507438-7753-43e0-B8FC-AC1667EBCBE1}">
+            <a:ext uri="{AF507438-7753-43E0-B8FC-AC1667EBCBE1}">
               <a14:hiddenEffects xmlns:a14="http://schemas.microsoft.com/office/drawing/2010/main">
                 <a:effectLst>
                   <a:outerShdw dist="35921" dir="2700000" algn="ctr" rotWithShape="0">
@@ -3830,14 +3739,14 @@
           </a:ln>
           <a:effectLst/>
           <a:extLst>
-            <a:ext uri="{909E8E84-426E-40dd-AFC4-6F175D3DCCD1}">
+            <a:ext uri="{909E8E84-426E-40DD-AFC4-6F175D3DCCD1}">
               <a14:hiddenFill xmlns:a14="http://schemas.microsoft.com/office/drawing/2010/main">
                 <a:solidFill>
                   <a:schemeClr val="accent1"/>
                 </a:solidFill>
               </a14:hiddenFill>
             </a:ext>
-            <a:ext uri="{91240B29-F687-4f45-9708-019B960494DF}">
+            <a:ext uri="{91240B29-F687-4F45-9708-019B960494DF}">
               <a14:hiddenLine xmlns:a14="http://schemas.microsoft.com/office/drawing/2010/main" w="9525">
                 <a:solidFill>
                   <a:schemeClr val="tx1"/>
@@ -3847,7 +3756,7 @@
                 <a:tailEnd/>
               </a14:hiddenLine>
             </a:ext>
-            <a:ext uri="{AF507438-7753-43e0-B8FC-AC1667EBCBE1}">
+            <a:ext uri="{AF507438-7753-43E0-B8FC-AC1667EBCBE1}">
               <a14:hiddenEffects xmlns:a14="http://schemas.microsoft.com/office/drawing/2010/main">
                 <a:effectLst>
                   <a:outerShdw dist="35921" dir="2700000" algn="ctr" rotWithShape="0">
@@ -3926,14 +3835,14 @@
           </a:ln>
           <a:effectLst/>
           <a:extLst>
-            <a:ext uri="{909E8E84-426E-40dd-AFC4-6F175D3DCCD1}">
+            <a:ext uri="{909E8E84-426E-40DD-AFC4-6F175D3DCCD1}">
               <a14:hiddenFill xmlns:a14="http://schemas.microsoft.com/office/drawing/2010/main">
                 <a:solidFill>
                   <a:schemeClr val="accent1"/>
                 </a:solidFill>
               </a14:hiddenFill>
             </a:ext>
-            <a:ext uri="{91240B29-F687-4f45-9708-019B960494DF}">
+            <a:ext uri="{91240B29-F687-4F45-9708-019B960494DF}">
               <a14:hiddenLine xmlns:a14="http://schemas.microsoft.com/office/drawing/2010/main" w="9525">
                 <a:solidFill>
                   <a:schemeClr val="tx1"/>
@@ -3943,7 +3852,7 @@
                 <a:tailEnd/>
               </a14:hiddenLine>
             </a:ext>
-            <a:ext uri="{AF507438-7753-43e0-B8FC-AC1667EBCBE1}">
+            <a:ext uri="{AF507438-7753-43E0-B8FC-AC1667EBCBE1}">
               <a14:hiddenEffects xmlns:a14="http://schemas.microsoft.com/office/drawing/2010/main">
                 <a:effectLst>
                   <a:outerShdw dist="35921" dir="2700000" algn="ctr" rotWithShape="0">
@@ -3994,14 +3903,14 @@
           </a:ln>
           <a:effectLst/>
           <a:extLst>
-            <a:ext uri="{909E8E84-426E-40dd-AFC4-6F175D3DCCD1}">
+            <a:ext uri="{909E8E84-426E-40DD-AFC4-6F175D3DCCD1}">
               <a14:hiddenFill xmlns:a14="http://schemas.microsoft.com/office/drawing/2010/main">
                 <a:solidFill>
                   <a:schemeClr val="accent1"/>
                 </a:solidFill>
               </a14:hiddenFill>
             </a:ext>
-            <a:ext uri="{91240B29-F687-4f45-9708-019B960494DF}">
+            <a:ext uri="{91240B29-F687-4F45-9708-019B960494DF}">
               <a14:hiddenLine xmlns:a14="http://schemas.microsoft.com/office/drawing/2010/main" w="9525">
                 <a:solidFill>
                   <a:schemeClr val="tx1"/>
@@ -4011,7 +3920,7 @@
                 <a:tailEnd/>
               </a14:hiddenLine>
             </a:ext>
-            <a:ext uri="{AF507438-7753-43e0-B8FC-AC1667EBCBE1}">
+            <a:ext uri="{AF507438-7753-43E0-B8FC-AC1667EBCBE1}">
               <a14:hiddenEffects xmlns:a14="http://schemas.microsoft.com/office/drawing/2010/main">
                 <a:effectLst>
                   <a:outerShdw dist="35921" dir="2700000" algn="ctr" rotWithShape="0">
@@ -4072,14 +3981,14 @@
           </a:ln>
           <a:effectLst/>
           <a:extLst>
-            <a:ext uri="{909E8E84-426E-40dd-AFC4-6F175D3DCCD1}">
+            <a:ext uri="{909E8E84-426E-40DD-AFC4-6F175D3DCCD1}">
               <a14:hiddenFill xmlns:a14="http://schemas.microsoft.com/office/drawing/2010/main">
                 <a:solidFill>
                   <a:schemeClr val="accent1"/>
                 </a:solidFill>
               </a14:hiddenFill>
             </a:ext>
-            <a:ext uri="{91240B29-F687-4f45-9708-019B960494DF}">
+            <a:ext uri="{91240B29-F687-4F45-9708-019B960494DF}">
               <a14:hiddenLine xmlns:a14="http://schemas.microsoft.com/office/drawing/2010/main" w="9525">
                 <a:solidFill>
                   <a:schemeClr val="tx1"/>
@@ -4089,7 +3998,7 @@
                 <a:tailEnd/>
               </a14:hiddenLine>
             </a:ext>
-            <a:ext uri="{AF507438-7753-43e0-B8FC-AC1667EBCBE1}">
+            <a:ext uri="{AF507438-7753-43E0-B8FC-AC1667EBCBE1}">
               <a14:hiddenEffects xmlns:a14="http://schemas.microsoft.com/office/drawing/2010/main">
                 <a:effectLst>
                   <a:outerShdw dist="35921" dir="2700000" algn="ctr" rotWithShape="0">
@@ -4119,7 +4028,7 @@
           <a:p>
             <a:fld id="{598F92F8-949A-4A70-9DDB-CBDAE3E0A114}" type="datetime1">
               <a:rPr lang="de-DE" smtClean="0"/>
-              <a:t>07.07.15</a:t>
+              <a:t>07.07.2015</a:t>
             </a:fld>
             <a:endParaRPr lang="de-DE" dirty="0"/>
           </a:p>
@@ -4149,14 +4058,14 @@
           </a:ln>
           <a:effectLst/>
           <a:extLst>
-            <a:ext uri="{909E8E84-426E-40dd-AFC4-6F175D3DCCD1}">
+            <a:ext uri="{909E8E84-426E-40DD-AFC4-6F175D3DCCD1}">
               <a14:hiddenFill xmlns:a14="http://schemas.microsoft.com/office/drawing/2010/main">
                 <a:solidFill>
                   <a:schemeClr val="accent1"/>
                 </a:solidFill>
               </a14:hiddenFill>
             </a:ext>
-            <a:ext uri="{91240B29-F687-4f45-9708-019B960494DF}">
+            <a:ext uri="{91240B29-F687-4F45-9708-019B960494DF}">
               <a14:hiddenLine xmlns:a14="http://schemas.microsoft.com/office/drawing/2010/main" w="9525">
                 <a:solidFill>
                   <a:schemeClr val="tx1"/>
@@ -4166,7 +4075,7 @@
                 <a:tailEnd/>
               </a14:hiddenLine>
             </a:ext>
-            <a:ext uri="{AF507438-7753-43e0-B8FC-AC1667EBCBE1}">
+            <a:ext uri="{AF507438-7753-43E0-B8FC-AC1667EBCBE1}">
               <a14:hiddenEffects xmlns:a14="http://schemas.microsoft.com/office/drawing/2010/main">
                 <a:effectLst>
                   <a:outerShdw dist="35921" dir="2700000" algn="ctr" rotWithShape="0">
@@ -4266,7 +4175,7 @@
           </a:prstGeom>
           <a:noFill/>
           <a:extLst>
-            <a:ext uri="{909E8E84-426E-40dd-AFC4-6F175D3DCCD1}">
+            <a:ext uri="{909E8E84-426E-40DD-AFC4-6F175D3DCCD1}">
               <a14:hiddenFill xmlns:a14="http://schemas.microsoft.com/office/drawing/2010/main">
                 <a:solidFill>
                   <a:srgbClr val="FFFFFF"/>
@@ -4293,7 +4202,7 @@
   <p:timing>
     <p:tnLst>
       <p:par>
-        <p:cTn xmlns:p14="http://schemas.microsoft.com/office/powerpoint/2010/main" id="1" dur="indefinite" restart="never" nodeType="tmRoot"/>
+        <p:cTn id="1" dur="indefinite" restart="never" nodeType="tmRoot"/>
       </p:par>
     </p:tnLst>
   </p:timing>
@@ -4832,7 +4741,7 @@
             </a:solidFill>
           </a:ln>
           <a:extLst>
-            <a:ext uri="{909E8E84-426E-40dd-AFC4-6F175D3DCCD1}">
+            <a:ext uri="{909E8E84-426E-40DD-AFC4-6F175D3DCCD1}">
               <a14:hiddenFill xmlns:a14="http://schemas.microsoft.com/office/drawing/2010/main">
                 <a:solidFill>
                   <a:srgbClr val="FFFFFF"/>
@@ -4880,7 +4789,7 @@
             </a:solidFill>
           </a:ln>
           <a:extLst>
-            <a:ext uri="{909E8E84-426E-40dd-AFC4-6F175D3DCCD1}">
+            <a:ext uri="{909E8E84-426E-40DD-AFC4-6F175D3DCCD1}">
               <a14:hiddenFill xmlns:a14="http://schemas.microsoft.com/office/drawing/2010/main">
                 <a:solidFill>
                   <a:srgbClr val="FFFFFF"/>
@@ -4931,7 +4840,7 @@
             <a:tailEnd/>
           </a:ln>
           <a:extLst>
-            <a:ext uri="{909E8E84-426E-40dd-AFC4-6F175D3DCCD1}">
+            <a:ext uri="{909E8E84-426E-40DD-AFC4-6F175D3DCCD1}">
               <a14:hiddenFill xmlns:a14="http://schemas.microsoft.com/office/drawing/2010/main">
                 <a:solidFill>
                   <a:schemeClr val="accent1"/>
@@ -5147,7 +5056,7 @@
   <p:timing>
     <p:tnLst>
       <p:par>
-        <p:cTn xmlns:p14="http://schemas.microsoft.com/office/powerpoint/2010/main" id="1" dur="indefinite" restart="never" nodeType="tmRoot"/>
+        <p:cTn id="1" dur="indefinite" restart="never" nodeType="tmRoot"/>
       </p:par>
     </p:tnLst>
   </p:timing>
@@ -5173,53 +5082,36 @@
       </p:grpSpPr>
       <p:sp>
         <p:nvSpPr>
-          <p:cNvPr id="15" name="Rechteck 14"/>
-          <p:cNvSpPr/>
-          <p:nvPr/>
-        </p:nvSpPr>
-        <p:spPr>
-          <a:xfrm>
-            <a:off x="467544" y="1772816"/>
-            <a:ext cx="6624735" cy="4643237"/>
-          </a:xfrm>
-          <a:prstGeom prst="rect">
-            <a:avLst/>
-          </a:prstGeom>
-          <a:solidFill>
-            <a:schemeClr val="bg1">
-              <a:lumMod val="95000"/>
-            </a:schemeClr>
-          </a:solidFill>
-          <a:ln>
-            <a:solidFill>
-              <a:schemeClr val="bg1">
-                <a:lumMod val="50000"/>
-              </a:schemeClr>
-            </a:solidFill>
-          </a:ln>
-        </p:spPr>
-        <p:style>
-          <a:lnRef idx="2">
-            <a:schemeClr val="accent1">
-              <a:shade val="50000"/>
-            </a:schemeClr>
-          </a:lnRef>
-          <a:fillRef idx="1">
-            <a:schemeClr val="accent1"/>
-          </a:fillRef>
-          <a:effectRef idx="0">
-            <a:schemeClr val="accent1"/>
-          </a:effectRef>
-          <a:fontRef idx="minor">
-            <a:schemeClr val="lt1"/>
-          </a:fontRef>
-        </p:style>
-        <p:txBody>
-          <a:bodyPr rtlCol="0" anchor="ctr"/>
+          <p:cNvPr id="2" name="Titel 1"/>
+          <p:cNvSpPr>
+            <a:spLocks noGrp="1"/>
+          </p:cNvSpPr>
+          <p:nvPr>
+            <p:ph type="title"/>
+          </p:nvPr>
+        </p:nvSpPr>
+        <p:spPr/>
+        <p:txBody>
+          <a:bodyPr/>
           <a:lstStyle/>
           <a:p>
-            <a:pPr algn="ctr"/>
-            <a:endParaRPr lang="de-DE"/>
+            <a:r>
+              <a:rPr lang="de-DE" dirty="0"/>
+              <a:t>Prototyp „</a:t>
+            </a:r>
+            <a:r>
+              <a:rPr lang="de-DE" dirty="0" smtClean="0"/>
+              <a:t>d3plus (2)“ </a:t>
+            </a:r>
+            <a:r>
+              <a:rPr lang="de-DE" dirty="0"/>
+              <a:t>– </a:t>
+            </a:r>
+            <a:r>
+              <a:rPr lang="de-DE" dirty="0" smtClean="0"/>
+              <a:t>Fazit</a:t>
+            </a:r>
+            <a:endParaRPr lang="de-DE" dirty="0"/>
           </a:p>
         </p:txBody>
       </p:sp>
@@ -5243,13 +5135,57 @@
             </a:pPr>
             <a:r>
               <a:rPr lang="de-DE" dirty="0"/>
-              <a:t>Auszug </a:t>
-            </a:r>
+              <a:t>Pro:</a:t>
+            </a:r>
+          </a:p>
+          <a:p>
+            <a:r>
+              <a:rPr lang="de-DE" dirty="0"/>
+              <a:t>Hierarchische Struktur</a:t>
+            </a:r>
+          </a:p>
+          <a:p>
+            <a:r>
+              <a:rPr lang="de-DE" dirty="0"/>
+              <a:t>Animierter Ebenen-Wechsel</a:t>
+            </a:r>
+          </a:p>
+          <a:p>
+            <a:r>
+              <a:rPr lang="de-DE" dirty="0"/>
+              <a:t>Feldgrößen in Anlehnung an ECTS-</a:t>
+            </a:r>
+            <a:r>
+              <a:rPr lang="de-DE" dirty="0" err="1"/>
+              <a:t>Credits</a:t>
+            </a:r>
+            <a:endParaRPr lang="de-DE" dirty="0"/>
+          </a:p>
+          <a:p>
+            <a:r>
+              <a:rPr lang="de-DE" dirty="0"/>
+              <a:t>Navigation verbessert</a:t>
+            </a:r>
+          </a:p>
+          <a:p>
             <a:r>
               <a:rPr lang="de-DE" dirty="0" smtClean="0"/>
-              <a:t>„Funktion“</a:t>
-            </a:r>
-            <a:endParaRPr lang="de-DE" dirty="0"/>
+              <a:t>„</a:t>
+            </a:r>
+            <a:r>
+              <a:rPr lang="de-DE" dirty="0" err="1" smtClean="0"/>
+              <a:t>Responsive</a:t>
+            </a:r>
+            <a:r>
+              <a:rPr lang="de-DE" dirty="0" smtClean="0"/>
+              <a:t> Design“ vorhanden</a:t>
+            </a:r>
+          </a:p>
+          <a:p>
+            <a:r>
+              <a:rPr lang="de-DE" dirty="0" smtClean="0"/>
+              <a:t>Farbliche Gruppierung von Modulen</a:t>
+            </a:r>
           </a:p>
           <a:p>
             <a:pPr marL="0" indent="0">
@@ -5257,819 +5193,36 @@
             </a:pPr>
             <a:endParaRPr lang="de-DE" dirty="0"/>
           </a:p>
-        </p:txBody>
-      </p:sp>
-      <p:sp>
-        <p:nvSpPr>
-          <p:cNvPr id="19" name="Rechteck 18"/>
-          <p:cNvSpPr/>
-          <p:nvPr/>
-        </p:nvSpPr>
-        <p:spPr>
-          <a:xfrm>
-            <a:off x="526520" y="2690162"/>
-            <a:ext cx="2173272" cy="306790"/>
-          </a:xfrm>
-          <a:prstGeom prst="rect">
-            <a:avLst/>
-          </a:prstGeom>
-          <a:solidFill>
-            <a:schemeClr val="bg1">
-              <a:lumMod val="85000"/>
-            </a:schemeClr>
-          </a:solidFill>
-          <a:ln>
-            <a:solidFill>
-              <a:schemeClr val="bg1">
-                <a:lumMod val="50000"/>
-              </a:schemeClr>
-            </a:solidFill>
-          </a:ln>
-        </p:spPr>
-        <p:style>
-          <a:lnRef idx="2">
-            <a:schemeClr val="accent1">
-              <a:shade val="50000"/>
-            </a:schemeClr>
-          </a:lnRef>
-          <a:fillRef idx="1">
-            <a:schemeClr val="accent1"/>
-          </a:fillRef>
-          <a:effectRef idx="0">
-            <a:schemeClr val="accent1"/>
-          </a:effectRef>
-          <a:fontRef idx="minor">
-            <a:schemeClr val="lt1"/>
-          </a:fontRef>
-        </p:style>
-        <p:txBody>
-          <a:bodyPr rtlCol="0" anchor="ctr"/>
-          <a:lstStyle/>
-          <a:p>
-            <a:pPr algn="ctr"/>
-            <a:endParaRPr lang="de-DE"/>
-          </a:p>
-        </p:txBody>
-      </p:sp>
-      <p:sp>
-        <p:nvSpPr>
-          <p:cNvPr id="20" name="Rechteck 19"/>
-          <p:cNvSpPr/>
-          <p:nvPr/>
-        </p:nvSpPr>
-        <p:spPr>
-          <a:xfrm>
-            <a:off x="1006325" y="3594920"/>
-            <a:ext cx="1872208" cy="231985"/>
-          </a:xfrm>
-          <a:prstGeom prst="rect">
-            <a:avLst/>
-          </a:prstGeom>
-          <a:solidFill>
-            <a:schemeClr val="bg1">
-              <a:lumMod val="85000"/>
-            </a:schemeClr>
-          </a:solidFill>
-          <a:ln>
-            <a:solidFill>
-              <a:schemeClr val="bg1">
-                <a:lumMod val="50000"/>
-              </a:schemeClr>
-            </a:solidFill>
-          </a:ln>
-        </p:spPr>
-        <p:style>
-          <a:lnRef idx="2">
-            <a:schemeClr val="accent1">
-              <a:shade val="50000"/>
-            </a:schemeClr>
-          </a:lnRef>
-          <a:fillRef idx="1">
-            <a:schemeClr val="accent1"/>
-          </a:fillRef>
-          <a:effectRef idx="0">
-            <a:schemeClr val="accent1"/>
-          </a:effectRef>
-          <a:fontRef idx="minor">
-            <a:schemeClr val="lt1"/>
-          </a:fontRef>
-        </p:style>
-        <p:txBody>
-          <a:bodyPr rtlCol="0" anchor="ctr"/>
-          <a:lstStyle/>
-          <a:p>
-            <a:pPr algn="ctr"/>
-            <a:endParaRPr lang="de-DE"/>
-          </a:p>
-        </p:txBody>
-      </p:sp>
-      <p:sp>
-        <p:nvSpPr>
-          <p:cNvPr id="21" name="Rechteck 20"/>
-          <p:cNvSpPr/>
-          <p:nvPr/>
-        </p:nvSpPr>
-        <p:spPr>
-          <a:xfrm>
-            <a:off x="1008883" y="4432726"/>
-            <a:ext cx="4032448" cy="652458"/>
-          </a:xfrm>
-          <a:prstGeom prst="rect">
-            <a:avLst/>
-          </a:prstGeom>
-          <a:solidFill>
-            <a:schemeClr val="bg1">
-              <a:lumMod val="85000"/>
-            </a:schemeClr>
-          </a:solidFill>
-          <a:ln>
-            <a:solidFill>
-              <a:schemeClr val="bg1">
-                <a:lumMod val="50000"/>
-              </a:schemeClr>
-            </a:solidFill>
-          </a:ln>
-        </p:spPr>
-        <p:style>
-          <a:lnRef idx="2">
-            <a:schemeClr val="accent1">
-              <a:shade val="50000"/>
-            </a:schemeClr>
-          </a:lnRef>
-          <a:fillRef idx="1">
-            <a:schemeClr val="accent1"/>
-          </a:fillRef>
-          <a:effectRef idx="0">
-            <a:schemeClr val="accent1"/>
-          </a:effectRef>
-          <a:fontRef idx="minor">
-            <a:schemeClr val="lt1"/>
-          </a:fontRef>
-        </p:style>
-        <p:txBody>
-          <a:bodyPr rtlCol="0" anchor="ctr"/>
-          <a:lstStyle/>
-          <a:p>
-            <a:pPr algn="ctr"/>
-            <a:endParaRPr lang="de-DE"/>
-          </a:p>
-        </p:txBody>
-      </p:sp>
-      <p:sp>
-        <p:nvSpPr>
-          <p:cNvPr id="6" name="Textfeld 5"/>
-          <p:cNvSpPr txBox="1"/>
-          <p:nvPr/>
-        </p:nvSpPr>
-        <p:spPr>
-          <a:xfrm>
-            <a:off x="467544" y="1844824"/>
-            <a:ext cx="6413935" cy="4616648"/>
-          </a:xfrm>
-          <a:prstGeom prst="rect">
-            <a:avLst/>
-          </a:prstGeom>
-          <a:noFill/>
-        </p:spPr>
-        <p:txBody>
-          <a:bodyPr wrap="none" rtlCol="0">
-            <a:spAutoFit/>
-          </a:bodyPr>
-          <a:lstStyle/>
-          <a:p>
-            <a:r>
-              <a:rPr lang="de-DE" sz="1400" b="1" dirty="0" smtClean="0">
-                <a:latin typeface="Courier New" panose="02070309020205020404" pitchFamily="49" charset="0"/>
-                <a:cs typeface="Courier New" panose="02070309020205020404" pitchFamily="49" charset="0"/>
-              </a:rPr>
-              <a:t>&lt;</a:t>
-            </a:r>
-            <a:r>
-              <a:rPr lang="de-DE" sz="1400" b="1" dirty="0" err="1">
-                <a:latin typeface="Courier New" panose="02070309020205020404" pitchFamily="49" charset="0"/>
-                <a:cs typeface="Courier New" panose="02070309020205020404" pitchFamily="49" charset="0"/>
-              </a:rPr>
-              <a:t>script</a:t>
-            </a:r>
-            <a:r>
-              <a:rPr lang="de-DE" sz="1400" b="1" dirty="0">
-                <a:latin typeface="Courier New" panose="02070309020205020404" pitchFamily="49" charset="0"/>
-                <a:cs typeface="Courier New" panose="02070309020205020404" pitchFamily="49" charset="0"/>
-              </a:rPr>
-              <a:t> </a:t>
-            </a:r>
-            <a:r>
-              <a:rPr lang="de-DE" sz="1400" b="1" dirty="0" err="1">
-                <a:latin typeface="Courier New" panose="02070309020205020404" pitchFamily="49" charset="0"/>
-                <a:cs typeface="Courier New" panose="02070309020205020404" pitchFamily="49" charset="0"/>
-              </a:rPr>
-              <a:t>src</a:t>
-            </a:r>
-            <a:r>
-              <a:rPr lang="de-DE" sz="1400" b="1" dirty="0">
-                <a:latin typeface="Courier New" panose="02070309020205020404" pitchFamily="49" charset="0"/>
-                <a:cs typeface="Courier New" panose="02070309020205020404" pitchFamily="49" charset="0"/>
-              </a:rPr>
-              <a:t>="http://www.d3plus.org/js/d3.js"&gt;&lt;/script&gt;</a:t>
-            </a:r>
-          </a:p>
-          <a:p>
-            <a:r>
-              <a:rPr lang="de-DE" sz="1400" b="1" dirty="0" smtClean="0">
-                <a:latin typeface="Courier New" panose="02070309020205020404" pitchFamily="49" charset="0"/>
-                <a:cs typeface="Courier New" panose="02070309020205020404" pitchFamily="49" charset="0"/>
-              </a:rPr>
-              <a:t>&lt;</a:t>
-            </a:r>
-            <a:r>
-              <a:rPr lang="de-DE" sz="1400" b="1" dirty="0" err="1" smtClean="0">
-                <a:latin typeface="Courier New" panose="02070309020205020404" pitchFamily="49" charset="0"/>
-                <a:cs typeface="Courier New" panose="02070309020205020404" pitchFamily="49" charset="0"/>
-              </a:rPr>
-              <a:t>script</a:t>
-            </a:r>
-            <a:r>
-              <a:rPr lang="de-DE" sz="1400" b="1" dirty="0" smtClean="0">
-                <a:latin typeface="Courier New" panose="02070309020205020404" pitchFamily="49" charset="0"/>
-                <a:cs typeface="Courier New" panose="02070309020205020404" pitchFamily="49" charset="0"/>
-              </a:rPr>
-              <a:t> </a:t>
-            </a:r>
-            <a:r>
-              <a:rPr lang="de-DE" sz="1400" b="1" dirty="0" err="1" smtClean="0">
-                <a:latin typeface="Courier New" panose="02070309020205020404" pitchFamily="49" charset="0"/>
-                <a:cs typeface="Courier New" panose="02070309020205020404" pitchFamily="49" charset="0"/>
-              </a:rPr>
-              <a:t>src</a:t>
-            </a:r>
-            <a:r>
-              <a:rPr lang="de-DE" sz="1400" b="1" dirty="0" smtClean="0">
-                <a:latin typeface="Courier New" panose="02070309020205020404" pitchFamily="49" charset="0"/>
-                <a:cs typeface="Courier New" panose="02070309020205020404" pitchFamily="49" charset="0"/>
-              </a:rPr>
-              <a:t>="http://www.d3plus.org/js/d3.min.js"&gt;&lt;/script&gt;</a:t>
-            </a:r>
-          </a:p>
-          <a:p>
-            <a:r>
-              <a:rPr lang="de-DE" sz="1400" b="1" dirty="0" smtClean="0">
-                <a:latin typeface="Courier New" panose="02070309020205020404" pitchFamily="49" charset="0"/>
-                <a:cs typeface="Courier New" panose="02070309020205020404" pitchFamily="49" charset="0"/>
-              </a:rPr>
-              <a:t>&lt;</a:t>
-            </a:r>
-            <a:r>
-              <a:rPr lang="de-DE" sz="1400" b="1" dirty="0" err="1" smtClean="0">
-                <a:latin typeface="Courier New" panose="02070309020205020404" pitchFamily="49" charset="0"/>
-                <a:cs typeface="Courier New" panose="02070309020205020404" pitchFamily="49" charset="0"/>
-              </a:rPr>
-              <a:t>script</a:t>
-            </a:r>
-            <a:r>
-              <a:rPr lang="de-DE" sz="1400" b="1" dirty="0" smtClean="0">
-                <a:latin typeface="Courier New" panose="02070309020205020404" pitchFamily="49" charset="0"/>
-                <a:cs typeface="Courier New" panose="02070309020205020404" pitchFamily="49" charset="0"/>
-              </a:rPr>
-              <a:t> </a:t>
-            </a:r>
-            <a:r>
-              <a:rPr lang="de-DE" sz="1400" b="1" dirty="0" err="1" smtClean="0">
-                <a:latin typeface="Courier New" panose="02070309020205020404" pitchFamily="49" charset="0"/>
-                <a:cs typeface="Courier New" panose="02070309020205020404" pitchFamily="49" charset="0"/>
-              </a:rPr>
-              <a:t>src</a:t>
-            </a:r>
-            <a:r>
-              <a:rPr lang="de-DE" sz="1400" b="1" dirty="0" smtClean="0">
-                <a:latin typeface="Courier New" panose="02070309020205020404" pitchFamily="49" charset="0"/>
-                <a:cs typeface="Courier New" panose="02070309020205020404" pitchFamily="49" charset="0"/>
-              </a:rPr>
-              <a:t>="http://www.d3plus.org/js/d3plus.js"&gt;&lt;/script&gt;</a:t>
-            </a:r>
-          </a:p>
-          <a:p>
-            <a:endParaRPr lang="de-DE" sz="1400" b="1" dirty="0">
-              <a:latin typeface="Courier New" panose="02070309020205020404" pitchFamily="49" charset="0"/>
-              <a:cs typeface="Courier New" panose="02070309020205020404" pitchFamily="49" charset="0"/>
-            </a:endParaRPr>
-          </a:p>
-          <a:p>
-            <a:r>
-              <a:rPr lang="de-DE" sz="1400" b="1" dirty="0">
-                <a:latin typeface="Courier New" panose="02070309020205020404" pitchFamily="49" charset="0"/>
-                <a:cs typeface="Courier New" panose="02070309020205020404" pitchFamily="49" charset="0"/>
-              </a:rPr>
-              <a:t>&lt;div </a:t>
-            </a:r>
-            <a:r>
-              <a:rPr lang="de-DE" sz="1400" b="1" dirty="0" err="1">
-                <a:latin typeface="Courier New" panose="02070309020205020404" pitchFamily="49" charset="0"/>
-                <a:cs typeface="Courier New" panose="02070309020205020404" pitchFamily="49" charset="0"/>
-              </a:rPr>
-              <a:t>id</a:t>
-            </a:r>
-            <a:r>
-              <a:rPr lang="de-DE" sz="1400" b="1" dirty="0">
-                <a:latin typeface="Courier New" panose="02070309020205020404" pitchFamily="49" charset="0"/>
-                <a:cs typeface="Courier New" panose="02070309020205020404" pitchFamily="49" charset="0"/>
-              </a:rPr>
-              <a:t>="</a:t>
-            </a:r>
-            <a:r>
-              <a:rPr lang="de-DE" sz="1400" b="1" dirty="0" err="1">
-                <a:latin typeface="Courier New" panose="02070309020205020404" pitchFamily="49" charset="0"/>
-                <a:cs typeface="Courier New" panose="02070309020205020404" pitchFamily="49" charset="0"/>
-              </a:rPr>
-              <a:t>viz</a:t>
-            </a:r>
-            <a:r>
-              <a:rPr lang="de-DE" sz="1400" b="1" dirty="0">
-                <a:latin typeface="Courier New" panose="02070309020205020404" pitchFamily="49" charset="0"/>
-                <a:cs typeface="Courier New" panose="02070309020205020404" pitchFamily="49" charset="0"/>
-              </a:rPr>
-              <a:t>"&gt;&lt;/div&gt;</a:t>
-            </a:r>
-          </a:p>
-          <a:p>
-            <a:endParaRPr lang="de-DE" sz="1400" b="1" dirty="0">
-              <a:latin typeface="Courier New" panose="02070309020205020404" pitchFamily="49" charset="0"/>
-              <a:cs typeface="Courier New" panose="02070309020205020404" pitchFamily="49" charset="0"/>
-            </a:endParaRPr>
-          </a:p>
-          <a:p>
-            <a:r>
-              <a:rPr lang="de-DE" sz="1400" b="1" dirty="0">
-                <a:latin typeface="Courier New" panose="02070309020205020404" pitchFamily="49" charset="0"/>
-                <a:cs typeface="Courier New" panose="02070309020205020404" pitchFamily="49" charset="0"/>
-              </a:rPr>
-              <a:t>&lt;</a:t>
-            </a:r>
-            <a:r>
-              <a:rPr lang="de-DE" sz="1400" b="1" dirty="0" err="1">
-                <a:latin typeface="Courier New" panose="02070309020205020404" pitchFamily="49" charset="0"/>
-                <a:cs typeface="Courier New" panose="02070309020205020404" pitchFamily="49" charset="0"/>
-              </a:rPr>
-              <a:t>script</a:t>
-            </a:r>
-            <a:r>
-              <a:rPr lang="de-DE" sz="1400" b="1" dirty="0">
-                <a:latin typeface="Courier New" panose="02070309020205020404" pitchFamily="49" charset="0"/>
-                <a:cs typeface="Courier New" panose="02070309020205020404" pitchFamily="49" charset="0"/>
-              </a:rPr>
-              <a:t>&gt;</a:t>
-            </a:r>
-          </a:p>
-          <a:p>
-            <a:r>
-              <a:rPr lang="de-DE" sz="1400" b="1" dirty="0" err="1" smtClean="0">
-                <a:latin typeface="Courier New" panose="02070309020205020404" pitchFamily="49" charset="0"/>
-                <a:cs typeface="Courier New" panose="02070309020205020404" pitchFamily="49" charset="0"/>
-              </a:rPr>
-              <a:t>var</a:t>
-            </a:r>
-            <a:r>
-              <a:rPr lang="de-DE" sz="1400" b="1" dirty="0" smtClean="0">
-                <a:latin typeface="Courier New" panose="02070309020205020404" pitchFamily="49" charset="0"/>
-                <a:cs typeface="Courier New" panose="02070309020205020404" pitchFamily="49" charset="0"/>
-              </a:rPr>
-              <a:t> </a:t>
-            </a:r>
-            <a:r>
-              <a:rPr lang="de-DE" sz="1400" b="1" dirty="0" err="1">
-                <a:latin typeface="Courier New" panose="02070309020205020404" pitchFamily="49" charset="0"/>
-                <a:cs typeface="Courier New" panose="02070309020205020404" pitchFamily="49" charset="0"/>
-              </a:rPr>
-              <a:t>visualization</a:t>
-            </a:r>
-            <a:r>
-              <a:rPr lang="de-DE" sz="1400" b="1" dirty="0">
-                <a:latin typeface="Courier New" panose="02070309020205020404" pitchFamily="49" charset="0"/>
-                <a:cs typeface="Courier New" panose="02070309020205020404" pitchFamily="49" charset="0"/>
-              </a:rPr>
-              <a:t> = d3plus.viz()</a:t>
-            </a:r>
-          </a:p>
-          <a:p>
-            <a:r>
-              <a:rPr lang="de-DE" sz="1400" b="1" dirty="0">
-                <a:latin typeface="Courier New" panose="02070309020205020404" pitchFamily="49" charset="0"/>
-                <a:cs typeface="Courier New" panose="02070309020205020404" pitchFamily="49" charset="0"/>
-              </a:rPr>
-              <a:t>    .</a:t>
-            </a:r>
-            <a:r>
-              <a:rPr lang="de-DE" sz="1400" b="1" dirty="0" err="1">
-                <a:latin typeface="Courier New" panose="02070309020205020404" pitchFamily="49" charset="0"/>
-                <a:cs typeface="Courier New" panose="02070309020205020404" pitchFamily="49" charset="0"/>
-              </a:rPr>
-              <a:t>container</a:t>
-            </a:r>
-            <a:r>
-              <a:rPr lang="de-DE" sz="1400" b="1" dirty="0">
-                <a:latin typeface="Courier New" panose="02070309020205020404" pitchFamily="49" charset="0"/>
-                <a:cs typeface="Courier New" panose="02070309020205020404" pitchFamily="49" charset="0"/>
-              </a:rPr>
-              <a:t>("#</a:t>
-            </a:r>
-            <a:r>
-              <a:rPr lang="de-DE" sz="1400" b="1" dirty="0" err="1">
-                <a:latin typeface="Courier New" panose="02070309020205020404" pitchFamily="49" charset="0"/>
-                <a:cs typeface="Courier New" panose="02070309020205020404" pitchFamily="49" charset="0"/>
-              </a:rPr>
-              <a:t>viz</a:t>
-            </a:r>
-            <a:r>
-              <a:rPr lang="de-DE" sz="1400" b="1" dirty="0">
-                <a:latin typeface="Courier New" panose="02070309020205020404" pitchFamily="49" charset="0"/>
-                <a:cs typeface="Courier New" panose="02070309020205020404" pitchFamily="49" charset="0"/>
-              </a:rPr>
-              <a:t>")</a:t>
-            </a:r>
-          </a:p>
-          <a:p>
-            <a:r>
-              <a:rPr lang="de-DE" sz="1400" b="1" dirty="0">
-                <a:latin typeface="Courier New" panose="02070309020205020404" pitchFamily="49" charset="0"/>
-                <a:cs typeface="Courier New" panose="02070309020205020404" pitchFamily="49" charset="0"/>
-              </a:rPr>
-              <a:t>    .</a:t>
-            </a:r>
-            <a:r>
-              <a:rPr lang="de-DE" sz="1400" b="1" dirty="0" err="1">
-                <a:latin typeface="Courier New" panose="02070309020205020404" pitchFamily="49" charset="0"/>
-                <a:cs typeface="Courier New" panose="02070309020205020404" pitchFamily="49" charset="0"/>
-              </a:rPr>
-              <a:t>data</a:t>
-            </a:r>
-            <a:r>
-              <a:rPr lang="de-DE" sz="1400" b="1" dirty="0">
-                <a:latin typeface="Courier New" panose="02070309020205020404" pitchFamily="49" charset="0"/>
-                <a:cs typeface="Courier New" panose="02070309020205020404" pitchFamily="49" charset="0"/>
-              </a:rPr>
-              <a:t>("</a:t>
-            </a:r>
-            <a:r>
-              <a:rPr lang="de-DE" sz="1400" b="1" dirty="0" err="1">
-                <a:latin typeface="Courier New" panose="02070309020205020404" pitchFamily="49" charset="0"/>
-                <a:cs typeface="Courier New" panose="02070309020205020404" pitchFamily="49" charset="0"/>
-              </a:rPr>
-              <a:t>data</a:t>
-            </a:r>
-            <a:r>
-              <a:rPr lang="de-DE" sz="1400" b="1" dirty="0">
-                <a:latin typeface="Courier New" panose="02070309020205020404" pitchFamily="49" charset="0"/>
-                <a:cs typeface="Courier New" panose="02070309020205020404" pitchFamily="49" charset="0"/>
-              </a:rPr>
-              <a:t>/</a:t>
-            </a:r>
-            <a:r>
-              <a:rPr lang="de-DE" sz="1400" b="1" dirty="0" err="1">
-                <a:latin typeface="Courier New" panose="02070309020205020404" pitchFamily="49" charset="0"/>
-                <a:cs typeface="Courier New" panose="02070309020205020404" pitchFamily="49" charset="0"/>
-              </a:rPr>
-              <a:t>modulhandbuch.json</a:t>
-            </a:r>
-            <a:r>
-              <a:rPr lang="de-DE" sz="1400" b="1" dirty="0">
-                <a:latin typeface="Courier New" panose="02070309020205020404" pitchFamily="49" charset="0"/>
-                <a:cs typeface="Courier New" panose="02070309020205020404" pitchFamily="49" charset="0"/>
-              </a:rPr>
-              <a:t>")</a:t>
-            </a:r>
-          </a:p>
-          <a:p>
-            <a:r>
-              <a:rPr lang="de-DE" sz="1400" b="1" dirty="0">
-                <a:latin typeface="Courier New" panose="02070309020205020404" pitchFamily="49" charset="0"/>
-                <a:cs typeface="Courier New" panose="02070309020205020404" pitchFamily="49" charset="0"/>
-              </a:rPr>
-              <a:t>    .</a:t>
-            </a:r>
-            <a:r>
-              <a:rPr lang="de-DE" sz="1400" b="1" dirty="0" err="1">
-                <a:latin typeface="Courier New" panose="02070309020205020404" pitchFamily="49" charset="0"/>
-                <a:cs typeface="Courier New" panose="02070309020205020404" pitchFamily="49" charset="0"/>
-              </a:rPr>
-              <a:t>messages</a:t>
-            </a:r>
-            <a:r>
-              <a:rPr lang="de-DE" sz="1400" b="1" dirty="0">
-                <a:latin typeface="Courier New" panose="02070309020205020404" pitchFamily="49" charset="0"/>
-                <a:cs typeface="Courier New" panose="02070309020205020404" pitchFamily="49" charset="0"/>
-              </a:rPr>
-              <a:t>( "Das Modulhandbuch wird geladen ..." )</a:t>
-            </a:r>
-          </a:p>
-          <a:p>
-            <a:r>
-              <a:rPr lang="de-DE" sz="1400" b="1" dirty="0">
-                <a:latin typeface="Courier New" panose="02070309020205020404" pitchFamily="49" charset="0"/>
-                <a:cs typeface="Courier New" panose="02070309020205020404" pitchFamily="49" charset="0"/>
-              </a:rPr>
-              <a:t>    .type("</a:t>
-            </a:r>
-            <a:r>
-              <a:rPr lang="de-DE" sz="1400" b="1" dirty="0" err="1">
-                <a:latin typeface="Courier New" panose="02070309020205020404" pitchFamily="49" charset="0"/>
-                <a:cs typeface="Courier New" panose="02070309020205020404" pitchFamily="49" charset="0"/>
-              </a:rPr>
-              <a:t>tree_map</a:t>
-            </a:r>
-            <a:r>
-              <a:rPr lang="de-DE" sz="1400" b="1" dirty="0">
-                <a:latin typeface="Courier New" panose="02070309020205020404" pitchFamily="49" charset="0"/>
-                <a:cs typeface="Courier New" panose="02070309020205020404" pitchFamily="49" charset="0"/>
-              </a:rPr>
-              <a:t>")</a:t>
-            </a:r>
-          </a:p>
-          <a:p>
-            <a:r>
-              <a:rPr lang="de-DE" sz="1400" b="1" dirty="0">
-                <a:latin typeface="Courier New" panose="02070309020205020404" pitchFamily="49" charset="0"/>
-                <a:cs typeface="Courier New" panose="02070309020205020404" pitchFamily="49" charset="0"/>
-              </a:rPr>
-              <a:t>    .</a:t>
-            </a:r>
-            <a:r>
-              <a:rPr lang="de-DE" sz="1400" b="1" dirty="0" err="1">
-                <a:latin typeface="Courier New" panose="02070309020205020404" pitchFamily="49" charset="0"/>
-                <a:cs typeface="Courier New" panose="02070309020205020404" pitchFamily="49" charset="0"/>
-              </a:rPr>
-              <a:t>id</a:t>
-            </a:r>
-            <a:r>
-              <a:rPr lang="de-DE" sz="1400" b="1" dirty="0">
-                <a:latin typeface="Courier New" panose="02070309020205020404" pitchFamily="49" charset="0"/>
-                <a:cs typeface="Courier New" panose="02070309020205020404" pitchFamily="49" charset="0"/>
-              </a:rPr>
-              <a:t>(["Studiengang","Vorlesung","</a:t>
-            </a:r>
-            <a:r>
-              <a:rPr lang="de-DE" sz="1400" b="1" dirty="0" err="1">
-                <a:latin typeface="Courier New" panose="02070309020205020404" pitchFamily="49" charset="0"/>
-                <a:cs typeface="Courier New" panose="02070309020205020404" pitchFamily="49" charset="0"/>
-              </a:rPr>
-              <a:t>gid</a:t>
-            </a:r>
-            <a:r>
-              <a:rPr lang="de-DE" sz="1400" b="1" dirty="0">
-                <a:latin typeface="Courier New" panose="02070309020205020404" pitchFamily="49" charset="0"/>
-                <a:cs typeface="Courier New" panose="02070309020205020404" pitchFamily="49" charset="0"/>
-              </a:rPr>
-              <a:t>"])</a:t>
-            </a:r>
-          </a:p>
-          <a:p>
-            <a:r>
-              <a:rPr lang="de-DE" sz="1400" b="1" dirty="0">
-                <a:latin typeface="Courier New" panose="02070309020205020404" pitchFamily="49" charset="0"/>
-                <a:cs typeface="Courier New" panose="02070309020205020404" pitchFamily="49" charset="0"/>
-              </a:rPr>
-              <a:t>    .</a:t>
-            </a:r>
-            <a:r>
-              <a:rPr lang="de-DE" sz="1400" b="1" dirty="0" err="1">
-                <a:latin typeface="Courier New" panose="02070309020205020404" pitchFamily="49" charset="0"/>
-                <a:cs typeface="Courier New" panose="02070309020205020404" pitchFamily="49" charset="0"/>
-              </a:rPr>
-              <a:t>size</a:t>
-            </a:r>
-            <a:r>
-              <a:rPr lang="de-DE" sz="1400" b="1" dirty="0">
-                <a:latin typeface="Courier New" panose="02070309020205020404" pitchFamily="49" charset="0"/>
-                <a:cs typeface="Courier New" panose="02070309020205020404" pitchFamily="49" charset="0"/>
-              </a:rPr>
-              <a:t>("</a:t>
-            </a:r>
-            <a:r>
-              <a:rPr lang="de-DE" sz="1400" b="1" dirty="0" err="1">
-                <a:latin typeface="Courier New" panose="02070309020205020404" pitchFamily="49" charset="0"/>
-                <a:cs typeface="Courier New" panose="02070309020205020404" pitchFamily="49" charset="0"/>
-              </a:rPr>
-              <a:t>value</a:t>
-            </a:r>
-            <a:r>
-              <a:rPr lang="de-DE" sz="1400" b="1" dirty="0">
-                <a:latin typeface="Courier New" panose="02070309020205020404" pitchFamily="49" charset="0"/>
-                <a:cs typeface="Courier New" panose="02070309020205020404" pitchFamily="49" charset="0"/>
-              </a:rPr>
-              <a:t>")</a:t>
-            </a:r>
-          </a:p>
-          <a:p>
-            <a:r>
-              <a:rPr lang="de-DE" sz="1400" b="1" dirty="0">
-                <a:latin typeface="Courier New" panose="02070309020205020404" pitchFamily="49" charset="0"/>
-                <a:cs typeface="Courier New" panose="02070309020205020404" pitchFamily="49" charset="0"/>
-              </a:rPr>
-              <a:t>    .</a:t>
-            </a:r>
-            <a:r>
-              <a:rPr lang="de-DE" sz="1400" b="1" dirty="0" err="1">
-                <a:latin typeface="Courier New" panose="02070309020205020404" pitchFamily="49" charset="0"/>
-                <a:cs typeface="Courier New" panose="02070309020205020404" pitchFamily="49" charset="0"/>
-              </a:rPr>
-              <a:t>color</a:t>
-            </a:r>
-            <a:r>
-              <a:rPr lang="de-DE" sz="1400" b="1" dirty="0">
-                <a:latin typeface="Courier New" panose="02070309020205020404" pitchFamily="49" charset="0"/>
-                <a:cs typeface="Courier New" panose="02070309020205020404" pitchFamily="49" charset="0"/>
-              </a:rPr>
-              <a:t>("</a:t>
-            </a:r>
-            <a:r>
-              <a:rPr lang="de-DE" sz="1400" b="1" dirty="0" err="1">
-                <a:latin typeface="Courier New" panose="02070309020205020404" pitchFamily="49" charset="0"/>
-                <a:cs typeface="Courier New" panose="02070309020205020404" pitchFamily="49" charset="0"/>
-              </a:rPr>
-              <a:t>colorful</a:t>
-            </a:r>
-            <a:r>
-              <a:rPr lang="de-DE" sz="1400" b="1" dirty="0">
-                <a:latin typeface="Courier New" panose="02070309020205020404" pitchFamily="49" charset="0"/>
-                <a:cs typeface="Courier New" panose="02070309020205020404" pitchFamily="49" charset="0"/>
-              </a:rPr>
-              <a:t>")</a:t>
-            </a:r>
-          </a:p>
-          <a:p>
-            <a:r>
-              <a:rPr lang="de-DE" sz="1400" b="1" dirty="0">
-                <a:latin typeface="Courier New" panose="02070309020205020404" pitchFamily="49" charset="0"/>
-                <a:cs typeface="Courier New" panose="02070309020205020404" pitchFamily="49" charset="0"/>
-              </a:rPr>
-              <a:t>    .style({"</a:t>
-            </a:r>
-            <a:r>
-              <a:rPr lang="de-DE" sz="1400" b="1" dirty="0" err="1">
-                <a:latin typeface="Courier New" panose="02070309020205020404" pitchFamily="49" charset="0"/>
-                <a:cs typeface="Courier New" panose="02070309020205020404" pitchFamily="49" charset="0"/>
-              </a:rPr>
-              <a:t>labels</a:t>
-            </a:r>
-            <a:r>
-              <a:rPr lang="de-DE" sz="1400" b="1" dirty="0">
-                <a:latin typeface="Courier New" panose="02070309020205020404" pitchFamily="49" charset="0"/>
-                <a:cs typeface="Courier New" panose="02070309020205020404" pitchFamily="49" charset="0"/>
-              </a:rPr>
-              <a:t>": {"</a:t>
-            </a:r>
-            <a:r>
-              <a:rPr lang="de-DE" sz="1400" b="1" dirty="0" err="1">
-                <a:latin typeface="Courier New" panose="02070309020205020404" pitchFamily="49" charset="0"/>
-                <a:cs typeface="Courier New" panose="02070309020205020404" pitchFamily="49" charset="0"/>
-              </a:rPr>
-              <a:t>align</a:t>
-            </a:r>
-            <a:r>
-              <a:rPr lang="de-DE" sz="1400" b="1" dirty="0">
-                <a:latin typeface="Courier New" panose="02070309020205020404" pitchFamily="49" charset="0"/>
-                <a:cs typeface="Courier New" panose="02070309020205020404" pitchFamily="49" charset="0"/>
-              </a:rPr>
-              <a:t>": "top"}})</a:t>
-            </a:r>
-          </a:p>
-          <a:p>
-            <a:r>
-              <a:rPr lang="de-DE" sz="1400" b="1" dirty="0">
-                <a:latin typeface="Courier New" panose="02070309020205020404" pitchFamily="49" charset="0"/>
-                <a:cs typeface="Courier New" panose="02070309020205020404" pitchFamily="49" charset="0"/>
-              </a:rPr>
-              <a:t>    .</a:t>
-            </a:r>
-            <a:r>
-              <a:rPr lang="de-DE" sz="1400" b="1" dirty="0" err="1">
-                <a:latin typeface="Courier New" panose="02070309020205020404" pitchFamily="49" charset="0"/>
-                <a:cs typeface="Courier New" panose="02070309020205020404" pitchFamily="49" charset="0"/>
-              </a:rPr>
-              <a:t>font</a:t>
-            </a:r>
-            <a:r>
-              <a:rPr lang="de-DE" sz="1400" b="1" dirty="0">
-                <a:latin typeface="Courier New" panose="02070309020205020404" pitchFamily="49" charset="0"/>
-                <a:cs typeface="Courier New" panose="02070309020205020404" pitchFamily="49" charset="0"/>
-              </a:rPr>
-              <a:t>({ "</a:t>
-            </a:r>
-            <a:r>
-              <a:rPr lang="de-DE" sz="1400" b="1" dirty="0" err="1">
-                <a:latin typeface="Courier New" panose="02070309020205020404" pitchFamily="49" charset="0"/>
-                <a:cs typeface="Courier New" panose="02070309020205020404" pitchFamily="49" charset="0"/>
-              </a:rPr>
-              <a:t>family</a:t>
-            </a:r>
-            <a:r>
-              <a:rPr lang="de-DE" sz="1400" b="1" dirty="0">
-                <a:latin typeface="Courier New" panose="02070309020205020404" pitchFamily="49" charset="0"/>
-                <a:cs typeface="Courier New" panose="02070309020205020404" pitchFamily="49" charset="0"/>
-              </a:rPr>
-              <a:t>": "Times" })</a:t>
-            </a:r>
-          </a:p>
-          <a:p>
-            <a:r>
-              <a:rPr lang="de-DE" sz="1400" b="1" dirty="0">
-                <a:latin typeface="Courier New" panose="02070309020205020404" pitchFamily="49" charset="0"/>
-                <a:cs typeface="Courier New" panose="02070309020205020404" pitchFamily="49" charset="0"/>
-              </a:rPr>
-              <a:t>    .title("Modulhandbuch der Hochschule Worms")</a:t>
-            </a:r>
-          </a:p>
-          <a:p>
-            <a:r>
-              <a:rPr lang="de-DE" sz="1400" b="1" dirty="0">
-                <a:latin typeface="Courier New" panose="02070309020205020404" pitchFamily="49" charset="0"/>
-                <a:cs typeface="Courier New" panose="02070309020205020404" pitchFamily="49" charset="0"/>
-              </a:rPr>
-              <a:t>    .</a:t>
-            </a:r>
-            <a:r>
-              <a:rPr lang="de-DE" sz="1400" b="1" dirty="0" err="1">
-                <a:latin typeface="Courier New" panose="02070309020205020404" pitchFamily="49" charset="0"/>
-                <a:cs typeface="Courier New" panose="02070309020205020404" pitchFamily="49" charset="0"/>
-              </a:rPr>
-              <a:t>depth</a:t>
-            </a:r>
-            <a:r>
-              <a:rPr lang="de-DE" sz="1400" b="1" dirty="0">
-                <a:latin typeface="Courier New" panose="02070309020205020404" pitchFamily="49" charset="0"/>
-                <a:cs typeface="Courier New" panose="02070309020205020404" pitchFamily="49" charset="0"/>
-              </a:rPr>
-              <a:t>(0)</a:t>
-            </a:r>
-          </a:p>
-          <a:p>
-            <a:r>
-              <a:rPr lang="de-DE" sz="1400" b="1" dirty="0">
-                <a:latin typeface="Courier New" panose="02070309020205020404" pitchFamily="49" charset="0"/>
-                <a:cs typeface="Courier New" panose="02070309020205020404" pitchFamily="49" charset="0"/>
-              </a:rPr>
-              <a:t>    .</a:t>
-            </a:r>
-            <a:r>
-              <a:rPr lang="de-DE" sz="1400" b="1" dirty="0" err="1">
-                <a:latin typeface="Courier New" panose="02070309020205020404" pitchFamily="49" charset="0"/>
-                <a:cs typeface="Courier New" panose="02070309020205020404" pitchFamily="49" charset="0"/>
-              </a:rPr>
-              <a:t>draw</a:t>
-            </a:r>
-            <a:r>
-              <a:rPr lang="de-DE" sz="1400" b="1" dirty="0" smtClean="0">
-                <a:latin typeface="Courier New" panose="02070309020205020404" pitchFamily="49" charset="0"/>
-                <a:cs typeface="Courier New" panose="02070309020205020404" pitchFamily="49" charset="0"/>
-              </a:rPr>
-              <a:t>()</a:t>
-            </a:r>
-            <a:endParaRPr lang="de-DE" sz="1400" b="1" dirty="0">
-              <a:latin typeface="Courier New" panose="02070309020205020404" pitchFamily="49" charset="0"/>
-              <a:cs typeface="Courier New" panose="02070309020205020404" pitchFamily="49" charset="0"/>
-            </a:endParaRPr>
-          </a:p>
-          <a:p>
-            <a:r>
-              <a:rPr lang="de-DE" sz="1400" b="1" dirty="0">
-                <a:latin typeface="Courier New" panose="02070309020205020404" pitchFamily="49" charset="0"/>
-                <a:cs typeface="Courier New" panose="02070309020205020404" pitchFamily="49" charset="0"/>
-              </a:rPr>
-              <a:t>&lt;/</a:t>
-            </a:r>
-            <a:r>
-              <a:rPr lang="de-DE" sz="1400" b="1" dirty="0" err="1">
-                <a:latin typeface="Courier New" panose="02070309020205020404" pitchFamily="49" charset="0"/>
-                <a:cs typeface="Courier New" panose="02070309020205020404" pitchFamily="49" charset="0"/>
-              </a:rPr>
-              <a:t>script</a:t>
-            </a:r>
-            <a:r>
-              <a:rPr lang="de-DE" sz="1400" b="1" dirty="0">
-                <a:latin typeface="Courier New" panose="02070309020205020404" pitchFamily="49" charset="0"/>
-                <a:cs typeface="Courier New" panose="02070309020205020404" pitchFamily="49" charset="0"/>
-              </a:rPr>
-              <a:t>&gt;</a:t>
-            </a:r>
-          </a:p>
-        </p:txBody>
-      </p:sp>
-      <p:sp>
-        <p:nvSpPr>
-          <p:cNvPr id="2" name="Titel 1"/>
-          <p:cNvSpPr>
-            <a:spLocks noGrp="1"/>
-          </p:cNvSpPr>
-          <p:nvPr>
-            <p:ph type="title"/>
-          </p:nvPr>
-        </p:nvSpPr>
-        <p:spPr/>
-        <p:txBody>
-          <a:bodyPr/>
-          <a:lstStyle/>
-          <a:p>
+          <a:p>
+            <a:pPr marL="0" indent="0">
+              <a:buNone/>
+            </a:pPr>
             <a:r>
               <a:rPr lang="de-DE" dirty="0" smtClean="0"/>
-              <a:t>Prototyp „d3plus (2)“ – Code-Auszug</a:t>
+              <a:t>Kontra:</a:t>
+            </a:r>
+          </a:p>
+          <a:p>
+            <a:r>
+              <a:rPr lang="de-DE" dirty="0" smtClean="0"/>
+              <a:t>Gruppierung erschwert Unterebenen</a:t>
+            </a:r>
+          </a:p>
+          <a:p>
+            <a:r>
+              <a:rPr lang="de-DE" dirty="0"/>
+              <a:t>Keine </a:t>
+            </a:r>
+            <a:r>
+              <a:rPr lang="de-DE" dirty="0" smtClean="0"/>
+              <a:t>Visualisierung des Ablaufs</a:t>
+            </a:r>
+            <a:endParaRPr lang="de-DE" dirty="0"/>
+          </a:p>
+          <a:p>
+            <a:r>
+              <a:rPr lang="de-DE" dirty="0" smtClean="0"/>
+              <a:t>Keine Links zum Modulhandbuch</a:t>
             </a:r>
             <a:endParaRPr lang="de-DE" dirty="0"/>
           </a:p>
@@ -6094,1090 +5247,6 @@
               <a:rPr lang="de-DE" smtClean="0"/>
               <a:pPr/>
               <a:t>10</a:t>
-            </a:fld>
-            <a:endParaRPr lang="de-DE"/>
-          </a:p>
-        </p:txBody>
-      </p:sp>
-      <p:sp>
-        <p:nvSpPr>
-          <p:cNvPr id="5" name="Fußzeilenplatzhalter 4"/>
-          <p:cNvSpPr>
-            <a:spLocks noGrp="1"/>
-          </p:cNvSpPr>
-          <p:nvPr>
-            <p:ph type="ftr" sz="quarter" idx="3"/>
-          </p:nvPr>
-        </p:nvSpPr>
-        <p:spPr/>
-        <p:txBody>
-          <a:bodyPr/>
-          <a:lstStyle/>
-          <a:p>
-            <a:r>
-              <a:rPr lang="it-IT" smtClean="0"/>
-              <a:t>Mobile Web | Projekt: Modulhandbuch</a:t>
-            </a:r>
-            <a:endParaRPr lang="de-DE" dirty="0"/>
-          </a:p>
-        </p:txBody>
-      </p:sp>
-    </p:spTree>
-    <p:extLst>
-      <p:ext uri="{BB962C8B-B14F-4D97-AF65-F5344CB8AC3E}">
-        <p14:creationId xmlns:p14="http://schemas.microsoft.com/office/powerpoint/2010/main" val="404689394"/>
-      </p:ext>
-    </p:extLst>
-  </p:cSld>
-  <p:clrMapOvr>
-    <a:masterClrMapping/>
-  </p:clrMapOvr>
-  <p:timing>
-    <p:tnLst>
-      <p:par>
-        <p:cTn xmlns:p14="http://schemas.microsoft.com/office/powerpoint/2010/main" id="1" dur="indefinite" restart="never" nodeType="tmRoot">
-          <p:childTnLst>
-            <p:seq concurrent="1" nextAc="seek">
-              <p:cTn id="2" dur="indefinite" nodeType="mainSeq">
-                <p:childTnLst>
-                  <p:par>
-                    <p:cTn id="3" fill="hold">
-                      <p:stCondLst>
-                        <p:cond delay="indefinite"/>
-                      </p:stCondLst>
-                      <p:childTnLst>
-                        <p:par>
-                          <p:cTn id="4" fill="hold">
-                            <p:stCondLst>
-                              <p:cond delay="0"/>
-                            </p:stCondLst>
-                            <p:childTnLst>
-                              <p:par>
-                                <p:cTn id="5" presetID="1" presetClass="entr" presetSubtype="0" fill="hold" grpId="0" nodeType="clickEffect">
-                                  <p:stCondLst>
-                                    <p:cond delay="0"/>
-                                  </p:stCondLst>
-                                  <p:childTnLst>
-                                    <p:set>
-                                      <p:cBhvr>
-                                        <p:cTn id="6" dur="1" fill="hold">
-                                          <p:stCondLst>
-                                            <p:cond delay="0"/>
-                                          </p:stCondLst>
-                                        </p:cTn>
-                                        <p:tgtEl>
-                                          <p:spTgt spid="19"/>
-                                        </p:tgtEl>
-                                        <p:attrNameLst>
-                                          <p:attrName>style.visibility</p:attrName>
-                                        </p:attrNameLst>
-                                      </p:cBhvr>
-                                      <p:to>
-                                        <p:strVal val="visible"/>
-                                      </p:to>
-                                    </p:set>
-                                  </p:childTnLst>
-                                </p:cTn>
-                              </p:par>
-                              <p:par>
-                                <p:cTn id="7" presetID="1" presetClass="entr" presetSubtype="0" fill="hold" grpId="0" nodeType="withEffect">
-                                  <p:stCondLst>
-                                    <p:cond delay="0"/>
-                                  </p:stCondLst>
-                                  <p:childTnLst>
-                                    <p:set>
-                                      <p:cBhvr>
-                                        <p:cTn id="8" dur="1" fill="hold">
-                                          <p:stCondLst>
-                                            <p:cond delay="0"/>
-                                          </p:stCondLst>
-                                        </p:cTn>
-                                        <p:tgtEl>
-                                          <p:spTgt spid="20"/>
-                                        </p:tgtEl>
-                                        <p:attrNameLst>
-                                          <p:attrName>style.visibility</p:attrName>
-                                        </p:attrNameLst>
-                                      </p:cBhvr>
-                                      <p:to>
-                                        <p:strVal val="visible"/>
-                                      </p:to>
-                                    </p:set>
-                                  </p:childTnLst>
-                                </p:cTn>
-                              </p:par>
-                            </p:childTnLst>
-                          </p:cTn>
-                        </p:par>
-                      </p:childTnLst>
-                    </p:cTn>
-                  </p:par>
-                  <p:par>
-                    <p:cTn id="9" fill="hold">
-                      <p:stCondLst>
-                        <p:cond delay="indefinite"/>
-                      </p:stCondLst>
-                      <p:childTnLst>
-                        <p:par>
-                          <p:cTn id="10" fill="hold">
-                            <p:stCondLst>
-                              <p:cond delay="0"/>
-                            </p:stCondLst>
-                            <p:childTnLst>
-                              <p:par>
-                                <p:cTn id="11" presetID="1" presetClass="entr" presetSubtype="0" fill="hold" grpId="0" nodeType="clickEffect">
-                                  <p:stCondLst>
-                                    <p:cond delay="0"/>
-                                  </p:stCondLst>
-                                  <p:childTnLst>
-                                    <p:set>
-                                      <p:cBhvr>
-                                        <p:cTn id="12" dur="1" fill="hold">
-                                          <p:stCondLst>
-                                            <p:cond delay="0"/>
-                                          </p:stCondLst>
-                                        </p:cTn>
-                                        <p:tgtEl>
-                                          <p:spTgt spid="21"/>
-                                        </p:tgtEl>
-                                        <p:attrNameLst>
-                                          <p:attrName>style.visibility</p:attrName>
-                                        </p:attrNameLst>
-                                      </p:cBhvr>
-                                      <p:to>
-                                        <p:strVal val="visible"/>
-                                      </p:to>
-                                    </p:set>
-                                  </p:childTnLst>
-                                </p:cTn>
-                              </p:par>
-                            </p:childTnLst>
-                          </p:cTn>
-                        </p:par>
-                      </p:childTnLst>
-                    </p:cTn>
-                  </p:par>
-                </p:childTnLst>
-              </p:cTn>
-              <p:prevCondLst>
-                <p:cond evt="onPrev" delay="0">
-                  <p:tgtEl>
-                    <p:sldTgt/>
-                  </p:tgtEl>
-                </p:cond>
-              </p:prevCondLst>
-              <p:nextCondLst>
-                <p:cond evt="onNext" delay="0">
-                  <p:tgtEl>
-                    <p:sldTgt/>
-                  </p:tgtEl>
-                </p:cond>
-              </p:nextCondLst>
-            </p:seq>
-          </p:childTnLst>
-        </p:cTn>
-      </p:par>
-    </p:tnLst>
-    <p:bldLst>
-      <p:bldP spid="19" grpId="0" animBg="1"/>
-      <p:bldP spid="20" grpId="0" animBg="1"/>
-      <p:bldP spid="21" grpId="0" animBg="1"/>
-    </p:bldLst>
-  </p:timing>
-</p:sld>
-</file>
-
-<file path=ppt/slides/slide11.xml><?xml version="1.0" encoding="utf-8"?>
-<p:sld xmlns:a="http://schemas.openxmlformats.org/drawingml/2006/main" xmlns:r="http://schemas.openxmlformats.org/officeDocument/2006/relationships" xmlns:p="http://schemas.openxmlformats.org/presentationml/2006/main">
-  <p:cSld>
-    <p:spTree>
-      <p:nvGrpSpPr>
-        <p:cNvPr id="1" name=""/>
-        <p:cNvGrpSpPr/>
-        <p:nvPr/>
-      </p:nvGrpSpPr>
-      <p:grpSpPr>
-        <a:xfrm>
-          <a:off x="0" y="0"/>
-          <a:ext cx="0" cy="0"/>
-          <a:chOff x="0" y="0"/>
-          <a:chExt cx="0" cy="0"/>
-        </a:xfrm>
-      </p:grpSpPr>
-      <p:sp>
-        <p:nvSpPr>
-          <p:cNvPr id="3" name="Inhaltsplatzhalter 2"/>
-          <p:cNvSpPr>
-            <a:spLocks noGrp="1"/>
-          </p:cNvSpPr>
-          <p:nvPr>
-            <p:ph idx="1"/>
-          </p:nvPr>
-        </p:nvSpPr>
-        <p:spPr/>
-        <p:txBody>
-          <a:bodyPr/>
-          <a:lstStyle/>
-          <a:p>
-            <a:pPr marL="0" indent="0">
-              <a:buNone/>
-            </a:pPr>
-            <a:r>
-              <a:rPr lang="de-DE" dirty="0"/>
-              <a:t>Auszug „Datenbasis</a:t>
-            </a:r>
-            <a:r>
-              <a:rPr lang="de-DE" dirty="0" smtClean="0"/>
-              <a:t>“</a:t>
-            </a:r>
-          </a:p>
-          <a:p>
-            <a:r>
-              <a:rPr lang="de-DE" dirty="0" smtClean="0"/>
-              <a:t>Hierarchie durch Parameter (statt Verschachtelung)</a:t>
-            </a:r>
-          </a:p>
-          <a:p>
-            <a:r>
-              <a:rPr lang="de-DE" dirty="0" smtClean="0"/>
-              <a:t>Ausschließlich notwendige Parameter</a:t>
-            </a:r>
-            <a:endParaRPr lang="de-DE" dirty="0"/>
-          </a:p>
-          <a:p>
-            <a:pPr marL="0" indent="0">
-              <a:buNone/>
-            </a:pPr>
-            <a:endParaRPr lang="de-DE" dirty="0"/>
-          </a:p>
-        </p:txBody>
-      </p:sp>
-      <p:sp>
-        <p:nvSpPr>
-          <p:cNvPr id="7" name="Rechteck 6"/>
-          <p:cNvSpPr/>
-          <p:nvPr/>
-        </p:nvSpPr>
-        <p:spPr>
-          <a:xfrm>
-            <a:off x="467544" y="2481858"/>
-            <a:ext cx="7401385" cy="3754874"/>
-          </a:xfrm>
-          <a:prstGeom prst="rect">
-            <a:avLst/>
-          </a:prstGeom>
-          <a:solidFill>
-            <a:schemeClr val="bg1">
-              <a:lumMod val="95000"/>
-            </a:schemeClr>
-          </a:solidFill>
-          <a:ln>
-            <a:solidFill>
-              <a:schemeClr val="bg1">
-                <a:lumMod val="50000"/>
-              </a:schemeClr>
-            </a:solidFill>
-          </a:ln>
-        </p:spPr>
-        <p:style>
-          <a:lnRef idx="2">
-            <a:schemeClr val="accent1">
-              <a:shade val="50000"/>
-            </a:schemeClr>
-          </a:lnRef>
-          <a:fillRef idx="1">
-            <a:schemeClr val="accent1"/>
-          </a:fillRef>
-          <a:effectRef idx="0">
-            <a:schemeClr val="accent1"/>
-          </a:effectRef>
-          <a:fontRef idx="minor">
-            <a:schemeClr val="lt1"/>
-          </a:fontRef>
-        </p:style>
-        <p:txBody>
-          <a:bodyPr rtlCol="0" anchor="ctr"/>
-          <a:lstStyle/>
-          <a:p>
-            <a:pPr algn="ctr"/>
-            <a:endParaRPr lang="de-DE"/>
-          </a:p>
-        </p:txBody>
-      </p:sp>
-      <p:grpSp>
-        <p:nvGrpSpPr>
-          <p:cNvPr id="12" name="Gruppieren 11"/>
-          <p:cNvGrpSpPr/>
-          <p:nvPr/>
-        </p:nvGrpSpPr>
-        <p:grpSpPr>
-          <a:xfrm>
-            <a:off x="755576" y="2746740"/>
-            <a:ext cx="6984776" cy="3210944"/>
-            <a:chOff x="755576" y="3045810"/>
-            <a:chExt cx="6984776" cy="3210944"/>
-          </a:xfrm>
-        </p:grpSpPr>
-        <p:sp>
-          <p:nvSpPr>
-            <p:cNvPr id="8" name="Rechteck 7"/>
-            <p:cNvSpPr/>
-            <p:nvPr/>
-          </p:nvSpPr>
-          <p:spPr>
-            <a:xfrm>
-              <a:off x="755576" y="3045810"/>
-              <a:ext cx="3816424" cy="640098"/>
-            </a:xfrm>
-            <a:prstGeom prst="rect">
-              <a:avLst/>
-            </a:prstGeom>
-            <a:solidFill>
-              <a:schemeClr val="bg1">
-                <a:lumMod val="85000"/>
-              </a:schemeClr>
-            </a:solidFill>
-            <a:ln>
-              <a:solidFill>
-                <a:schemeClr val="bg1">
-                  <a:lumMod val="50000"/>
-                </a:schemeClr>
-              </a:solidFill>
-            </a:ln>
-          </p:spPr>
-          <p:style>
-            <a:lnRef idx="2">
-              <a:schemeClr val="accent1">
-                <a:shade val="50000"/>
-              </a:schemeClr>
-            </a:lnRef>
-            <a:fillRef idx="1">
-              <a:schemeClr val="accent1"/>
-            </a:fillRef>
-            <a:effectRef idx="0">
-              <a:schemeClr val="accent1"/>
-            </a:effectRef>
-            <a:fontRef idx="minor">
-              <a:schemeClr val="lt1"/>
-            </a:fontRef>
-          </p:style>
-          <p:txBody>
-            <a:bodyPr rtlCol="0" anchor="ctr"/>
-            <a:lstStyle/>
-            <a:p>
-              <a:pPr algn="ctr"/>
-              <a:endParaRPr lang="de-DE"/>
-            </a:p>
-          </p:txBody>
-        </p:sp>
-        <p:sp>
-          <p:nvSpPr>
-            <p:cNvPr id="9" name="Rechteck 8"/>
-            <p:cNvSpPr/>
-            <p:nvPr/>
-          </p:nvSpPr>
-          <p:spPr>
-            <a:xfrm>
-              <a:off x="971600" y="3685908"/>
-              <a:ext cx="3888432" cy="1039236"/>
-            </a:xfrm>
-            <a:prstGeom prst="rect">
-              <a:avLst/>
-            </a:prstGeom>
-            <a:solidFill>
-              <a:schemeClr val="bg1">
-                <a:lumMod val="85000"/>
-              </a:schemeClr>
-            </a:solidFill>
-            <a:ln>
-              <a:solidFill>
-                <a:schemeClr val="bg1">
-                  <a:lumMod val="50000"/>
-                </a:schemeClr>
-              </a:solidFill>
-            </a:ln>
-          </p:spPr>
-          <p:style>
-            <a:lnRef idx="2">
-              <a:schemeClr val="accent1">
-                <a:shade val="50000"/>
-              </a:schemeClr>
-            </a:lnRef>
-            <a:fillRef idx="1">
-              <a:schemeClr val="accent1"/>
-            </a:fillRef>
-            <a:effectRef idx="0">
-              <a:schemeClr val="accent1"/>
-            </a:effectRef>
-            <a:fontRef idx="minor">
-              <a:schemeClr val="lt1"/>
-            </a:fontRef>
-          </p:style>
-          <p:txBody>
-            <a:bodyPr rtlCol="0" anchor="ctr"/>
-            <a:lstStyle/>
-            <a:p>
-              <a:pPr algn="ctr"/>
-              <a:endParaRPr lang="de-DE"/>
-            </a:p>
-          </p:txBody>
-        </p:sp>
-        <p:sp>
-          <p:nvSpPr>
-            <p:cNvPr id="10" name="Rechteck 9"/>
-            <p:cNvSpPr/>
-            <p:nvPr/>
-          </p:nvSpPr>
-          <p:spPr>
-            <a:xfrm>
-              <a:off x="2362902" y="4725144"/>
-              <a:ext cx="5377450" cy="1531610"/>
-            </a:xfrm>
-            <a:prstGeom prst="rect">
-              <a:avLst/>
-            </a:prstGeom>
-            <a:solidFill>
-              <a:schemeClr val="bg1">
-                <a:lumMod val="85000"/>
-              </a:schemeClr>
-            </a:solidFill>
-            <a:ln>
-              <a:solidFill>
-                <a:schemeClr val="bg1">
-                  <a:lumMod val="50000"/>
-                </a:schemeClr>
-              </a:solidFill>
-            </a:ln>
-          </p:spPr>
-          <p:style>
-            <a:lnRef idx="2">
-              <a:schemeClr val="accent1">
-                <a:shade val="50000"/>
-              </a:schemeClr>
-            </a:lnRef>
-            <a:fillRef idx="1">
-              <a:schemeClr val="accent1"/>
-            </a:fillRef>
-            <a:effectRef idx="0">
-              <a:schemeClr val="accent1"/>
-            </a:effectRef>
-            <a:fontRef idx="minor">
-              <a:schemeClr val="lt1"/>
-            </a:fontRef>
-          </p:style>
-          <p:txBody>
-            <a:bodyPr rtlCol="0" anchor="ctr"/>
-            <a:lstStyle/>
-            <a:p>
-              <a:pPr algn="ctr"/>
-              <a:endParaRPr lang="de-DE"/>
-            </a:p>
-          </p:txBody>
-        </p:sp>
-      </p:grpSp>
-      <p:sp>
-        <p:nvSpPr>
-          <p:cNvPr id="2" name="Titel 1"/>
-          <p:cNvSpPr>
-            <a:spLocks noGrp="1"/>
-          </p:cNvSpPr>
-          <p:nvPr>
-            <p:ph type="title"/>
-          </p:nvPr>
-        </p:nvSpPr>
-        <p:spPr/>
-        <p:txBody>
-          <a:bodyPr/>
-          <a:lstStyle/>
-          <a:p>
-            <a:r>
-              <a:rPr lang="de-DE" dirty="0" smtClean="0"/>
-              <a:t>Prototyp „d3plus (2)“ – Code-Auszug</a:t>
-            </a:r>
-            <a:endParaRPr lang="de-DE" dirty="0"/>
-          </a:p>
-        </p:txBody>
-      </p:sp>
-      <p:sp>
-        <p:nvSpPr>
-          <p:cNvPr id="4" name="Foliennummernplatzhalter 3"/>
-          <p:cNvSpPr>
-            <a:spLocks noGrp="1"/>
-          </p:cNvSpPr>
-          <p:nvPr>
-            <p:ph type="sldNum" sz="quarter" idx="10"/>
-          </p:nvPr>
-        </p:nvSpPr>
-        <p:spPr/>
-        <p:txBody>
-          <a:bodyPr/>
-          <a:lstStyle/>
-          <a:p>
-            <a:fld id="{4A87D5D0-4391-4EB2-AF2F-8F39F08E3898}" type="slidenum">
-              <a:rPr lang="de-DE" smtClean="0"/>
-              <a:pPr/>
-              <a:t>11</a:t>
-            </a:fld>
-            <a:endParaRPr lang="de-DE"/>
-          </a:p>
-        </p:txBody>
-      </p:sp>
-      <p:sp>
-        <p:nvSpPr>
-          <p:cNvPr id="5" name="Fußzeilenplatzhalter 4"/>
-          <p:cNvSpPr>
-            <a:spLocks noGrp="1"/>
-          </p:cNvSpPr>
-          <p:nvPr>
-            <p:ph type="ftr" sz="quarter" idx="3"/>
-          </p:nvPr>
-        </p:nvSpPr>
-        <p:spPr/>
-        <p:txBody>
-          <a:bodyPr/>
-          <a:lstStyle/>
-          <a:p>
-            <a:r>
-              <a:rPr lang="it-IT" smtClean="0"/>
-              <a:t>Mobile Web | Projekt: Modulhandbuch</a:t>
-            </a:r>
-            <a:endParaRPr lang="de-DE" dirty="0"/>
-          </a:p>
-        </p:txBody>
-      </p:sp>
-      <p:sp>
-        <p:nvSpPr>
-          <p:cNvPr id="6" name="Textfeld 5"/>
-          <p:cNvSpPr txBox="1"/>
-          <p:nvPr/>
-        </p:nvSpPr>
-        <p:spPr>
-          <a:xfrm>
-            <a:off x="467544" y="2481858"/>
-            <a:ext cx="7401385" cy="3754874"/>
-          </a:xfrm>
-          <a:prstGeom prst="rect">
-            <a:avLst/>
-          </a:prstGeom>
-          <a:noFill/>
-        </p:spPr>
-        <p:txBody>
-          <a:bodyPr wrap="none" rtlCol="0">
-            <a:spAutoFit/>
-          </a:bodyPr>
-          <a:lstStyle/>
-          <a:p>
-            <a:r>
-              <a:rPr lang="de-DE" sz="1400" b="1" dirty="0">
-                <a:latin typeface="Courier New" panose="02070309020205020404" pitchFamily="49" charset="0"/>
-                <a:cs typeface="Courier New" panose="02070309020205020404" pitchFamily="49" charset="0"/>
-              </a:rPr>
-              <a:t>[</a:t>
-            </a:r>
-          </a:p>
-          <a:p>
-            <a:r>
-              <a:rPr lang="de-DE" sz="1400" b="1" dirty="0">
-                <a:latin typeface="Courier New" panose="02070309020205020404" pitchFamily="49" charset="0"/>
-                <a:cs typeface="Courier New" panose="02070309020205020404" pitchFamily="49" charset="0"/>
-              </a:rPr>
-              <a:t>  {</a:t>
-            </a:r>
-          </a:p>
-          <a:p>
-            <a:r>
-              <a:rPr lang="de-DE" sz="1400" b="1" dirty="0">
-                <a:latin typeface="Courier New" panose="02070309020205020404" pitchFamily="49" charset="0"/>
-                <a:cs typeface="Courier New" panose="02070309020205020404" pitchFamily="49" charset="0"/>
-              </a:rPr>
-              <a:t>    "Studiengang": "Mobile Computing"</a:t>
-            </a:r>
-          </a:p>
-          <a:p>
-            <a:r>
-              <a:rPr lang="de-DE" sz="1400" b="1" dirty="0">
-                <a:latin typeface="Courier New" panose="02070309020205020404" pitchFamily="49" charset="0"/>
-                <a:cs typeface="Courier New" panose="02070309020205020404" pitchFamily="49" charset="0"/>
-              </a:rPr>
-              <a:t>    },</a:t>
-            </a:r>
-          </a:p>
-          <a:p>
-            <a:r>
-              <a:rPr lang="de-DE" sz="1400" b="1" dirty="0">
-                <a:latin typeface="Courier New" panose="02070309020205020404" pitchFamily="49" charset="0"/>
-                <a:cs typeface="Courier New" panose="02070309020205020404" pitchFamily="49" charset="0"/>
-              </a:rPr>
-              <a:t>    {</a:t>
-            </a:r>
-          </a:p>
-          <a:p>
-            <a:r>
-              <a:rPr lang="de-DE" sz="1400" b="1" dirty="0">
-                <a:latin typeface="Courier New" panose="02070309020205020404" pitchFamily="49" charset="0"/>
-                <a:cs typeface="Courier New" panose="02070309020205020404" pitchFamily="49" charset="0"/>
-              </a:rPr>
-              <a:t>      "Studiengang": "Mobile Computing",</a:t>
-            </a:r>
-          </a:p>
-          <a:p>
-            <a:r>
-              <a:rPr lang="de-DE" sz="1400" b="1" dirty="0">
-                <a:latin typeface="Courier New" panose="02070309020205020404" pitchFamily="49" charset="0"/>
-                <a:cs typeface="Courier New" panose="02070309020205020404" pitchFamily="49" charset="0"/>
-              </a:rPr>
-              <a:t>      "Vorlesung": "Mobile Web",</a:t>
-            </a:r>
-          </a:p>
-          <a:p>
-            <a:r>
-              <a:rPr lang="de-DE" sz="1400" b="1" dirty="0">
-                <a:latin typeface="Courier New" panose="02070309020205020404" pitchFamily="49" charset="0"/>
-                <a:cs typeface="Courier New" panose="02070309020205020404" pitchFamily="49" charset="0"/>
-              </a:rPr>
-              <a:t> </a:t>
-            </a:r>
-            <a:r>
-              <a:rPr lang="de-DE" sz="1400" b="1" dirty="0" smtClean="0">
-                <a:latin typeface="Courier New" panose="02070309020205020404" pitchFamily="49" charset="0"/>
-                <a:cs typeface="Courier New" panose="02070309020205020404" pitchFamily="49" charset="0"/>
-              </a:rPr>
-              <a:t>     "</a:t>
-            </a:r>
-            <a:r>
-              <a:rPr lang="de-DE" sz="1400" b="1" dirty="0" err="1">
-                <a:latin typeface="Courier New" panose="02070309020205020404" pitchFamily="49" charset="0"/>
-                <a:cs typeface="Courier New" panose="02070309020205020404" pitchFamily="49" charset="0"/>
-              </a:rPr>
-              <a:t>colorful</a:t>
-            </a:r>
-            <a:r>
-              <a:rPr lang="de-DE" sz="1400" b="1" dirty="0">
-                <a:latin typeface="Courier New" panose="02070309020205020404" pitchFamily="49" charset="0"/>
-                <a:cs typeface="Courier New" panose="02070309020205020404" pitchFamily="49" charset="0"/>
-              </a:rPr>
-              <a:t>": "#3B5C7F"</a:t>
-            </a:r>
-          </a:p>
-          <a:p>
-            <a:r>
-              <a:rPr lang="de-DE" sz="1400" b="1" dirty="0">
-                <a:latin typeface="Courier New" panose="02070309020205020404" pitchFamily="49" charset="0"/>
-                <a:cs typeface="Courier New" panose="02070309020205020404" pitchFamily="49" charset="0"/>
-              </a:rPr>
-              <a:t>    },</a:t>
-            </a:r>
-          </a:p>
-          <a:p>
-            <a:r>
-              <a:rPr lang="de-DE" sz="1400" b="1" dirty="0">
-                <a:latin typeface="Courier New" panose="02070309020205020404" pitchFamily="49" charset="0"/>
-                <a:cs typeface="Courier New" panose="02070309020205020404" pitchFamily="49" charset="0"/>
-              </a:rPr>
-              <a:t>		{</a:t>
-            </a:r>
-          </a:p>
-          <a:p>
-            <a:r>
-              <a:rPr lang="de-DE" sz="1400" b="1" dirty="0">
-                <a:latin typeface="Courier New" panose="02070309020205020404" pitchFamily="49" charset="0"/>
-                <a:cs typeface="Courier New" panose="02070309020205020404" pitchFamily="49" charset="0"/>
-              </a:rPr>
-              <a:t>		  "Studiengang": "Mobile Computing",</a:t>
-            </a:r>
-          </a:p>
-          <a:p>
-            <a:r>
-              <a:rPr lang="de-DE" sz="1400" b="1" dirty="0">
-                <a:latin typeface="Courier New" panose="02070309020205020404" pitchFamily="49" charset="0"/>
-                <a:cs typeface="Courier New" panose="02070309020205020404" pitchFamily="49" charset="0"/>
-              </a:rPr>
-              <a:t>		  "Vorlesung": "Mobile Web",</a:t>
-            </a:r>
-          </a:p>
-          <a:p>
-            <a:r>
-              <a:rPr lang="de-DE" sz="1400" b="1" dirty="0">
-                <a:latin typeface="Courier New" panose="02070309020205020404" pitchFamily="49" charset="0"/>
-                <a:cs typeface="Courier New" panose="02070309020205020404" pitchFamily="49" charset="0"/>
-              </a:rPr>
-              <a:t>		  "</a:t>
-            </a:r>
-            <a:r>
-              <a:rPr lang="de-DE" sz="1400" b="1" dirty="0" err="1">
-                <a:latin typeface="Courier New" panose="02070309020205020404" pitchFamily="49" charset="0"/>
-                <a:cs typeface="Courier New" panose="02070309020205020404" pitchFamily="49" charset="0"/>
-              </a:rPr>
-              <a:t>gid</a:t>
-            </a:r>
-            <a:r>
-              <a:rPr lang="de-DE" sz="1400" b="1" dirty="0">
-                <a:latin typeface="Courier New" panose="02070309020205020404" pitchFamily="49" charset="0"/>
-                <a:cs typeface="Courier New" panose="02070309020205020404" pitchFamily="49" charset="0"/>
-              </a:rPr>
-              <a:t>": "Mobile Web: Die Studierenden </a:t>
-            </a:r>
-            <a:r>
-              <a:rPr lang="de-DE" sz="1400" b="1" dirty="0" smtClean="0">
-                <a:latin typeface="Courier New" panose="02070309020205020404" pitchFamily="49" charset="0"/>
-                <a:cs typeface="Courier New" panose="02070309020205020404" pitchFamily="49" charset="0"/>
-              </a:rPr>
-              <a:t>werden...",</a:t>
-            </a:r>
-            <a:endParaRPr lang="de-DE" sz="1400" b="1" dirty="0">
-              <a:latin typeface="Courier New" panose="02070309020205020404" pitchFamily="49" charset="0"/>
-              <a:cs typeface="Courier New" panose="02070309020205020404" pitchFamily="49" charset="0"/>
-            </a:endParaRPr>
-          </a:p>
-          <a:p>
-            <a:r>
-              <a:rPr lang="de-DE" sz="1400" b="1" dirty="0">
-                <a:latin typeface="Courier New" panose="02070309020205020404" pitchFamily="49" charset="0"/>
-                <a:cs typeface="Courier New" panose="02070309020205020404" pitchFamily="49" charset="0"/>
-              </a:rPr>
-              <a:t>		  "</a:t>
-            </a:r>
-            <a:r>
-              <a:rPr lang="de-DE" sz="1400" b="1" dirty="0" err="1">
-                <a:latin typeface="Courier New" panose="02070309020205020404" pitchFamily="49" charset="0"/>
-                <a:cs typeface="Courier New" panose="02070309020205020404" pitchFamily="49" charset="0"/>
-              </a:rPr>
-              <a:t>value</a:t>
-            </a:r>
-            <a:r>
-              <a:rPr lang="de-DE" sz="1400" b="1" dirty="0">
-                <a:latin typeface="Courier New" panose="02070309020205020404" pitchFamily="49" charset="0"/>
-                <a:cs typeface="Courier New" panose="02070309020205020404" pitchFamily="49" charset="0"/>
-              </a:rPr>
-              <a:t>": 40,</a:t>
-            </a:r>
-          </a:p>
-          <a:p>
-            <a:r>
-              <a:rPr lang="de-DE" sz="1400" b="1" dirty="0">
-                <a:latin typeface="Courier New" panose="02070309020205020404" pitchFamily="49" charset="0"/>
-                <a:cs typeface="Courier New" panose="02070309020205020404" pitchFamily="49" charset="0"/>
-              </a:rPr>
-              <a:t>		  "</a:t>
-            </a:r>
-            <a:r>
-              <a:rPr lang="de-DE" sz="1400" b="1" dirty="0" err="1">
-                <a:latin typeface="Courier New" panose="02070309020205020404" pitchFamily="49" charset="0"/>
-                <a:cs typeface="Courier New" panose="02070309020205020404" pitchFamily="49" charset="0"/>
-              </a:rPr>
-              <a:t>colorful</a:t>
-            </a:r>
-            <a:r>
-              <a:rPr lang="de-DE" sz="1400" b="1" dirty="0">
-                <a:latin typeface="Courier New" panose="02070309020205020404" pitchFamily="49" charset="0"/>
-                <a:cs typeface="Courier New" panose="02070309020205020404" pitchFamily="49" charset="0"/>
-              </a:rPr>
-              <a:t>": "#3B5C7F"</a:t>
-            </a:r>
-          </a:p>
-          <a:p>
-            <a:r>
-              <a:rPr lang="de-DE" sz="1400" b="1" dirty="0">
-                <a:latin typeface="Courier New" panose="02070309020205020404" pitchFamily="49" charset="0"/>
-                <a:cs typeface="Courier New" panose="02070309020205020404" pitchFamily="49" charset="0"/>
-              </a:rPr>
-              <a:t>		</a:t>
-            </a:r>
-            <a:r>
-              <a:rPr lang="de-DE" sz="1400" b="1" dirty="0" smtClean="0">
-                <a:latin typeface="Courier New" panose="02070309020205020404" pitchFamily="49" charset="0"/>
-                <a:cs typeface="Courier New" panose="02070309020205020404" pitchFamily="49" charset="0"/>
-              </a:rPr>
-              <a:t>},</a:t>
-            </a:r>
-          </a:p>
-          <a:p>
-            <a:r>
-              <a:rPr lang="de-DE" sz="1400" b="1" dirty="0" smtClean="0">
-                <a:latin typeface="Courier New" panose="02070309020205020404" pitchFamily="49" charset="0"/>
-                <a:cs typeface="Courier New" panose="02070309020205020404" pitchFamily="49" charset="0"/>
-              </a:rPr>
-              <a:t>...]</a:t>
-            </a:r>
-            <a:endParaRPr lang="de-DE" sz="1400" b="1" dirty="0">
-              <a:latin typeface="Courier New" panose="02070309020205020404" pitchFamily="49" charset="0"/>
-              <a:cs typeface="Courier New" panose="02070309020205020404" pitchFamily="49" charset="0"/>
-            </a:endParaRPr>
-          </a:p>
-        </p:txBody>
-      </p:sp>
-    </p:spTree>
-    <p:extLst>
-      <p:ext uri="{BB962C8B-B14F-4D97-AF65-F5344CB8AC3E}">
-        <p14:creationId xmlns:p14="http://schemas.microsoft.com/office/powerpoint/2010/main" val="330470474"/>
-      </p:ext>
-    </p:extLst>
-  </p:cSld>
-  <p:clrMapOvr>
-    <a:masterClrMapping/>
-  </p:clrMapOvr>
-  <p:timing>
-    <p:tnLst>
-      <p:par>
-        <p:cTn xmlns:p14="http://schemas.microsoft.com/office/powerpoint/2010/main" id="1" dur="indefinite" restart="never" nodeType="tmRoot">
-          <p:childTnLst>
-            <p:seq concurrent="1" nextAc="seek">
-              <p:cTn id="2" dur="indefinite" nodeType="mainSeq">
-                <p:childTnLst>
-                  <p:par>
-                    <p:cTn id="3" fill="hold">
-                      <p:stCondLst>
-                        <p:cond delay="indefinite"/>
-                      </p:stCondLst>
-                      <p:childTnLst>
-                        <p:par>
-                          <p:cTn id="4" fill="hold">
-                            <p:stCondLst>
-                              <p:cond delay="0"/>
-                            </p:stCondLst>
-                            <p:childTnLst>
-                              <p:par>
-                                <p:cTn id="5" presetID="1" presetClass="entr" presetSubtype="0" fill="hold" nodeType="clickEffect">
-                                  <p:stCondLst>
-                                    <p:cond delay="0"/>
-                                  </p:stCondLst>
-                                  <p:childTnLst>
-                                    <p:set>
-                                      <p:cBhvr>
-                                        <p:cTn id="6" dur="1" fill="hold">
-                                          <p:stCondLst>
-                                            <p:cond delay="0"/>
-                                          </p:stCondLst>
-                                        </p:cTn>
-                                        <p:tgtEl>
-                                          <p:spTgt spid="12"/>
-                                        </p:tgtEl>
-                                        <p:attrNameLst>
-                                          <p:attrName>style.visibility</p:attrName>
-                                        </p:attrNameLst>
-                                      </p:cBhvr>
-                                      <p:to>
-                                        <p:strVal val="visible"/>
-                                      </p:to>
-                                    </p:set>
-                                  </p:childTnLst>
-                                </p:cTn>
-                              </p:par>
-                            </p:childTnLst>
-                          </p:cTn>
-                        </p:par>
-                      </p:childTnLst>
-                    </p:cTn>
-                  </p:par>
-                </p:childTnLst>
-              </p:cTn>
-              <p:prevCondLst>
-                <p:cond evt="onPrev" delay="0">
-                  <p:tgtEl>
-                    <p:sldTgt/>
-                  </p:tgtEl>
-                </p:cond>
-              </p:prevCondLst>
-              <p:nextCondLst>
-                <p:cond evt="onNext" delay="0">
-                  <p:tgtEl>
-                    <p:sldTgt/>
-                  </p:tgtEl>
-                </p:cond>
-              </p:nextCondLst>
-            </p:seq>
-          </p:childTnLst>
-        </p:cTn>
-      </p:par>
-    </p:tnLst>
-  </p:timing>
-</p:sld>
-</file>
-
-<file path=ppt/slides/slide12.xml><?xml version="1.0" encoding="utf-8"?>
-<p:sld xmlns:a="http://schemas.openxmlformats.org/drawingml/2006/main" xmlns:r="http://schemas.openxmlformats.org/officeDocument/2006/relationships" xmlns:p="http://schemas.openxmlformats.org/presentationml/2006/main">
-  <p:cSld>
-    <p:spTree>
-      <p:nvGrpSpPr>
-        <p:cNvPr id="1" name=""/>
-        <p:cNvGrpSpPr/>
-        <p:nvPr/>
-      </p:nvGrpSpPr>
-      <p:grpSpPr>
-        <a:xfrm>
-          <a:off x="0" y="0"/>
-          <a:ext cx="0" cy="0"/>
-          <a:chOff x="0" y="0"/>
-          <a:chExt cx="0" cy="0"/>
-        </a:xfrm>
-      </p:grpSpPr>
-      <p:sp>
-        <p:nvSpPr>
-          <p:cNvPr id="2" name="Titel 1"/>
-          <p:cNvSpPr>
-            <a:spLocks noGrp="1"/>
-          </p:cNvSpPr>
-          <p:nvPr>
-            <p:ph type="title"/>
-          </p:nvPr>
-        </p:nvSpPr>
-        <p:spPr/>
-        <p:txBody>
-          <a:bodyPr/>
-          <a:lstStyle/>
-          <a:p>
-            <a:r>
-              <a:rPr lang="de-DE" dirty="0"/>
-              <a:t>Prototyp „</a:t>
-            </a:r>
-            <a:r>
-              <a:rPr lang="de-DE" dirty="0" smtClean="0"/>
-              <a:t>d3plus (2)“ </a:t>
-            </a:r>
-            <a:r>
-              <a:rPr lang="de-DE" dirty="0"/>
-              <a:t>– </a:t>
-            </a:r>
-            <a:r>
-              <a:rPr lang="de-DE" dirty="0" smtClean="0"/>
-              <a:t>Fazit</a:t>
-            </a:r>
-            <a:endParaRPr lang="de-DE" dirty="0"/>
-          </a:p>
-        </p:txBody>
-      </p:sp>
-      <p:sp>
-        <p:nvSpPr>
-          <p:cNvPr id="3" name="Inhaltsplatzhalter 2"/>
-          <p:cNvSpPr>
-            <a:spLocks noGrp="1"/>
-          </p:cNvSpPr>
-          <p:nvPr>
-            <p:ph idx="1"/>
-          </p:nvPr>
-        </p:nvSpPr>
-        <p:spPr/>
-        <p:txBody>
-          <a:bodyPr/>
-          <a:lstStyle/>
-          <a:p>
-            <a:pPr marL="0" indent="0">
-              <a:buNone/>
-            </a:pPr>
-            <a:r>
-              <a:rPr lang="de-DE" dirty="0"/>
-              <a:t>Pro:</a:t>
-            </a:r>
-          </a:p>
-          <a:p>
-            <a:r>
-              <a:rPr lang="de-DE" dirty="0"/>
-              <a:t>Hierarchische Struktur</a:t>
-            </a:r>
-          </a:p>
-          <a:p>
-            <a:r>
-              <a:rPr lang="de-DE" dirty="0"/>
-              <a:t>Animierter Ebenen-Wechsel</a:t>
-            </a:r>
-          </a:p>
-          <a:p>
-            <a:r>
-              <a:rPr lang="de-DE" dirty="0"/>
-              <a:t>Feldgrößen in Anlehnung an ECTS-</a:t>
-            </a:r>
-            <a:r>
-              <a:rPr lang="de-DE" dirty="0" err="1"/>
-              <a:t>Credits</a:t>
-            </a:r>
-            <a:endParaRPr lang="de-DE" dirty="0"/>
-          </a:p>
-          <a:p>
-            <a:r>
-              <a:rPr lang="de-DE" dirty="0"/>
-              <a:t>Navigation verbessert</a:t>
-            </a:r>
-          </a:p>
-          <a:p>
-            <a:r>
-              <a:rPr lang="de-DE" dirty="0" smtClean="0"/>
-              <a:t>„</a:t>
-            </a:r>
-            <a:r>
-              <a:rPr lang="de-DE" dirty="0" err="1" smtClean="0"/>
-              <a:t>Responsive</a:t>
-            </a:r>
-            <a:r>
-              <a:rPr lang="de-DE" dirty="0" smtClean="0"/>
-              <a:t> Design“ vorhanden</a:t>
-            </a:r>
-          </a:p>
-          <a:p>
-            <a:r>
-              <a:rPr lang="de-DE" dirty="0" smtClean="0"/>
-              <a:t>Farbliche Gruppierung von Modulen</a:t>
-            </a:r>
-          </a:p>
-          <a:p>
-            <a:pPr marL="0" indent="0">
-              <a:buNone/>
-            </a:pPr>
-            <a:endParaRPr lang="de-DE" dirty="0"/>
-          </a:p>
-          <a:p>
-            <a:pPr marL="0" indent="0">
-              <a:buNone/>
-            </a:pPr>
-            <a:r>
-              <a:rPr lang="de-DE" dirty="0" smtClean="0"/>
-              <a:t>Kontra:</a:t>
-            </a:r>
-          </a:p>
-          <a:p>
-            <a:r>
-              <a:rPr lang="de-DE" dirty="0" smtClean="0"/>
-              <a:t>Gruppierung erschwert Unterebenen</a:t>
-            </a:r>
-          </a:p>
-          <a:p>
-            <a:r>
-              <a:rPr lang="de-DE" dirty="0"/>
-              <a:t>Keine </a:t>
-            </a:r>
-            <a:r>
-              <a:rPr lang="de-DE" dirty="0" smtClean="0"/>
-              <a:t>Visualisierung des Ablaufs</a:t>
-            </a:r>
-            <a:endParaRPr lang="de-DE" dirty="0"/>
-          </a:p>
-          <a:p>
-            <a:r>
-              <a:rPr lang="de-DE" dirty="0" smtClean="0"/>
-              <a:t>Keine Links zum Modulhandbuch</a:t>
-            </a:r>
-            <a:endParaRPr lang="de-DE" dirty="0"/>
-          </a:p>
-        </p:txBody>
-      </p:sp>
-      <p:sp>
-        <p:nvSpPr>
-          <p:cNvPr id="4" name="Foliennummernplatzhalter 3"/>
-          <p:cNvSpPr>
-            <a:spLocks noGrp="1"/>
-          </p:cNvSpPr>
-          <p:nvPr>
-            <p:ph type="sldNum" sz="quarter" idx="10"/>
-          </p:nvPr>
-        </p:nvSpPr>
-        <p:spPr/>
-        <p:txBody>
-          <a:bodyPr/>
-          <a:lstStyle/>
-          <a:p>
-            <a:fld id="{4A87D5D0-4391-4EB2-AF2F-8F39F08E3898}" type="slidenum">
-              <a:rPr lang="de-DE" smtClean="0"/>
-              <a:pPr/>
-              <a:t>12</a:t>
             </a:fld>
             <a:endParaRPr lang="de-DE"/>
           </a:p>
@@ -7241,14 +5310,14 @@
           </a:ln>
           <a:effectLst/>
           <a:extLst>
-            <a:ext uri="{909E8E84-426E-40dd-AFC4-6F175D3DCCD1}">
+            <a:ext uri="{909E8E84-426E-40DD-AFC4-6F175D3DCCD1}">
               <a14:hiddenFill xmlns:a14="http://schemas.microsoft.com/office/drawing/2010/main">
                 <a:solidFill>
                   <a:schemeClr val="accent1"/>
                 </a:solidFill>
               </a14:hiddenFill>
             </a:ext>
-            <a:ext uri="{91240B29-F687-4f45-9708-019B960494DF}">
+            <a:ext uri="{91240B29-F687-4F45-9708-019B960494DF}">
               <a14:hiddenLine xmlns:a14="http://schemas.microsoft.com/office/drawing/2010/main" w="9525">
                 <a:solidFill>
                   <a:schemeClr val="tx1"/>
@@ -7258,7 +5327,7 @@
                 <a:tailEnd/>
               </a14:hiddenLine>
             </a:ext>
-            <a:ext uri="{AF507438-7753-43e0-B8FC-AC1667EBCBE1}">
+            <a:ext uri="{AF507438-7753-43E0-B8FC-AC1667EBCBE1}">
               <a14:hiddenEffects xmlns:a14="http://schemas.microsoft.com/office/drawing/2010/main">
                 <a:effectLst>
                   <a:outerShdw dist="35921" dir="2700000" algn="ctr" rotWithShape="0">
@@ -7283,7 +5352,7 @@
   <p:timing>
     <p:tnLst>
       <p:par>
-        <p:cTn xmlns:p14="http://schemas.microsoft.com/office/powerpoint/2010/main" id="1" dur="indefinite" restart="never" nodeType="tmRoot">
+        <p:cTn id="1" dur="indefinite" restart="never" nodeType="tmRoot">
           <p:childTnLst>
             <p:seq concurrent="1" nextAc="seek">
               <p:cTn id="2" dur="indefinite" nodeType="mainSeq">
@@ -7455,7 +5524,7 @@
 </p:sld>
 </file>
 
-<file path=ppt/slides/slide13.xml><?xml version="1.0" encoding="utf-8"?>
+<file path=ppt/slides/slide11.xml><?xml version="1.0" encoding="utf-8"?>
 <p:sld xmlns:a="http://schemas.openxmlformats.org/drawingml/2006/main" xmlns:r="http://schemas.openxmlformats.org/officeDocument/2006/relationships" xmlns:p="http://schemas.openxmlformats.org/presentationml/2006/main">
   <p:cSld>
     <p:spTree>
@@ -7517,7 +5586,7 @@
             <a:fld id="{4A87D5D0-4391-4EB2-AF2F-8F39F08E3898}" type="slidenum">
               <a:rPr lang="de-DE" smtClean="0"/>
               <a:pPr/>
-              <a:t>13</a:t>
+              <a:t>11</a:t>
             </a:fld>
             <a:endParaRPr lang="de-DE" dirty="0"/>
           </a:p>
@@ -7581,14 +5650,14 @@
           </a:ln>
           <a:effectLst/>
           <a:extLst>
-            <a:ext uri="{909E8E84-426E-40dd-AFC4-6F175D3DCCD1}">
+            <a:ext uri="{909E8E84-426E-40DD-AFC4-6F175D3DCCD1}">
               <a14:hiddenFill xmlns:a14="http://schemas.microsoft.com/office/drawing/2010/main">
                 <a:solidFill>
                   <a:schemeClr val="accent1"/>
                 </a:solidFill>
               </a14:hiddenFill>
             </a:ext>
-            <a:ext uri="{91240B29-F687-4f45-9708-019B960494DF}">
+            <a:ext uri="{91240B29-F687-4F45-9708-019B960494DF}">
               <a14:hiddenLine xmlns:a14="http://schemas.microsoft.com/office/drawing/2010/main" w="9525">
                 <a:solidFill>
                   <a:schemeClr val="tx1"/>
@@ -7598,7 +5667,7 @@
                 <a:tailEnd/>
               </a14:hiddenLine>
             </a:ext>
-            <a:ext uri="{AF507438-7753-43e0-B8FC-AC1667EBCBE1}">
+            <a:ext uri="{AF507438-7753-43E0-B8FC-AC1667EBCBE1}">
               <a14:hiddenEffects xmlns:a14="http://schemas.microsoft.com/office/drawing/2010/main">
                 <a:effectLst>
                   <a:outerShdw dist="35921" dir="2700000" algn="ctr" rotWithShape="0">
@@ -7645,14 +5714,14 @@
           </a:ln>
           <a:effectLst/>
           <a:extLst>
-            <a:ext uri="{909E8E84-426E-40dd-AFC4-6F175D3DCCD1}">
+            <a:ext uri="{909E8E84-426E-40DD-AFC4-6F175D3DCCD1}">
               <a14:hiddenFill xmlns:a14="http://schemas.microsoft.com/office/drawing/2010/main">
                 <a:solidFill>
                   <a:schemeClr val="accent1"/>
                 </a:solidFill>
               </a14:hiddenFill>
             </a:ext>
-            <a:ext uri="{91240B29-F687-4f45-9708-019B960494DF}">
+            <a:ext uri="{91240B29-F687-4F45-9708-019B960494DF}">
               <a14:hiddenLine xmlns:a14="http://schemas.microsoft.com/office/drawing/2010/main" w="9525">
                 <a:solidFill>
                   <a:schemeClr val="tx1"/>
@@ -7662,7 +5731,7 @@
                 <a:tailEnd/>
               </a14:hiddenLine>
             </a:ext>
-            <a:ext uri="{AF507438-7753-43e0-B8FC-AC1667EBCBE1}">
+            <a:ext uri="{AF507438-7753-43E0-B8FC-AC1667EBCBE1}">
               <a14:hiddenEffects xmlns:a14="http://schemas.microsoft.com/office/drawing/2010/main">
                 <a:effectLst>
                   <a:outerShdw dist="35921" dir="2700000" algn="ctr" rotWithShape="0">
@@ -7712,14 +5781,14 @@
           </a:ln>
           <a:effectLst/>
           <a:extLst>
-            <a:ext uri="{909E8E84-426E-40dd-AFC4-6F175D3DCCD1}">
+            <a:ext uri="{909E8E84-426E-40DD-AFC4-6F175D3DCCD1}">
               <a14:hiddenFill xmlns:a14="http://schemas.microsoft.com/office/drawing/2010/main">
                 <a:solidFill>
                   <a:schemeClr val="accent1"/>
                 </a:solidFill>
               </a14:hiddenFill>
             </a:ext>
-            <a:ext uri="{AF507438-7753-43e0-B8FC-AC1667EBCBE1}">
+            <a:ext uri="{AF507438-7753-43E0-B8FC-AC1667EBCBE1}">
               <a14:hiddenEffects xmlns:a14="http://schemas.microsoft.com/office/drawing/2010/main">
                 <a:effectLst>
                   <a:outerShdw dist="35921" dir="2700000" algn="ctr" rotWithShape="0">
@@ -7762,7 +5831,7 @@
           </a:prstGeom>
           <a:noFill/>
           <a:extLst>
-            <a:ext uri="{909E8E84-426E-40dd-AFC4-6F175D3DCCD1}">
+            <a:ext uri="{909E8E84-426E-40DD-AFC4-6F175D3DCCD1}">
               <a14:hiddenFill xmlns:a14="http://schemas.microsoft.com/office/drawing/2010/main">
                 <a:solidFill>
                   <a:srgbClr val="FFFFFF"/>
@@ -7785,7 +5854,7 @@
   <p:timing>
     <p:tnLst>
       <p:par>
-        <p:cTn xmlns:p14="http://schemas.microsoft.com/office/powerpoint/2010/main" id="1" dur="indefinite" restart="never" nodeType="tmRoot">
+        <p:cTn id="1" dur="indefinite" restart="never" nodeType="tmRoot">
           <p:childTnLst>
             <p:seq concurrent="1" nextAc="seek">
               <p:cTn id="2" dur="indefinite" nodeType="mainSeq">
@@ -7977,7 +6046,7 @@
 </p:sld>
 </file>
 
-<file path=ppt/slides/slide14.xml><?xml version="1.0" encoding="utf-8"?>
+<file path=ppt/slides/slide12.xml><?xml version="1.0" encoding="utf-8"?>
 <p:sld xmlns:a="http://schemas.openxmlformats.org/drawingml/2006/main" xmlns:r="http://schemas.openxmlformats.org/officeDocument/2006/relationships" xmlns:p="http://schemas.openxmlformats.org/presentationml/2006/main">
   <p:cSld>
     <p:spTree>
@@ -8029,14 +6098,14 @@
           </a:ln>
           <a:effectLst/>
           <a:extLst>
-            <a:ext uri="{909E8E84-426E-40dd-AFC4-6F175D3DCCD1}">
+            <a:ext uri="{909E8E84-426E-40DD-AFC4-6F175D3DCCD1}">
               <a14:hiddenFill xmlns:a14="http://schemas.microsoft.com/office/drawing/2010/main">
                 <a:solidFill>
                   <a:schemeClr val="accent1"/>
                 </a:solidFill>
               </a14:hiddenFill>
             </a:ext>
-            <a:ext uri="{91240B29-F687-4f45-9708-019B960494DF}">
+            <a:ext uri="{91240B29-F687-4F45-9708-019B960494DF}">
               <a14:hiddenLine xmlns:a14="http://schemas.microsoft.com/office/drawing/2010/main" w="9525">
                 <a:solidFill>
                   <a:schemeClr val="tx1"/>
@@ -8046,7 +6115,7 @@
                 <a:tailEnd/>
               </a14:hiddenLine>
             </a:ext>
-            <a:ext uri="{AF507438-7753-43e0-B8FC-AC1667EBCBE1}">
+            <a:ext uri="{AF507438-7753-43E0-B8FC-AC1667EBCBE1}">
               <a14:hiddenEffects xmlns:a14="http://schemas.microsoft.com/office/drawing/2010/main">
                 <a:effectLst>
                   <a:outerShdw dist="35921" dir="2700000" algn="ctr" rotWithShape="0">
@@ -8142,27 +6211,32 @@
           <a:p>
             <a:r>
               <a:rPr lang="de-DE" dirty="0" smtClean="0"/>
+              <a:t>Navigation verbessert</a:t>
+            </a:r>
+            <a:endParaRPr lang="de-DE" dirty="0" smtClean="0"/>
+          </a:p>
+          <a:p>
+            <a:r>
+              <a:rPr lang="de-DE" dirty="0"/>
               <a:t>„</a:t>
             </a:r>
             <a:r>
-              <a:rPr lang="de-DE" dirty="0" err="1" smtClean="0"/>
+              <a:rPr lang="de-DE" dirty="0" err="1"/>
               <a:t>Responsive</a:t>
             </a:r>
             <a:r>
+              <a:rPr lang="de-DE" dirty="0"/>
+              <a:t> Design“ vorhanden</a:t>
+            </a:r>
+          </a:p>
+          <a:p>
+            <a:r>
               <a:rPr lang="de-DE" dirty="0" smtClean="0"/>
-              <a:t> Design“ vorhanden</a:t>
-            </a:r>
-          </a:p>
-          <a:p>
+              <a:t>Farbliche </a:t>
+            </a:r>
             <a:r>
               <a:rPr lang="de-DE" dirty="0" smtClean="0"/>
-              <a:t>Navigation verbessert (Zurück-Button verfügbar)</a:t>
-            </a:r>
-          </a:p>
-          <a:p>
-            <a:r>
-              <a:rPr lang="de-DE" dirty="0" smtClean="0"/>
-              <a:t>Farbliche Gruppierung von Modulen</a:t>
+              <a:t>Gruppierung von Modulen</a:t>
             </a:r>
           </a:p>
           <a:p>
@@ -8219,7 +6293,7 @@
             <a:fld id="{4A87D5D0-4391-4EB2-AF2F-8F39F08E3898}" type="slidenum">
               <a:rPr lang="de-DE" smtClean="0"/>
               <a:pPr/>
-              <a:t>14</a:t>
+              <a:t>12</a:t>
             </a:fld>
             <a:endParaRPr lang="de-DE"/>
           </a:p>
@@ -8256,7 +6330,7 @@
         </p:nvSpPr>
         <p:spPr>
           <a:xfrm>
-            <a:off x="467544" y="1268760"/>
+            <a:off x="395536" y="1268760"/>
             <a:ext cx="5976664" cy="2736304"/>
           </a:xfrm>
           <a:prstGeom prst="rect">
@@ -8380,14 +6454,14 @@
   <p:timing>
     <p:tnLst>
       <p:par>
-        <p:cTn xmlns:p14="http://schemas.microsoft.com/office/powerpoint/2010/main" id="1" dur="indefinite" restart="never" nodeType="tmRoot"/>
+        <p:cTn id="1" dur="indefinite" restart="never" nodeType="tmRoot"/>
       </p:par>
     </p:tnLst>
   </p:timing>
 </p:sld>
 </file>
 
-<file path=ppt/slides/slide15.xml><?xml version="1.0" encoding="utf-8"?>
+<file path=ppt/slides/slide13.xml><?xml version="1.0" encoding="utf-8"?>
 <p:sld xmlns:a="http://schemas.openxmlformats.org/drawingml/2006/main" xmlns:r="http://schemas.openxmlformats.org/officeDocument/2006/relationships" xmlns:p="http://schemas.openxmlformats.org/presentationml/2006/main">
   <p:cSld>
     <p:spTree>
@@ -8445,7 +6519,7 @@
             <a:tailEnd/>
           </a:ln>
           <a:extLst>
-            <a:ext uri="{909E8E84-426E-40dd-AFC4-6F175D3DCCD1}">
+            <a:ext uri="{909E8E84-426E-40DD-AFC4-6F175D3DCCD1}">
               <a14:hiddenFill xmlns:a14="http://schemas.microsoft.com/office/drawing/2010/main">
                 <a:solidFill>
                   <a:schemeClr val="accent1"/>
@@ -8496,7 +6570,7 @@
             <a:fld id="{4A87D5D0-4391-4EB2-AF2F-8F39F08E3898}" type="slidenum">
               <a:rPr lang="de-DE" smtClean="0"/>
               <a:pPr/>
-              <a:t>15</a:t>
+              <a:t>13</a:t>
             </a:fld>
             <a:endParaRPr lang="de-DE"/>
           </a:p>
@@ -8560,14 +6634,14 @@
           </a:ln>
           <a:effectLst/>
           <a:extLst>
-            <a:ext uri="{909E8E84-426E-40dd-AFC4-6F175D3DCCD1}">
+            <a:ext uri="{909E8E84-426E-40DD-AFC4-6F175D3DCCD1}">
               <a14:hiddenFill xmlns:a14="http://schemas.microsoft.com/office/drawing/2010/main">
                 <a:solidFill>
                   <a:schemeClr val="accent1"/>
                 </a:solidFill>
               </a14:hiddenFill>
             </a:ext>
-            <a:ext uri="{91240B29-F687-4f45-9708-019B960494DF}">
+            <a:ext uri="{91240B29-F687-4F45-9708-019B960494DF}">
               <a14:hiddenLine xmlns:a14="http://schemas.microsoft.com/office/drawing/2010/main" w="9525">
                 <a:solidFill>
                   <a:schemeClr val="tx1"/>
@@ -8577,7 +6651,7 @@
                 <a:tailEnd/>
               </a14:hiddenLine>
             </a:ext>
-            <a:ext uri="{AF507438-7753-43e0-B8FC-AC1667EBCBE1}">
+            <a:ext uri="{AF507438-7753-43E0-B8FC-AC1667EBCBE1}">
               <a14:hiddenEffects xmlns:a14="http://schemas.microsoft.com/office/drawing/2010/main">
                 <a:effectLst>
                   <a:outerShdw dist="35921" dir="2700000" algn="ctr" rotWithShape="0">
@@ -8620,7 +6694,7 @@
           </a:prstGeom>
           <a:noFill/>
           <a:extLst>
-            <a:ext uri="{909E8E84-426E-40dd-AFC4-6F175D3DCCD1}">
+            <a:ext uri="{909E8E84-426E-40DD-AFC4-6F175D3DCCD1}">
               <a14:hiddenFill xmlns:a14="http://schemas.microsoft.com/office/drawing/2010/main">
                 <a:solidFill>
                   <a:srgbClr val="FFFFFF"/>
@@ -8661,7 +6735,7 @@
           </a:prstGeom>
           <a:noFill/>
           <a:extLst>
-            <a:ext uri="{909E8E84-426E-40dd-AFC4-6F175D3DCCD1}">
+            <a:ext uri="{909E8E84-426E-40DD-AFC4-6F175D3DCCD1}">
               <a14:hiddenFill xmlns:a14="http://schemas.microsoft.com/office/drawing/2010/main">
                 <a:solidFill>
                   <a:srgbClr val="FFFFFF"/>
@@ -8702,7 +6776,7 @@
           </a:prstGeom>
           <a:noFill/>
           <a:extLst>
-            <a:ext uri="{909E8E84-426E-40dd-AFC4-6F175D3DCCD1}">
+            <a:ext uri="{909E8E84-426E-40DD-AFC4-6F175D3DCCD1}">
               <a14:hiddenFill xmlns:a14="http://schemas.microsoft.com/office/drawing/2010/main">
                 <a:solidFill>
                   <a:srgbClr val="FFFFFF"/>
@@ -8725,7 +6799,7 @@
   <p:timing>
     <p:tnLst>
       <p:par>
-        <p:cTn xmlns:p14="http://schemas.microsoft.com/office/powerpoint/2010/main" id="1" dur="indefinite" restart="never" nodeType="tmRoot">
+        <p:cTn id="1" dur="indefinite" restart="never" nodeType="tmRoot">
           <p:childTnLst>
             <p:seq concurrent="1" nextAc="seek">
               <p:cTn id="2" dur="indefinite" nodeType="mainSeq">
@@ -8881,7 +6955,7 @@
 </p:sld>
 </file>
 
-<file path=ppt/slides/slide16.xml><?xml version="1.0" encoding="utf-8"?>
+<file path=ppt/slides/slide14.xml><?xml version="1.0" encoding="utf-8"?>
 <p:sld xmlns:a="http://schemas.openxmlformats.org/drawingml/2006/main" xmlns:r="http://schemas.openxmlformats.org/officeDocument/2006/relationships" xmlns:p="http://schemas.openxmlformats.org/presentationml/2006/main">
   <p:cSld>
     <p:spTree>
@@ -8978,7 +7052,7 @@
       </p:sp>
       <p:pic>
         <p:nvPicPr>
-          <p:cNvPr id="9" name="Picture 2"/>
+          <p:cNvPr id="11" name="Picture 3"/>
           <p:cNvPicPr>
             <a:picLocks noChangeAspect="1" noChangeArrowheads="1"/>
           </p:cNvPicPr>
@@ -8999,8 +7073,8 @@
         </p:blipFill>
         <p:spPr bwMode="auto">
           <a:xfrm>
-            <a:off x="1435943" y="1597259"/>
-            <a:ext cx="3650670" cy="2035951"/>
+            <a:off x="899592" y="1537065"/>
+            <a:ext cx="4539945" cy="2323983"/>
           </a:xfrm>
           <a:prstGeom prst="rect">
             <a:avLst/>
@@ -9017,7 +7091,7 @@
             <a:tailEnd/>
           </a:ln>
           <a:extLst>
-            <a:ext uri="{909E8E84-426E-40dd-AFC4-6F175D3DCCD1}">
+            <a:ext uri="{909E8E84-426E-40DD-AFC4-6F175D3DCCD1}">
               <a14:hiddenFill xmlns:a14="http://schemas.microsoft.com/office/drawing/2010/main">
                 <a:solidFill>
                   <a:schemeClr val="accent1"/>
@@ -9068,7 +7142,7 @@
             <a:fld id="{4A87D5D0-4391-4EB2-AF2F-8F39F08E3898}" type="slidenum">
               <a:rPr lang="de-DE" smtClean="0"/>
               <a:pPr/>
-              <a:t>16</a:t>
+              <a:t>14</a:t>
             </a:fld>
             <a:endParaRPr lang="de-DE"/>
           </a:p>
@@ -9120,7 +7194,7 @@
         </p:blipFill>
         <p:spPr bwMode="auto">
           <a:xfrm>
-            <a:off x="5436096" y="1297414"/>
+            <a:off x="5508104" y="1317764"/>
             <a:ext cx="1844617" cy="2635642"/>
           </a:xfrm>
           <a:prstGeom prst="rect">
@@ -9128,7 +7202,7 @@
           </a:prstGeom>
           <a:noFill/>
           <a:extLst>
-            <a:ext uri="{909E8E84-426E-40dd-AFC4-6F175D3DCCD1}">
+            <a:ext uri="{909E8E84-426E-40DD-AFC4-6F175D3DCCD1}">
               <a14:hiddenFill xmlns:a14="http://schemas.microsoft.com/office/drawing/2010/main">
                 <a:solidFill>
                   <a:srgbClr val="FFFFFF"/>
@@ -9161,7 +7235,7 @@
         </p:blipFill>
         <p:spPr bwMode="auto">
           <a:xfrm>
-            <a:off x="1763688" y="2332544"/>
+            <a:off x="1763688" y="2906688"/>
             <a:ext cx="1296144" cy="666328"/>
           </a:xfrm>
           <a:prstGeom prst="rect">
@@ -9172,14 +7246,14 @@
             <a:noFill/>
           </a:ln>
           <a:extLst>
-            <a:ext uri="{909E8E84-426E-40dd-AFC4-6F175D3DCCD1}">
+            <a:ext uri="{909E8E84-426E-40DD-AFC4-6F175D3DCCD1}">
               <a14:hiddenFill xmlns:a14="http://schemas.microsoft.com/office/drawing/2010/main">
                 <a:solidFill>
                   <a:schemeClr val="accent1"/>
                 </a:solidFill>
               </a14:hiddenFill>
             </a:ext>
-            <a:ext uri="{91240B29-F687-4f45-9708-019B960494DF}">
+            <a:ext uri="{91240B29-F687-4F45-9708-019B960494DF}">
               <a14:hiddenLine xmlns:a14="http://schemas.microsoft.com/office/drawing/2010/main" w="9525">
                 <a:solidFill>
                   <a:schemeClr val="tx1"/>
@@ -9215,7 +7289,7 @@
         </p:blipFill>
         <p:spPr bwMode="auto">
           <a:xfrm>
-            <a:off x="3588158" y="2852936"/>
+            <a:off x="3563888" y="2924944"/>
             <a:ext cx="1204185" cy="648813"/>
           </a:xfrm>
           <a:prstGeom prst="rect">
@@ -9226,14 +7300,14 @@
             <a:noFill/>
           </a:ln>
           <a:extLst>
-            <a:ext uri="{909E8E84-426E-40dd-AFC4-6F175D3DCCD1}">
+            <a:ext uri="{909E8E84-426E-40DD-AFC4-6F175D3DCCD1}">
               <a14:hiddenFill xmlns:a14="http://schemas.microsoft.com/office/drawing/2010/main">
                 <a:solidFill>
                   <a:schemeClr val="accent1"/>
                 </a:solidFill>
               </a14:hiddenFill>
             </a:ext>
-            <a:ext uri="{91240B29-F687-4f45-9708-019B960494DF}">
+            <a:ext uri="{91240B29-F687-4F45-9708-019B960494DF}">
               <a14:hiddenLine xmlns:a14="http://schemas.microsoft.com/office/drawing/2010/main" w="9525">
                 <a:solidFill>
                   <a:schemeClr val="tx1"/>
@@ -9254,7 +7328,7 @@
         </p:nvSpPr>
         <p:spPr>
           <a:xfrm>
-            <a:off x="3079460" y="2564904"/>
+            <a:off x="3079460" y="2937138"/>
             <a:ext cx="484428" cy="707886"/>
           </a:xfrm>
           <a:prstGeom prst="rect">
@@ -9289,263 +7363,7 @@
   <p:timing>
     <p:tnLst>
       <p:par>
-        <p:cTn xmlns:p14="http://schemas.microsoft.com/office/powerpoint/2010/main" id="1" dur="indefinite" restart="never" nodeType="tmRoot"/>
-      </p:par>
-    </p:tnLst>
-  </p:timing>
-</p:sld>
-</file>
-
-<file path=ppt/slides/slide17.xml><?xml version="1.0" encoding="utf-8"?>
-<p:sld xmlns:a="http://schemas.openxmlformats.org/drawingml/2006/main" xmlns:r="http://schemas.openxmlformats.org/officeDocument/2006/relationships" xmlns:p="http://schemas.openxmlformats.org/presentationml/2006/main">
-  <p:cSld>
-    <p:spTree>
-      <p:nvGrpSpPr>
-        <p:cNvPr id="1" name=""/>
-        <p:cNvGrpSpPr/>
-        <p:nvPr/>
-      </p:nvGrpSpPr>
-      <p:grpSpPr>
-        <a:xfrm>
-          <a:off x="0" y="0"/>
-          <a:ext cx="0" cy="0"/>
-          <a:chOff x="0" y="0"/>
-          <a:chExt cx="0" cy="0"/>
-        </a:xfrm>
-      </p:grpSpPr>
-      <p:sp>
-        <p:nvSpPr>
-          <p:cNvPr id="2" name="Titel 1"/>
-          <p:cNvSpPr>
-            <a:spLocks noGrp="1"/>
-          </p:cNvSpPr>
-          <p:nvPr>
-            <p:ph type="title"/>
-          </p:nvPr>
-        </p:nvSpPr>
-        <p:spPr/>
-        <p:txBody>
-          <a:bodyPr/>
-          <a:lstStyle/>
-          <a:p>
-            <a:r>
-              <a:rPr lang="de-DE" dirty="0" smtClean="0"/>
-              <a:t>Prototyp „d3plus (2)“ – Ergebnis</a:t>
-            </a:r>
-            <a:endParaRPr lang="de-DE" dirty="0"/>
-          </a:p>
-        </p:txBody>
-      </p:sp>
-      <p:sp>
-        <p:nvSpPr>
-          <p:cNvPr id="3" name="Inhaltsplatzhalter 2"/>
-          <p:cNvSpPr>
-            <a:spLocks noGrp="1"/>
-          </p:cNvSpPr>
-          <p:nvPr>
-            <p:ph idx="1"/>
-          </p:nvPr>
-        </p:nvSpPr>
-        <p:spPr/>
-        <p:txBody>
-          <a:bodyPr/>
-          <a:lstStyle/>
-          <a:p>
-            <a:pPr marL="0" indent="0" algn="ctr">
-              <a:buNone/>
-            </a:pPr>
-            <a:endParaRPr lang="de-DE" sz="4800" dirty="0" smtClean="0"/>
-          </a:p>
-          <a:p>
-            <a:pPr marL="0" indent="0" algn="ctr">
-              <a:buNone/>
-            </a:pPr>
-            <a:endParaRPr lang="de-DE" sz="4800" dirty="0"/>
-          </a:p>
-          <a:p>
-            <a:pPr marL="0" indent="0">
-              <a:buNone/>
-            </a:pPr>
-            <a:r>
-              <a:rPr lang="de-DE" sz="4800" dirty="0" smtClean="0"/>
-              <a:t>Live Demo</a:t>
-            </a:r>
-            <a:endParaRPr lang="de-DE" sz="4800" dirty="0"/>
-          </a:p>
-        </p:txBody>
-      </p:sp>
-      <p:sp>
-        <p:nvSpPr>
-          <p:cNvPr id="4" name="Foliennummernplatzhalter 3"/>
-          <p:cNvSpPr>
-            <a:spLocks noGrp="1"/>
-          </p:cNvSpPr>
-          <p:nvPr>
-            <p:ph type="sldNum" sz="quarter" idx="10"/>
-          </p:nvPr>
-        </p:nvSpPr>
-        <p:spPr/>
-        <p:txBody>
-          <a:bodyPr/>
-          <a:lstStyle/>
-          <a:p>
-            <a:fld id="{4A87D5D0-4391-4EB2-AF2F-8F39F08E3898}" type="slidenum">
-              <a:rPr lang="de-DE" smtClean="0"/>
-              <a:pPr/>
-              <a:t>17</a:t>
-            </a:fld>
-            <a:endParaRPr lang="de-DE"/>
-          </a:p>
-        </p:txBody>
-      </p:sp>
-      <p:sp>
-        <p:nvSpPr>
-          <p:cNvPr id="5" name="Fußzeilenplatzhalter 4"/>
-          <p:cNvSpPr>
-            <a:spLocks noGrp="1"/>
-          </p:cNvSpPr>
-          <p:nvPr>
-            <p:ph type="ftr" sz="quarter" idx="3"/>
-          </p:nvPr>
-        </p:nvSpPr>
-        <p:spPr/>
-        <p:txBody>
-          <a:bodyPr/>
-          <a:lstStyle/>
-          <a:p>
-            <a:r>
-              <a:rPr lang="it-IT" smtClean="0"/>
-              <a:t>Mobile Web | Projekt: Modulhandbuch</a:t>
-            </a:r>
-            <a:endParaRPr lang="de-DE" dirty="0"/>
-          </a:p>
-        </p:txBody>
-      </p:sp>
-      <p:pic>
-        <p:nvPicPr>
-          <p:cNvPr id="3074" name="Picture 2"/>
-          <p:cNvPicPr>
-            <a:picLocks noChangeAspect="1" noChangeArrowheads="1"/>
-          </p:cNvPicPr>
-          <p:nvPr/>
-        </p:nvPicPr>
-        <p:blipFill>
-          <a:blip r:embed="rId3">
-            <a:extLst>
-              <a:ext uri="{28A0092B-C50C-407E-A947-70E740481C1C}">
-                <a14:useLocalDpi xmlns:a14="http://schemas.microsoft.com/office/drawing/2010/main" val="0"/>
-              </a:ext>
-            </a:extLst>
-          </a:blip>
-          <a:srcRect/>
-          <a:stretch>
-            <a:fillRect/>
-          </a:stretch>
-        </p:blipFill>
-        <p:spPr bwMode="auto">
-          <a:xfrm>
-            <a:off x="4572000" y="1340768"/>
-            <a:ext cx="3701083" cy="4949721"/>
-          </a:xfrm>
-          <a:prstGeom prst="rect">
-            <a:avLst/>
-          </a:prstGeom>
-          <a:noFill/>
-          <a:ln>
-            <a:noFill/>
-          </a:ln>
-          <a:effectLst/>
-          <a:extLst>
-            <a:ext uri="{909E8E84-426E-40dd-AFC4-6F175D3DCCD1}">
-              <a14:hiddenFill xmlns:a14="http://schemas.microsoft.com/office/drawing/2010/main">
-                <a:solidFill>
-                  <a:schemeClr val="accent1"/>
-                </a:solidFill>
-              </a14:hiddenFill>
-            </a:ext>
-            <a:ext uri="{91240B29-F687-4f45-9708-019B960494DF}">
-              <a14:hiddenLine xmlns:a14="http://schemas.microsoft.com/office/drawing/2010/main" w="9525">
-                <a:solidFill>
-                  <a:schemeClr val="tx1"/>
-                </a:solidFill>
-                <a:miter lim="800000"/>
-                <a:headEnd/>
-                <a:tailEnd/>
-              </a14:hiddenLine>
-            </a:ext>
-            <a:ext uri="{AF507438-7753-43e0-B8FC-AC1667EBCBE1}">
-              <a14:hiddenEffects xmlns:a14="http://schemas.microsoft.com/office/drawing/2010/main">
-                <a:effectLst>
-                  <a:outerShdw dist="35921" dir="2700000" algn="ctr" rotWithShape="0">
-                    <a:schemeClr val="bg2"/>
-                  </a:outerShdw>
-                </a:effectLst>
-              </a14:hiddenEffects>
-            </a:ext>
-          </a:extLst>
-        </p:spPr>
-      </p:pic>
-      <p:pic>
-        <p:nvPicPr>
-          <p:cNvPr id="9" name="Picture 2"/>
-          <p:cNvPicPr>
-            <a:picLocks noChangeAspect="1" noChangeArrowheads="1"/>
-          </p:cNvPicPr>
-          <p:nvPr/>
-        </p:nvPicPr>
-        <p:blipFill>
-          <a:blip r:embed="rId4" cstate="print">
-            <a:extLst>
-              <a:ext uri="{28A0092B-C50C-407E-A947-70E740481C1C}">
-                <a14:useLocalDpi xmlns:a14="http://schemas.microsoft.com/office/drawing/2010/main" val="0"/>
-              </a:ext>
-            </a:extLst>
-          </a:blip>
-          <a:srcRect/>
-          <a:stretch>
-            <a:fillRect/>
-          </a:stretch>
-        </p:blipFill>
-        <p:spPr bwMode="auto">
-          <a:xfrm>
-            <a:off x="5254797" y="3259276"/>
-            <a:ext cx="2304256" cy="1209860"/>
-          </a:xfrm>
-          <a:prstGeom prst="rect">
-            <a:avLst/>
-          </a:prstGeom>
-          <a:noFill/>
-          <a:ln w="9525">
-            <a:noFill/>
-            <a:miter lim="800000"/>
-            <a:headEnd/>
-            <a:tailEnd/>
-          </a:ln>
-          <a:extLst>
-            <a:ext uri="{909E8E84-426E-40dd-AFC4-6F175D3DCCD1}">
-              <a14:hiddenFill xmlns:a14="http://schemas.microsoft.com/office/drawing/2010/main">
-                <a:solidFill>
-                  <a:schemeClr val="accent1"/>
-                </a:solidFill>
-              </a14:hiddenFill>
-            </a:ext>
-          </a:extLst>
-        </p:spPr>
-      </p:pic>
-    </p:spTree>
-    <p:extLst>
-      <p:ext uri="{BB962C8B-B14F-4D97-AF65-F5344CB8AC3E}">
-        <p14:creationId xmlns:p14="http://schemas.microsoft.com/office/powerpoint/2010/main" val="500778106"/>
-      </p:ext>
-    </p:extLst>
-  </p:cSld>
-  <p:clrMapOvr>
-    <a:masterClrMapping/>
-  </p:clrMapOvr>
-  <p:timing>
-    <p:tnLst>
-      <p:par>
-        <p:cTn xmlns:p14="http://schemas.microsoft.com/office/powerpoint/2010/main" id="1" dur="indefinite" restart="never" nodeType="tmRoot"/>
+        <p:cTn id="1" dur="indefinite" restart="never" nodeType="tmRoot"/>
       </p:par>
     </p:tnLst>
   </p:timing>
@@ -9730,7 +7548,7 @@
             </a:solidFill>
           </a:ln>
           <a:extLst>
-            <a:ext uri="{909E8E84-426E-40dd-AFC4-6F175D3DCCD1}">
+            <a:ext uri="{909E8E84-426E-40DD-AFC4-6F175D3DCCD1}">
               <a14:hiddenFill xmlns:a14="http://schemas.microsoft.com/office/drawing/2010/main">
                 <a:solidFill>
                   <a:srgbClr val="FFFFFF"/>
@@ -9781,7 +7599,7 @@
             <a:tailEnd/>
           </a:ln>
           <a:extLst>
-            <a:ext uri="{909E8E84-426E-40dd-AFC4-6F175D3DCCD1}">
+            <a:ext uri="{909E8E84-426E-40DD-AFC4-6F175D3DCCD1}">
               <a14:hiddenFill xmlns:a14="http://schemas.microsoft.com/office/drawing/2010/main">
                 <a:solidFill>
                   <a:schemeClr val="accent1"/>
@@ -9832,7 +7650,7 @@
             <a:tailEnd/>
           </a:ln>
           <a:extLst>
-            <a:ext uri="{909E8E84-426E-40dd-AFC4-6F175D3DCCD1}">
+            <a:ext uri="{909E8E84-426E-40DD-AFC4-6F175D3DCCD1}">
               <a14:hiddenFill xmlns:a14="http://schemas.microsoft.com/office/drawing/2010/main">
                 <a:solidFill>
                   <a:schemeClr val="accent1"/>
@@ -9873,7 +7691,7 @@
           </a:prstGeom>
           <a:noFill/>
           <a:extLst>
-            <a:ext uri="{909E8E84-426E-40dd-AFC4-6F175D3DCCD1}">
+            <a:ext uri="{909E8E84-426E-40DD-AFC4-6F175D3DCCD1}">
               <a14:hiddenFill xmlns:a14="http://schemas.microsoft.com/office/drawing/2010/main">
                 <a:solidFill>
                   <a:srgbClr val="FFFFFF"/>
@@ -9921,7 +7739,7 @@
             </a:solidFill>
           </a:ln>
           <a:extLst>
-            <a:ext uri="{909E8E84-426E-40dd-AFC4-6F175D3DCCD1}">
+            <a:ext uri="{909E8E84-426E-40DD-AFC4-6F175D3DCCD1}">
               <a14:hiddenFill xmlns:a14="http://schemas.microsoft.com/office/drawing/2010/main">
                 <a:solidFill>
                   <a:srgbClr val="FFFFFF"/>
@@ -9944,7 +7762,7 @@
   <p:timing>
     <p:tnLst>
       <p:par>
-        <p:cTn xmlns:p14="http://schemas.microsoft.com/office/powerpoint/2010/main" id="1" dur="indefinite" restart="never" nodeType="tmRoot">
+        <p:cTn id="1" dur="indefinite" restart="never" nodeType="tmRoot">
           <p:childTnLst>
             <p:seq concurrent="1" nextAc="seek">
               <p:cTn id="2" dur="indefinite" nodeType="mainSeq">
@@ -10323,15 +8141,7 @@
             </a:pPr>
             <a:r>
               <a:rPr lang="de-DE" dirty="0" smtClean="0"/>
-              <a:t>Brainstorming </a:t>
-            </a:r>
-            <a:r>
-              <a:rPr lang="de-DE" dirty="0" smtClean="0"/>
-              <a:t>zur </a:t>
-            </a:r>
-            <a:r>
-              <a:rPr lang="de-DE" dirty="0" smtClean="0"/>
-              <a:t>Gestaltung</a:t>
+              <a:t>Brainstorming zur Gestaltung</a:t>
             </a:r>
             <a:endParaRPr lang="de-DE" dirty="0"/>
           </a:p>
@@ -10356,13 +8166,8 @@
             </a:pPr>
             <a:r>
               <a:rPr lang="de-DE" dirty="0" smtClean="0"/>
-              <a:t>Bewährte Struktur + Gute Visualisierung + </a:t>
-            </a:r>
-            <a:r>
-              <a:rPr lang="de-DE" dirty="0" smtClean="0"/>
-              <a:t>Informationen</a:t>
-            </a:r>
-            <a:endParaRPr lang="de-DE" dirty="0" smtClean="0"/>
+              <a:t>Bewährte Struktur + Gute Visualisierung + Informationen</a:t>
+            </a:r>
           </a:p>
         </p:txBody>
       </p:sp>
@@ -10442,7 +8247,7 @@
           </a:prstGeom>
           <a:noFill/>
           <a:extLst>
-            <a:ext uri="{909E8E84-426E-40dd-AFC4-6F175D3DCCD1}">
+            <a:ext uri="{909E8E84-426E-40DD-AFC4-6F175D3DCCD1}">
               <a14:hiddenFill xmlns:a14="http://schemas.microsoft.com/office/drawing/2010/main">
                 <a:solidFill>
                   <a:srgbClr val="FFFFFF"/>
@@ -10576,7 +8381,7 @@
   <p:timing>
     <p:tnLst>
       <p:par>
-        <p:cTn xmlns:p14="http://schemas.microsoft.com/office/powerpoint/2010/main" id="1" dur="indefinite" restart="never" nodeType="tmRoot">
+        <p:cTn id="1" dur="indefinite" restart="never" nodeType="tmRoot">
           <p:childTnLst>
             <p:seq concurrent="1" nextAc="seek">
               <p:cTn id="2" dur="indefinite" nodeType="mainSeq">
@@ -11096,7 +8901,7 @@
             <a:tailEnd/>
           </a:ln>
           <a:extLst>
-            <a:ext uri="{909E8E84-426E-40dd-AFC4-6F175D3DCCD1}">
+            <a:ext uri="{909E8E84-426E-40DD-AFC4-6F175D3DCCD1}">
               <a14:hiddenFill xmlns:a14="http://schemas.microsoft.com/office/drawing/2010/main">
                 <a:solidFill>
                   <a:schemeClr val="accent1"/>
@@ -11155,7 +8960,7 @@
   <p:timing>
     <p:tnLst>
       <p:par>
-        <p:cTn xmlns:p14="http://schemas.microsoft.com/office/powerpoint/2010/main" id="1" dur="indefinite" restart="never" nodeType="tmRoot"/>
+        <p:cTn id="1" dur="indefinite" restart="never" nodeType="tmRoot"/>
       </p:par>
     </p:tnLst>
   </p:timing>
@@ -11326,7 +9131,7 @@
             <a:tailEnd/>
           </a:ln>
           <a:extLst>
-            <a:ext uri="{909E8E84-426E-40dd-AFC4-6F175D3DCCD1}">
+            <a:ext uri="{909E8E84-426E-40DD-AFC4-6F175D3DCCD1}">
               <a14:hiddenFill xmlns:a14="http://schemas.microsoft.com/office/drawing/2010/main">
                 <a:solidFill>
                   <a:schemeClr val="accent1"/>
@@ -11415,7 +9220,7 @@
   <p:timing>
     <p:tnLst>
       <p:par>
-        <p:cTn xmlns:p14="http://schemas.microsoft.com/office/powerpoint/2010/main" id="1" dur="indefinite" restart="never" nodeType="tmRoot"/>
+        <p:cTn id="1" dur="indefinite" restart="never" nodeType="tmRoot"/>
       </p:par>
     </p:tnLst>
   </p:timing>
@@ -11547,7 +9352,7 @@
             </a:solidFill>
           </a:ln>
           <a:extLst>
-            <a:ext uri="{909E8E84-426E-40dd-AFC4-6F175D3DCCD1}">
+            <a:ext uri="{909E8E84-426E-40DD-AFC4-6F175D3DCCD1}">
               <a14:hiddenFill xmlns:a14="http://schemas.microsoft.com/office/drawing/2010/main">
                 <a:solidFill>
                   <a:srgbClr val="FFFFFF"/>
@@ -11595,7 +9400,7 @@
             </a:solidFill>
           </a:ln>
           <a:extLst>
-            <a:ext uri="{909E8E84-426E-40dd-AFC4-6F175D3DCCD1}">
+            <a:ext uri="{909E8E84-426E-40DD-AFC4-6F175D3DCCD1}">
               <a14:hiddenFill xmlns:a14="http://schemas.microsoft.com/office/drawing/2010/main">
                 <a:solidFill>
                   <a:srgbClr val="FFFFFF"/>
@@ -11643,7 +9448,7 @@
             </a:solidFill>
           </a:ln>
           <a:extLst>
-            <a:ext uri="{909E8E84-426E-40dd-AFC4-6F175D3DCCD1}">
+            <a:ext uri="{909E8E84-426E-40DD-AFC4-6F175D3DCCD1}">
               <a14:hiddenFill xmlns:a14="http://schemas.microsoft.com/office/drawing/2010/main">
                 <a:solidFill>
                   <a:srgbClr val="FFFFFF"/>
@@ -11666,7 +9471,7 @@
   <p:timing>
     <p:tnLst>
       <p:par>
-        <p:cTn xmlns:p14="http://schemas.microsoft.com/office/powerpoint/2010/main" id="1" dur="indefinite" restart="never" nodeType="tmRoot">
+        <p:cTn id="1" dur="indefinite" restart="never" nodeType="tmRoot">
           <p:childTnLst>
             <p:seq concurrent="1" nextAc="seek">
               <p:cTn id="2" dur="indefinite" nodeType="mainSeq">
@@ -11834,7 +9639,7 @@
           </a:prstGeom>
           <a:noFill/>
           <a:extLst>
-            <a:ext uri="{909E8E84-426E-40dd-AFC4-6F175D3DCCD1}">
+            <a:ext uri="{909E8E84-426E-40DD-AFC4-6F175D3DCCD1}">
               <a14:hiddenFill xmlns:a14="http://schemas.microsoft.com/office/drawing/2010/main">
                 <a:solidFill>
                   <a:srgbClr val="FFFFFF"/>
@@ -12032,7 +9837,7 @@
   <p:timing>
     <p:tnLst>
       <p:par>
-        <p:cTn xmlns:p14="http://schemas.microsoft.com/office/powerpoint/2010/main" id="1" dur="indefinite" restart="never" nodeType="tmRoot">
+        <p:cTn id="1" dur="indefinite" restart="never" nodeType="tmRoot">
           <p:childTnLst>
             <p:seq concurrent="1" nextAc="seek">
               <p:cTn id="2" dur="indefinite" nodeType="mainSeq">
@@ -12394,7 +10199,7 @@
             <a:tailEnd/>
           </a:ln>
           <a:extLst>
-            <a:ext uri="{909E8E84-426E-40dd-AFC4-6F175D3DCCD1}">
+            <a:ext uri="{909E8E84-426E-40DD-AFC4-6F175D3DCCD1}">
               <a14:hiddenFill xmlns:a14="http://schemas.microsoft.com/office/drawing/2010/main">
                 <a:solidFill>
                   <a:schemeClr val="accent1"/>
@@ -12445,7 +10250,7 @@
             <a:tailEnd/>
           </a:ln>
           <a:extLst>
-            <a:ext uri="{909E8E84-426E-40dd-AFC4-6F175D3DCCD1}">
+            <a:ext uri="{909E8E84-426E-40DD-AFC4-6F175D3DCCD1}">
               <a14:hiddenFill xmlns:a14="http://schemas.microsoft.com/office/drawing/2010/main">
                 <a:solidFill>
                   <a:schemeClr val="accent1"/>
@@ -12493,7 +10298,7 @@
             </a:solidFill>
           </a:ln>
           <a:extLst>
-            <a:ext uri="{909E8E84-426E-40dd-AFC4-6F175D3DCCD1}">
+            <a:ext uri="{909E8E84-426E-40DD-AFC4-6F175D3DCCD1}">
               <a14:hiddenFill xmlns:a14="http://schemas.microsoft.com/office/drawing/2010/main">
                 <a:solidFill>
                   <a:srgbClr val="FFFFFF"/>
@@ -12516,7 +10321,7 @@
   <p:timing>
     <p:tnLst>
       <p:par>
-        <p:cTn xmlns:p14="http://schemas.microsoft.com/office/powerpoint/2010/main" id="1" dur="indefinite" restart="never" nodeType="tmRoot">
+        <p:cTn id="1" dur="indefinite" restart="never" nodeType="tmRoot">
           <p:childTnLst>
             <p:seq concurrent="1" nextAc="seek">
               <p:cTn id="2" dur="indefinite" nodeType="mainSeq">
@@ -12764,7 +10569,7 @@
             <a:tailEnd/>
           </a:ln>
           <a:extLst>
-            <a:ext uri="{909E8E84-426E-40dd-AFC4-6F175D3DCCD1}">
+            <a:ext uri="{909E8E84-426E-40DD-AFC4-6F175D3DCCD1}">
               <a14:hiddenFill xmlns:a14="http://schemas.microsoft.com/office/drawing/2010/main">
                 <a:solidFill>
                   <a:schemeClr val="accent1"/>
@@ -12815,7 +10620,7 @@
             <a:tailEnd/>
           </a:ln>
           <a:extLst>
-            <a:ext uri="{909E8E84-426E-40dd-AFC4-6F175D3DCCD1}">
+            <a:ext uri="{909E8E84-426E-40DD-AFC4-6F175D3DCCD1}">
               <a14:hiddenFill xmlns:a14="http://schemas.microsoft.com/office/drawing/2010/main">
                 <a:solidFill>
                   <a:schemeClr val="accent1"/>
@@ -12863,7 +10668,7 @@
             </a:solidFill>
           </a:ln>
           <a:extLst>
-            <a:ext uri="{909E8E84-426E-40dd-AFC4-6F175D3DCCD1}">
+            <a:ext uri="{909E8E84-426E-40DD-AFC4-6F175D3DCCD1}">
               <a14:hiddenFill xmlns:a14="http://schemas.microsoft.com/office/drawing/2010/main">
                 <a:solidFill>
                   <a:srgbClr val="FFFFFF"/>
@@ -12911,7 +10716,7 @@
             </a:solidFill>
           </a:ln>
           <a:extLst>
-            <a:ext uri="{909E8E84-426E-40dd-AFC4-6F175D3DCCD1}">
+            <a:ext uri="{909E8E84-426E-40DD-AFC4-6F175D3DCCD1}">
               <a14:hiddenFill xmlns:a14="http://schemas.microsoft.com/office/drawing/2010/main">
                 <a:solidFill>
                   <a:srgbClr val="FFFFFF"/>
@@ -12934,7 +10739,7 @@
   <p:timing>
     <p:tnLst>
       <p:par>
-        <p:cTn xmlns:p14="http://schemas.microsoft.com/office/powerpoint/2010/main" id="1" dur="indefinite" restart="never" nodeType="tmRoot">
+        <p:cTn id="1" dur="indefinite" restart="never" nodeType="tmRoot">
           <p:childTnLst>
             <p:seq concurrent="1" nextAc="seek">
               <p:cTn id="2" dur="indefinite" nodeType="mainSeq">

--- a/presentation/2015-07-09_Mobile-Web_Gruppe-Modulhandbuch.pptx
+++ b/presentation/2015-07-09_Mobile-Web_Gruppe-Modulhandbuch.pptx
@@ -155,7 +155,7 @@
   </p:defaultTextStyle>
   <p:extLst>
     <p:ext uri="{EFAFB233-063F-42B5-8137-9DF3F51BA10A}">
-      <p15:sldGuideLst xmlns:p15="http://schemas.microsoft.com/office/powerpoint/2012/main" xmlns="">
+      <p15:sldGuideLst xmlns="" xmlns:p15="http://schemas.microsoft.com/office/powerpoint/2012/main">
         <p15:guide id="1" orient="horz" pos="2160">
           <p15:clr>
             <a:srgbClr val="A4A3A4"/>
@@ -214,7 +214,7 @@
       </p15:sldGuideLst>
     </p:ext>
     <p:ext uri="{2D200454-40CA-4A62-9FC3-DE9A4176ACB9}">
-      <p15:notesGuideLst xmlns:p15="http://schemas.microsoft.com/office/powerpoint/2012/main" xmlns=""/>
+      <p15:notesGuideLst xmlns="" xmlns:p15="http://schemas.microsoft.com/office/powerpoint/2012/main"/>
     </p:ext>
   </p:extLst>
 </p:presentation>
@@ -302,7 +302,7 @@
           <a:p>
             <a:fld id="{9937624A-19D6-4B53-87FF-7EC9970FE6DF}" type="datetimeFigureOut">
               <a:rPr lang="de-DE" smtClean="0"/>
-              <a:t>07.07.2015</a:t>
+              <a:t>08.07.2015</a:t>
             </a:fld>
             <a:endParaRPr lang="de-DE"/>
           </a:p>
@@ -467,7 +467,7 @@
           <a:p>
             <a:fld id="{880E0E77-1EBE-4DCA-941B-CCC4F080B8D0}" type="datetimeFigureOut">
               <a:rPr lang="de-DE" smtClean="0"/>
-              <a:t>07.07.2015</a:t>
+              <a:t>08.07.2015</a:t>
             </a:fld>
             <a:endParaRPr lang="de-DE"/>
           </a:p>
@@ -1156,7 +1156,7 @@
           <a:p>
             <a:fld id="{BE52FED1-3B53-4AFD-A771-C7BE27550915}" type="datetime1">
               <a:rPr lang="de-DE" smtClean="0"/>
-              <a:t>07.07.2015</a:t>
+              <a:t>08.07.2015</a:t>
             </a:fld>
             <a:endParaRPr lang="de-DE" dirty="0"/>
           </a:p>
@@ -1467,7 +1467,7 @@
           <a:p>
             <a:fld id="{36514D55-B040-4CBD-B6B9-F1964C8C5D0D}" type="datetime1">
               <a:rPr lang="de-DE" smtClean="0"/>
-              <a:t>07.07.2015</a:t>
+              <a:t>08.07.2015</a:t>
             </a:fld>
             <a:endParaRPr lang="de-DE"/>
           </a:p>
@@ -1726,7 +1726,7 @@
           <a:p>
             <a:fld id="{193105AA-858E-4C99-9190-244091FB0E4C}" type="datetime1">
               <a:rPr lang="de-DE" smtClean="0"/>
-              <a:t>07.07.2015</a:t>
+              <a:t>08.07.2015</a:t>
             </a:fld>
             <a:endParaRPr lang="de-DE"/>
           </a:p>
@@ -2085,7 +2085,7 @@
           <a:p>
             <a:fld id="{95DCA378-4D19-49BB-8AAE-45C7E41C1D83}" type="datetime1">
               <a:rPr lang="de-DE" smtClean="0"/>
-              <a:t>07.07.2015</a:t>
+              <a:t>08.07.2015</a:t>
             </a:fld>
             <a:endParaRPr lang="de-DE"/>
           </a:p>
@@ -2547,7 +2547,7 @@
           <a:p>
             <a:fld id="{D32B10BE-596A-4E88-9BC8-49B1B53D3333}" type="datetime1">
               <a:rPr lang="de-DE" smtClean="0"/>
-              <a:t>07.07.2015</a:t>
+              <a:t>08.07.2015</a:t>
             </a:fld>
             <a:endParaRPr lang="de-DE"/>
           </a:p>
@@ -2764,7 +2764,7 @@
           <a:p>
             <a:fld id="{33003E35-6098-4B69-A0CA-FD39498AB0F4}" type="datetime1">
               <a:rPr lang="de-DE" smtClean="0"/>
-              <a:t>07.07.2015</a:t>
+              <a:t>08.07.2015</a:t>
             </a:fld>
             <a:endParaRPr lang="de-DE"/>
           </a:p>
@@ -2926,7 +2926,7 @@
           <a:p>
             <a:fld id="{FFE014C6-8B34-4748-BFFD-43343B8201C8}" type="datetime1">
               <a:rPr lang="de-DE" smtClean="0"/>
-              <a:t>07.07.2015</a:t>
+              <a:t>08.07.2015</a:t>
             </a:fld>
             <a:endParaRPr lang="de-DE"/>
           </a:p>
@@ -3270,7 +3270,7 @@
           <a:p>
             <a:fld id="{3721457A-8B30-4567-9F44-DF3C2DA4804D}" type="datetime1">
               <a:rPr lang="de-DE" smtClean="0"/>
-              <a:t>07.07.2015</a:t>
+              <a:t>08.07.2015</a:t>
             </a:fld>
             <a:endParaRPr lang="de-DE"/>
           </a:p>
@@ -3594,7 +3594,7 @@
           <a:p>
             <a:fld id="{47982ECF-30EC-40E0-B102-478A97B403CD}" type="datetime1">
               <a:rPr lang="de-DE" smtClean="0"/>
-              <a:t>07.07.2015</a:t>
+              <a:t>08.07.2015</a:t>
             </a:fld>
             <a:endParaRPr lang="de-DE"/>
           </a:p>
@@ -4028,7 +4028,7 @@
           <a:p>
             <a:fld id="{598F92F8-949A-4A70-9DDB-CBDAE3E0A114}" type="datetime1">
               <a:rPr lang="de-DE" smtClean="0"/>
-              <a:t>07.07.2015</a:t>
+              <a:t>08.07.2015</a:t>
             </a:fld>
             <a:endParaRPr lang="de-DE" dirty="0"/>
           </a:p>
@@ -5541,83 +5541,9 @@
           <a:chExt cx="0" cy="0"/>
         </a:xfrm>
       </p:grpSpPr>
-      <p:sp>
-        <p:nvSpPr>
-          <p:cNvPr id="2" name="Titel 1"/>
-          <p:cNvSpPr>
-            <a:spLocks noGrp="1"/>
-          </p:cNvSpPr>
-          <p:nvPr>
-            <p:ph type="title"/>
-          </p:nvPr>
-        </p:nvSpPr>
-        <p:spPr/>
-        <p:txBody>
-          <a:bodyPr/>
-          <a:lstStyle/>
-          <a:p>
-            <a:r>
-              <a:rPr lang="de-DE" dirty="0"/>
-              <a:t>Prototyp „d3plus (2)“ – </a:t>
-            </a:r>
-            <a:r>
-              <a:rPr lang="de-DE" dirty="0" smtClean="0"/>
-              <a:t>Timeline</a:t>
-            </a:r>
-            <a:endParaRPr lang="de-DE" dirty="0"/>
-          </a:p>
-        </p:txBody>
-      </p:sp>
-      <p:sp>
-        <p:nvSpPr>
-          <p:cNvPr id="4" name="Foliennummernplatzhalter 3"/>
-          <p:cNvSpPr>
-            <a:spLocks noGrp="1"/>
-          </p:cNvSpPr>
-          <p:nvPr>
-            <p:ph type="sldNum" sz="quarter" idx="10"/>
-          </p:nvPr>
-        </p:nvSpPr>
-        <p:spPr/>
-        <p:txBody>
-          <a:bodyPr/>
-          <a:lstStyle/>
-          <a:p>
-            <a:fld id="{4A87D5D0-4391-4EB2-AF2F-8F39F08E3898}" type="slidenum">
-              <a:rPr lang="de-DE" smtClean="0"/>
-              <a:pPr/>
-              <a:t>11</a:t>
-            </a:fld>
-            <a:endParaRPr lang="de-DE" dirty="0"/>
-          </a:p>
-        </p:txBody>
-      </p:sp>
-      <p:sp>
-        <p:nvSpPr>
-          <p:cNvPr id="5" name="Fußzeilenplatzhalter 4"/>
-          <p:cNvSpPr>
-            <a:spLocks noGrp="1"/>
-          </p:cNvSpPr>
-          <p:nvPr>
-            <p:ph type="ftr" sz="quarter" idx="3"/>
-          </p:nvPr>
-        </p:nvSpPr>
-        <p:spPr/>
-        <p:txBody>
-          <a:bodyPr/>
-          <a:lstStyle/>
-          <a:p>
-            <a:r>
-              <a:rPr lang="it-IT" smtClean="0"/>
-              <a:t>Mobile Web | Projekt: Modulhandbuch</a:t>
-            </a:r>
-            <a:endParaRPr lang="de-DE" dirty="0"/>
-          </a:p>
-        </p:txBody>
-      </p:sp>
       <p:pic>
         <p:nvPicPr>
-          <p:cNvPr id="2053" name="Picture 5"/>
+          <p:cNvPr id="8" name="Picture 2" descr="http://static.flickr.com/134/326234991_429619a02b_o.jpg"/>
           <p:cNvPicPr>
             <a:picLocks noChangeAspect="1" noChangeArrowheads="1"/>
           </p:cNvPicPr>
@@ -5638,8 +5564,245 @@
         </p:blipFill>
         <p:spPr bwMode="auto">
           <a:xfrm>
-            <a:off x="437771" y="1512000"/>
-            <a:ext cx="8280000" cy="4422236"/>
+            <a:off x="2483768" y="1556792"/>
+            <a:ext cx="4184387" cy="4289436"/>
+          </a:xfrm>
+          <a:prstGeom prst="rect">
+            <a:avLst/>
+          </a:prstGeom>
+          <a:noFill/>
+          <a:extLst>
+            <a:ext uri="{909E8E84-426E-40DD-AFC4-6F175D3DCCD1}">
+              <a14:hiddenFill xmlns:a14="http://schemas.microsoft.com/office/drawing/2010/main">
+                <a:solidFill>
+                  <a:srgbClr val="FFFFFF"/>
+                </a:solidFill>
+              </a14:hiddenFill>
+            </a:ext>
+          </a:extLst>
+        </p:spPr>
+      </p:pic>
+      <p:sp>
+        <p:nvSpPr>
+          <p:cNvPr id="2" name="Titel 1"/>
+          <p:cNvSpPr>
+            <a:spLocks noGrp="1"/>
+          </p:cNvSpPr>
+          <p:nvPr>
+            <p:ph type="title"/>
+          </p:nvPr>
+        </p:nvSpPr>
+        <p:spPr/>
+        <p:txBody>
+          <a:bodyPr/>
+          <a:lstStyle/>
+          <a:p>
+            <a:r>
+              <a:rPr lang="de-DE" dirty="0"/>
+              <a:t>Prototyp „d3plus (2)“ – </a:t>
+            </a:r>
+            <a:r>
+              <a:rPr lang="de-DE" dirty="0" smtClean="0"/>
+              <a:t>Timeline</a:t>
+            </a:r>
+            <a:endParaRPr lang="de-DE" dirty="0"/>
+          </a:p>
+        </p:txBody>
+      </p:sp>
+      <p:sp>
+        <p:nvSpPr>
+          <p:cNvPr id="4" name="Foliennummernplatzhalter 3"/>
+          <p:cNvSpPr>
+            <a:spLocks noGrp="1"/>
+          </p:cNvSpPr>
+          <p:nvPr>
+            <p:ph type="sldNum" sz="quarter" idx="10"/>
+          </p:nvPr>
+        </p:nvSpPr>
+        <p:spPr/>
+        <p:txBody>
+          <a:bodyPr/>
+          <a:lstStyle/>
+          <a:p>
+            <a:fld id="{4A87D5D0-4391-4EB2-AF2F-8F39F08E3898}" type="slidenum">
+              <a:rPr lang="de-DE" smtClean="0"/>
+              <a:pPr/>
+              <a:t>11</a:t>
+            </a:fld>
+            <a:endParaRPr lang="de-DE" dirty="0"/>
+          </a:p>
+        </p:txBody>
+      </p:sp>
+      <p:sp>
+        <p:nvSpPr>
+          <p:cNvPr id="5" name="Fußzeilenplatzhalter 4"/>
+          <p:cNvSpPr>
+            <a:spLocks noGrp="1"/>
+          </p:cNvSpPr>
+          <p:nvPr>
+            <p:ph type="ftr" sz="quarter" idx="3"/>
+          </p:nvPr>
+        </p:nvSpPr>
+        <p:spPr/>
+        <p:txBody>
+          <a:bodyPr/>
+          <a:lstStyle/>
+          <a:p>
+            <a:r>
+              <a:rPr lang="it-IT" smtClean="0"/>
+              <a:t>Mobile Web | Projekt: Modulhandbuch</a:t>
+            </a:r>
+            <a:endParaRPr lang="de-DE" dirty="0"/>
+          </a:p>
+        </p:txBody>
+      </p:sp>
+      <p:pic>
+        <p:nvPicPr>
+          <p:cNvPr id="1026" name="Picture 2"/>
+          <p:cNvPicPr>
+            <a:picLocks noChangeAspect="1" noChangeArrowheads="1"/>
+          </p:cNvPicPr>
+          <p:nvPr/>
+        </p:nvPicPr>
+        <p:blipFill>
+          <a:blip r:embed="rId3">
+            <a:extLst>
+              <a:ext uri="{28A0092B-C50C-407E-A947-70E740481C1C}">
+                <a14:useLocalDpi xmlns:a14="http://schemas.microsoft.com/office/drawing/2010/main" val="0"/>
+              </a:ext>
+            </a:extLst>
+          </a:blip>
+          <a:srcRect/>
+          <a:stretch>
+            <a:fillRect/>
+          </a:stretch>
+        </p:blipFill>
+        <p:spPr bwMode="auto">
+          <a:xfrm>
+            <a:off x="323528" y="1340768"/>
+            <a:ext cx="6623050" cy="3810000"/>
+          </a:xfrm>
+          <a:prstGeom prst="rect">
+            <a:avLst/>
+          </a:prstGeom>
+          <a:noFill/>
+          <a:ln w="9525">
+            <a:solidFill>
+              <a:schemeClr val="bg1">
+                <a:lumMod val="50000"/>
+              </a:schemeClr>
+            </a:solidFill>
+            <a:miter lim="800000"/>
+            <a:headEnd/>
+            <a:tailEnd/>
+          </a:ln>
+          <a:effectLst/>
+          <a:extLst>
+            <a:ext uri="{909E8E84-426E-40DD-AFC4-6F175D3DCCD1}">
+              <a14:hiddenFill xmlns:a14="http://schemas.microsoft.com/office/drawing/2010/main">
+                <a:solidFill>
+                  <a:schemeClr val="accent1"/>
+                </a:solidFill>
+              </a14:hiddenFill>
+            </a:ext>
+            <a:ext uri="{AF507438-7753-43E0-B8FC-AC1667EBCBE1}">
+              <a14:hiddenEffects xmlns:a14="http://schemas.microsoft.com/office/drawing/2010/main">
+                <a:effectLst>
+                  <a:outerShdw dist="35921" dir="2700000" algn="ctr" rotWithShape="0">
+                    <a:schemeClr val="bg2"/>
+                  </a:outerShdw>
+                </a:effectLst>
+              </a14:hiddenEffects>
+            </a:ext>
+          </a:extLst>
+        </p:spPr>
+      </p:pic>
+      <p:pic>
+        <p:nvPicPr>
+          <p:cNvPr id="1027" name="Picture 3"/>
+          <p:cNvPicPr>
+            <a:picLocks noChangeAspect="1" noChangeArrowheads="1"/>
+          </p:cNvPicPr>
+          <p:nvPr/>
+        </p:nvPicPr>
+        <p:blipFill>
+          <a:blip r:embed="rId4">
+            <a:extLst>
+              <a:ext uri="{28A0092B-C50C-407E-A947-70E740481C1C}">
+                <a14:useLocalDpi xmlns:a14="http://schemas.microsoft.com/office/drawing/2010/main" val="0"/>
+              </a:ext>
+            </a:extLst>
+          </a:blip>
+          <a:srcRect/>
+          <a:stretch>
+            <a:fillRect/>
+          </a:stretch>
+        </p:blipFill>
+        <p:spPr bwMode="auto">
+          <a:xfrm>
+            <a:off x="1333326" y="1923256"/>
+            <a:ext cx="6623050" cy="3810000"/>
+          </a:xfrm>
+          <a:prstGeom prst="rect">
+            <a:avLst/>
+          </a:prstGeom>
+          <a:noFill/>
+          <a:ln w="9525">
+            <a:solidFill>
+              <a:schemeClr val="bg1">
+                <a:lumMod val="50000"/>
+              </a:schemeClr>
+            </a:solidFill>
+            <a:miter lim="800000"/>
+            <a:headEnd/>
+            <a:tailEnd/>
+          </a:ln>
+          <a:effectLst/>
+          <a:extLst>
+            <a:ext uri="{909E8E84-426E-40DD-AFC4-6F175D3DCCD1}">
+              <a14:hiddenFill xmlns:a14="http://schemas.microsoft.com/office/drawing/2010/main">
+                <a:solidFill>
+                  <a:schemeClr val="accent1"/>
+                </a:solidFill>
+              </a14:hiddenFill>
+            </a:ext>
+            <a:ext uri="{AF507438-7753-43E0-B8FC-AC1667EBCBE1}">
+              <a14:hiddenEffects xmlns:a14="http://schemas.microsoft.com/office/drawing/2010/main">
+                <a:effectLst>
+                  <a:outerShdw dist="35921" dir="2700000" algn="ctr" rotWithShape="0">
+                    <a:schemeClr val="bg2"/>
+                  </a:outerShdw>
+                </a:effectLst>
+              </a14:hiddenEffects>
+            </a:ext>
+          </a:extLst>
+        </p:spPr>
+      </p:pic>
+      <p:pic>
+        <p:nvPicPr>
+          <p:cNvPr id="1029" name="Picture 5"/>
+          <p:cNvPicPr>
+            <a:picLocks noChangeAspect="1" noChangeArrowheads="1"/>
+          </p:cNvPicPr>
+          <p:nvPr/>
+        </p:nvPicPr>
+        <p:blipFill>
+          <a:blip r:embed="rId5">
+            <a:extLst>
+              <a:ext uri="{28A0092B-C50C-407E-A947-70E740481C1C}">
+                <a14:useLocalDpi xmlns:a14="http://schemas.microsoft.com/office/drawing/2010/main" val="0"/>
+              </a:ext>
+            </a:extLst>
+          </a:blip>
+          <a:srcRect/>
+          <a:stretch>
+            <a:fillRect/>
+          </a:stretch>
+        </p:blipFill>
+        <p:spPr bwMode="auto">
+          <a:xfrm>
+            <a:off x="3131840" y="3288683"/>
+            <a:ext cx="4764836" cy="2300557"/>
           </a:xfrm>
           <a:prstGeom prst="rect">
             <a:avLst/>
@@ -5675,168 +5838,6 @@
                   </a:outerShdw>
                 </a:effectLst>
               </a14:hiddenEffects>
-            </a:ext>
-          </a:extLst>
-        </p:spPr>
-      </p:pic>
-      <p:pic>
-        <p:nvPicPr>
-          <p:cNvPr id="2055" name="Picture 7"/>
-          <p:cNvPicPr>
-            <a:picLocks noChangeAspect="1" noChangeArrowheads="1"/>
-          </p:cNvPicPr>
-          <p:nvPr/>
-        </p:nvPicPr>
-        <p:blipFill>
-          <a:blip r:embed="rId3">
-            <a:extLst>
-              <a:ext uri="{28A0092B-C50C-407E-A947-70E740481C1C}">
-                <a14:useLocalDpi xmlns:a14="http://schemas.microsoft.com/office/drawing/2010/main" val="0"/>
-              </a:ext>
-            </a:extLst>
-          </a:blip>
-          <a:srcRect/>
-          <a:stretch>
-            <a:fillRect/>
-          </a:stretch>
-        </p:blipFill>
-        <p:spPr bwMode="auto">
-          <a:xfrm>
-            <a:off x="447198" y="1512000"/>
-            <a:ext cx="8280000" cy="4430001"/>
-          </a:xfrm>
-          <a:prstGeom prst="rect">
-            <a:avLst/>
-          </a:prstGeom>
-          <a:noFill/>
-          <a:ln>
-            <a:noFill/>
-          </a:ln>
-          <a:effectLst/>
-          <a:extLst>
-            <a:ext uri="{909E8E84-426E-40DD-AFC4-6F175D3DCCD1}">
-              <a14:hiddenFill xmlns:a14="http://schemas.microsoft.com/office/drawing/2010/main">
-                <a:solidFill>
-                  <a:schemeClr val="accent1"/>
-                </a:solidFill>
-              </a14:hiddenFill>
-            </a:ext>
-            <a:ext uri="{91240B29-F687-4F45-9708-019B960494DF}">
-              <a14:hiddenLine xmlns:a14="http://schemas.microsoft.com/office/drawing/2010/main" w="9525">
-                <a:solidFill>
-                  <a:schemeClr val="tx1"/>
-                </a:solidFill>
-                <a:miter lim="800000"/>
-                <a:headEnd/>
-                <a:tailEnd/>
-              </a14:hiddenLine>
-            </a:ext>
-            <a:ext uri="{AF507438-7753-43E0-B8FC-AC1667EBCBE1}">
-              <a14:hiddenEffects xmlns:a14="http://schemas.microsoft.com/office/drawing/2010/main">
-                <a:effectLst>
-                  <a:outerShdw dist="35921" dir="2700000" algn="ctr" rotWithShape="0">
-                    <a:schemeClr val="bg2"/>
-                  </a:outerShdw>
-                </a:effectLst>
-              </a14:hiddenEffects>
-            </a:ext>
-          </a:extLst>
-        </p:spPr>
-      </p:pic>
-      <p:pic>
-        <p:nvPicPr>
-          <p:cNvPr id="2056" name="Picture 8"/>
-          <p:cNvPicPr>
-            <a:picLocks noChangeAspect="1" noChangeArrowheads="1"/>
-          </p:cNvPicPr>
-          <p:nvPr/>
-        </p:nvPicPr>
-        <p:blipFill>
-          <a:blip r:embed="rId4">
-            <a:extLst>
-              <a:ext uri="{28A0092B-C50C-407E-A947-70E740481C1C}">
-                <a14:useLocalDpi xmlns:a14="http://schemas.microsoft.com/office/drawing/2010/main" val="0"/>
-              </a:ext>
-            </a:extLst>
-          </a:blip>
-          <a:srcRect/>
-          <a:stretch>
-            <a:fillRect/>
-          </a:stretch>
-        </p:blipFill>
-        <p:spPr bwMode="auto">
-          <a:xfrm>
-            <a:off x="446278" y="1474151"/>
-            <a:ext cx="8352000" cy="4447668"/>
-          </a:xfrm>
-          <a:prstGeom prst="rect">
-            <a:avLst/>
-          </a:prstGeom>
-          <a:noFill/>
-          <a:ln w="9525">
-            <a:noFill/>
-            <a:miter lim="800000"/>
-            <a:headEnd/>
-            <a:tailEnd/>
-          </a:ln>
-          <a:effectLst/>
-          <a:extLst>
-            <a:ext uri="{909E8E84-426E-40DD-AFC4-6F175D3DCCD1}">
-              <a14:hiddenFill xmlns:a14="http://schemas.microsoft.com/office/drawing/2010/main">
-                <a:solidFill>
-                  <a:schemeClr val="accent1"/>
-                </a:solidFill>
-              </a14:hiddenFill>
-            </a:ext>
-            <a:ext uri="{AF507438-7753-43E0-B8FC-AC1667EBCBE1}">
-              <a14:hiddenEffects xmlns:a14="http://schemas.microsoft.com/office/drawing/2010/main">
-                <a:effectLst>
-                  <a:outerShdw dist="35921" dir="2700000" algn="ctr" rotWithShape="0">
-                    <a:schemeClr val="bg2"/>
-                  </a:outerShdw>
-                </a:effectLst>
-              </a14:hiddenEffects>
-            </a:ext>
-          </a:extLst>
-        </p:spPr>
-      </p:pic>
-      <p:pic>
-        <p:nvPicPr>
-          <p:cNvPr id="8" name="Picture 2" descr="http://static.flickr.com/134/326234991_429619a02b_o.jpg"/>
-          <p:cNvPicPr>
-            <a:picLocks noChangeAspect="1" noChangeArrowheads="1"/>
-          </p:cNvPicPr>
-          <p:nvPr/>
-        </p:nvPicPr>
-        <p:blipFill>
-          <a:blip r:embed="rId5">
-            <a:extLst>
-              <a:ext uri="{28A0092B-C50C-407E-A947-70E740481C1C}">
-                <a14:useLocalDpi xmlns:a14="http://schemas.microsoft.com/office/drawing/2010/main" val="0"/>
-              </a:ext>
-            </a:extLst>
-          </a:blip>
-          <a:srcRect/>
-          <a:stretch>
-            <a:fillRect/>
-          </a:stretch>
-        </p:blipFill>
-        <p:spPr bwMode="auto">
-          <a:xfrm>
-            <a:off x="2627784" y="1474151"/>
-            <a:ext cx="4184387" cy="4289436"/>
-          </a:xfrm>
-          <a:prstGeom prst="rect">
-            <a:avLst/>
-          </a:prstGeom>
-          <a:noFill/>
-          <a:extLst>
-            <a:ext uri="{909E8E84-426E-40DD-AFC4-6F175D3DCCD1}">
-              <a14:hiddenFill xmlns:a14="http://schemas.microsoft.com/office/drawing/2010/main">
-                <a:solidFill>
-                  <a:srgbClr val="FFFFFF"/>
-                </a:solidFill>
-              </a14:hiddenFill>
             </a:ext>
           </a:extLst>
         </p:spPr>
@@ -5912,7 +5913,7 @@
                                           </p:stCondLst>
                                         </p:cTn>
                                         <p:tgtEl>
-                                          <p:spTgt spid="2053"/>
+                                          <p:spTgt spid="1026"/>
                                         </p:tgtEl>
                                         <p:attrNameLst>
                                           <p:attrName>style.visibility</p:attrName>
@@ -5957,7 +5958,7 @@
                                           </p:stCondLst>
                                         </p:cTn>
                                         <p:tgtEl>
-                                          <p:spTgt spid="2055"/>
+                                          <p:spTgt spid="1027"/>
                                         </p:tgtEl>
                                         <p:attrNameLst>
                                           <p:attrName>style.visibility</p:attrName>
@@ -6002,7 +6003,7 @@
                                           </p:stCondLst>
                                         </p:cTn>
                                         <p:tgtEl>
-                                          <p:spTgt spid="2056"/>
+                                          <p:spTgt spid="1029"/>
                                         </p:tgtEl>
                                         <p:attrNameLst>
                                           <p:attrName>style.visibility</p:attrName>
@@ -6213,7 +6214,6 @@
               <a:rPr lang="de-DE" dirty="0" smtClean="0"/>
               <a:t>Navigation verbessert</a:t>
             </a:r>
-            <a:endParaRPr lang="de-DE" dirty="0" smtClean="0"/>
           </a:p>
           <a:p>
             <a:r>
@@ -6232,11 +6232,7 @@
           <a:p>
             <a:r>
               <a:rPr lang="de-DE" dirty="0" smtClean="0"/>
-              <a:t>Farbliche </a:t>
-            </a:r>
-            <a:r>
-              <a:rPr lang="de-DE" dirty="0" smtClean="0"/>
-              <a:t>Gruppierung von Modulen</a:t>
+              <a:t>Farbliche Gruppierung von Modulen</a:t>
             </a:r>
           </a:p>
           <a:p>
